--- a/rmb-aina-meetup.pptx
+++ b/rmb-aina-meetup.pptx
@@ -5,40 +5,28 @@
     <p:sldMasterId id="2147483648" r:id="rId1"/>
   </p:sldMasterIdLst>
   <p:notesMasterIdLst>
-    <p:notesMasterId r:id="rId33"/>
+    <p:notesMasterId r:id="rId21"/>
   </p:notesMasterIdLst>
   <p:sldIdLst>
     <p:sldId id="256" r:id="rId2"/>
-    <p:sldId id="258" r:id="rId3"/>
-    <p:sldId id="330" r:id="rId4"/>
-    <p:sldId id="266" r:id="rId5"/>
-    <p:sldId id="267" r:id="rId6"/>
-    <p:sldId id="332" r:id="rId7"/>
-    <p:sldId id="269" r:id="rId8"/>
-    <p:sldId id="320" r:id="rId9"/>
-    <p:sldId id="311" r:id="rId10"/>
-    <p:sldId id="273" r:id="rId11"/>
-    <p:sldId id="327" r:id="rId12"/>
-    <p:sldId id="331" r:id="rId13"/>
-    <p:sldId id="312" r:id="rId14"/>
-    <p:sldId id="275" r:id="rId15"/>
-    <p:sldId id="322" r:id="rId16"/>
-    <p:sldId id="329" r:id="rId17"/>
-    <p:sldId id="317" r:id="rId18"/>
-    <p:sldId id="328" r:id="rId19"/>
-    <p:sldId id="324" r:id="rId20"/>
-    <p:sldId id="326" r:id="rId21"/>
-    <p:sldId id="325" r:id="rId22"/>
-    <p:sldId id="337" r:id="rId23"/>
-    <p:sldId id="261" r:id="rId24"/>
-    <p:sldId id="318" r:id="rId25"/>
-    <p:sldId id="319" r:id="rId26"/>
-    <p:sldId id="305" r:id="rId27"/>
-    <p:sldId id="306" r:id="rId28"/>
-    <p:sldId id="338" r:id="rId29"/>
-    <p:sldId id="339" r:id="rId30"/>
-    <p:sldId id="316" r:id="rId31"/>
-    <p:sldId id="336" r:id="rId32"/>
+    <p:sldId id="330" r:id="rId3"/>
+    <p:sldId id="332" r:id="rId4"/>
+    <p:sldId id="341" r:id="rId5"/>
+    <p:sldId id="266" r:id="rId6"/>
+    <p:sldId id="340" r:id="rId7"/>
+    <p:sldId id="339" r:id="rId8"/>
+    <p:sldId id="342" r:id="rId9"/>
+    <p:sldId id="320" r:id="rId10"/>
+    <p:sldId id="343" r:id="rId11"/>
+    <p:sldId id="269" r:id="rId12"/>
+    <p:sldId id="273" r:id="rId13"/>
+    <p:sldId id="275" r:id="rId14"/>
+    <p:sldId id="322" r:id="rId15"/>
+    <p:sldId id="261" r:id="rId16"/>
+    <p:sldId id="318" r:id="rId17"/>
+    <p:sldId id="338" r:id="rId18"/>
+    <p:sldId id="316" r:id="rId19"/>
+    <p:sldId id="336" r:id="rId20"/>
   </p:sldIdLst>
   <p:sldSz cx="12192000" cy="6858000"/>
   <p:notesSz cx="6858000" cy="9144000"/>
@@ -1857,7 +1845,7 @@
           <a:p>
             <a:fld id="{4A469429-6ED5-4301-866D-519E2D1EB5BF}" type="datetimeFigureOut">
               <a:rPr lang="en-US" smtClean="0"/>
-              <a:t>6/23/2021</a:t>
+              <a:t>9/2/2021</a:t>
             </a:fld>
             <a:endParaRPr lang="en-US"/>
           </a:p>
@@ -2257,7 +2245,15 @@
           <a:p>
             <a:r>
               <a:rPr lang="en-US" dirty="0"/>
-              <a:t>OK, first let’s start with R, and yes its full name is the R Project for Statistical Computing. </a:t>
+              <a:t>OK so what we are going to do here is go back to your session or open a new one. Go to the </a:t>
+            </a:r>
+            <a:r>
+              <a:rPr lang="en-US" dirty="0" err="1"/>
+              <a:t>diamonds.r</a:t>
+            </a:r>
+            <a:r>
+              <a:rPr lang="en-US" dirty="0"/>
+              <a:t> dataset. And let’s actually conduct the analysis that was hinted at earlier. </a:t>
             </a:r>
           </a:p>
         </p:txBody>
@@ -2288,7 +2284,7 @@
     </p:spTree>
     <p:extLst>
       <p:ext uri="{BB962C8B-B14F-4D97-AF65-F5344CB8AC3E}">
-        <p14:creationId xmlns:p14="http://schemas.microsoft.com/office/powerpoint/2010/main" val="2308189684"/>
+        <p14:creationId xmlns:p14="http://schemas.microsoft.com/office/powerpoint/2010/main" val="1768022044"/>
       </p:ext>
     </p:extLst>
   </p:cSld>
@@ -2344,17 +2340,14 @@
           <a:p>
             <a:r>
               <a:rPr lang="en-US" dirty="0"/>
-              <a:t>So R was really built by statisticians, for statisticians. </a:t>
+              <a:t>So this seems patronizing</a:t>
             </a:r>
           </a:p>
           <a:p>
             <a:r>
               <a:rPr lang="en-US" dirty="0"/>
-              <a:t>Add a slide here who uses it and so forth. </a:t>
-            </a:r>
-          </a:p>
-          <a:p>
-            <a:endParaRPr lang="en-US" dirty="0"/>
+              <a:t>How about add a slide defining what analytics is. </a:t>
+            </a:r>
           </a:p>
         </p:txBody>
       </p:sp>
@@ -2384,7 +2377,7 @@
     </p:spTree>
     <p:extLst>
       <p:ext uri="{BB962C8B-B14F-4D97-AF65-F5344CB8AC3E}">
-        <p14:creationId xmlns:p14="http://schemas.microsoft.com/office/powerpoint/2010/main" val="681382161"/>
+        <p14:creationId xmlns:p14="http://schemas.microsoft.com/office/powerpoint/2010/main" val="2503047166"/>
       </p:ext>
     </p:extLst>
   </p:cSld>
@@ -2440,23 +2433,8 @@
           <a:p>
             <a:r>
               <a:rPr lang="en-US" dirty="0"/>
-              <a:t>Now like I mentioned when something is open source that means anyone is welcome to build on the code base however they like. RStudio is a very popular integrated development environment which is used to interact with the code base. </a:t>
-            </a:r>
-          </a:p>
-          <a:p>
-            <a:endParaRPr lang="en-US" dirty="0"/>
-          </a:p>
-          <a:p>
-            <a:r>
-              <a:rPr lang="en-US" dirty="0"/>
-              <a:t>In Excel we are used to the code base and interface all being wrapped up in one package so this is something that could take some getting used to for you. </a:t>
-            </a:r>
-          </a:p>
-          <a:p>
-            <a:endParaRPr lang="en-US" dirty="0"/>
-          </a:p>
-          <a:p>
-            <a:endParaRPr lang="en-US" dirty="0"/>
+              <a:t>OK, first let’s start with R, and yes its full name is the R Project for Statistical Computing. </a:t>
+            </a:r>
           </a:p>
         </p:txBody>
       </p:sp>
@@ -2486,7 +2464,7 @@
     </p:spTree>
     <p:extLst>
       <p:ext uri="{BB962C8B-B14F-4D97-AF65-F5344CB8AC3E}">
-        <p14:creationId xmlns:p14="http://schemas.microsoft.com/office/powerpoint/2010/main" val="4230799613"/>
+        <p14:creationId xmlns:p14="http://schemas.microsoft.com/office/powerpoint/2010/main" val="2308189684"/>
       </p:ext>
     </p:extLst>
   </p:cSld>
@@ -2542,40 +2520,7 @@
           <a:p>
             <a:r>
               <a:rPr lang="en-US" dirty="0"/>
-              <a:t>OK so now it’s time for a demo. I want this meetup to be as interactive as possible. You will see in the repo there is a button that says Run in </a:t>
-            </a:r>
-            <a:r>
-              <a:rPr lang="en-US" dirty="0" err="1"/>
-              <a:t>Rstudio</a:t>
-            </a:r>
-            <a:r>
-              <a:rPr lang="en-US" dirty="0"/>
-              <a:t>. This is going to launch </a:t>
-            </a:r>
-            <a:r>
-              <a:rPr lang="en-US" dirty="0" err="1"/>
-              <a:t>Rstudio</a:t>
-            </a:r>
-            <a:r>
-              <a:rPr lang="en-US" dirty="0"/>
-              <a:t> right in your browser window. And when you get there you are going to see these four screens. </a:t>
-            </a:r>
-          </a:p>
-          <a:p>
-            <a:endParaRPr lang="en-US" dirty="0"/>
-          </a:p>
-          <a:p>
-            <a:r>
-              <a:rPr lang="en-US" dirty="0"/>
-              <a:t>So what I want to do now is just show you what </a:t>
-            </a:r>
-            <a:r>
-              <a:rPr lang="en-US" dirty="0" err="1"/>
-              <a:t>Rstudio</a:t>
-            </a:r>
-            <a:r>
-              <a:rPr lang="en-US" dirty="0"/>
-              <a:t> looks like. We aren’t going to get too into depth about all the object types and so forth, just a little tour here. </a:t>
+              <a:t>Now another thing unique to open source programs is this idea of packages. You can kind of think of this as like add-ins for Excel – the analogy I like to use is as apps on a phone. </a:t>
             </a:r>
           </a:p>
         </p:txBody>
@@ -2606,7 +2551,7 @@
     </p:spTree>
     <p:extLst>
       <p:ext uri="{BB962C8B-B14F-4D97-AF65-F5344CB8AC3E}">
-        <p14:creationId xmlns:p14="http://schemas.microsoft.com/office/powerpoint/2010/main" val="568902224"/>
+        <p14:creationId xmlns:p14="http://schemas.microsoft.com/office/powerpoint/2010/main" val="4093464438"/>
       </p:ext>
     </p:extLst>
   </p:cSld>
@@ -2662,7 +2607,15 @@
           <a:p>
             <a:r>
               <a:rPr lang="en-US" dirty="0"/>
-              <a:t>Now another thing unique to open source programs is this idea of packages. You can kind of think of this as like add-ins for Excel – the analogy I like to use is as apps on a phone. </a:t>
+              <a:t>OK so what we are going to do here is go back to your session or open a new one. Go to the </a:t>
+            </a:r>
+            <a:r>
+              <a:rPr lang="en-US" dirty="0" err="1"/>
+              <a:t>diamonds.r</a:t>
+            </a:r>
+            <a:r>
+              <a:rPr lang="en-US" dirty="0"/>
+              <a:t> dataset. And let’s actually conduct the analysis that was hinted at earlier. </a:t>
             </a:r>
           </a:p>
         </p:txBody>
@@ -2693,7 +2646,7 @@
     </p:spTree>
     <p:extLst>
       <p:ext uri="{BB962C8B-B14F-4D97-AF65-F5344CB8AC3E}">
-        <p14:creationId xmlns:p14="http://schemas.microsoft.com/office/powerpoint/2010/main" val="4093464438"/>
+        <p14:creationId xmlns:p14="http://schemas.microsoft.com/office/powerpoint/2010/main" val="886286121"/>
       </p:ext>
     </p:extLst>
   </p:cSld>
@@ -2749,15 +2702,7 @@
           <a:p>
             <a:r>
               <a:rPr lang="en-US" dirty="0"/>
-              <a:t>OK so what we are going to do here is go back to your session or open a new one. Go to the </a:t>
-            </a:r>
-            <a:r>
-              <a:rPr lang="en-US" dirty="0" err="1"/>
-              <a:t>diamonds.r</a:t>
-            </a:r>
-            <a:r>
-              <a:rPr lang="en-US" dirty="0"/>
-              <a:t> dataset. And let’s actually conduct the analysis that was hinted at earlier. </a:t>
+              <a:t>Any questions about Python? </a:t>
             </a:r>
           </a:p>
         </p:txBody>
@@ -2788,7 +2733,7 @@
     </p:spTree>
     <p:extLst>
       <p:ext uri="{BB962C8B-B14F-4D97-AF65-F5344CB8AC3E}">
-        <p14:creationId xmlns:p14="http://schemas.microsoft.com/office/powerpoint/2010/main" val="886286121"/>
+        <p14:creationId xmlns:p14="http://schemas.microsoft.com/office/powerpoint/2010/main" val="1621402403"/>
       </p:ext>
     </p:extLst>
   </p:cSld>
@@ -2844,23 +2789,13 @@
           <a:p>
             <a:r>
               <a:rPr lang="en-US" dirty="0"/>
-              <a:t>Any questions so far about using R? </a:t>
-            </a:r>
-          </a:p>
-          <a:p>
-            <a:r>
-              <a:rPr lang="en-US" dirty="0"/>
-              <a:t>Again I just want to show you how easy it is to get up and running there as an Excel user and what to expect when working with open source programs. </a:t>
-            </a:r>
-          </a:p>
-          <a:p>
+              <a:t>OK now for one last demo. I want to show you an example of “remixing” some of these different tools and really using each resource to its full potential. And the pun here is “shell” as in </a:t>
+            </a:r>
+            <a:r>
+              <a:rPr lang="en-US"/>
+              <a:t>a programming shell. </a:t>
+            </a:r>
             <a:endParaRPr lang="en-US" dirty="0"/>
-          </a:p>
-          <a:p>
-            <a:r>
-              <a:rPr lang="en-US" dirty="0"/>
-              <a:t>Now I guess one of the questions I might have in your shoes is what’s the big deal, we can do the same kind of stuff with Power Query. So I want to acknowledge that. </a:t>
-            </a:r>
           </a:p>
         </p:txBody>
       </p:sp>
@@ -2890,7 +2825,7 @@
     </p:spTree>
     <p:extLst>
       <p:ext uri="{BB962C8B-B14F-4D97-AF65-F5344CB8AC3E}">
-        <p14:creationId xmlns:p14="http://schemas.microsoft.com/office/powerpoint/2010/main" val="2041702506"/>
+        <p14:creationId xmlns:p14="http://schemas.microsoft.com/office/powerpoint/2010/main" val="2993127751"/>
       </p:ext>
     </p:extLst>
   </p:cSld>
@@ -2944,42 +2879,7 @@
           <a:bodyPr/>
           <a:lstStyle/>
           <a:p>
-            <a:pPr marL="0" marR="0" lvl="0" indent="0" algn="l" defTabSz="914400" rtl="0" eaLnBrk="1" fontAlgn="auto" latinLnBrk="0" hangingPunct="1">
-              <a:lnSpc>
-                <a:spcPct val="100000"/>
-              </a:lnSpc>
-              <a:spcBef>
-                <a:spcPts val="0"/>
-              </a:spcBef>
-              <a:spcAft>
-                <a:spcPts val="0"/>
-              </a:spcAft>
-              <a:buClrTx/>
-              <a:buSzTx/>
-              <a:buFontTx/>
-              <a:buNone/>
-              <a:tabLst/>
-              <a:defRPr/>
-            </a:pPr>
-            <a:r>
-              <a:rPr lang="en-US" dirty="0"/>
-              <a:t>Well this is the name of the section just because I couldn’t think of anything else that started with a P…. </a:t>
-            </a:r>
-          </a:p>
-          <a:p>
             <a:endParaRPr lang="en-US" dirty="0"/>
-          </a:p>
-          <a:p>
-            <a:r>
-              <a:rPr lang="en-US" dirty="0"/>
-              <a:t>Anyway let’s situate Python here for a sec. If you are wondering about the difference between R and Python – like I mentioned earlier R is best known for its statistical capabilities, it was born and raised to be a statistical language.</a:t>
-            </a:r>
-          </a:p>
-          <a:p>
-            <a:r>
-              <a:rPr lang="en-US" dirty="0"/>
-              <a:t>On the other hand Python was built primarily as a computer scripting language, sort of like VBA. So they were built for somewhat different needs which means they both have their strengths and weaknesses. For example, Python does not include a built-in data structure for a tabular data source, so we’ll need to rely on open source packages to implement it. </a:t>
-            </a:r>
           </a:p>
         </p:txBody>
       </p:sp>
@@ -3009,198 +2909,7 @@
     </p:spTree>
     <p:extLst>
       <p:ext uri="{BB962C8B-B14F-4D97-AF65-F5344CB8AC3E}">
-        <p14:creationId xmlns:p14="http://schemas.microsoft.com/office/powerpoint/2010/main" val="417089810"/>
-      </p:ext>
-    </p:extLst>
-  </p:cSld>
-  <p:clrMapOvr>
-    <a:masterClrMapping/>
-  </p:clrMapOvr>
-</p:notes>
-</file>
-
-<file path=ppt/notesSlides/notesSlide18.xml><?xml version="1.0" encoding="utf-8"?>
-<p:notes xmlns:a="http://schemas.openxmlformats.org/drawingml/2006/main" xmlns:r="http://schemas.openxmlformats.org/officeDocument/2006/relationships" xmlns:p="http://schemas.openxmlformats.org/presentationml/2006/main">
-  <p:cSld>
-    <p:spTree>
-      <p:nvGrpSpPr>
-        <p:cNvPr id="1" name=""/>
-        <p:cNvGrpSpPr/>
-        <p:nvPr/>
-      </p:nvGrpSpPr>
-      <p:grpSpPr>
-        <a:xfrm>
-          <a:off x="0" y="0"/>
-          <a:ext cx="0" cy="0"/>
-          <a:chOff x="0" y="0"/>
-          <a:chExt cx="0" cy="0"/>
-        </a:xfrm>
-      </p:grpSpPr>
-      <p:sp>
-        <p:nvSpPr>
-          <p:cNvPr id="2" name="Slide Image Placeholder 1"/>
-          <p:cNvSpPr>
-            <a:spLocks noGrp="1" noRot="1" noChangeAspect="1"/>
-          </p:cNvSpPr>
-          <p:nvPr>
-            <p:ph type="sldImg"/>
-          </p:nvPr>
-        </p:nvSpPr>
-        <p:spPr/>
-      </p:sp>
-      <p:sp>
-        <p:nvSpPr>
-          <p:cNvPr id="3" name="Notes Placeholder 2"/>
-          <p:cNvSpPr>
-            <a:spLocks noGrp="1"/>
-          </p:cNvSpPr>
-          <p:nvPr>
-            <p:ph type="body" idx="1"/>
-          </p:nvPr>
-        </p:nvSpPr>
-        <p:spPr/>
-        <p:txBody>
-          <a:bodyPr/>
-          <a:lstStyle/>
-          <a:p>
-            <a:r>
-              <a:rPr lang="en-US" dirty="0"/>
-              <a:t>OK now remember that being open source means anyone is free to repackage and redistribute code. In the case of Python the official source code lives with the Python foundation and can be found there. It’s more common however to download from the Anaconda _distribution_ of that code. One of the reasons why is Anaconda comes with some goodies that don’t come with the raw </a:t>
-            </a:r>
-            <a:r>
-              <a:rPr lang="en-US" dirty="0" err="1"/>
-              <a:t>Pyhon</a:t>
-            </a:r>
-            <a:r>
-              <a:rPr lang="en-US" dirty="0"/>
-              <a:t> installation. One of those is the Jupyter notebook, which is a browser-based app we’ll be using to work with Python. </a:t>
-            </a:r>
-          </a:p>
-        </p:txBody>
-      </p:sp>
-      <p:sp>
-        <p:nvSpPr>
-          <p:cNvPr id="4" name="Slide Number Placeholder 3"/>
-          <p:cNvSpPr>
-            <a:spLocks noGrp="1"/>
-          </p:cNvSpPr>
-          <p:nvPr>
-            <p:ph type="sldNum" sz="quarter" idx="5"/>
-          </p:nvPr>
-        </p:nvSpPr>
-        <p:spPr/>
-        <p:txBody>
-          <a:bodyPr/>
-          <a:lstStyle/>
-          <a:p>
-            <a:fld id="{3BB66621-ADCC-4EF8-8003-B9D3E881DCD2}" type="slidenum">
-              <a:rPr lang="en-US" smtClean="0"/>
-              <a:t>18</a:t>
-            </a:fld>
-            <a:endParaRPr lang="en-US"/>
-          </a:p>
-        </p:txBody>
-      </p:sp>
-    </p:spTree>
-    <p:extLst>
-      <p:ext uri="{BB962C8B-B14F-4D97-AF65-F5344CB8AC3E}">
-        <p14:creationId xmlns:p14="http://schemas.microsoft.com/office/powerpoint/2010/main" val="4114936636"/>
-      </p:ext>
-    </p:extLst>
-  </p:cSld>
-  <p:clrMapOvr>
-    <a:masterClrMapping/>
-  </p:clrMapOvr>
-</p:notes>
-</file>
-
-<file path=ppt/notesSlides/notesSlide19.xml><?xml version="1.0" encoding="utf-8"?>
-<p:notes xmlns:a="http://schemas.openxmlformats.org/drawingml/2006/main" xmlns:r="http://schemas.openxmlformats.org/officeDocument/2006/relationships" xmlns:p="http://schemas.openxmlformats.org/presentationml/2006/main">
-  <p:cSld>
-    <p:spTree>
-      <p:nvGrpSpPr>
-        <p:cNvPr id="1" name=""/>
-        <p:cNvGrpSpPr/>
-        <p:nvPr/>
-      </p:nvGrpSpPr>
-      <p:grpSpPr>
-        <a:xfrm>
-          <a:off x="0" y="0"/>
-          <a:ext cx="0" cy="0"/>
-          <a:chOff x="0" y="0"/>
-          <a:chExt cx="0" cy="0"/>
-        </a:xfrm>
-      </p:grpSpPr>
-      <p:sp>
-        <p:nvSpPr>
-          <p:cNvPr id="2" name="Slide Image Placeholder 1"/>
-          <p:cNvSpPr>
-            <a:spLocks noGrp="1" noRot="1" noChangeAspect="1"/>
-          </p:cNvSpPr>
-          <p:nvPr>
-            <p:ph type="sldImg"/>
-          </p:nvPr>
-        </p:nvSpPr>
-        <p:spPr/>
-      </p:sp>
-      <p:sp>
-        <p:nvSpPr>
-          <p:cNvPr id="3" name="Notes Placeholder 2"/>
-          <p:cNvSpPr>
-            <a:spLocks noGrp="1"/>
-          </p:cNvSpPr>
-          <p:nvPr>
-            <p:ph type="body" idx="1"/>
-          </p:nvPr>
-        </p:nvSpPr>
-        <p:spPr/>
-        <p:txBody>
-          <a:bodyPr/>
-          <a:lstStyle/>
-          <a:p>
-            <a:r>
-              <a:rPr lang="en-US" dirty="0"/>
-              <a:t>OK again, what I want to do here is just show you the basics of working with Jupyter. You will see in the repo there is an option to launch an interactive session, so do that and let’s navigate the four sections of Jupyter and get comfortable working there. </a:t>
-            </a:r>
-          </a:p>
-          <a:p>
-            <a:endParaRPr lang="en-US" dirty="0"/>
-          </a:p>
-          <a:p>
-            <a:r>
-              <a:rPr lang="en-US" dirty="0"/>
-              <a:t>Possibly come up with some demo notes for this  </a:t>
-            </a:r>
-          </a:p>
-        </p:txBody>
-      </p:sp>
-      <p:sp>
-        <p:nvSpPr>
-          <p:cNvPr id="4" name="Slide Number Placeholder 3"/>
-          <p:cNvSpPr>
-            <a:spLocks noGrp="1"/>
-          </p:cNvSpPr>
-          <p:nvPr>
-            <p:ph type="sldNum" sz="quarter" idx="5"/>
-          </p:nvPr>
-        </p:nvSpPr>
-        <p:spPr/>
-        <p:txBody>
-          <a:bodyPr/>
-          <a:lstStyle/>
-          <a:p>
-            <a:fld id="{3BB66621-ADCC-4EF8-8003-B9D3E881DCD2}" type="slidenum">
-              <a:rPr lang="en-US" smtClean="0"/>
-              <a:t>19</a:t>
-            </a:fld>
-            <a:endParaRPr lang="en-US"/>
-          </a:p>
-        </p:txBody>
-      </p:sp>
-    </p:spTree>
-    <p:extLst>
-      <p:ext uri="{BB962C8B-B14F-4D97-AF65-F5344CB8AC3E}">
-        <p14:creationId xmlns:p14="http://schemas.microsoft.com/office/powerpoint/2010/main" val="2782667413"/>
+        <p14:creationId xmlns:p14="http://schemas.microsoft.com/office/powerpoint/2010/main" val="128776136"/>
       </p:ext>
     </p:extLst>
   </p:cSld>
@@ -3256,7 +2965,7 @@
           <a:p>
             <a:r>
               <a:rPr lang="en-US" dirty="0"/>
-              <a:t>If you’d like to follow along with the presentation, all resources are available at this link.</a:t>
+              <a:t>So what do we want to do today – well this is an Excel meetup, so this would be a weird meetup for me to be trashing Excel as an inherently inferior tool. I love Excel and it’s my home base for working with data, and I’ve found for some tasks that R and Python are just better fits. I want to contextualize R and Python as complementary resources. </a:t>
             </a:r>
           </a:p>
           <a:p>
@@ -3265,7 +2974,25 @@
           <a:p>
             <a:r>
               <a:rPr lang="en-US" dirty="0"/>
-              <a:t>I also wanted to give a shout-out to Alan Turing, born on this day in 1912. </a:t>
+              <a:t>So if you are interested in learning these tools as an Excel user, I want to give you a clear learning path and provide you an overview here. Now it probably seems really intimidating to go anywhere near R or Python but by the end of this hour you’ll have a good lay of the land – I’ll have some demos here where you can use the industry standard software for these languages without having to download anything. </a:t>
+            </a:r>
+          </a:p>
+          <a:p>
+            <a:endParaRPr lang="en-US" dirty="0"/>
+          </a:p>
+          <a:p>
+            <a:r>
+              <a:rPr lang="en-US" dirty="0"/>
+              <a:t>I also want to go a bit further than I necessarily do in the book and show some tangible demos for combining these two tools – again I want to show that you should think of these tools as complements and not substitutes. </a:t>
+            </a:r>
+          </a:p>
+          <a:p>
+            <a:endParaRPr lang="en-US" dirty="0"/>
+          </a:p>
+          <a:p>
+            <a:r>
+              <a:rPr lang="en-US" dirty="0"/>
+              <a:t>So those are the official learning objectives. </a:t>
             </a:r>
           </a:p>
         </p:txBody>
@@ -3296,659 +3023,7 @@
     </p:spTree>
     <p:extLst>
       <p:ext uri="{BB962C8B-B14F-4D97-AF65-F5344CB8AC3E}">
-        <p14:creationId xmlns:p14="http://schemas.microsoft.com/office/powerpoint/2010/main" val="2213468204"/>
-      </p:ext>
-    </p:extLst>
-  </p:cSld>
-  <p:clrMapOvr>
-    <a:masterClrMapping/>
-  </p:clrMapOvr>
-</p:notes>
-</file>
-
-<file path=ppt/notesSlides/notesSlide20.xml><?xml version="1.0" encoding="utf-8"?>
-<p:notes xmlns:a="http://schemas.openxmlformats.org/drawingml/2006/main" xmlns:r="http://schemas.openxmlformats.org/officeDocument/2006/relationships" xmlns:p="http://schemas.openxmlformats.org/presentationml/2006/main">
-  <p:cSld>
-    <p:spTree>
-      <p:nvGrpSpPr>
-        <p:cNvPr id="1" name=""/>
-        <p:cNvGrpSpPr/>
-        <p:nvPr/>
-      </p:nvGrpSpPr>
-      <p:grpSpPr>
-        <a:xfrm>
-          <a:off x="0" y="0"/>
-          <a:ext cx="0" cy="0"/>
-          <a:chOff x="0" y="0"/>
-          <a:chExt cx="0" cy="0"/>
-        </a:xfrm>
-      </p:grpSpPr>
-      <p:sp>
-        <p:nvSpPr>
-          <p:cNvPr id="2" name="Slide Image Placeholder 1"/>
-          <p:cNvSpPr>
-            <a:spLocks noGrp="1" noRot="1" noChangeAspect="1"/>
-          </p:cNvSpPr>
-          <p:nvPr>
-            <p:ph type="sldImg"/>
-          </p:nvPr>
-        </p:nvSpPr>
-        <p:spPr/>
-      </p:sp>
-      <p:sp>
-        <p:nvSpPr>
-          <p:cNvPr id="3" name="Notes Placeholder 2"/>
-          <p:cNvSpPr>
-            <a:spLocks noGrp="1"/>
-          </p:cNvSpPr>
-          <p:nvPr>
-            <p:ph type="body" idx="1"/>
-          </p:nvPr>
-        </p:nvSpPr>
-        <p:spPr/>
-        <p:txBody>
-          <a:bodyPr/>
-          <a:lstStyle/>
-          <a:p>
-            <a:r>
-              <a:rPr lang="en-US" dirty="0"/>
-              <a:t>OK so if you want to head back to that file on your browser what we’ll do here is export and format a dataset from Python to Excel. We’ll need to use some modules, what you know as packages, to do this. </a:t>
-            </a:r>
-          </a:p>
-        </p:txBody>
-      </p:sp>
-      <p:sp>
-        <p:nvSpPr>
-          <p:cNvPr id="4" name="Slide Number Placeholder 3"/>
-          <p:cNvSpPr>
-            <a:spLocks noGrp="1"/>
-          </p:cNvSpPr>
-          <p:nvPr>
-            <p:ph type="sldNum" sz="quarter" idx="5"/>
-          </p:nvPr>
-        </p:nvSpPr>
-        <p:spPr/>
-        <p:txBody>
-          <a:bodyPr/>
-          <a:lstStyle/>
-          <a:p>
-            <a:fld id="{3BB66621-ADCC-4EF8-8003-B9D3E881DCD2}" type="slidenum">
-              <a:rPr lang="en-US" smtClean="0"/>
-              <a:t>20</a:t>
-            </a:fld>
-            <a:endParaRPr lang="en-US"/>
-          </a:p>
-        </p:txBody>
-      </p:sp>
-    </p:spTree>
-    <p:extLst>
-      <p:ext uri="{BB962C8B-B14F-4D97-AF65-F5344CB8AC3E}">
-        <p14:creationId xmlns:p14="http://schemas.microsoft.com/office/powerpoint/2010/main" val="2138736525"/>
-      </p:ext>
-    </p:extLst>
-  </p:cSld>
-  <p:clrMapOvr>
-    <a:masterClrMapping/>
-  </p:clrMapOvr>
-</p:notes>
-</file>
-
-<file path=ppt/notesSlides/notesSlide21.xml><?xml version="1.0" encoding="utf-8"?>
-<p:notes xmlns:a="http://schemas.openxmlformats.org/drawingml/2006/main" xmlns:r="http://schemas.openxmlformats.org/officeDocument/2006/relationships" xmlns:p="http://schemas.openxmlformats.org/presentationml/2006/main">
-  <p:cSld>
-    <p:spTree>
-      <p:nvGrpSpPr>
-        <p:cNvPr id="1" name=""/>
-        <p:cNvGrpSpPr/>
-        <p:nvPr/>
-      </p:nvGrpSpPr>
-      <p:grpSpPr>
-        <a:xfrm>
-          <a:off x="0" y="0"/>
-          <a:ext cx="0" cy="0"/>
-          <a:chOff x="0" y="0"/>
-          <a:chExt cx="0" cy="0"/>
-        </a:xfrm>
-      </p:grpSpPr>
-      <p:sp>
-        <p:nvSpPr>
-          <p:cNvPr id="2" name="Slide Image Placeholder 1"/>
-          <p:cNvSpPr>
-            <a:spLocks noGrp="1" noRot="1" noChangeAspect="1"/>
-          </p:cNvSpPr>
-          <p:nvPr>
-            <p:ph type="sldImg"/>
-          </p:nvPr>
-        </p:nvSpPr>
-        <p:spPr/>
-      </p:sp>
-      <p:sp>
-        <p:nvSpPr>
-          <p:cNvPr id="3" name="Notes Placeholder 2"/>
-          <p:cNvSpPr>
-            <a:spLocks noGrp="1"/>
-          </p:cNvSpPr>
-          <p:nvPr>
-            <p:ph type="body" idx="1"/>
-          </p:nvPr>
-        </p:nvSpPr>
-        <p:spPr/>
-        <p:txBody>
-          <a:bodyPr/>
-          <a:lstStyle/>
-          <a:p>
-            <a:r>
-              <a:rPr lang="en-US" dirty="0"/>
-              <a:t>OK so let’s talk about Python. In particular as an Excel user something to be aware of is the growing interest in integrating it with Python. Now I’ve linked to the infamous UserVoice survey above asking for this feature. I won’t press Alan or any of our MVPs on the matter but something is happening there… </a:t>
-            </a:r>
-          </a:p>
-          <a:p>
-            <a:endParaRPr lang="en-US" dirty="0"/>
-          </a:p>
-          <a:p>
-            <a:r>
-              <a:rPr lang="en-US" dirty="0"/>
-              <a:t>There are also some popular packages over here but there are even more. So in this demo I am going to share a really brief example for “Python-Powered Excel.” </a:t>
-            </a:r>
-          </a:p>
-        </p:txBody>
-      </p:sp>
-      <p:sp>
-        <p:nvSpPr>
-          <p:cNvPr id="4" name="Slide Number Placeholder 3"/>
-          <p:cNvSpPr>
-            <a:spLocks noGrp="1"/>
-          </p:cNvSpPr>
-          <p:nvPr>
-            <p:ph type="sldNum" sz="quarter" idx="5"/>
-          </p:nvPr>
-        </p:nvSpPr>
-        <p:spPr/>
-        <p:txBody>
-          <a:bodyPr/>
-          <a:lstStyle/>
-          <a:p>
-            <a:fld id="{3BB66621-ADCC-4EF8-8003-B9D3E881DCD2}" type="slidenum">
-              <a:rPr lang="en-US" smtClean="0"/>
-              <a:t>21</a:t>
-            </a:fld>
-            <a:endParaRPr lang="en-US"/>
-          </a:p>
-        </p:txBody>
-      </p:sp>
-    </p:spTree>
-    <p:extLst>
-      <p:ext uri="{BB962C8B-B14F-4D97-AF65-F5344CB8AC3E}">
-        <p14:creationId xmlns:p14="http://schemas.microsoft.com/office/powerpoint/2010/main" val="3867863443"/>
-      </p:ext>
-    </p:extLst>
-  </p:cSld>
-  <p:clrMapOvr>
-    <a:masterClrMapping/>
-  </p:clrMapOvr>
-</p:notes>
-</file>
-
-<file path=ppt/notesSlides/notesSlide22.xml><?xml version="1.0" encoding="utf-8"?>
-<p:notes xmlns:a="http://schemas.openxmlformats.org/drawingml/2006/main" xmlns:r="http://schemas.openxmlformats.org/officeDocument/2006/relationships" xmlns:p="http://schemas.openxmlformats.org/presentationml/2006/main">
-  <p:cSld>
-    <p:spTree>
-      <p:nvGrpSpPr>
-        <p:cNvPr id="1" name=""/>
-        <p:cNvGrpSpPr/>
-        <p:nvPr/>
-      </p:nvGrpSpPr>
-      <p:grpSpPr>
-        <a:xfrm>
-          <a:off x="0" y="0"/>
-          <a:ext cx="0" cy="0"/>
-          <a:chOff x="0" y="0"/>
-          <a:chExt cx="0" cy="0"/>
-        </a:xfrm>
-      </p:grpSpPr>
-      <p:sp>
-        <p:nvSpPr>
-          <p:cNvPr id="2" name="Slide Image Placeholder 1"/>
-          <p:cNvSpPr>
-            <a:spLocks noGrp="1" noRot="1" noChangeAspect="1"/>
-          </p:cNvSpPr>
-          <p:nvPr>
-            <p:ph type="sldImg"/>
-          </p:nvPr>
-        </p:nvSpPr>
-        <p:spPr/>
-      </p:sp>
-      <p:sp>
-        <p:nvSpPr>
-          <p:cNvPr id="3" name="Notes Placeholder 2"/>
-          <p:cNvSpPr>
-            <a:spLocks noGrp="1"/>
-          </p:cNvSpPr>
-          <p:nvPr>
-            <p:ph type="body" idx="1"/>
-          </p:nvPr>
-        </p:nvSpPr>
-        <p:spPr/>
-        <p:txBody>
-          <a:bodyPr/>
-          <a:lstStyle/>
-          <a:p>
-            <a:r>
-              <a:rPr lang="en-US" dirty="0"/>
-              <a:t>OK, in this demo you will look a bit more into using Python as an automation tool for Excel. You already saw that Python makes for pretty intuitive data analysis. I don’t know that this package is as intuitive, but I don’t know it’s any worse than VBA, and the nice thing is that it layers so many Python features into it as well. So go back to the repo and the Python-Powered Excel worksheet. </a:t>
-            </a:r>
-          </a:p>
-        </p:txBody>
-      </p:sp>
-      <p:sp>
-        <p:nvSpPr>
-          <p:cNvPr id="4" name="Slide Number Placeholder 3"/>
-          <p:cNvSpPr>
-            <a:spLocks noGrp="1"/>
-          </p:cNvSpPr>
-          <p:nvPr>
-            <p:ph type="sldNum" sz="quarter" idx="5"/>
-          </p:nvPr>
-        </p:nvSpPr>
-        <p:spPr/>
-        <p:txBody>
-          <a:bodyPr/>
-          <a:lstStyle/>
-          <a:p>
-            <a:fld id="{3BB66621-ADCC-4EF8-8003-B9D3E881DCD2}" type="slidenum">
-              <a:rPr lang="en-US" smtClean="0"/>
-              <a:t>22</a:t>
-            </a:fld>
-            <a:endParaRPr lang="en-US"/>
-          </a:p>
-        </p:txBody>
-      </p:sp>
-    </p:spTree>
-    <p:extLst>
-      <p:ext uri="{BB962C8B-B14F-4D97-AF65-F5344CB8AC3E}">
-        <p14:creationId xmlns:p14="http://schemas.microsoft.com/office/powerpoint/2010/main" val="244829016"/>
-      </p:ext>
-    </p:extLst>
-  </p:cSld>
-  <p:clrMapOvr>
-    <a:masterClrMapping/>
-  </p:clrMapOvr>
-</p:notes>
-</file>
-
-<file path=ppt/notesSlides/notesSlide23.xml><?xml version="1.0" encoding="utf-8"?>
-<p:notes xmlns:a="http://schemas.openxmlformats.org/drawingml/2006/main" xmlns:r="http://schemas.openxmlformats.org/officeDocument/2006/relationships" xmlns:p="http://schemas.openxmlformats.org/presentationml/2006/main">
-  <p:cSld>
-    <p:spTree>
-      <p:nvGrpSpPr>
-        <p:cNvPr id="1" name=""/>
-        <p:cNvGrpSpPr/>
-        <p:nvPr/>
-      </p:nvGrpSpPr>
-      <p:grpSpPr>
-        <a:xfrm>
-          <a:off x="0" y="0"/>
-          <a:ext cx="0" cy="0"/>
-          <a:chOff x="0" y="0"/>
-          <a:chExt cx="0" cy="0"/>
-        </a:xfrm>
-      </p:grpSpPr>
-      <p:sp>
-        <p:nvSpPr>
-          <p:cNvPr id="2" name="Slide Image Placeholder 1"/>
-          <p:cNvSpPr>
-            <a:spLocks noGrp="1" noRot="1" noChangeAspect="1"/>
-          </p:cNvSpPr>
-          <p:nvPr>
-            <p:ph type="sldImg"/>
-          </p:nvPr>
-        </p:nvSpPr>
-        <p:spPr/>
-      </p:sp>
-      <p:sp>
-        <p:nvSpPr>
-          <p:cNvPr id="3" name="Notes Placeholder 2"/>
-          <p:cNvSpPr>
-            <a:spLocks noGrp="1"/>
-          </p:cNvSpPr>
-          <p:nvPr>
-            <p:ph type="body" idx="1"/>
-          </p:nvPr>
-        </p:nvSpPr>
-        <p:spPr/>
-        <p:txBody>
-          <a:bodyPr/>
-          <a:lstStyle/>
-          <a:p>
-            <a:r>
-              <a:rPr lang="en-US" dirty="0"/>
-              <a:t>Any questions about Python? </a:t>
-            </a:r>
-          </a:p>
-        </p:txBody>
-      </p:sp>
-      <p:sp>
-        <p:nvSpPr>
-          <p:cNvPr id="4" name="Slide Number Placeholder 3"/>
-          <p:cNvSpPr>
-            <a:spLocks noGrp="1"/>
-          </p:cNvSpPr>
-          <p:nvPr>
-            <p:ph type="sldNum" sz="quarter" idx="5"/>
-          </p:nvPr>
-        </p:nvSpPr>
-        <p:spPr/>
-        <p:txBody>
-          <a:bodyPr/>
-          <a:lstStyle/>
-          <a:p>
-            <a:fld id="{3BB66621-ADCC-4EF8-8003-B9D3E881DCD2}" type="slidenum">
-              <a:rPr lang="en-US" smtClean="0"/>
-              <a:t>23</a:t>
-            </a:fld>
-            <a:endParaRPr lang="en-US"/>
-          </a:p>
-        </p:txBody>
-      </p:sp>
-    </p:spTree>
-    <p:extLst>
-      <p:ext uri="{BB962C8B-B14F-4D97-AF65-F5344CB8AC3E}">
-        <p14:creationId xmlns:p14="http://schemas.microsoft.com/office/powerpoint/2010/main" val="1621402403"/>
-      </p:ext>
-    </p:extLst>
-  </p:cSld>
-  <p:clrMapOvr>
-    <a:masterClrMapping/>
-  </p:clrMapOvr>
-</p:notes>
-</file>
-
-<file path=ppt/notesSlides/notesSlide24.xml><?xml version="1.0" encoding="utf-8"?>
-<p:notes xmlns:a="http://schemas.openxmlformats.org/drawingml/2006/main" xmlns:r="http://schemas.openxmlformats.org/officeDocument/2006/relationships" xmlns:p="http://schemas.openxmlformats.org/presentationml/2006/main">
-  <p:cSld>
-    <p:spTree>
-      <p:nvGrpSpPr>
-        <p:cNvPr id="1" name=""/>
-        <p:cNvGrpSpPr/>
-        <p:nvPr/>
-      </p:nvGrpSpPr>
-      <p:grpSpPr>
-        <a:xfrm>
-          <a:off x="0" y="0"/>
-          <a:ext cx="0" cy="0"/>
-          <a:chOff x="0" y="0"/>
-          <a:chExt cx="0" cy="0"/>
-        </a:xfrm>
-      </p:grpSpPr>
-      <p:sp>
-        <p:nvSpPr>
-          <p:cNvPr id="2" name="Slide Image Placeholder 1"/>
-          <p:cNvSpPr>
-            <a:spLocks noGrp="1" noRot="1" noChangeAspect="1"/>
-          </p:cNvSpPr>
-          <p:nvPr>
-            <p:ph type="sldImg"/>
-          </p:nvPr>
-        </p:nvSpPr>
-        <p:spPr/>
-      </p:sp>
-      <p:sp>
-        <p:nvSpPr>
-          <p:cNvPr id="3" name="Notes Placeholder 2"/>
-          <p:cNvSpPr>
-            <a:spLocks noGrp="1"/>
-          </p:cNvSpPr>
-          <p:nvPr>
-            <p:ph type="body" idx="1"/>
-          </p:nvPr>
-        </p:nvSpPr>
-        <p:spPr/>
-        <p:txBody>
-          <a:bodyPr/>
-          <a:lstStyle/>
-          <a:p>
-            <a:r>
-              <a:rPr lang="en-US" dirty="0"/>
-              <a:t>OK now for one last demo. I want to show you an example of “remixing” some of these different tools and really using each resource to its full potential. And the pun here is “shell” as in </a:t>
-            </a:r>
-            <a:r>
-              <a:rPr lang="en-US"/>
-              <a:t>a programming shell. </a:t>
-            </a:r>
-            <a:endParaRPr lang="en-US" dirty="0"/>
-          </a:p>
-        </p:txBody>
-      </p:sp>
-      <p:sp>
-        <p:nvSpPr>
-          <p:cNvPr id="4" name="Slide Number Placeholder 3"/>
-          <p:cNvSpPr>
-            <a:spLocks noGrp="1"/>
-          </p:cNvSpPr>
-          <p:nvPr>
-            <p:ph type="sldNum" sz="quarter" idx="5"/>
-          </p:nvPr>
-        </p:nvSpPr>
-        <p:spPr/>
-        <p:txBody>
-          <a:bodyPr/>
-          <a:lstStyle/>
-          <a:p>
-            <a:fld id="{3BB66621-ADCC-4EF8-8003-B9D3E881DCD2}" type="slidenum">
-              <a:rPr lang="en-US" smtClean="0"/>
-              <a:t>24</a:t>
-            </a:fld>
-            <a:endParaRPr lang="en-US"/>
-          </a:p>
-        </p:txBody>
-      </p:sp>
-    </p:spTree>
-    <p:extLst>
-      <p:ext uri="{BB962C8B-B14F-4D97-AF65-F5344CB8AC3E}">
-        <p14:creationId xmlns:p14="http://schemas.microsoft.com/office/powerpoint/2010/main" val="2993127751"/>
-      </p:ext>
-    </p:extLst>
-  </p:cSld>
-  <p:clrMapOvr>
-    <a:masterClrMapping/>
-  </p:clrMapOvr>
-</p:notes>
-</file>
-
-<file path=ppt/notesSlides/notesSlide25.xml><?xml version="1.0" encoding="utf-8"?>
-<p:notes xmlns:a="http://schemas.openxmlformats.org/drawingml/2006/main" xmlns:r="http://schemas.openxmlformats.org/officeDocument/2006/relationships" xmlns:p="http://schemas.openxmlformats.org/presentationml/2006/main">
-  <p:cSld>
-    <p:spTree>
-      <p:nvGrpSpPr>
-        <p:cNvPr id="1" name=""/>
-        <p:cNvGrpSpPr/>
-        <p:nvPr/>
-      </p:nvGrpSpPr>
-      <p:grpSpPr>
-        <a:xfrm>
-          <a:off x="0" y="0"/>
-          <a:ext cx="0" cy="0"/>
-          <a:chOff x="0" y="0"/>
-          <a:chExt cx="0" cy="0"/>
-        </a:xfrm>
-      </p:grpSpPr>
-      <p:sp>
-        <p:nvSpPr>
-          <p:cNvPr id="2" name="Slide Image Placeholder 1"/>
-          <p:cNvSpPr>
-            <a:spLocks noGrp="1" noRot="1" noChangeAspect="1"/>
-          </p:cNvSpPr>
-          <p:nvPr>
-            <p:ph type="sldImg"/>
-          </p:nvPr>
-        </p:nvSpPr>
-        <p:spPr/>
-      </p:sp>
-      <p:sp>
-        <p:nvSpPr>
-          <p:cNvPr id="3" name="Notes Placeholder 2"/>
-          <p:cNvSpPr>
-            <a:spLocks noGrp="1"/>
-          </p:cNvSpPr>
-          <p:nvPr>
-            <p:ph type="body" idx="1"/>
-          </p:nvPr>
-        </p:nvSpPr>
-        <p:spPr/>
-        <p:txBody>
-          <a:bodyPr/>
-          <a:lstStyle/>
-          <a:p>
-            <a:r>
-              <a:rPr lang="en-US" dirty="0"/>
-              <a:t>OK so now you will see R’s equivalent to some of those features you saw with Python. I think that for different reasons Python seems to be taking the lead on Excel automation, but R has some pretty robust features and in some ways are richer than Python’s. </a:t>
-            </a:r>
-          </a:p>
-        </p:txBody>
-      </p:sp>
-      <p:sp>
-        <p:nvSpPr>
-          <p:cNvPr id="4" name="Slide Number Placeholder 3"/>
-          <p:cNvSpPr>
-            <a:spLocks noGrp="1"/>
-          </p:cNvSpPr>
-          <p:nvPr>
-            <p:ph type="sldNum" sz="quarter" idx="5"/>
-          </p:nvPr>
-        </p:nvSpPr>
-        <p:spPr/>
-        <p:txBody>
-          <a:bodyPr/>
-          <a:lstStyle/>
-          <a:p>
-            <a:fld id="{3BB66621-ADCC-4EF8-8003-B9D3E881DCD2}" type="slidenum">
-              <a:rPr lang="en-US" smtClean="0"/>
-              <a:t>25</a:t>
-            </a:fld>
-            <a:endParaRPr lang="en-US"/>
-          </a:p>
-        </p:txBody>
-      </p:sp>
-    </p:spTree>
-    <p:extLst>
-      <p:ext uri="{BB962C8B-B14F-4D97-AF65-F5344CB8AC3E}">
-        <p14:creationId xmlns:p14="http://schemas.microsoft.com/office/powerpoint/2010/main" val="3994188376"/>
-      </p:ext>
-    </p:extLst>
-  </p:cSld>
-  <p:clrMapOvr>
-    <a:masterClrMapping/>
-  </p:clrMapOvr>
-</p:notes>
-</file>
-
-<file path=ppt/notesSlides/notesSlide26.xml><?xml version="1.0" encoding="utf-8"?>
-<p:notes xmlns:a="http://schemas.openxmlformats.org/drawingml/2006/main" xmlns:r="http://schemas.openxmlformats.org/officeDocument/2006/relationships" xmlns:p="http://schemas.openxmlformats.org/presentationml/2006/main">
-  <p:cSld>
-    <p:spTree>
-      <p:nvGrpSpPr>
-        <p:cNvPr id="1" name=""/>
-        <p:cNvGrpSpPr/>
-        <p:nvPr/>
-      </p:nvGrpSpPr>
-      <p:grpSpPr>
-        <a:xfrm>
-          <a:off x="0" y="0"/>
-          <a:ext cx="0" cy="0"/>
-          <a:chOff x="0" y="0"/>
-          <a:chExt cx="0" cy="0"/>
-        </a:xfrm>
-      </p:grpSpPr>
-      <p:sp>
-        <p:nvSpPr>
-          <p:cNvPr id="2" name="Slide Image Placeholder 1"/>
-          <p:cNvSpPr>
-            <a:spLocks noGrp="1" noRot="1" noChangeAspect="1"/>
-          </p:cNvSpPr>
-          <p:nvPr>
-            <p:ph type="sldImg"/>
-          </p:nvPr>
-        </p:nvSpPr>
-        <p:spPr/>
-      </p:sp>
-      <p:sp>
-        <p:nvSpPr>
-          <p:cNvPr id="3" name="Notes Placeholder 2"/>
-          <p:cNvSpPr>
-            <a:spLocks noGrp="1"/>
-          </p:cNvSpPr>
-          <p:nvPr>
-            <p:ph type="body" idx="1"/>
-          </p:nvPr>
-        </p:nvSpPr>
-        <p:spPr/>
-        <p:txBody>
-          <a:bodyPr/>
-          <a:lstStyle/>
-          <a:p>
-            <a:pPr>
-              <a:buClr>
-                <a:srgbClr val="CF3338"/>
-              </a:buClr>
-            </a:pPr>
-            <a:r>
-              <a:rPr lang="en-US" sz="1200" i="1" dirty="0">
-                <a:solidFill>
-                  <a:srgbClr val="707070"/>
-                </a:solidFill>
-                <a:latin typeface="Pragmatica" panose="020B0403040502020204" pitchFamily="34" charset="0"/>
-              </a:rPr>
-              <a:t>By the end of this book, you should be able to conduct exploratory data analysis and</a:t>
-            </a:r>
-          </a:p>
-          <a:p>
-            <a:pPr>
-              <a:buClr>
-                <a:srgbClr val="CF3338"/>
-              </a:buClr>
-            </a:pPr>
-            <a:r>
-              <a:rPr lang="en-US" sz="1200" i="1" dirty="0">
-                <a:solidFill>
-                  <a:srgbClr val="707070"/>
-                </a:solidFill>
-                <a:latin typeface="Pragmatica" panose="020B0403040502020204" pitchFamily="34" charset="0"/>
-              </a:rPr>
-              <a:t>hypothesis testing using a programming language.</a:t>
-            </a:r>
-          </a:p>
-          <a:p>
-            <a:endParaRPr lang="en-US" dirty="0"/>
-          </a:p>
-        </p:txBody>
-      </p:sp>
-      <p:sp>
-        <p:nvSpPr>
-          <p:cNvPr id="4" name="Slide Number Placeholder 3"/>
-          <p:cNvSpPr>
-            <a:spLocks noGrp="1"/>
-          </p:cNvSpPr>
-          <p:nvPr>
-            <p:ph type="sldNum" sz="quarter" idx="5"/>
-          </p:nvPr>
-        </p:nvSpPr>
-        <p:spPr/>
-        <p:txBody>
-          <a:bodyPr/>
-          <a:lstStyle/>
-          <a:p>
-            <a:fld id="{3BB66621-ADCC-4EF8-8003-B9D3E881DCD2}" type="slidenum">
-              <a:rPr lang="en-US" smtClean="0"/>
-              <a:t>28</a:t>
-            </a:fld>
-            <a:endParaRPr lang="en-US"/>
-          </a:p>
-        </p:txBody>
-      </p:sp>
-    </p:spTree>
-    <p:extLst>
-      <p:ext uri="{BB962C8B-B14F-4D97-AF65-F5344CB8AC3E}">
-        <p14:creationId xmlns:p14="http://schemas.microsoft.com/office/powerpoint/2010/main" val="128776136"/>
+        <p14:creationId xmlns:p14="http://schemas.microsoft.com/office/powerpoint/2010/main" val="4261733413"/>
       </p:ext>
     </p:extLst>
   </p:cSld>
@@ -4004,35 +3079,14 @@
           <a:p>
             <a:r>
               <a:rPr lang="en-US" dirty="0"/>
-              <a:t>So what do we want to do today – well this is an Excel meetup, so this would be a weird meetup for me to be trashing Excel as an inherently inferior tool. I love Excel and it’s my home base for working with data, and I’ve found for some tasks that R and Python are just better fits. I want to contextualize R and Python as complementary resources. </a:t>
+              <a:t>Now this figure comes from my book and it’s a very broad conceptualization of the various slices of the stack. You know we hear engineers or web developers talk about being “full stack” all the time but it’s not so common an expression as it could be. </a:t>
             </a:r>
           </a:p>
           <a:p>
             <a:endParaRPr lang="en-US" dirty="0"/>
           </a:p>
           <a:p>
-            <a:r>
-              <a:rPr lang="en-US" dirty="0"/>
-              <a:t>So if you are interested in learning these tools as an Excel user, I want to give you a clear learning path and provide you an overview here. Now it probably seems really intimidating to go anywhere near R or Python but by the end of this hour you’ll have a good lay of the land – I’ll have some demos here where you can use the industry standard software for these languages without having to download anything. </a:t>
-            </a:r>
-          </a:p>
-          <a:p>
             <a:endParaRPr lang="en-US" dirty="0"/>
-          </a:p>
-          <a:p>
-            <a:r>
-              <a:rPr lang="en-US" dirty="0"/>
-              <a:t>I also want to go a bit further than I necessarily do in the book and show some tangible demos for combining these two tools – again I want to show that you should think of these tools as complements and not substitutes. </a:t>
-            </a:r>
-          </a:p>
-          <a:p>
-            <a:endParaRPr lang="en-US" dirty="0"/>
-          </a:p>
-          <a:p>
-            <a:r>
-              <a:rPr lang="en-US" dirty="0"/>
-              <a:t>So those are the official learning objectives. </a:t>
-            </a:r>
           </a:p>
         </p:txBody>
       </p:sp>
@@ -4062,7 +3116,7 @@
     </p:spTree>
     <p:extLst>
       <p:ext uri="{BB962C8B-B14F-4D97-AF65-F5344CB8AC3E}">
-        <p14:creationId xmlns:p14="http://schemas.microsoft.com/office/powerpoint/2010/main" val="4261733413"/>
+        <p14:creationId xmlns:p14="http://schemas.microsoft.com/office/powerpoint/2010/main" val="4029739640"/>
       </p:ext>
     </p:extLst>
   </p:cSld>
@@ -4118,7 +3172,7 @@
           <a:p>
             <a:r>
               <a:rPr lang="en-US" dirty="0"/>
-              <a:t>The unofficial objective is to have fun with data and computers, if you are in this group you are probably a geek, so you can take this meetup as an opportunity to geek out with other geeks and learn something new. </a:t>
+              <a:t>OK, first let’s start with R, and yes its full name is the R Project for Statistical Computing. </a:t>
             </a:r>
           </a:p>
         </p:txBody>
@@ -4149,7 +3203,7 @@
     </p:spTree>
     <p:extLst>
       <p:ext uri="{BB962C8B-B14F-4D97-AF65-F5344CB8AC3E}">
-        <p14:creationId xmlns:p14="http://schemas.microsoft.com/office/powerpoint/2010/main" val="2105261237"/>
+        <p14:creationId xmlns:p14="http://schemas.microsoft.com/office/powerpoint/2010/main" val="562730612"/>
       </p:ext>
     </p:extLst>
   </p:cSld>
@@ -4205,7 +3259,7 @@
           <a:p>
             <a:r>
               <a:rPr lang="en-US" dirty="0"/>
-              <a:t>Now I’ll start out here just with a conceptual overview of how Excel fits in with other tools you might use for analytics, and when I say analytics I mean using data to make recommendations about what to do given what’s happened. You’ll learn a bit about open source tools and how to think about how they related to Microsoft’s own stack. </a:t>
+              <a:t>The page</a:t>
             </a:r>
           </a:p>
         </p:txBody>
@@ -4236,7 +3290,7 @@
     </p:spTree>
     <p:extLst>
       <p:ext uri="{BB962C8B-B14F-4D97-AF65-F5344CB8AC3E}">
-        <p14:creationId xmlns:p14="http://schemas.microsoft.com/office/powerpoint/2010/main" val="3138835969"/>
+        <p14:creationId xmlns:p14="http://schemas.microsoft.com/office/powerpoint/2010/main" val="2105261237"/>
       </p:ext>
     </p:extLst>
   </p:cSld>
@@ -4292,14 +3346,8 @@
           <a:p>
             <a:r>
               <a:rPr lang="en-US" dirty="0"/>
-              <a:t>Now this figure comes from my book and it’s a very broad conceptualization of the various slices of the stack. You know we hear engineers or web developers talk about being “full stack” all the time but it’s not so common an expression as it could be. </a:t>
-            </a:r>
-          </a:p>
-          <a:p>
-            <a:endParaRPr lang="en-US" dirty="0"/>
-          </a:p>
-          <a:p>
-            <a:endParaRPr lang="en-US" dirty="0"/>
+              <a:t>The page</a:t>
+            </a:r>
           </a:p>
         </p:txBody>
       </p:sp>
@@ -4329,7 +3377,7 @@
     </p:spTree>
     <p:extLst>
       <p:ext uri="{BB962C8B-B14F-4D97-AF65-F5344CB8AC3E}">
-        <p14:creationId xmlns:p14="http://schemas.microsoft.com/office/powerpoint/2010/main" val="4029739640"/>
+        <p14:creationId xmlns:p14="http://schemas.microsoft.com/office/powerpoint/2010/main" val="340731586"/>
       </p:ext>
     </p:extLst>
   </p:cSld>
@@ -4385,13 +3433,15 @@
           <a:p>
             <a:r>
               <a:rPr lang="en-US" dirty="0"/>
-              <a:t>So this seems patronizing</a:t>
-            </a:r>
-          </a:p>
-          <a:p>
+              <a:t>OK so what we are going to do here is go back to your session or open a new one. Go to the </a:t>
+            </a:r>
+            <a:r>
+              <a:rPr lang="en-US" dirty="0" err="1"/>
+              <a:t>diamonds.r</a:t>
+            </a:r>
             <a:r>
               <a:rPr lang="en-US" dirty="0"/>
-              <a:t>How about add a slide defining what analytics is. </a:t>
+              <a:t> dataset. And let’s actually conduct the analysis that was hinted at earlier. </a:t>
             </a:r>
           </a:p>
         </p:txBody>
@@ -4422,7 +3472,7 @@
     </p:spTree>
     <p:extLst>
       <p:ext uri="{BB962C8B-B14F-4D97-AF65-F5344CB8AC3E}">
-        <p14:creationId xmlns:p14="http://schemas.microsoft.com/office/powerpoint/2010/main" val="2503047166"/>
+        <p14:creationId xmlns:p14="http://schemas.microsoft.com/office/powerpoint/2010/main" val="2573720349"/>
       </p:ext>
     </p:extLst>
   </p:cSld>
@@ -4478,7 +3528,7 @@
           <a:p>
             <a:r>
               <a:rPr lang="en-US" dirty="0"/>
-              <a:t>Now, it may seem superfluous to learn a statistical programming language when Microsoft keeps rolling out new features to help with data analysis. And this has been a huge change at how Microsoft itself looks at open source languages. They are now seen as allies. </a:t>
+              <a:t>OK, first let’s start with R, and yes its full name is the R Project for Statistical Computing. </a:t>
             </a:r>
           </a:p>
         </p:txBody>
@@ -4509,7 +3559,7 @@
     </p:spTree>
     <p:extLst>
       <p:ext uri="{BB962C8B-B14F-4D97-AF65-F5344CB8AC3E}">
-        <p14:creationId xmlns:p14="http://schemas.microsoft.com/office/powerpoint/2010/main" val="3341549141"/>
+        <p14:creationId xmlns:p14="http://schemas.microsoft.com/office/powerpoint/2010/main" val="4163757316"/>
       </p:ext>
     </p:extLst>
   </p:cSld>
@@ -4563,19 +3613,7 @@
           <a:bodyPr/>
           <a:lstStyle/>
           <a:p>
-            <a:r>
-              <a:rPr lang="en-US" dirty="0"/>
-              <a:t>The interesting thing is that regardless of these tools used we’re often really speaking the same language when it comes to data analysis. Whether you’re doing it in a spreadsheet or a statistical programming languages, these sorts of operations are the same.</a:t>
-            </a:r>
-          </a:p>
-          <a:p>
             <a:endParaRPr lang="en-US" dirty="0"/>
-          </a:p>
-          <a:p>
-            <a:r>
-              <a:rPr lang="en-US" dirty="0"/>
-              <a:t>So what I want to help you do is take that mental model of working with data that you’ve so finely honed and show you how to transfer that knowledge into working with these other tools. </a:t>
-            </a:r>
           </a:p>
         </p:txBody>
       </p:sp>
@@ -4605,7 +3643,7 @@
     </p:spTree>
     <p:extLst>
       <p:ext uri="{BB962C8B-B14F-4D97-AF65-F5344CB8AC3E}">
-        <p14:creationId xmlns:p14="http://schemas.microsoft.com/office/powerpoint/2010/main" val="3114982846"/>
+        <p14:creationId xmlns:p14="http://schemas.microsoft.com/office/powerpoint/2010/main" val="3341549141"/>
       </p:ext>
     </p:extLst>
   </p:cSld>
@@ -4744,7 +3782,7 @@
           <a:p>
             <a:fld id="{0138B082-EFC2-46C1-B47C-51736C670379}" type="datetimeFigureOut">
               <a:rPr lang="en-US" smtClean="0"/>
-              <a:t>6/23/2021</a:t>
+              <a:t>9/2/2021</a:t>
             </a:fld>
             <a:endParaRPr lang="en-US"/>
           </a:p>
@@ -4912,7 +3950,7 @@
           <a:p>
             <a:fld id="{0138B082-EFC2-46C1-B47C-51736C670379}" type="datetimeFigureOut">
               <a:rPr lang="en-US" smtClean="0"/>
-              <a:t>6/23/2021</a:t>
+              <a:t>9/2/2021</a:t>
             </a:fld>
             <a:endParaRPr lang="en-US"/>
           </a:p>
@@ -5090,7 +4128,7 @@
           <a:p>
             <a:fld id="{0138B082-EFC2-46C1-B47C-51736C670379}" type="datetimeFigureOut">
               <a:rPr lang="en-US" smtClean="0"/>
-              <a:t>6/23/2021</a:t>
+              <a:t>9/2/2021</a:t>
             </a:fld>
             <a:endParaRPr lang="en-US"/>
           </a:p>
@@ -5258,7 +4296,7 @@
           <a:p>
             <a:fld id="{0138B082-EFC2-46C1-B47C-51736C670379}" type="datetimeFigureOut">
               <a:rPr lang="en-US" smtClean="0"/>
-              <a:t>6/23/2021</a:t>
+              <a:t>9/2/2021</a:t>
             </a:fld>
             <a:endParaRPr lang="en-US"/>
           </a:p>
@@ -5503,7 +4541,7 @@
           <a:p>
             <a:fld id="{0138B082-EFC2-46C1-B47C-51736C670379}" type="datetimeFigureOut">
               <a:rPr lang="en-US" smtClean="0"/>
-              <a:t>6/23/2021</a:t>
+              <a:t>9/2/2021</a:t>
             </a:fld>
             <a:endParaRPr lang="en-US"/>
           </a:p>
@@ -5732,7 +4770,7 @@
           <a:p>
             <a:fld id="{0138B082-EFC2-46C1-B47C-51736C670379}" type="datetimeFigureOut">
               <a:rPr lang="en-US" smtClean="0"/>
-              <a:t>6/23/2021</a:t>
+              <a:t>9/2/2021</a:t>
             </a:fld>
             <a:endParaRPr lang="en-US"/>
           </a:p>
@@ -6096,7 +5134,7 @@
           <a:p>
             <a:fld id="{0138B082-EFC2-46C1-B47C-51736C670379}" type="datetimeFigureOut">
               <a:rPr lang="en-US" smtClean="0"/>
-              <a:t>6/23/2021</a:t>
+              <a:t>9/2/2021</a:t>
             </a:fld>
             <a:endParaRPr lang="en-US"/>
           </a:p>
@@ -6213,7 +5251,7 @@
           <a:p>
             <a:fld id="{0138B082-EFC2-46C1-B47C-51736C670379}" type="datetimeFigureOut">
               <a:rPr lang="en-US" smtClean="0"/>
-              <a:t>6/23/2021</a:t>
+              <a:t>9/2/2021</a:t>
             </a:fld>
             <a:endParaRPr lang="en-US"/>
           </a:p>
@@ -6308,7 +5346,7 @@
           <a:p>
             <a:fld id="{0138B082-EFC2-46C1-B47C-51736C670379}" type="datetimeFigureOut">
               <a:rPr lang="en-US" smtClean="0"/>
-              <a:t>6/23/2021</a:t>
+              <a:t>9/2/2021</a:t>
             </a:fld>
             <a:endParaRPr lang="en-US"/>
           </a:p>
@@ -6583,7 +5621,7 @@
           <a:p>
             <a:fld id="{0138B082-EFC2-46C1-B47C-51736C670379}" type="datetimeFigureOut">
               <a:rPr lang="en-US" smtClean="0"/>
-              <a:t>6/23/2021</a:t>
+              <a:t>9/2/2021</a:t>
             </a:fld>
             <a:endParaRPr lang="en-US"/>
           </a:p>
@@ -6835,7 +5873,7 @@
           <a:p>
             <a:fld id="{0138B082-EFC2-46C1-B47C-51736C670379}" type="datetimeFigureOut">
               <a:rPr lang="en-US" smtClean="0"/>
-              <a:t>6/23/2021</a:t>
+              <a:t>9/2/2021</a:t>
             </a:fld>
             <a:endParaRPr lang="en-US"/>
           </a:p>
@@ -7046,7 +6084,7 @@
           <a:p>
             <a:fld id="{0138B082-EFC2-46C1-B47C-51736C670379}" type="datetimeFigureOut">
               <a:rPr lang="en-US" smtClean="0"/>
-              <a:t>6/23/2021</a:t>
+              <a:t>9/2/2021</a:t>
             </a:fld>
             <a:endParaRPr lang="en-US"/>
           </a:p>
@@ -7546,15 +6584,15 @@
       </p:sp>
       <p:pic>
         <p:nvPicPr>
-          <p:cNvPr id="1026" name="Picture 2" descr="Meetup cover image">
+          <p:cNvPr id="3" name="Picture 2" descr="Calendar&#10;&#10;Description automatically generated with medium confidence">
             <a:extLst>
               <a:ext uri="{FF2B5EF4-FFF2-40B4-BE49-F238E27FC236}">
-                <a16:creationId xmlns:a16="http://schemas.microsoft.com/office/drawing/2014/main" id="{3FC38F87-3A69-4878-A539-D38D59594530}"/>
+                <a16:creationId xmlns:a16="http://schemas.microsoft.com/office/drawing/2014/main" id="{3F0684C3-8F29-487C-A4C5-CCEEA0308491}"/>
               </a:ext>
             </a:extLst>
           </p:cNvPr>
           <p:cNvPicPr>
-            <a:picLocks noChangeAspect="1" noChangeArrowheads="1"/>
+            <a:picLocks noChangeAspect="1"/>
           </p:cNvPicPr>
           <p:nvPr/>
         </p:nvPicPr>
@@ -7566,29 +6604,18 @@
               </a:ext>
             </a:extLst>
           </a:blip>
-          <a:srcRect/>
           <a:stretch>
             <a:fillRect/>
           </a:stretch>
         </p:blipFill>
-        <p:spPr bwMode="auto">
+        <p:spPr>
           <a:xfrm>
-            <a:off x="0" y="0"/>
-            <a:ext cx="12191999" cy="6857999"/>
+            <a:off x="762" y="143285"/>
+            <a:ext cx="12190476" cy="6571429"/>
           </a:xfrm>
           <a:prstGeom prst="rect">
             <a:avLst/>
           </a:prstGeom>
-          <a:noFill/>
-          <a:extLst>
-            <a:ext uri="{909E8E84-426E-40DD-AFC4-6F175D3DCCD1}">
-              <a14:hiddenFill xmlns:a14="http://schemas.microsoft.com/office/drawing/2010/main">
-                <a:solidFill>
-                  <a:srgbClr val="FFFFFF"/>
-                </a:solidFill>
-              </a14:hiddenFill>
-            </a:ext>
-          </a:extLst>
         </p:spPr>
       </p:pic>
     </p:spTree>
@@ -7629,8 +6656,8 @@
         </p:nvSpPr>
         <p:spPr>
           <a:xfrm>
-            <a:off x="0" y="0"/>
-            <a:ext cx="12192000" cy="6858000"/>
+            <a:off x="6574420" y="0"/>
+            <a:ext cx="5617580" cy="6858000"/>
           </a:xfrm>
           <a:prstGeom prst="rect">
             <a:avLst/>
@@ -7672,8 +6699,8 @@
         </p:nvSpPr>
         <p:spPr>
           <a:xfrm>
-            <a:off x="520861" y="393539"/>
-            <a:ext cx="10324617" cy="3139321"/>
+            <a:off x="6817489" y="0"/>
+            <a:ext cx="4120587" cy="1446550"/>
           </a:xfrm>
           <a:prstGeom prst="rect">
             <a:avLst/>
@@ -7687,21 +6714,200 @@
           <a:lstStyle/>
           <a:p>
             <a:r>
-              <a:rPr lang="en-US" sz="6600" b="1" dirty="0">
+              <a:rPr lang="en-US" sz="8800" dirty="0">
                 <a:solidFill>
                   <a:schemeClr val="bg1"/>
                 </a:solidFill>
+                <a:latin typeface="Aliens &amp; cows" panose="00000500000000000000" pitchFamily="2" charset="0"/>
+              </a:rPr>
+              <a:t>Demo</a:t>
+            </a:r>
+          </a:p>
+        </p:txBody>
+      </p:sp>
+      <p:pic>
+        <p:nvPicPr>
+          <p:cNvPr id="2" name="Picture 1"/>
+          <p:cNvPicPr>
+            <a:picLocks noChangeAspect="1"/>
+          </p:cNvPicPr>
+          <p:nvPr/>
+        </p:nvPicPr>
+        <p:blipFill rotWithShape="1">
+          <a:blip r:embed="rId3">
+            <a:extLst>
+              <a:ext uri="{28A0092B-C50C-407E-A947-70E740481C1C}">
+                <a14:useLocalDpi xmlns:a14="http://schemas.microsoft.com/office/drawing/2010/main" val="0"/>
+              </a:ext>
+            </a:extLst>
+          </a:blip>
+          <a:srcRect l="69227" t="33418" r="20112" b="50548"/>
+          <a:stretch/>
+        </p:blipFill>
+        <p:spPr>
+          <a:xfrm>
+            <a:off x="10386349" y="5029795"/>
+            <a:ext cx="1805651" cy="1991719"/>
+          </a:xfrm>
+          <a:prstGeom prst="rect">
+            <a:avLst/>
+          </a:prstGeom>
+        </p:spPr>
+      </p:pic>
+      <p:sp>
+        <p:nvSpPr>
+          <p:cNvPr id="3" name="TextBox 2"/>
+          <p:cNvSpPr txBox="1"/>
+          <p:nvPr/>
+        </p:nvSpPr>
+        <p:spPr>
+          <a:xfrm>
+            <a:off x="173620" y="219919"/>
+            <a:ext cx="5937813" cy="523220"/>
+          </a:xfrm>
+          <a:prstGeom prst="rect">
+            <a:avLst/>
+          </a:prstGeom>
+          <a:noFill/>
+        </p:spPr>
+        <p:txBody>
+          <a:bodyPr wrap="square" rtlCol="0">
+            <a:spAutoFit/>
+          </a:bodyPr>
+          <a:lstStyle/>
+          <a:p>
+            <a:r>
+              <a:rPr lang="en-US" sz="2800" b="1" dirty="0">
+                <a:solidFill>
+                  <a:srgbClr val="CF3338"/>
+                </a:solidFill>
                 <a:latin typeface="Pragmatica" pitchFamily="2" charset="0"/>
               </a:rPr>
-              <a:t>Welcome to the R Project for Statistical Computing</a:t>
-            </a:r>
+              <a:t>Python-Powered Power BI</a:t>
+            </a:r>
+            <a:endParaRPr lang="en-US" sz="2800" b="1" dirty="0">
+              <a:solidFill>
+                <a:srgbClr val="CF3338"/>
+              </a:solidFill>
+              <a:latin typeface="Consolas" panose="020B0609020204030204" pitchFamily="49" charset="0"/>
+            </a:endParaRPr>
+          </a:p>
+        </p:txBody>
+      </p:sp>
+      <p:sp>
+        <p:nvSpPr>
+          <p:cNvPr id="7" name="TextBox 6">
+            <a:extLst>
+              <a:ext uri="{FF2B5EF4-FFF2-40B4-BE49-F238E27FC236}">
+                <a16:creationId xmlns:a16="http://schemas.microsoft.com/office/drawing/2014/main" id="{855BC584-A237-4C91-9DAB-ADA80256CAC8}"/>
+              </a:ext>
+            </a:extLst>
+          </p:cNvPr>
+          <p:cNvSpPr txBox="1"/>
+          <p:nvPr/>
+        </p:nvSpPr>
+        <p:spPr>
+          <a:xfrm>
+            <a:off x="158187" y="1446550"/>
+            <a:ext cx="5937813" cy="2923877"/>
+          </a:xfrm>
+          <a:prstGeom prst="rect">
+            <a:avLst/>
+          </a:prstGeom>
+          <a:noFill/>
+        </p:spPr>
+        <p:txBody>
+          <a:bodyPr wrap="square" rtlCol="0">
+            <a:spAutoFit/>
+          </a:bodyPr>
+          <a:lstStyle/>
+          <a:p>
+            <a:r>
+              <a:rPr lang="en-US" sz="3200" dirty="0">
+                <a:solidFill>
+                  <a:srgbClr val="CF3338"/>
+                </a:solidFill>
+                <a:latin typeface="Pragmatica" pitchFamily="2" charset="0"/>
+              </a:rPr>
+              <a:t>File: </a:t>
+            </a:r>
+            <a:r>
+              <a:rPr lang="en-US" sz="3200" dirty="0">
+                <a:solidFill>
+                  <a:srgbClr val="CF3338"/>
+                </a:solidFill>
+                <a:latin typeface="Consolas" panose="020B0609020204030204" pitchFamily="49" charset="0"/>
+              </a:rPr>
+              <a:t>python-powered-power-</a:t>
+            </a:r>
+            <a:r>
+              <a:rPr lang="en-US" sz="3200" dirty="0" err="1">
+                <a:solidFill>
+                  <a:srgbClr val="CF3338"/>
+                </a:solidFill>
+                <a:latin typeface="Consolas" panose="020B0609020204030204" pitchFamily="49" charset="0"/>
+              </a:rPr>
+              <a:t>bi.pbix</a:t>
+            </a:r>
+            <a:endParaRPr lang="en-US" sz="3200" dirty="0">
+              <a:solidFill>
+                <a:srgbClr val="CF3338"/>
+              </a:solidFill>
+              <a:latin typeface="Consolas" panose="020B0609020204030204" pitchFamily="49" charset="0"/>
+            </a:endParaRPr>
+          </a:p>
+          <a:p>
+            <a:endParaRPr lang="en-US" sz="3200" dirty="0">
+              <a:solidFill>
+                <a:srgbClr val="CF3338"/>
+              </a:solidFill>
+              <a:latin typeface="Consolas" panose="020B0609020204030204" pitchFamily="49" charset="0"/>
+            </a:endParaRPr>
+          </a:p>
+          <a:p>
+            <a:pPr marL="514350" indent="-514350">
+              <a:buFont typeface="Arial" panose="020B0604020202020204" pitchFamily="34" charset="0"/>
+              <a:buChar char="•"/>
+            </a:pPr>
+            <a:r>
+              <a:rPr lang="en-US" sz="2800" b="1" dirty="0">
+                <a:solidFill>
+                  <a:srgbClr val="CF3338"/>
+                </a:solidFill>
+                <a:latin typeface="Pragmatica" pitchFamily="2" charset="0"/>
+              </a:rPr>
+              <a:t>Impute missing values</a:t>
+            </a:r>
+          </a:p>
+          <a:p>
+            <a:pPr marL="514350" indent="-514350">
+              <a:buFont typeface="Arial" panose="020B0604020202020204" pitchFamily="34" charset="0"/>
+              <a:buChar char="•"/>
+            </a:pPr>
+            <a:r>
+              <a:rPr lang="en-US" sz="2800" b="1" dirty="0">
+                <a:solidFill>
+                  <a:srgbClr val="CF3338"/>
+                </a:solidFill>
+                <a:latin typeface="Pragmatica" pitchFamily="2" charset="0"/>
+              </a:rPr>
+              <a:t>Insert visualization</a:t>
+            </a:r>
+          </a:p>
+          <a:p>
+            <a:endParaRPr lang="en-US" sz="3200" b="1" dirty="0">
+              <a:solidFill>
+                <a:srgbClr val="CF3338"/>
+              </a:solidFill>
+              <a:latin typeface="Consolas" panose="020B0609020204030204" pitchFamily="49" charset="0"/>
+            </a:endParaRPr>
           </a:p>
         </p:txBody>
       </p:sp>
     </p:spTree>
     <p:extLst>
       <p:ext uri="{BB962C8B-B14F-4D97-AF65-F5344CB8AC3E}">
-        <p14:creationId xmlns:p14="http://schemas.microsoft.com/office/powerpoint/2010/main" val="3466469417"/>
+        <p14:creationId xmlns:p14="http://schemas.microsoft.com/office/powerpoint/2010/main" val="1802859495"/>
       </p:ext>
     </p:extLst>
   </p:cSld>
@@ -7766,7 +6972,7 @@
         <p:spPr>
           <a:xfrm>
             <a:off x="347240" y="113388"/>
-            <a:ext cx="9799937" cy="1015663"/>
+            <a:ext cx="11447363" cy="923330"/>
           </a:xfrm>
           <a:prstGeom prst="rect">
             <a:avLst/>
@@ -7780,267 +6986,259 @@
           <a:lstStyle/>
           <a:p>
             <a:r>
-              <a:rPr lang="en-US" sz="6000" dirty="0">
+              <a:rPr lang="en-US" sz="5400" dirty="0">
                 <a:latin typeface="Aliens &amp; cows" panose="00000500000000000000" pitchFamily="2" charset="0"/>
               </a:rPr>
-              <a:t>The R project for…</a:t>
-            </a:r>
-          </a:p>
-        </p:txBody>
-      </p:sp>
-      <p:pic>
-        <p:nvPicPr>
-          <p:cNvPr id="1026" name="Picture 2" descr="FUBU – FUBU">
-            <a:extLst>
-              <a:ext uri="{FF2B5EF4-FFF2-40B4-BE49-F238E27FC236}">
-                <a16:creationId xmlns:a16="http://schemas.microsoft.com/office/drawing/2014/main" id="{EE2B8B44-CCD2-43B9-A751-24A134B928F2}"/>
-              </a:ext>
-            </a:extLst>
-          </p:cNvPr>
-          <p:cNvPicPr>
-            <a:picLocks noChangeAspect="1" noChangeArrowheads="1"/>
-          </p:cNvPicPr>
+              <a:t>What is Excel good for? </a:t>
+            </a:r>
+          </a:p>
+        </p:txBody>
+      </p:sp>
+      <p:sp>
+        <p:nvSpPr>
+          <p:cNvPr id="3" name="TextBox 2"/>
+          <p:cNvSpPr txBox="1"/>
           <p:nvPr/>
-        </p:nvPicPr>
-        <p:blipFill>
-          <a:blip r:embed="rId4">
-            <a:extLst>
-              <a:ext uri="{28A0092B-C50C-407E-A947-70E740481C1C}">
-                <a14:useLocalDpi xmlns:a14="http://schemas.microsoft.com/office/drawing/2010/main" val="0"/>
-              </a:ext>
-            </a:extLst>
-          </a:blip>
-          <a:srcRect/>
-          <a:stretch>
-            <a:fillRect/>
-          </a:stretch>
-        </p:blipFill>
-        <p:spPr bwMode="auto">
+        </p:nvSpPr>
+        <p:spPr>
           <a:xfrm>
-            <a:off x="2040854" y="2545414"/>
-            <a:ext cx="8853170" cy="1681416"/>
+            <a:off x="347241" y="2280355"/>
+            <a:ext cx="5164238" cy="2800767"/>
           </a:xfrm>
           <a:prstGeom prst="rect">
             <a:avLst/>
           </a:prstGeom>
           <a:noFill/>
-          <a:extLst>
-            <a:ext uri="{909E8E84-426E-40DD-AFC4-6F175D3DCCD1}">
-              <a14:hiddenFill xmlns:a14="http://schemas.microsoft.com/office/drawing/2010/main">
+        </p:spPr>
+        <p:txBody>
+          <a:bodyPr wrap="square" rtlCol="0">
+            <a:spAutoFit/>
+          </a:bodyPr>
+          <a:lstStyle/>
+          <a:p>
+            <a:pPr>
+              <a:buClr>
+                <a:srgbClr val="CF3338"/>
+              </a:buClr>
+            </a:pPr>
+            <a:r>
+              <a:rPr lang="en-US" sz="3600" b="1" dirty="0">
                 <a:solidFill>
-                  <a:srgbClr val="FFFFFF"/>
+                  <a:srgbClr val="707070"/>
                 </a:solidFill>
-              </a14:hiddenFill>
-            </a:ext>
-          </a:extLst>
-        </p:spPr>
-      </p:pic>
-      <p:sp>
-        <p:nvSpPr>
-          <p:cNvPr id="2" name="Rectangle 1">
-            <a:extLst>
-              <a:ext uri="{FF2B5EF4-FFF2-40B4-BE49-F238E27FC236}">
-                <a16:creationId xmlns:a16="http://schemas.microsoft.com/office/drawing/2014/main" id="{E7BF33C4-F091-4718-84DD-F4BB838055DC}"/>
-              </a:ext>
-            </a:extLst>
-          </p:cNvPr>
-          <p:cNvSpPr/>
+                <a:latin typeface="Normafixed Tryout" panose="00000409000000000000" pitchFamily="49" charset="0"/>
+              </a:rPr>
+              <a:t>Good at… </a:t>
+            </a:r>
+            <a:endParaRPr lang="en-US" sz="3600" dirty="0">
+              <a:solidFill>
+                <a:srgbClr val="707070"/>
+              </a:solidFill>
+              <a:latin typeface="Normafixed Tryout" panose="00000409000000000000" pitchFamily="49" charset="0"/>
+            </a:endParaRPr>
+          </a:p>
+          <a:p>
+            <a:pPr marL="457200" indent="-457200">
+              <a:buClr>
+                <a:srgbClr val="CF3338"/>
+              </a:buClr>
+              <a:buFont typeface="Arial" panose="020B0604020202020204" pitchFamily="34" charset="0"/>
+              <a:buChar char="•"/>
+            </a:pPr>
+            <a:endParaRPr lang="en-US" sz="2800" dirty="0">
+              <a:solidFill>
+                <a:srgbClr val="707070"/>
+              </a:solidFill>
+              <a:latin typeface="Pragmatica" panose="020B0403040502020204" pitchFamily="34" charset="0"/>
+            </a:endParaRPr>
+          </a:p>
+          <a:p>
+            <a:pPr marL="457200" indent="-457200">
+              <a:buClr>
+                <a:srgbClr val="CF3338"/>
+              </a:buClr>
+              <a:buFont typeface="Arial" panose="020B0604020202020204" pitchFamily="34" charset="0"/>
+              <a:buChar char="•"/>
+            </a:pPr>
+            <a:r>
+              <a:rPr lang="en-US" sz="2800" dirty="0">
+                <a:solidFill>
+                  <a:srgbClr val="707070"/>
+                </a:solidFill>
+                <a:latin typeface="Pragmatica" panose="020B0403040502020204" pitchFamily="34" charset="0"/>
+              </a:rPr>
+              <a:t>Visual calculations</a:t>
+            </a:r>
+          </a:p>
+          <a:p>
+            <a:pPr marL="457200" indent="-457200">
+              <a:buClr>
+                <a:srgbClr val="CF3338"/>
+              </a:buClr>
+              <a:buFont typeface="Arial" panose="020B0604020202020204" pitchFamily="34" charset="0"/>
+              <a:buChar char="•"/>
+            </a:pPr>
+            <a:r>
+              <a:rPr lang="en-US" sz="2800" dirty="0">
+                <a:solidFill>
+                  <a:srgbClr val="707070"/>
+                </a:solidFill>
+                <a:latin typeface="Pragmatica" panose="020B0403040502020204" pitchFamily="34" charset="0"/>
+              </a:rPr>
+              <a:t>End-user interactivity</a:t>
+            </a:r>
+          </a:p>
+          <a:p>
+            <a:pPr marL="457200" indent="-457200">
+              <a:buClr>
+                <a:srgbClr val="CF3338"/>
+              </a:buClr>
+              <a:buFont typeface="Arial" panose="020B0604020202020204" pitchFamily="34" charset="0"/>
+              <a:buChar char="•"/>
+            </a:pPr>
+            <a:r>
+              <a:rPr lang="en-US" sz="2800" dirty="0">
+                <a:solidFill>
+                  <a:srgbClr val="707070"/>
+                </a:solidFill>
+                <a:latin typeface="Pragmatica" panose="020B0403040502020204" pitchFamily="34" charset="0"/>
+              </a:rPr>
+              <a:t>Rapid prototyping</a:t>
+            </a:r>
+          </a:p>
+          <a:p>
+            <a:pPr>
+              <a:buClr>
+                <a:srgbClr val="CF3338"/>
+              </a:buClr>
+            </a:pPr>
+            <a:endParaRPr lang="en-US" sz="2800" dirty="0">
+              <a:solidFill>
+                <a:srgbClr val="707070"/>
+              </a:solidFill>
+              <a:latin typeface="Pragmatica" panose="020B0403040502020204" pitchFamily="34" charset="0"/>
+            </a:endParaRPr>
+          </a:p>
+        </p:txBody>
+      </p:sp>
+      <p:sp>
+        <p:nvSpPr>
+          <p:cNvPr id="5" name="TextBox 4"/>
+          <p:cNvSpPr txBox="1"/>
           <p:nvPr/>
         </p:nvSpPr>
         <p:spPr>
           <a:xfrm>
-            <a:off x="4110005" y="2361696"/>
-            <a:ext cx="2387684" cy="2058914"/>
-          </a:xfrm>
-          <a:prstGeom prst="rect">
-            <a:avLst/>
-          </a:prstGeom>
-          <a:solidFill>
-            <a:schemeClr val="bg1"/>
-          </a:solidFill>
-          <a:ln>
-            <a:solidFill>
-              <a:schemeClr val="bg1"/>
-            </a:solidFill>
-          </a:ln>
-        </p:spPr>
-        <p:style>
-          <a:lnRef idx="2">
-            <a:schemeClr val="accent1">
-              <a:shade val="50000"/>
-            </a:schemeClr>
-          </a:lnRef>
-          <a:fillRef idx="1">
-            <a:schemeClr val="accent1"/>
-          </a:fillRef>
-          <a:effectRef idx="0">
-            <a:schemeClr val="accent1"/>
-          </a:effectRef>
-          <a:fontRef idx="minor">
-            <a:schemeClr val="lt1"/>
-          </a:fontRef>
-        </p:style>
-        <p:txBody>
-          <a:bodyPr rtlCol="0" anchor="ctr"/>
-          <a:lstStyle/>
-          <a:p>
-            <a:pPr algn="ctr"/>
-            <a:endParaRPr lang="en-US"/>
-          </a:p>
-        </p:txBody>
-      </p:sp>
-      <p:pic>
-        <p:nvPicPr>
-          <p:cNvPr id="1028" name="Picture 4">
-            <a:extLst>
-              <a:ext uri="{FF2B5EF4-FFF2-40B4-BE49-F238E27FC236}">
-                <a16:creationId xmlns:a16="http://schemas.microsoft.com/office/drawing/2014/main" id="{825ACF1B-CE81-4574-A3DF-0CF7DC8ACCB0}"/>
-              </a:ext>
-            </a:extLst>
-          </p:cNvPr>
-          <p:cNvPicPr>
-            <a:picLocks noChangeAspect="1" noChangeArrowheads="1"/>
-          </p:cNvPicPr>
-          <p:nvPr/>
-        </p:nvPicPr>
-        <p:blipFill>
-          <a:blip r:embed="rId5" cstate="print">
-            <a:extLst>
-              <a:ext uri="{28A0092B-C50C-407E-A947-70E740481C1C}">
-                <a14:useLocalDpi xmlns:a14="http://schemas.microsoft.com/office/drawing/2010/main" val="0"/>
-              </a:ext>
-            </a:extLst>
-          </a:blip>
-          <a:srcRect/>
-          <a:stretch>
-            <a:fillRect/>
-          </a:stretch>
-        </p:blipFill>
-        <p:spPr bwMode="auto">
-          <a:xfrm>
-            <a:off x="4110005" y="2460634"/>
-            <a:ext cx="2169493" cy="1681416"/>
+            <a:off x="5511478" y="2218800"/>
+            <a:ext cx="6539697" cy="2369880"/>
           </a:xfrm>
           <a:prstGeom prst="rect">
             <a:avLst/>
           </a:prstGeom>
           <a:noFill/>
-          <a:extLst>
-            <a:ext uri="{909E8E84-426E-40DD-AFC4-6F175D3DCCD1}">
-              <a14:hiddenFill xmlns:a14="http://schemas.microsoft.com/office/drawing/2010/main">
+        </p:spPr>
+        <p:txBody>
+          <a:bodyPr wrap="square" rtlCol="0">
+            <a:spAutoFit/>
+          </a:bodyPr>
+          <a:lstStyle/>
+          <a:p>
+            <a:pPr>
+              <a:buClr>
+                <a:srgbClr val="CF3338"/>
+              </a:buClr>
+            </a:pPr>
+            <a:r>
+              <a:rPr lang="en-US" sz="3600" b="1" dirty="0">
                 <a:solidFill>
-                  <a:srgbClr val="FFFFFF"/>
+                  <a:srgbClr val="707070"/>
                 </a:solidFill>
-              </a14:hiddenFill>
-            </a:ext>
-          </a:extLst>
-        </p:spPr>
-      </p:pic>
-      <p:sp>
-        <p:nvSpPr>
-          <p:cNvPr id="14" name="Rectangle 13">
-            <a:extLst>
-              <a:ext uri="{FF2B5EF4-FFF2-40B4-BE49-F238E27FC236}">
-                <a16:creationId xmlns:a16="http://schemas.microsoft.com/office/drawing/2014/main" id="{66C1EADA-8ED9-4554-B2D7-B9BE8D5DA53B}"/>
-              </a:ext>
-            </a:extLst>
-          </p:cNvPr>
-          <p:cNvSpPr/>
-          <p:nvPr/>
-        </p:nvSpPr>
-        <p:spPr>
-          <a:xfrm>
-            <a:off x="8615436" y="2361696"/>
-            <a:ext cx="2387684" cy="2058914"/>
-          </a:xfrm>
-          <a:prstGeom prst="rect">
-            <a:avLst/>
-          </a:prstGeom>
-          <a:solidFill>
-            <a:schemeClr val="bg1"/>
-          </a:solidFill>
-          <a:ln>
-            <a:solidFill>
-              <a:schemeClr val="bg1"/>
-            </a:solidFill>
-          </a:ln>
-        </p:spPr>
-        <p:style>
-          <a:lnRef idx="2">
-            <a:schemeClr val="accent1">
-              <a:shade val="50000"/>
-            </a:schemeClr>
-          </a:lnRef>
-          <a:fillRef idx="1">
-            <a:schemeClr val="accent1"/>
-          </a:fillRef>
-          <a:effectRef idx="0">
-            <a:schemeClr val="accent1"/>
-          </a:effectRef>
-          <a:fontRef idx="minor">
-            <a:schemeClr val="lt1"/>
-          </a:fontRef>
-        </p:style>
-        <p:txBody>
-          <a:bodyPr rtlCol="0" anchor="ctr"/>
-          <a:lstStyle/>
-          <a:p>
-            <a:pPr algn="ctr"/>
-            <a:endParaRPr lang="en-US"/>
-          </a:p>
-        </p:txBody>
-      </p:sp>
-      <p:pic>
-        <p:nvPicPr>
-          <p:cNvPr id="15" name="Picture 4">
-            <a:extLst>
-              <a:ext uri="{FF2B5EF4-FFF2-40B4-BE49-F238E27FC236}">
-                <a16:creationId xmlns:a16="http://schemas.microsoft.com/office/drawing/2014/main" id="{B4BD4C78-1F1F-4683-BFE9-CE9B4B2E1317}"/>
-              </a:ext>
-            </a:extLst>
-          </p:cNvPr>
-          <p:cNvPicPr>
-            <a:picLocks noChangeAspect="1" noChangeArrowheads="1"/>
-          </p:cNvPicPr>
-          <p:nvPr/>
-        </p:nvPicPr>
-        <p:blipFill>
-          <a:blip r:embed="rId5" cstate="print">
-            <a:extLst>
-              <a:ext uri="{28A0092B-C50C-407E-A947-70E740481C1C}">
-                <a14:useLocalDpi xmlns:a14="http://schemas.microsoft.com/office/drawing/2010/main" val="0"/>
-              </a:ext>
-            </a:extLst>
-          </a:blip>
-          <a:srcRect/>
-          <a:stretch>
-            <a:fillRect/>
-          </a:stretch>
-        </p:blipFill>
-        <p:spPr bwMode="auto">
-          <a:xfrm>
-            <a:off x="8615436" y="2460634"/>
-            <a:ext cx="2169493" cy="1681416"/>
-          </a:xfrm>
-          <a:prstGeom prst="rect">
-            <a:avLst/>
-          </a:prstGeom>
-          <a:noFill/>
-          <a:extLst>
-            <a:ext uri="{909E8E84-426E-40DD-AFC4-6F175D3DCCD1}">
-              <a14:hiddenFill xmlns:a14="http://schemas.microsoft.com/office/drawing/2010/main">
+                <a:latin typeface="Normafixed Tryout" panose="00000409000000000000" pitchFamily="49" charset="0"/>
+              </a:rPr>
+              <a:t>Not so much… </a:t>
+            </a:r>
+            <a:endParaRPr lang="en-US" sz="3600" dirty="0">
+              <a:solidFill>
+                <a:srgbClr val="707070"/>
+              </a:solidFill>
+              <a:latin typeface="Normafixed Tryout" panose="00000409000000000000" pitchFamily="49" charset="0"/>
+            </a:endParaRPr>
+          </a:p>
+          <a:p>
+            <a:pPr marL="457200" indent="-457200">
+              <a:buClr>
+                <a:srgbClr val="CF3338"/>
+              </a:buClr>
+              <a:buFont typeface="Arial" panose="020B0604020202020204" pitchFamily="34" charset="0"/>
+              <a:buChar char="•"/>
+            </a:pPr>
+            <a:endParaRPr lang="en-US" sz="2800" dirty="0">
+              <a:solidFill>
+                <a:srgbClr val="707070"/>
+              </a:solidFill>
+              <a:latin typeface="Pragmatica" panose="020B0403040502020204" pitchFamily="34" charset="0"/>
+            </a:endParaRPr>
+          </a:p>
+          <a:p>
+            <a:pPr marL="457200" indent="-457200">
+              <a:buClr>
+                <a:srgbClr val="CF3338"/>
+              </a:buClr>
+              <a:buFont typeface="Arial" panose="020B0604020202020204" pitchFamily="34" charset="0"/>
+              <a:buChar char="•"/>
+            </a:pPr>
+            <a:r>
+              <a:rPr lang="en-US" sz="2800" dirty="0">
                 <a:solidFill>
-                  <a:srgbClr val="FFFFFF"/>
+                  <a:srgbClr val="707070"/>
                 </a:solidFill>
-              </a14:hiddenFill>
-            </a:ext>
-          </a:extLst>
-        </p:spPr>
-      </p:pic>
+                <a:latin typeface="Pragmatica" panose="020B0403040502020204" pitchFamily="34" charset="0"/>
+              </a:rPr>
+              <a:t>Storing data</a:t>
+            </a:r>
+          </a:p>
+          <a:p>
+            <a:pPr marL="457200" indent="-457200">
+              <a:buClr>
+                <a:srgbClr val="CF3338"/>
+              </a:buClr>
+              <a:buFont typeface="Arial" panose="020B0604020202020204" pitchFamily="34" charset="0"/>
+              <a:buChar char="•"/>
+            </a:pPr>
+            <a:r>
+              <a:rPr lang="en-US" sz="2800" dirty="0">
+                <a:solidFill>
+                  <a:srgbClr val="707070"/>
+                </a:solidFill>
+                <a:latin typeface="Pragmatica" panose="020B0403040502020204" pitchFamily="34" charset="0"/>
+              </a:rPr>
+              <a:t>Mobilizing data</a:t>
+            </a:r>
+          </a:p>
+          <a:p>
+            <a:pPr marL="457200" indent="-457200">
+              <a:buClr>
+                <a:srgbClr val="CF3338"/>
+              </a:buClr>
+              <a:buFont typeface="Arial" panose="020B0604020202020204" pitchFamily="34" charset="0"/>
+              <a:buChar char="•"/>
+            </a:pPr>
+            <a:r>
+              <a:rPr lang="en-US" sz="2800" dirty="0">
+                <a:solidFill>
+                  <a:srgbClr val="707070"/>
+                </a:solidFill>
+                <a:latin typeface="Pragmatica" panose="020B0403040502020204" pitchFamily="34" charset="0"/>
+              </a:rPr>
+              <a:t>Implementing advanced analytics</a:t>
+            </a:r>
+          </a:p>
+        </p:txBody>
+      </p:sp>
     </p:spTree>
     <p:extLst>
       <p:ext uri="{BB962C8B-B14F-4D97-AF65-F5344CB8AC3E}">
-        <p14:creationId xmlns:p14="http://schemas.microsoft.com/office/powerpoint/2010/main" val="3954831561"/>
+        <p14:creationId xmlns:p14="http://schemas.microsoft.com/office/powerpoint/2010/main" val="3138290190"/>
       </p:ext>
     </p:extLst>
   </p:cSld>
@@ -8067,264 +7265,6 @@
           <a:chExt cx="0" cy="0"/>
         </a:xfrm>
       </p:grpSpPr>
-      <p:pic>
-        <p:nvPicPr>
-          <p:cNvPr id="10" name="Picture 9"/>
-          <p:cNvPicPr>
-            <a:picLocks noChangeAspect="1"/>
-          </p:cNvPicPr>
-          <p:nvPr/>
-        </p:nvPicPr>
-        <p:blipFill rotWithShape="1">
-          <a:blip r:embed="rId3">
-            <a:extLst>
-              <a:ext uri="{28A0092B-C50C-407E-A947-70E740481C1C}">
-                <a14:useLocalDpi xmlns:a14="http://schemas.microsoft.com/office/drawing/2010/main" val="0"/>
-              </a:ext>
-            </a:extLst>
-          </a:blip>
-          <a:srcRect l="50728" t="56371"/>
-          <a:stretch/>
-        </p:blipFill>
-        <p:spPr>
-          <a:xfrm>
-            <a:off x="10894024" y="5370653"/>
-            <a:ext cx="1297975" cy="1487348"/>
-          </a:xfrm>
-          <a:prstGeom prst="rect">
-            <a:avLst/>
-          </a:prstGeom>
-        </p:spPr>
-      </p:pic>
-      <p:sp>
-        <p:nvSpPr>
-          <p:cNvPr id="11" name="TextBox 10"/>
-          <p:cNvSpPr txBox="1"/>
-          <p:nvPr/>
-        </p:nvSpPr>
-        <p:spPr>
-          <a:xfrm>
-            <a:off x="334451" y="81469"/>
-            <a:ext cx="9799937" cy="1015663"/>
-          </a:xfrm>
-          <a:prstGeom prst="rect">
-            <a:avLst/>
-          </a:prstGeom>
-          <a:noFill/>
-        </p:spPr>
-        <p:txBody>
-          <a:bodyPr wrap="square" rtlCol="0">
-            <a:spAutoFit/>
-          </a:bodyPr>
-          <a:lstStyle/>
-          <a:p>
-            <a:r>
-              <a:rPr lang="en-US" sz="6000" dirty="0">
-                <a:latin typeface="Aliens &amp; cows" panose="00000500000000000000" pitchFamily="2" charset="0"/>
-              </a:rPr>
-              <a:t>R + RStudio</a:t>
-            </a:r>
-          </a:p>
-        </p:txBody>
-      </p:sp>
-      <p:pic>
-        <p:nvPicPr>
-          <p:cNvPr id="2050" name="Picture 2" descr="R (programming language) - Wikipedia">
-            <a:extLst>
-              <a:ext uri="{FF2B5EF4-FFF2-40B4-BE49-F238E27FC236}">
-                <a16:creationId xmlns:a16="http://schemas.microsoft.com/office/drawing/2014/main" id="{0128CF47-2A1A-42EA-88FE-A6A4CE80EA2A}"/>
-              </a:ext>
-            </a:extLst>
-          </p:cNvPr>
-          <p:cNvPicPr>
-            <a:picLocks noChangeAspect="1" noChangeArrowheads="1"/>
-          </p:cNvPicPr>
-          <p:nvPr/>
-        </p:nvPicPr>
-        <p:blipFill>
-          <a:blip r:embed="rId4" cstate="print">
-            <a:extLst>
-              <a:ext uri="{28A0092B-C50C-407E-A947-70E740481C1C}">
-                <a14:useLocalDpi xmlns:a14="http://schemas.microsoft.com/office/drawing/2010/main" val="0"/>
-              </a:ext>
-            </a:extLst>
-          </a:blip>
-          <a:srcRect/>
-          <a:stretch>
-            <a:fillRect/>
-          </a:stretch>
-        </p:blipFill>
-        <p:spPr bwMode="auto">
-          <a:xfrm>
-            <a:off x="238766" y="1888627"/>
-            <a:ext cx="3975018" cy="3080746"/>
-          </a:xfrm>
-          <a:prstGeom prst="rect">
-            <a:avLst/>
-          </a:prstGeom>
-          <a:noFill/>
-          <a:extLst>
-            <a:ext uri="{909E8E84-426E-40DD-AFC4-6F175D3DCCD1}">
-              <a14:hiddenFill xmlns:a14="http://schemas.microsoft.com/office/drawing/2010/main">
-                <a:solidFill>
-                  <a:srgbClr val="FFFFFF"/>
-                </a:solidFill>
-              </a14:hiddenFill>
-            </a:ext>
-          </a:extLst>
-        </p:spPr>
-      </p:pic>
-      <p:pic>
-        <p:nvPicPr>
-          <p:cNvPr id="2052" name="Picture 4" descr="RStudio Partnership and Consultancy Services | Mango Solutions">
-            <a:extLst>
-              <a:ext uri="{FF2B5EF4-FFF2-40B4-BE49-F238E27FC236}">
-                <a16:creationId xmlns:a16="http://schemas.microsoft.com/office/drawing/2014/main" id="{EA0D657F-7250-41AF-AB4A-1E6E0E6D3D7F}"/>
-              </a:ext>
-            </a:extLst>
-          </p:cNvPr>
-          <p:cNvPicPr>
-            <a:picLocks noChangeAspect="1" noChangeArrowheads="1"/>
-          </p:cNvPicPr>
-          <p:nvPr/>
-        </p:nvPicPr>
-        <p:blipFill>
-          <a:blip r:embed="rId5">
-            <a:extLst>
-              <a:ext uri="{28A0092B-C50C-407E-A947-70E740481C1C}">
-                <a14:useLocalDpi xmlns:a14="http://schemas.microsoft.com/office/drawing/2010/main" val="0"/>
-              </a:ext>
-            </a:extLst>
-          </a:blip>
-          <a:srcRect/>
-          <a:stretch>
-            <a:fillRect/>
-          </a:stretch>
-        </p:blipFill>
-        <p:spPr bwMode="auto">
-          <a:xfrm>
-            <a:off x="4820642" y="1690187"/>
-            <a:ext cx="7371358" cy="3680466"/>
-          </a:xfrm>
-          <a:prstGeom prst="rect">
-            <a:avLst/>
-          </a:prstGeom>
-          <a:noFill/>
-          <a:extLst>
-            <a:ext uri="{909E8E84-426E-40DD-AFC4-6F175D3DCCD1}">
-              <a14:hiddenFill xmlns:a14="http://schemas.microsoft.com/office/drawing/2010/main">
-                <a:solidFill>
-                  <a:srgbClr val="FFFFFF"/>
-                </a:solidFill>
-              </a14:hiddenFill>
-            </a:ext>
-          </a:extLst>
-        </p:spPr>
-      </p:pic>
-      <p:sp>
-        <p:nvSpPr>
-          <p:cNvPr id="8" name="TextBox 7">
-            <a:extLst>
-              <a:ext uri="{FF2B5EF4-FFF2-40B4-BE49-F238E27FC236}">
-                <a16:creationId xmlns:a16="http://schemas.microsoft.com/office/drawing/2014/main" id="{11840D5C-3D15-43FA-828B-81755108AC4E}"/>
-              </a:ext>
-            </a:extLst>
-          </p:cNvPr>
-          <p:cNvSpPr txBox="1"/>
-          <p:nvPr/>
-        </p:nvSpPr>
-        <p:spPr>
-          <a:xfrm>
-            <a:off x="6168274" y="5139819"/>
-            <a:ext cx="3223967" cy="461665"/>
-          </a:xfrm>
-          <a:prstGeom prst="rect">
-            <a:avLst/>
-          </a:prstGeom>
-          <a:noFill/>
-        </p:spPr>
-        <p:txBody>
-          <a:bodyPr wrap="square" rtlCol="0">
-            <a:spAutoFit/>
-          </a:bodyPr>
-          <a:lstStyle/>
-          <a:p>
-            <a:r>
-              <a:rPr lang="en-US" sz="2400" dirty="0">
-                <a:latin typeface="Pragmatica" pitchFamily="2" charset="0"/>
-              </a:rPr>
-              <a:t>The interface</a:t>
-            </a:r>
-          </a:p>
-        </p:txBody>
-      </p:sp>
-      <p:sp>
-        <p:nvSpPr>
-          <p:cNvPr id="12" name="TextBox 11">
-            <a:extLst>
-              <a:ext uri="{FF2B5EF4-FFF2-40B4-BE49-F238E27FC236}">
-                <a16:creationId xmlns:a16="http://schemas.microsoft.com/office/drawing/2014/main" id="{58B22640-98BF-4B6B-939E-E50C08DEC28C}"/>
-              </a:ext>
-            </a:extLst>
-          </p:cNvPr>
-          <p:cNvSpPr txBox="1"/>
-          <p:nvPr/>
-        </p:nvSpPr>
-        <p:spPr>
-          <a:xfrm>
-            <a:off x="334451" y="5139820"/>
-            <a:ext cx="6103856" cy="461665"/>
-          </a:xfrm>
-          <a:prstGeom prst="rect">
-            <a:avLst/>
-          </a:prstGeom>
-          <a:noFill/>
-        </p:spPr>
-        <p:txBody>
-          <a:bodyPr wrap="square">
-            <a:spAutoFit/>
-          </a:bodyPr>
-          <a:lstStyle/>
-          <a:p>
-            <a:r>
-              <a:rPr lang="en-US" sz="2400" dirty="0">
-                <a:latin typeface="Pragmatica" pitchFamily="2" charset="0"/>
-              </a:rPr>
-              <a:t>The code base</a:t>
-            </a:r>
-          </a:p>
-        </p:txBody>
-      </p:sp>
-    </p:spTree>
-    <p:extLst>
-      <p:ext uri="{BB962C8B-B14F-4D97-AF65-F5344CB8AC3E}">
-        <p14:creationId xmlns:p14="http://schemas.microsoft.com/office/powerpoint/2010/main" val="4290185649"/>
-      </p:ext>
-    </p:extLst>
-  </p:cSld>
-  <p:clrMapOvr>
-    <a:masterClrMapping/>
-  </p:clrMapOvr>
-</p:sld>
-</file>
-
-<file path=ppt/slides/slide13.xml><?xml version="1.0" encoding="utf-8"?>
-<p:sld xmlns:a="http://schemas.openxmlformats.org/drawingml/2006/main" xmlns:r="http://schemas.openxmlformats.org/officeDocument/2006/relationships" xmlns:p="http://schemas.openxmlformats.org/presentationml/2006/main">
-  <p:cSld>
-    <p:spTree>
-      <p:nvGrpSpPr>
-        <p:cNvPr id="1" name=""/>
-        <p:cNvGrpSpPr/>
-        <p:nvPr/>
-      </p:nvGrpSpPr>
-      <p:grpSpPr>
-        <a:xfrm>
-          <a:off x="0" y="0"/>
-          <a:ext cx="0" cy="0"/>
-          <a:chOff x="0" y="0"/>
-          <a:chExt cx="0" cy="0"/>
-        </a:xfrm>
-      </p:grpSpPr>
       <p:sp>
         <p:nvSpPr>
           <p:cNvPr id="4" name="Rectangle 3"/>
@@ -8333,8 +7273,8 @@
         </p:nvSpPr>
         <p:spPr>
           <a:xfrm>
-            <a:off x="6574420" y="0"/>
-            <a:ext cx="5617580" cy="6858000"/>
+            <a:off x="0" y="0"/>
+            <a:ext cx="12192000" cy="6858000"/>
           </a:xfrm>
           <a:prstGeom prst="rect">
             <a:avLst/>
@@ -8376,8 +7316,8 @@
         </p:nvSpPr>
         <p:spPr>
           <a:xfrm>
-            <a:off x="6817489" y="0"/>
-            <a:ext cx="4120587" cy="1446550"/>
+            <a:off x="520861" y="393539"/>
+            <a:ext cx="10324617" cy="3139321"/>
           </a:xfrm>
           <a:prstGeom prst="rect">
             <a:avLst/>
@@ -8391,207 +7331,21 @@
           <a:lstStyle/>
           <a:p>
             <a:r>
-              <a:rPr lang="en-US" sz="8800" dirty="0">
+              <a:rPr lang="en-US" sz="6600" b="1" dirty="0">
                 <a:solidFill>
                   <a:schemeClr val="bg1"/>
                 </a:solidFill>
-                <a:latin typeface="Aliens &amp; cows" panose="00000500000000000000" pitchFamily="2" charset="0"/>
-              </a:rPr>
-              <a:t>Demo</a:t>
-            </a:r>
-          </a:p>
-        </p:txBody>
-      </p:sp>
-      <p:pic>
-        <p:nvPicPr>
-          <p:cNvPr id="2" name="Picture 1"/>
-          <p:cNvPicPr>
-            <a:picLocks noChangeAspect="1"/>
-          </p:cNvPicPr>
-          <p:nvPr/>
-        </p:nvPicPr>
-        <p:blipFill rotWithShape="1">
-          <a:blip r:embed="rId3">
-            <a:extLst>
-              <a:ext uri="{28A0092B-C50C-407E-A947-70E740481C1C}">
-                <a14:useLocalDpi xmlns:a14="http://schemas.microsoft.com/office/drawing/2010/main" val="0"/>
-              </a:ext>
-            </a:extLst>
-          </a:blip>
-          <a:srcRect l="69227" t="33418" r="20112" b="50548"/>
-          <a:stretch/>
-        </p:blipFill>
-        <p:spPr>
-          <a:xfrm>
-            <a:off x="10386349" y="5029795"/>
-            <a:ext cx="1805651" cy="1991719"/>
-          </a:xfrm>
-          <a:prstGeom prst="rect">
-            <a:avLst/>
-          </a:prstGeom>
-        </p:spPr>
-      </p:pic>
-      <p:sp>
-        <p:nvSpPr>
-          <p:cNvPr id="3" name="TextBox 2"/>
-          <p:cNvSpPr txBox="1"/>
-          <p:nvPr/>
-        </p:nvSpPr>
-        <p:spPr>
-          <a:xfrm>
-            <a:off x="173620" y="219919"/>
-            <a:ext cx="5937813" cy="523220"/>
-          </a:xfrm>
-          <a:prstGeom prst="rect">
-            <a:avLst/>
-          </a:prstGeom>
-          <a:noFill/>
-        </p:spPr>
-        <p:txBody>
-          <a:bodyPr wrap="square" rtlCol="0">
-            <a:spAutoFit/>
-          </a:bodyPr>
-          <a:lstStyle/>
-          <a:p>
-            <a:r>
-              <a:rPr lang="en-US" sz="2800" b="1" dirty="0">
-                <a:solidFill>
-                  <a:srgbClr val="CF3338"/>
-                </a:solidFill>
                 <a:latin typeface="Pragmatica" pitchFamily="2" charset="0"/>
               </a:rPr>
-              <a:t>Navigate RStudio, beginning with 1+1</a:t>
-            </a:r>
-          </a:p>
-        </p:txBody>
-      </p:sp>
-      <p:pic>
-        <p:nvPicPr>
-          <p:cNvPr id="7" name="Picture 2">
-            <a:extLst>
-              <a:ext uri="{FF2B5EF4-FFF2-40B4-BE49-F238E27FC236}">
-                <a16:creationId xmlns:a16="http://schemas.microsoft.com/office/drawing/2014/main" id="{6AA3752F-7DE4-42EF-930F-41F529023B4D}"/>
-              </a:ext>
-            </a:extLst>
-          </p:cNvPr>
-          <p:cNvPicPr>
-            <a:picLocks noChangeAspect="1" noChangeArrowheads="1"/>
-          </p:cNvPicPr>
-          <p:nvPr/>
-        </p:nvPicPr>
-        <p:blipFill>
-          <a:blip r:embed="rId4">
-            <a:extLst>
-              <a:ext uri="{28A0092B-C50C-407E-A947-70E740481C1C}">
-                <a14:useLocalDpi xmlns:a14="http://schemas.microsoft.com/office/drawing/2010/main" val="0"/>
-              </a:ext>
-            </a:extLst>
-          </a:blip>
-          <a:srcRect/>
-          <a:stretch>
-            <a:fillRect/>
-          </a:stretch>
-        </p:blipFill>
-        <p:spPr bwMode="auto">
-          <a:xfrm>
-            <a:off x="817355" y="2489120"/>
-            <a:ext cx="7995854" cy="4285278"/>
-          </a:xfrm>
-          <a:prstGeom prst="rect">
-            <a:avLst/>
-          </a:prstGeom>
-          <a:noFill/>
-          <a:extLst>
-            <a:ext uri="{909E8E84-426E-40DD-AFC4-6F175D3DCCD1}">
-              <a14:hiddenFill xmlns:a14="http://schemas.microsoft.com/office/drawing/2010/main">
-                <a:solidFill>
-                  <a:srgbClr val="FFFFFF"/>
-                </a:solidFill>
-              </a14:hiddenFill>
-            </a:ext>
-          </a:extLst>
-        </p:spPr>
-      </p:pic>
-      <p:pic>
-        <p:nvPicPr>
-          <p:cNvPr id="8" name="Picture 7">
-            <a:extLst>
-              <a:ext uri="{FF2B5EF4-FFF2-40B4-BE49-F238E27FC236}">
-                <a16:creationId xmlns:a16="http://schemas.microsoft.com/office/drawing/2014/main" id="{7A16F770-8038-495F-AA22-4602F7510F9D}"/>
-              </a:ext>
-            </a:extLst>
-          </p:cNvPr>
-          <p:cNvPicPr>
-            <a:picLocks noChangeAspect="1"/>
-          </p:cNvPicPr>
-          <p:nvPr/>
-        </p:nvPicPr>
-        <p:blipFill rotWithShape="1">
-          <a:blip r:embed="rId5"/>
-          <a:srcRect b="47338"/>
-          <a:stretch/>
-        </p:blipFill>
-        <p:spPr>
-          <a:xfrm>
-            <a:off x="1198861" y="1273896"/>
-            <a:ext cx="3993611" cy="613266"/>
-          </a:xfrm>
-          <a:prstGeom prst="rect">
-            <a:avLst/>
-          </a:prstGeom>
-        </p:spPr>
-      </p:pic>
-      <p:sp>
-        <p:nvSpPr>
-          <p:cNvPr id="9" name="TextBox 8">
-            <a:extLst>
-              <a:ext uri="{FF2B5EF4-FFF2-40B4-BE49-F238E27FC236}">
-                <a16:creationId xmlns:a16="http://schemas.microsoft.com/office/drawing/2014/main" id="{F0D02FF3-1492-433C-B9E2-786CF5157C1B}"/>
-              </a:ext>
-            </a:extLst>
-          </p:cNvPr>
-          <p:cNvSpPr txBox="1"/>
-          <p:nvPr/>
-        </p:nvSpPr>
-        <p:spPr>
-          <a:xfrm>
-            <a:off x="1117689" y="1887162"/>
-            <a:ext cx="7695520" cy="400110"/>
-          </a:xfrm>
-          <a:prstGeom prst="rect">
-            <a:avLst/>
-          </a:prstGeom>
-          <a:noFill/>
-        </p:spPr>
-        <p:txBody>
-          <a:bodyPr wrap="square" rtlCol="0">
-            <a:spAutoFit/>
-          </a:bodyPr>
-          <a:lstStyle/>
-          <a:p>
-            <a:r>
-              <a:rPr lang="en-US" sz="2000" dirty="0">
-                <a:solidFill>
-                  <a:srgbClr val="707070"/>
-                </a:solidFill>
-                <a:latin typeface="Pragmatica" panose="020B0403040502020204" pitchFamily="34" charset="0"/>
-                <a:hlinkClick r:id="rId6"/>
-              </a:rPr>
-              <a:t>https://github.com/stringfestdata/london-excel</a:t>
-            </a:r>
-            <a:endParaRPr lang="en-US" sz="2000" dirty="0">
-              <a:solidFill>
-                <a:srgbClr val="707070"/>
-              </a:solidFill>
-              <a:latin typeface="Pragmatica" panose="020B0403040502020204" pitchFamily="34" charset="0"/>
-            </a:endParaRPr>
+              <a:t>Welcome to the R Project for Statistical Computing</a:t>
+            </a:r>
           </a:p>
         </p:txBody>
       </p:sp>
     </p:spTree>
     <p:extLst>
       <p:ext uri="{BB962C8B-B14F-4D97-AF65-F5344CB8AC3E}">
-        <p14:creationId xmlns:p14="http://schemas.microsoft.com/office/powerpoint/2010/main" val="3438141686"/>
+        <p14:creationId xmlns:p14="http://schemas.microsoft.com/office/powerpoint/2010/main" val="3466469417"/>
       </p:ext>
     </p:extLst>
   </p:cSld>
@@ -8601,7 +7355,7 @@
 </p:sld>
 </file>
 
-<file path=ppt/slides/slide14.xml><?xml version="1.0" encoding="utf-8"?>
+<file path=ppt/slides/slide13.xml><?xml version="1.0" encoding="utf-8"?>
 <p:sld xmlns:a="http://schemas.openxmlformats.org/drawingml/2006/main" xmlns:r="http://schemas.openxmlformats.org/officeDocument/2006/relationships" xmlns:p="http://schemas.openxmlformats.org/presentationml/2006/main">
   <p:cSld>
     <p:spTree>
@@ -8789,7 +7543,7 @@
 </p:sld>
 </file>
 
-<file path=ppt/slides/slide15.xml><?xml version="1.0" encoding="utf-8"?>
+<file path=ppt/slides/slide14.xml><?xml version="1.0" encoding="utf-8"?>
 <p:sld xmlns:a="http://schemas.openxmlformats.org/drawingml/2006/main" xmlns:r="http://schemas.openxmlformats.org/officeDocument/2006/relationships" xmlns:p="http://schemas.openxmlformats.org/presentationml/2006/main">
   <p:cSld>
     <p:spTree>
@@ -9199,7 +7953,7 @@
 </p:sld>
 </file>
 
-<file path=ppt/slides/slide16.xml><?xml version="1.0" encoding="utf-8"?>
+<file path=ppt/slides/slide15.xml><?xml version="1.0" encoding="utf-8"?>
 <p:sld xmlns:a="http://schemas.openxmlformats.org/drawingml/2006/main" xmlns:r="http://schemas.openxmlformats.org/officeDocument/2006/relationships" xmlns:p="http://schemas.openxmlformats.org/presentationml/2006/main">
   <p:cSld>
     <p:spTree>
@@ -9312,7 +8066,7 @@
     </p:spTree>
     <p:extLst>
       <p:ext uri="{BB962C8B-B14F-4D97-AF65-F5344CB8AC3E}">
-        <p14:creationId xmlns:p14="http://schemas.microsoft.com/office/powerpoint/2010/main" val="284881867"/>
+        <p14:creationId xmlns:p14="http://schemas.microsoft.com/office/powerpoint/2010/main" val="3672653518"/>
       </p:ext>
     </p:extLst>
   </p:cSld>
@@ -9322,7 +8076,7 @@
 </p:sld>
 </file>
 
-<file path=ppt/slides/slide17.xml><?xml version="1.0" encoding="utf-8"?>
+<file path=ppt/slides/slide16.xml><?xml version="1.0" encoding="utf-8"?>
 <p:sld xmlns:a="http://schemas.openxmlformats.org/drawingml/2006/main" xmlns:r="http://schemas.openxmlformats.org/officeDocument/2006/relationships" xmlns:p="http://schemas.openxmlformats.org/presentationml/2006/main">
   <p:cSld>
     <p:spTree>
@@ -9411,7 +8165,7 @@
                 </a:solidFill>
                 <a:latin typeface="Pragmatica" pitchFamily="2" charset="0"/>
               </a:rPr>
-              <a:t>Prancing into Python</a:t>
+              <a:t>Conclusion/Resources</a:t>
             </a:r>
           </a:p>
         </p:txBody>
@@ -9419,7 +8173,7 @@
     </p:spTree>
     <p:extLst>
       <p:ext uri="{BB962C8B-B14F-4D97-AF65-F5344CB8AC3E}">
-        <p14:creationId xmlns:p14="http://schemas.microsoft.com/office/powerpoint/2010/main" val="1362530689"/>
+        <p14:creationId xmlns:p14="http://schemas.microsoft.com/office/powerpoint/2010/main" val="3553521403"/>
       </p:ext>
     </p:extLst>
   </p:cSld>
@@ -9429,7 +8183,7 @@
 </p:sld>
 </file>
 
-<file path=ppt/slides/slide18.xml><?xml version="1.0" encoding="utf-8"?>
+<file path=ppt/slides/slide17.xml><?xml version="1.0" encoding="utf-8"?>
 <p:sld xmlns:a="http://schemas.openxmlformats.org/drawingml/2006/main" xmlns:r="http://schemas.openxmlformats.org/officeDocument/2006/relationships" xmlns:p="http://schemas.openxmlformats.org/presentationml/2006/main">
   <p:cSld>
     <p:spTree>
@@ -9484,7 +8238,7 @@
         <p:spPr>
           <a:xfrm>
             <a:off x="347240" y="113388"/>
-            <a:ext cx="9799937" cy="1015663"/>
+            <a:ext cx="10861534" cy="1015663"/>
           </a:xfrm>
           <a:prstGeom prst="rect">
             <a:avLst/>
@@ -9501,101 +8255,17 @@
               <a:rPr lang="en-US" sz="6000" dirty="0">
                 <a:latin typeface="Aliens &amp; cows" panose="00000500000000000000" pitchFamily="2" charset="0"/>
               </a:rPr>
-              <a:t>Python+ Anaconda + </a:t>
-            </a:r>
-            <a:r>
-              <a:rPr lang="en-US" sz="6000" dirty="0" err="1">
-                <a:latin typeface="Aliens &amp; cows" panose="00000500000000000000" pitchFamily="2" charset="0"/>
-              </a:rPr>
-              <a:t>Jupyter</a:t>
-            </a:r>
-            <a:endParaRPr lang="en-US" sz="6000" dirty="0">
-              <a:latin typeface="Aliens &amp; cows" panose="00000500000000000000" pitchFamily="2" charset="0"/>
-            </a:endParaRPr>
-          </a:p>
-        </p:txBody>
-      </p:sp>
-      <p:sp>
-        <p:nvSpPr>
-          <p:cNvPr id="8" name="TextBox 7">
+              <a:t>Recommended reading</a:t>
+            </a:r>
+          </a:p>
+        </p:txBody>
+      </p:sp>
+      <p:pic>
+        <p:nvPicPr>
+          <p:cNvPr id="1026" name="Picture 2" descr="Python for Excel: A Modern Environment for Automation and ...">
             <a:extLst>
               <a:ext uri="{FF2B5EF4-FFF2-40B4-BE49-F238E27FC236}">
-                <a16:creationId xmlns:a16="http://schemas.microsoft.com/office/drawing/2014/main" id="{11840D5C-3D15-43FA-828B-81755108AC4E}"/>
-              </a:ext>
-            </a:extLst>
-          </p:cNvPr>
-          <p:cNvSpPr txBox="1"/>
-          <p:nvPr/>
-        </p:nvSpPr>
-        <p:spPr>
-          <a:xfrm>
-            <a:off x="4211235" y="5048028"/>
-            <a:ext cx="3223967" cy="830997"/>
-          </a:xfrm>
-          <a:prstGeom prst="rect">
-            <a:avLst/>
-          </a:prstGeom>
-          <a:noFill/>
-        </p:spPr>
-        <p:txBody>
-          <a:bodyPr wrap="square" rtlCol="0">
-            <a:spAutoFit/>
-          </a:bodyPr>
-          <a:lstStyle/>
-          <a:p>
-            <a:pPr algn="ctr"/>
-            <a:r>
-              <a:rPr lang="en-US" sz="2400" dirty="0">
-                <a:latin typeface="Pragmatica" pitchFamily="2" charset="0"/>
-              </a:rPr>
-              <a:t>The distribution of code &amp; apps</a:t>
-            </a:r>
-          </a:p>
-        </p:txBody>
-      </p:sp>
-      <p:sp>
-        <p:nvSpPr>
-          <p:cNvPr id="12" name="TextBox 11">
-            <a:extLst>
-              <a:ext uri="{FF2B5EF4-FFF2-40B4-BE49-F238E27FC236}">
-                <a16:creationId xmlns:a16="http://schemas.microsoft.com/office/drawing/2014/main" id="{58B22640-98BF-4B6B-939E-E50C08DEC28C}"/>
-              </a:ext>
-            </a:extLst>
-          </p:cNvPr>
-          <p:cNvSpPr txBox="1"/>
-          <p:nvPr/>
-        </p:nvSpPr>
-        <p:spPr>
-          <a:xfrm>
-            <a:off x="334451" y="5139820"/>
-            <a:ext cx="3641931" cy="830997"/>
-          </a:xfrm>
-          <a:prstGeom prst="rect">
-            <a:avLst/>
-          </a:prstGeom>
-          <a:noFill/>
-        </p:spPr>
-        <p:txBody>
-          <a:bodyPr wrap="square">
-            <a:spAutoFit/>
-          </a:bodyPr>
-          <a:lstStyle/>
-          <a:p>
-            <a:r>
-              <a:rPr lang="en-US" sz="2400" dirty="0">
-                <a:latin typeface="Pragmatica" pitchFamily="2" charset="0"/>
-              </a:rPr>
-              <a:t>The (open) source code</a:t>
-            </a:r>
-          </a:p>
-        </p:txBody>
-      </p:sp>
-      <p:pic>
-        <p:nvPicPr>
-          <p:cNvPr id="3074" name="Picture 2">
-            <a:extLst>
-              <a:ext uri="{FF2B5EF4-FFF2-40B4-BE49-F238E27FC236}">
-                <a16:creationId xmlns:a16="http://schemas.microsoft.com/office/drawing/2014/main" id="{E3988C34-2EF3-4BC5-A72A-3F7595D4F9CB}"/>
+                <a16:creationId xmlns:a16="http://schemas.microsoft.com/office/drawing/2014/main" id="{7FEF820A-1759-406E-AF97-7C2C186E62D6}"/>
               </a:ext>
             </a:extLst>
           </p:cNvPr>
@@ -9605,7 +8275,7 @@
           <p:nvPr/>
         </p:nvPicPr>
         <p:blipFill>
-          <a:blip r:embed="rId4" cstate="print">
+          <a:blip r:embed="rId4">
             <a:extLst>
               <a:ext uri="{28A0092B-C50C-407E-A947-70E740481C1C}">
                 <a14:useLocalDpi xmlns:a14="http://schemas.microsoft.com/office/drawing/2010/main" val="0"/>
@@ -9619,8 +8289,8 @@
         </p:blipFill>
         <p:spPr bwMode="auto">
           <a:xfrm>
-            <a:off x="418750" y="2407641"/>
-            <a:ext cx="2608976" cy="2608976"/>
+            <a:off x="4228341" y="1831886"/>
+            <a:ext cx="3492500" cy="4572000"/>
           </a:xfrm>
           <a:prstGeom prst="rect">
             <a:avLst/>
@@ -9639,10 +8309,10 @@
       </p:pic>
       <p:pic>
         <p:nvPicPr>
-          <p:cNvPr id="3076" name="Picture 4" descr="Anaconda (Python distribution) - Wikipedia">
+          <p:cNvPr id="1028" name="Picture 4" descr="Advanced Analytics in Power BI with R and Python af Ryan ...">
             <a:extLst>
               <a:ext uri="{FF2B5EF4-FFF2-40B4-BE49-F238E27FC236}">
-                <a16:creationId xmlns:a16="http://schemas.microsoft.com/office/drawing/2014/main" id="{68DA0063-7FE8-4DF8-994B-B10B1C977495}"/>
+                <a16:creationId xmlns:a16="http://schemas.microsoft.com/office/drawing/2014/main" id="{56637376-007B-4188-8699-8394C5AD5A00}"/>
               </a:ext>
             </a:extLst>
           </p:cNvPr>
@@ -9666,8 +8336,8 @@
         </p:blipFill>
         <p:spPr bwMode="auto">
           <a:xfrm>
-            <a:off x="3698716" y="2576686"/>
-            <a:ext cx="4257675" cy="2124075"/>
+            <a:off x="8100975" y="1831886"/>
+            <a:ext cx="3200400" cy="4572000"/>
           </a:xfrm>
           <a:prstGeom prst="rect">
             <a:avLst/>
@@ -9686,10 +8356,10 @@
       </p:pic>
       <p:pic>
         <p:nvPicPr>
-          <p:cNvPr id="3078" name="Picture 6" descr="Project Jupyter - Wikipedia">
+          <p:cNvPr id="1048" name="Picture 24" descr="Advancing into Analytics Cover Image">
             <a:extLst>
               <a:ext uri="{FF2B5EF4-FFF2-40B4-BE49-F238E27FC236}">
-                <a16:creationId xmlns:a16="http://schemas.microsoft.com/office/drawing/2014/main" id="{CD5F432D-C909-4287-9AEF-76EB923DE370}"/>
+                <a16:creationId xmlns:a16="http://schemas.microsoft.com/office/drawing/2014/main" id="{46E582F5-9402-457E-B49D-A33B13A8CAFB}"/>
               </a:ext>
             </a:extLst>
           </p:cNvPr>
@@ -9699,7 +8369,7 @@
           <p:nvPr/>
         </p:nvPicPr>
         <p:blipFill>
-          <a:blip r:embed="rId6" cstate="print">
+          <a:blip r:embed="rId6">
             <a:extLst>
               <a:ext uri="{28A0092B-C50C-407E-A947-70E740481C1C}">
                 <a14:useLocalDpi xmlns:a14="http://schemas.microsoft.com/office/drawing/2010/main" val="0"/>
@@ -9713,8 +8383,8 @@
         </p:blipFill>
         <p:spPr bwMode="auto">
           <a:xfrm>
-            <a:off x="8967904" y="1882550"/>
-            <a:ext cx="2730958" cy="3165478"/>
+            <a:off x="347240" y="1831886"/>
+            <a:ext cx="3500967" cy="4572000"/>
           </a:xfrm>
           <a:prstGeom prst="rect">
             <a:avLst/>
@@ -9731,48 +8401,10 @@
           </a:extLst>
         </p:spPr>
       </p:pic>
-      <p:sp>
-        <p:nvSpPr>
-          <p:cNvPr id="13" name="TextBox 12">
-            <a:extLst>
-              <a:ext uri="{FF2B5EF4-FFF2-40B4-BE49-F238E27FC236}">
-                <a16:creationId xmlns:a16="http://schemas.microsoft.com/office/drawing/2014/main" id="{6DEA6594-3D2D-47D7-A4AB-E3B31A6DA3E8}"/>
-              </a:ext>
-            </a:extLst>
-          </p:cNvPr>
-          <p:cNvSpPr txBox="1"/>
-          <p:nvPr/>
-        </p:nvSpPr>
-        <p:spPr>
-          <a:xfrm>
-            <a:off x="8721400" y="5139819"/>
-            <a:ext cx="3136149" cy="830997"/>
-          </a:xfrm>
-          <a:prstGeom prst="rect">
-            <a:avLst/>
-          </a:prstGeom>
-          <a:noFill/>
-        </p:spPr>
-        <p:txBody>
-          <a:bodyPr wrap="square" rtlCol="0">
-            <a:spAutoFit/>
-          </a:bodyPr>
-          <a:lstStyle/>
-          <a:p>
-            <a:pPr algn="ctr"/>
-            <a:r>
-              <a:rPr lang="en-US" sz="2400" dirty="0">
-                <a:latin typeface="Pragmatica" pitchFamily="2" charset="0"/>
-              </a:rPr>
-              <a:t>The browser-based app</a:t>
-            </a:r>
-          </a:p>
-        </p:txBody>
-      </p:sp>
     </p:spTree>
     <p:extLst>
       <p:ext uri="{BB962C8B-B14F-4D97-AF65-F5344CB8AC3E}">
-        <p14:creationId xmlns:p14="http://schemas.microsoft.com/office/powerpoint/2010/main" val="383149556"/>
+        <p14:creationId xmlns:p14="http://schemas.microsoft.com/office/powerpoint/2010/main" val="3327978876"/>
       </p:ext>
     </p:extLst>
   </p:cSld>
@@ -9782,468 +8414,7 @@
 </p:sld>
 </file>
 
-<file path=ppt/slides/slide19.xml><?xml version="1.0" encoding="utf-8"?>
-<p:sld xmlns:a="http://schemas.openxmlformats.org/drawingml/2006/main" xmlns:r="http://schemas.openxmlformats.org/officeDocument/2006/relationships" xmlns:p="http://schemas.openxmlformats.org/presentationml/2006/main">
-  <p:cSld>
-    <p:spTree>
-      <p:nvGrpSpPr>
-        <p:cNvPr id="1" name=""/>
-        <p:cNvGrpSpPr/>
-        <p:nvPr/>
-      </p:nvGrpSpPr>
-      <p:grpSpPr>
-        <a:xfrm>
-          <a:off x="0" y="0"/>
-          <a:ext cx="0" cy="0"/>
-          <a:chOff x="0" y="0"/>
-          <a:chExt cx="0" cy="0"/>
-        </a:xfrm>
-      </p:grpSpPr>
-      <p:sp>
-        <p:nvSpPr>
-          <p:cNvPr id="4" name="Rectangle 3"/>
-          <p:cNvSpPr/>
-          <p:nvPr/>
-        </p:nvSpPr>
-        <p:spPr>
-          <a:xfrm>
-            <a:off x="6574420" y="0"/>
-            <a:ext cx="5617580" cy="6858000"/>
-          </a:xfrm>
-          <a:prstGeom prst="rect">
-            <a:avLst/>
-          </a:prstGeom>
-          <a:solidFill>
-            <a:srgbClr val="CF3338"/>
-          </a:solidFill>
-        </p:spPr>
-        <p:style>
-          <a:lnRef idx="2">
-            <a:schemeClr val="accent1">
-              <a:shade val="50000"/>
-            </a:schemeClr>
-          </a:lnRef>
-          <a:fillRef idx="1">
-            <a:schemeClr val="accent1"/>
-          </a:fillRef>
-          <a:effectRef idx="0">
-            <a:schemeClr val="accent1"/>
-          </a:effectRef>
-          <a:fontRef idx="minor">
-            <a:schemeClr val="lt1"/>
-          </a:fontRef>
-        </p:style>
-        <p:txBody>
-          <a:bodyPr rtlCol="0" anchor="ctr"/>
-          <a:lstStyle/>
-          <a:p>
-            <a:pPr algn="ctr"/>
-            <a:endParaRPr lang="en-US"/>
-          </a:p>
-        </p:txBody>
-      </p:sp>
-      <p:sp>
-        <p:nvSpPr>
-          <p:cNvPr id="5" name="TextBox 4"/>
-          <p:cNvSpPr txBox="1"/>
-          <p:nvPr/>
-        </p:nvSpPr>
-        <p:spPr>
-          <a:xfrm>
-            <a:off x="6817489" y="0"/>
-            <a:ext cx="4120587" cy="1446550"/>
-          </a:xfrm>
-          <a:prstGeom prst="rect">
-            <a:avLst/>
-          </a:prstGeom>
-          <a:noFill/>
-        </p:spPr>
-        <p:txBody>
-          <a:bodyPr wrap="square" rtlCol="0">
-            <a:spAutoFit/>
-          </a:bodyPr>
-          <a:lstStyle/>
-          <a:p>
-            <a:r>
-              <a:rPr lang="en-US" sz="8800" dirty="0">
-                <a:solidFill>
-                  <a:schemeClr val="bg1"/>
-                </a:solidFill>
-                <a:latin typeface="Aliens &amp; cows" panose="00000500000000000000" pitchFamily="2" charset="0"/>
-              </a:rPr>
-              <a:t>Demo</a:t>
-            </a:r>
-          </a:p>
-        </p:txBody>
-      </p:sp>
-      <p:pic>
-        <p:nvPicPr>
-          <p:cNvPr id="2" name="Picture 1"/>
-          <p:cNvPicPr>
-            <a:picLocks noChangeAspect="1"/>
-          </p:cNvPicPr>
-          <p:nvPr/>
-        </p:nvPicPr>
-        <p:blipFill rotWithShape="1">
-          <a:blip r:embed="rId3">
-            <a:extLst>
-              <a:ext uri="{28A0092B-C50C-407E-A947-70E740481C1C}">
-                <a14:useLocalDpi xmlns:a14="http://schemas.microsoft.com/office/drawing/2010/main" val="0"/>
-              </a:ext>
-            </a:extLst>
-          </a:blip>
-          <a:srcRect l="69227" t="33418" r="20112" b="50548"/>
-          <a:stretch/>
-        </p:blipFill>
-        <p:spPr>
-          <a:xfrm>
-            <a:off x="10386349" y="5029795"/>
-            <a:ext cx="1805651" cy="1991719"/>
-          </a:xfrm>
-          <a:prstGeom prst="rect">
-            <a:avLst/>
-          </a:prstGeom>
-        </p:spPr>
-      </p:pic>
-      <p:sp>
-        <p:nvSpPr>
-          <p:cNvPr id="3" name="TextBox 2"/>
-          <p:cNvSpPr txBox="1"/>
-          <p:nvPr/>
-        </p:nvSpPr>
-        <p:spPr>
-          <a:xfrm>
-            <a:off x="173620" y="219919"/>
-            <a:ext cx="6285903" cy="1815882"/>
-          </a:xfrm>
-          <a:prstGeom prst="rect">
-            <a:avLst/>
-          </a:prstGeom>
-          <a:noFill/>
-        </p:spPr>
-        <p:txBody>
-          <a:bodyPr wrap="square" rtlCol="0">
-            <a:spAutoFit/>
-          </a:bodyPr>
-          <a:lstStyle/>
-          <a:p>
-            <a:r>
-              <a:rPr lang="en-US" sz="2800" b="1" dirty="0">
-                <a:solidFill>
-                  <a:srgbClr val="CF3338"/>
-                </a:solidFill>
-                <a:latin typeface="Pragmatica" pitchFamily="2" charset="0"/>
-              </a:rPr>
-              <a:t>Navigate </a:t>
-            </a:r>
-            <a:r>
-              <a:rPr lang="en-US" sz="2800" b="1" dirty="0" err="1">
-                <a:solidFill>
-                  <a:srgbClr val="CF3338"/>
-                </a:solidFill>
-                <a:latin typeface="Pragmatica" pitchFamily="2" charset="0"/>
-              </a:rPr>
-              <a:t>Jupyter</a:t>
-            </a:r>
-            <a:r>
-              <a:rPr lang="en-US" sz="2800" b="1" dirty="0">
-                <a:solidFill>
-                  <a:srgbClr val="CF3338"/>
-                </a:solidFill>
-                <a:latin typeface="Pragmatica" pitchFamily="2" charset="0"/>
-              </a:rPr>
-              <a:t>, starting with 1 + 1</a:t>
-            </a:r>
-          </a:p>
-          <a:p>
-            <a:endParaRPr lang="en-US" sz="2800" b="1" dirty="0">
-              <a:solidFill>
-                <a:srgbClr val="CF3338"/>
-              </a:solidFill>
-              <a:latin typeface="Pragmatica" pitchFamily="2" charset="0"/>
-            </a:endParaRPr>
-          </a:p>
-          <a:p>
-            <a:r>
-              <a:rPr lang="en-US" sz="2800" b="1" dirty="0">
-                <a:solidFill>
-                  <a:srgbClr val="CF3338"/>
-                </a:solidFill>
-                <a:latin typeface="Pragmatica" pitchFamily="2" charset="0"/>
-              </a:rPr>
-              <a:t>File: Open a new </a:t>
-            </a:r>
-            <a:r>
-              <a:rPr lang="en-US" sz="2800" b="1" dirty="0">
-                <a:solidFill>
-                  <a:srgbClr val="CF3338"/>
-                </a:solidFill>
-                <a:latin typeface="Consolas" panose="020B0609020204030204" pitchFamily="49" charset="0"/>
-              </a:rPr>
-              <a:t>.</a:t>
-            </a:r>
-            <a:r>
-              <a:rPr lang="en-US" sz="2800" b="1" dirty="0" err="1">
-                <a:solidFill>
-                  <a:srgbClr val="CF3338"/>
-                </a:solidFill>
-                <a:latin typeface="Consolas" panose="020B0609020204030204" pitchFamily="49" charset="0"/>
-              </a:rPr>
-              <a:t>ipynb</a:t>
-            </a:r>
-            <a:r>
-              <a:rPr lang="en-US" sz="2800" b="1" dirty="0">
-                <a:solidFill>
-                  <a:srgbClr val="CF3338"/>
-                </a:solidFill>
-                <a:latin typeface="Pragmatica" pitchFamily="2" charset="0"/>
-              </a:rPr>
-              <a:t> notebook</a:t>
-            </a:r>
-          </a:p>
-        </p:txBody>
-      </p:sp>
-      <p:pic>
-        <p:nvPicPr>
-          <p:cNvPr id="9" name="Picture 8">
-            <a:extLst>
-              <a:ext uri="{FF2B5EF4-FFF2-40B4-BE49-F238E27FC236}">
-                <a16:creationId xmlns:a16="http://schemas.microsoft.com/office/drawing/2014/main" id="{54086B7D-6DA5-45E4-BFAC-565935D853D4}"/>
-              </a:ext>
-            </a:extLst>
-          </p:cNvPr>
-          <p:cNvPicPr>
-            <a:picLocks noChangeAspect="1"/>
-          </p:cNvPicPr>
-          <p:nvPr/>
-        </p:nvPicPr>
-        <p:blipFill>
-          <a:blip r:embed="rId4"/>
-          <a:stretch>
-            <a:fillRect/>
-          </a:stretch>
-        </p:blipFill>
-        <p:spPr>
-          <a:xfrm>
-            <a:off x="392397" y="3923670"/>
-            <a:ext cx="9856197" cy="2646866"/>
-          </a:xfrm>
-          <a:prstGeom prst="rect">
-            <a:avLst/>
-          </a:prstGeom>
-        </p:spPr>
-      </p:pic>
-      <p:pic>
-        <p:nvPicPr>
-          <p:cNvPr id="11" name="Picture 10">
-            <a:extLst>
-              <a:ext uri="{FF2B5EF4-FFF2-40B4-BE49-F238E27FC236}">
-                <a16:creationId xmlns:a16="http://schemas.microsoft.com/office/drawing/2014/main" id="{3CD83BF2-3603-4E70-91DF-99EE1A9BEFA8}"/>
-              </a:ext>
-            </a:extLst>
-          </p:cNvPr>
-          <p:cNvPicPr>
-            <a:picLocks noChangeAspect="1"/>
-          </p:cNvPicPr>
-          <p:nvPr/>
-        </p:nvPicPr>
-        <p:blipFill>
-          <a:blip r:embed="rId5"/>
-          <a:stretch>
-            <a:fillRect/>
-          </a:stretch>
-        </p:blipFill>
-        <p:spPr>
-          <a:xfrm>
-            <a:off x="579832" y="2099074"/>
-            <a:ext cx="4844484" cy="835256"/>
-          </a:xfrm>
-          <a:prstGeom prst="rect">
-            <a:avLst/>
-          </a:prstGeom>
-        </p:spPr>
-      </p:pic>
-      <p:sp>
-        <p:nvSpPr>
-          <p:cNvPr id="12" name="TextBox 11">
-            <a:extLst>
-              <a:ext uri="{FF2B5EF4-FFF2-40B4-BE49-F238E27FC236}">
-                <a16:creationId xmlns:a16="http://schemas.microsoft.com/office/drawing/2014/main" id="{1F343DE5-C90A-486A-8D20-55C935580E3E}"/>
-              </a:ext>
-            </a:extLst>
-          </p:cNvPr>
-          <p:cNvSpPr txBox="1"/>
-          <p:nvPr/>
-        </p:nvSpPr>
-        <p:spPr>
-          <a:xfrm>
-            <a:off x="516150" y="2979319"/>
-            <a:ext cx="7695520" cy="400110"/>
-          </a:xfrm>
-          <a:prstGeom prst="rect">
-            <a:avLst/>
-          </a:prstGeom>
-          <a:noFill/>
-        </p:spPr>
-        <p:txBody>
-          <a:bodyPr wrap="square" rtlCol="0">
-            <a:spAutoFit/>
-          </a:bodyPr>
-          <a:lstStyle/>
-          <a:p>
-            <a:r>
-              <a:rPr lang="en-US" sz="2000" dirty="0">
-                <a:solidFill>
-                  <a:srgbClr val="707070"/>
-                </a:solidFill>
-                <a:latin typeface="Pragmatica" panose="020B0403040502020204" pitchFamily="34" charset="0"/>
-                <a:hlinkClick r:id="rId6"/>
-              </a:rPr>
-              <a:t>https://github.com/stringfestdata/london-excel</a:t>
-            </a:r>
-            <a:endParaRPr lang="en-US" sz="2000" dirty="0">
-              <a:solidFill>
-                <a:srgbClr val="707070"/>
-              </a:solidFill>
-              <a:latin typeface="Pragmatica" panose="020B0403040502020204" pitchFamily="34" charset="0"/>
-            </a:endParaRPr>
-          </a:p>
-        </p:txBody>
-      </p:sp>
-      <p:sp>
-        <p:nvSpPr>
-          <p:cNvPr id="13" name="TextBox 12">
-            <a:extLst>
-              <a:ext uri="{FF2B5EF4-FFF2-40B4-BE49-F238E27FC236}">
-                <a16:creationId xmlns:a16="http://schemas.microsoft.com/office/drawing/2014/main" id="{15039CAE-3A25-441F-86F2-FB512EB8851E}"/>
-              </a:ext>
-            </a:extLst>
-          </p:cNvPr>
-          <p:cNvSpPr txBox="1"/>
-          <p:nvPr/>
-        </p:nvSpPr>
-        <p:spPr>
-          <a:xfrm>
-            <a:off x="5429963" y="4120693"/>
-            <a:ext cx="1963024" cy="523220"/>
-          </a:xfrm>
-          <a:prstGeom prst="rect">
-            <a:avLst/>
-          </a:prstGeom>
-          <a:noFill/>
-        </p:spPr>
-        <p:txBody>
-          <a:bodyPr wrap="square" rtlCol="0">
-            <a:spAutoFit/>
-          </a:bodyPr>
-          <a:lstStyle/>
-          <a:p>
-            <a:r>
-              <a:rPr lang="en-US" sz="2800" dirty="0">
-                <a:solidFill>
-                  <a:srgbClr val="CF3338"/>
-                </a:solidFill>
-                <a:latin typeface="Aliens &amp; cows" panose="00000500000000000000" pitchFamily="2" charset="0"/>
-              </a:rPr>
-              <a:t>Menu bar</a:t>
-            </a:r>
-          </a:p>
-        </p:txBody>
-      </p:sp>
-      <p:sp>
-        <p:nvSpPr>
-          <p:cNvPr id="14" name="TextBox 13">
-            <a:extLst>
-              <a:ext uri="{FF2B5EF4-FFF2-40B4-BE49-F238E27FC236}">
-                <a16:creationId xmlns:a16="http://schemas.microsoft.com/office/drawing/2014/main" id="{B4BC673B-ED2C-4075-A2A9-AF56F43DCED5}"/>
-              </a:ext>
-            </a:extLst>
-          </p:cNvPr>
-          <p:cNvSpPr txBox="1"/>
-          <p:nvPr/>
-        </p:nvSpPr>
-        <p:spPr>
-          <a:xfrm>
-            <a:off x="6091171" y="4522932"/>
-            <a:ext cx="1963024" cy="523220"/>
-          </a:xfrm>
-          <a:prstGeom prst="rect">
-            <a:avLst/>
-          </a:prstGeom>
-          <a:noFill/>
-        </p:spPr>
-        <p:txBody>
-          <a:bodyPr wrap="square" rtlCol="0">
-            <a:spAutoFit/>
-          </a:bodyPr>
-          <a:lstStyle/>
-          <a:p>
-            <a:r>
-              <a:rPr lang="en-US" sz="2800" dirty="0">
-                <a:solidFill>
-                  <a:srgbClr val="CF3338"/>
-                </a:solidFill>
-                <a:latin typeface="Aliens &amp; cows" panose="00000500000000000000" pitchFamily="2" charset="0"/>
-              </a:rPr>
-              <a:t>Toolbar</a:t>
-            </a:r>
-          </a:p>
-        </p:txBody>
-      </p:sp>
-      <p:sp>
-        <p:nvSpPr>
-          <p:cNvPr id="15" name="TextBox 14">
-            <a:extLst>
-              <a:ext uri="{FF2B5EF4-FFF2-40B4-BE49-F238E27FC236}">
-                <a16:creationId xmlns:a16="http://schemas.microsoft.com/office/drawing/2014/main" id="{65490B59-D9B7-4C84-BA19-C822A1B450EF}"/>
-              </a:ext>
-            </a:extLst>
-          </p:cNvPr>
-          <p:cNvSpPr txBox="1"/>
-          <p:nvPr/>
-        </p:nvSpPr>
-        <p:spPr>
-          <a:xfrm>
-            <a:off x="1933748" y="5247103"/>
-            <a:ext cx="1963024" cy="523220"/>
-          </a:xfrm>
-          <a:prstGeom prst="rect">
-            <a:avLst/>
-          </a:prstGeom>
-          <a:noFill/>
-        </p:spPr>
-        <p:txBody>
-          <a:bodyPr wrap="square" rtlCol="0">
-            <a:spAutoFit/>
-          </a:bodyPr>
-          <a:lstStyle/>
-          <a:p>
-            <a:r>
-              <a:rPr lang="en-US" sz="2800" dirty="0">
-                <a:solidFill>
-                  <a:srgbClr val="CF3338"/>
-                </a:solidFill>
-                <a:latin typeface="Aliens &amp; cows" panose="00000500000000000000" pitchFamily="2" charset="0"/>
-              </a:rPr>
-              <a:t>Code cell</a:t>
-            </a:r>
-          </a:p>
-        </p:txBody>
-      </p:sp>
-    </p:spTree>
-    <p:extLst>
-      <p:ext uri="{BB962C8B-B14F-4D97-AF65-F5344CB8AC3E}">
-        <p14:creationId xmlns:p14="http://schemas.microsoft.com/office/powerpoint/2010/main" val="4094946107"/>
-      </p:ext>
-    </p:extLst>
-  </p:cSld>
-  <p:clrMapOvr>
-    <a:masterClrMapping/>
-  </p:clrMapOvr>
-</p:sld>
-</file>
-
-<file path=ppt/slides/slide2.xml><?xml version="1.0" encoding="utf-8"?>
+<file path=ppt/slides/slide18.xml><?xml version="1.0" encoding="utf-8"?>
 <p:sld xmlns:a="http://schemas.openxmlformats.org/drawingml/2006/main" xmlns:r="http://schemas.openxmlformats.org/officeDocument/2006/relationships" xmlns:p="http://schemas.openxmlformats.org/presentationml/2006/main">
   <p:cSld>
     <p:spTree>
@@ -10269,7 +8440,7 @@
           <p:nvPr/>
         </p:nvPicPr>
         <p:blipFill rotWithShape="1">
-          <a:blip r:embed="rId3">
+          <a:blip r:embed="rId2">
             <a:extLst>
               <a:ext uri="{28A0092B-C50C-407E-A947-70E740481C1C}">
                 <a14:useLocalDpi xmlns:a14="http://schemas.microsoft.com/office/drawing/2010/main" val="0"/>
@@ -10298,7 +8469,7 @@
         <p:spPr>
           <a:xfrm>
             <a:off x="347240" y="113388"/>
-            <a:ext cx="9799937" cy="1015663"/>
+            <a:ext cx="10861534" cy="1015663"/>
           </a:xfrm>
           <a:prstGeom prst="rect">
             <a:avLst/>
@@ -10315,21 +8486,27 @@
               <a:rPr lang="en-US" sz="6000" dirty="0">
                 <a:latin typeface="Aliens &amp; cows" panose="00000500000000000000" pitchFamily="2" charset="0"/>
               </a:rPr>
-              <a:t>Follow along</a:t>
-            </a:r>
-          </a:p>
-        </p:txBody>
-      </p:sp>
-      <p:sp>
-        <p:nvSpPr>
-          <p:cNvPr id="3" name="TextBox 2"/>
+              <a:t>Get in touch</a:t>
+            </a:r>
+          </a:p>
+        </p:txBody>
+      </p:sp>
+      <p:sp>
+        <p:nvSpPr>
+          <p:cNvPr id="4" name="TextBox 3">
+            <a:extLst>
+              <a:ext uri="{FF2B5EF4-FFF2-40B4-BE49-F238E27FC236}">
+                <a16:creationId xmlns:a16="http://schemas.microsoft.com/office/drawing/2014/main" id="{5A4F6C64-3E8D-4255-95B8-CF64265213DA}"/>
+              </a:ext>
+            </a:extLst>
+          </p:cNvPr>
           <p:cNvSpPr txBox="1"/>
           <p:nvPr/>
         </p:nvSpPr>
         <p:spPr>
           <a:xfrm>
-            <a:off x="462988" y="1365813"/>
-            <a:ext cx="8245584" cy="4401205"/>
+            <a:off x="347239" y="1424949"/>
+            <a:ext cx="6352413" cy="1384995"/>
           </a:xfrm>
           <a:prstGeom prst="rect">
             <a:avLst/>
@@ -10342,7 +8519,10 @@
           </a:bodyPr>
           <a:lstStyle/>
           <a:p>
-            <a:pPr marL="285750" indent="-285750">
+            <a:pPr marL="514350" indent="-514350">
+              <a:buClr>
+                <a:srgbClr val="CF3338"/>
+              </a:buClr>
               <a:buFont typeface="Arial" panose="020B0604020202020204" pitchFamily="34" charset="0"/>
               <a:buChar char="•"/>
             </a:pPr>
@@ -10353,27 +8533,14 @@
                 </a:solidFill>
                 <a:latin typeface="Pragmatica" panose="020B0403040502020204" pitchFamily="34" charset="0"/>
               </a:rPr>
-              <a:t>Download resources: </a:t>
-            </a:r>
-            <a:r>
-              <a:rPr lang="en-US" sz="2800" dirty="0">
-                <a:solidFill>
-                  <a:srgbClr val="707070"/>
-                </a:solidFill>
-                <a:latin typeface="Pragmatica" panose="020B0403040502020204" pitchFamily="34" charset="0"/>
-                <a:hlinkClick r:id="rId4"/>
-              </a:rPr>
-              <a:t>https://github.com/stringfestdata/london-excel</a:t>
-            </a:r>
-            <a:endParaRPr lang="en-US" sz="2800" dirty="0">
-              <a:solidFill>
-                <a:srgbClr val="707070"/>
-              </a:solidFill>
-              <a:latin typeface="Pragmatica" panose="020B0403040502020204" pitchFamily="34" charset="0"/>
-            </a:endParaRPr>
-          </a:p>
-          <a:p>
-            <a:pPr marL="285750" indent="-285750">
+              <a:t>george@stringfestanalytics.com</a:t>
+            </a:r>
+          </a:p>
+          <a:p>
+            <a:pPr marL="514350" indent="-514350">
+              <a:buClr>
+                <a:srgbClr val="CF3338"/>
+              </a:buClr>
               <a:buFont typeface="Arial" panose="020B0604020202020204" pitchFamily="34" charset="0"/>
               <a:buChar char="•"/>
             </a:pPr>
@@ -10384,66 +8551,17 @@
                 </a:solidFill>
                 <a:latin typeface="Pragmatica" panose="020B0403040502020204" pitchFamily="34" charset="0"/>
               </a:rPr>
-              <a:t>Click through these links now to interact later:</a:t>
-            </a:r>
-          </a:p>
-          <a:p>
-            <a:pPr marL="285750" indent="-285750">
+              <a:t>stringfestanalytics.com/book</a:t>
+            </a:r>
+          </a:p>
+          <a:p>
+            <a:pPr marL="514350" indent="-514350">
+              <a:buClr>
+                <a:srgbClr val="CF3338"/>
+              </a:buClr>
               <a:buFont typeface="Arial" panose="020B0604020202020204" pitchFamily="34" charset="0"/>
               <a:buChar char="•"/>
             </a:pPr>
-            <a:endParaRPr lang="en-US" sz="2800" dirty="0">
-              <a:solidFill>
-                <a:srgbClr val="707070"/>
-              </a:solidFill>
-              <a:latin typeface="Pragmatica" panose="020B0403040502020204" pitchFamily="34" charset="0"/>
-            </a:endParaRPr>
-          </a:p>
-          <a:p>
-            <a:pPr marL="285750" indent="-285750">
-              <a:buFont typeface="Arial" panose="020B0604020202020204" pitchFamily="34" charset="0"/>
-              <a:buChar char="•"/>
-            </a:pPr>
-            <a:endParaRPr lang="en-US" sz="2800" dirty="0">
-              <a:solidFill>
-                <a:srgbClr val="707070"/>
-              </a:solidFill>
-              <a:latin typeface="Pragmatica" panose="020B0403040502020204" pitchFamily="34" charset="0"/>
-            </a:endParaRPr>
-          </a:p>
-          <a:p>
-            <a:pPr marL="285750" indent="-285750">
-              <a:buFont typeface="Arial" panose="020B0604020202020204" pitchFamily="34" charset="0"/>
-              <a:buChar char="•"/>
-            </a:pPr>
-            <a:endParaRPr lang="en-US" sz="2800" dirty="0">
-              <a:solidFill>
-                <a:srgbClr val="707070"/>
-              </a:solidFill>
-              <a:latin typeface="Pragmatica" panose="020B0403040502020204" pitchFamily="34" charset="0"/>
-            </a:endParaRPr>
-          </a:p>
-          <a:p>
-            <a:pPr marL="285750" indent="-285750">
-              <a:buFont typeface="Arial" panose="020B0604020202020204" pitchFamily="34" charset="0"/>
-              <a:buChar char="•"/>
-            </a:pPr>
-            <a:endParaRPr lang="en-US" sz="2800" dirty="0">
-              <a:solidFill>
-                <a:srgbClr val="707070"/>
-              </a:solidFill>
-              <a:latin typeface="Pragmatica" panose="020B0403040502020204" pitchFamily="34" charset="0"/>
-            </a:endParaRPr>
-          </a:p>
-          <a:p>
-            <a:endParaRPr lang="en-US" sz="2800" dirty="0">
-              <a:solidFill>
-                <a:srgbClr val="707070"/>
-              </a:solidFill>
-              <a:latin typeface="Pragmatica" panose="020B0403040502020204" pitchFamily="34" charset="0"/>
-            </a:endParaRPr>
-          </a:p>
-          <a:p>
             <a:r>
               <a:rPr lang="en-US" sz="2800" dirty="0">
                 <a:solidFill>
@@ -10451,138 +8569,15 @@
                 </a:solidFill>
                 <a:latin typeface="Pragmatica" panose="020B0403040502020204" pitchFamily="34" charset="0"/>
               </a:rPr>
-              <a:t>(this could take some time so feel free to ask questions now)…</a:t>
-            </a:r>
-          </a:p>
-        </p:txBody>
-      </p:sp>
-      <p:pic>
-        <p:nvPicPr>
-          <p:cNvPr id="2050" name="Picture 2">
-            <a:extLst>
-              <a:ext uri="{FF2B5EF4-FFF2-40B4-BE49-F238E27FC236}">
-                <a16:creationId xmlns:a16="http://schemas.microsoft.com/office/drawing/2014/main" id="{43AE153A-05BB-4CA5-BD58-A4F4AD805585}"/>
-              </a:ext>
-            </a:extLst>
-          </p:cNvPr>
-          <p:cNvPicPr>
-            <a:picLocks noChangeAspect="1" noChangeArrowheads="1"/>
-          </p:cNvPicPr>
-          <p:nvPr/>
-        </p:nvPicPr>
-        <p:blipFill>
-          <a:blip r:embed="rId5">
-            <a:extLst>
-              <a:ext uri="{28A0092B-C50C-407E-A947-70E740481C1C}">
-                <a14:useLocalDpi xmlns:a14="http://schemas.microsoft.com/office/drawing/2010/main" val="0"/>
-              </a:ext>
-            </a:extLst>
-          </a:blip>
-          <a:srcRect/>
-          <a:stretch>
-            <a:fillRect/>
-          </a:stretch>
-        </p:blipFill>
-        <p:spPr bwMode="auto">
-          <a:xfrm>
-            <a:off x="9481457" y="0"/>
-            <a:ext cx="2710543" cy="3683874"/>
-          </a:xfrm>
-          <a:prstGeom prst="rect">
-            <a:avLst/>
-          </a:prstGeom>
-          <a:noFill/>
-          <a:extLst>
-            <a:ext uri="{909E8E84-426E-40DD-AFC4-6F175D3DCCD1}">
-              <a14:hiddenFill xmlns:a14="http://schemas.microsoft.com/office/drawing/2010/main">
-                <a:solidFill>
-                  <a:srgbClr val="FFFFFF"/>
-                </a:solidFill>
-              </a14:hiddenFill>
-            </a:ext>
-          </a:extLst>
-        </p:spPr>
-      </p:pic>
-      <p:sp>
-        <p:nvSpPr>
-          <p:cNvPr id="2" name="TextBox 1">
-            <a:extLst>
-              <a:ext uri="{FF2B5EF4-FFF2-40B4-BE49-F238E27FC236}">
-                <a16:creationId xmlns:a16="http://schemas.microsoft.com/office/drawing/2014/main" id="{4A02B707-5E3D-41F6-915E-0790C73BE991}"/>
-              </a:ext>
-            </a:extLst>
-          </p:cNvPr>
-          <p:cNvSpPr txBox="1"/>
-          <p:nvPr/>
-        </p:nvSpPr>
-        <p:spPr>
-          <a:xfrm>
-            <a:off x="9481457" y="3766457"/>
-            <a:ext cx="2569029" cy="646331"/>
-          </a:xfrm>
-          <a:prstGeom prst="rect">
-            <a:avLst/>
-          </a:prstGeom>
-          <a:noFill/>
-        </p:spPr>
-        <p:txBody>
-          <a:bodyPr wrap="square" rtlCol="0">
-            <a:spAutoFit/>
-          </a:bodyPr>
-          <a:lstStyle/>
-          <a:p>
-            <a:r>
-              <a:rPr lang="en-US" dirty="0">
-                <a:latin typeface="Pragmatica" panose="020B7200000000000000" pitchFamily="34" charset="0"/>
-              </a:rPr>
-              <a:t>Alan Turing (</a:t>
-            </a:r>
-            <a:r>
-              <a:rPr lang="da-DK" dirty="0">
-                <a:latin typeface="Pragmatica" panose="020B7200000000000000" pitchFamily="34" charset="0"/>
-              </a:rPr>
-              <a:t>23 June 1912 – 7 June 1954)</a:t>
-            </a:r>
-            <a:endParaRPr lang="en-US" dirty="0">
-              <a:latin typeface="Pragmatica" panose="020B7200000000000000" pitchFamily="34" charset="0"/>
-            </a:endParaRPr>
-          </a:p>
-        </p:txBody>
-      </p:sp>
-      <p:pic>
-        <p:nvPicPr>
-          <p:cNvPr id="4" name="Picture 3">
-            <a:extLst>
-              <a:ext uri="{FF2B5EF4-FFF2-40B4-BE49-F238E27FC236}">
-                <a16:creationId xmlns:a16="http://schemas.microsoft.com/office/drawing/2014/main" id="{F51C6B1B-A060-47A7-9AD8-3F6C3CE0AD77}"/>
-              </a:ext>
-            </a:extLst>
-          </p:cNvPr>
-          <p:cNvPicPr>
-            <a:picLocks noChangeAspect="1"/>
-          </p:cNvPicPr>
-          <p:nvPr/>
-        </p:nvPicPr>
-        <p:blipFill>
-          <a:blip r:embed="rId6"/>
-          <a:stretch>
-            <a:fillRect/>
-          </a:stretch>
-        </p:blipFill>
-        <p:spPr>
-          <a:xfrm>
-            <a:off x="1487239" y="3741832"/>
-            <a:ext cx="5780952" cy="1685714"/>
-          </a:xfrm>
-          <a:prstGeom prst="rect">
-            <a:avLst/>
-          </a:prstGeom>
-        </p:spPr>
-      </p:pic>
+              <a:t>linkedin.com/in/gjmount  </a:t>
+            </a:r>
+          </a:p>
+        </p:txBody>
+      </p:sp>
     </p:spTree>
     <p:extLst>
       <p:ext uri="{BB962C8B-B14F-4D97-AF65-F5344CB8AC3E}">
-        <p14:creationId xmlns:p14="http://schemas.microsoft.com/office/powerpoint/2010/main" val="3830029867"/>
+        <p14:creationId xmlns:p14="http://schemas.microsoft.com/office/powerpoint/2010/main" val="1370879176"/>
       </p:ext>
     </p:extLst>
   </p:cSld>
@@ -10592,1468 +8587,7 @@
 </p:sld>
 </file>
 
-<file path=ppt/slides/slide20.xml><?xml version="1.0" encoding="utf-8"?>
-<p:sld xmlns:a="http://schemas.openxmlformats.org/drawingml/2006/main" xmlns:r="http://schemas.openxmlformats.org/officeDocument/2006/relationships" xmlns:p="http://schemas.openxmlformats.org/presentationml/2006/main">
-  <p:cSld>
-    <p:spTree>
-      <p:nvGrpSpPr>
-        <p:cNvPr id="1" name=""/>
-        <p:cNvGrpSpPr/>
-        <p:nvPr/>
-      </p:nvGrpSpPr>
-      <p:grpSpPr>
-        <a:xfrm>
-          <a:off x="0" y="0"/>
-          <a:ext cx="0" cy="0"/>
-          <a:chOff x="0" y="0"/>
-          <a:chExt cx="0" cy="0"/>
-        </a:xfrm>
-      </p:grpSpPr>
-      <p:sp>
-        <p:nvSpPr>
-          <p:cNvPr id="4" name="Rectangle 3"/>
-          <p:cNvSpPr/>
-          <p:nvPr/>
-        </p:nvSpPr>
-        <p:spPr>
-          <a:xfrm>
-            <a:off x="6574420" y="0"/>
-            <a:ext cx="5617580" cy="6858000"/>
-          </a:xfrm>
-          <a:prstGeom prst="rect">
-            <a:avLst/>
-          </a:prstGeom>
-          <a:solidFill>
-            <a:srgbClr val="CF3338"/>
-          </a:solidFill>
-        </p:spPr>
-        <p:style>
-          <a:lnRef idx="2">
-            <a:schemeClr val="accent1">
-              <a:shade val="50000"/>
-            </a:schemeClr>
-          </a:lnRef>
-          <a:fillRef idx="1">
-            <a:schemeClr val="accent1"/>
-          </a:fillRef>
-          <a:effectRef idx="0">
-            <a:schemeClr val="accent1"/>
-          </a:effectRef>
-          <a:fontRef idx="minor">
-            <a:schemeClr val="lt1"/>
-          </a:fontRef>
-        </p:style>
-        <p:txBody>
-          <a:bodyPr rtlCol="0" anchor="ctr"/>
-          <a:lstStyle/>
-          <a:p>
-            <a:pPr algn="ctr"/>
-            <a:endParaRPr lang="en-US"/>
-          </a:p>
-        </p:txBody>
-      </p:sp>
-      <p:sp>
-        <p:nvSpPr>
-          <p:cNvPr id="5" name="TextBox 4"/>
-          <p:cNvSpPr txBox="1"/>
-          <p:nvPr/>
-        </p:nvSpPr>
-        <p:spPr>
-          <a:xfrm>
-            <a:off x="6817489" y="0"/>
-            <a:ext cx="4120587" cy="1446550"/>
-          </a:xfrm>
-          <a:prstGeom prst="rect">
-            <a:avLst/>
-          </a:prstGeom>
-          <a:noFill/>
-        </p:spPr>
-        <p:txBody>
-          <a:bodyPr wrap="square" rtlCol="0">
-            <a:spAutoFit/>
-          </a:bodyPr>
-          <a:lstStyle/>
-          <a:p>
-            <a:r>
-              <a:rPr lang="en-US" sz="8800" dirty="0">
-                <a:solidFill>
-                  <a:schemeClr val="bg1"/>
-                </a:solidFill>
-                <a:latin typeface="Aliens &amp; cows" panose="00000500000000000000" pitchFamily="2" charset="0"/>
-              </a:rPr>
-              <a:t>Demo</a:t>
-            </a:r>
-          </a:p>
-        </p:txBody>
-      </p:sp>
-      <p:pic>
-        <p:nvPicPr>
-          <p:cNvPr id="2" name="Picture 1"/>
-          <p:cNvPicPr>
-            <a:picLocks noChangeAspect="1"/>
-          </p:cNvPicPr>
-          <p:nvPr/>
-        </p:nvPicPr>
-        <p:blipFill rotWithShape="1">
-          <a:blip r:embed="rId3">
-            <a:extLst>
-              <a:ext uri="{28A0092B-C50C-407E-A947-70E740481C1C}">
-                <a14:useLocalDpi xmlns:a14="http://schemas.microsoft.com/office/drawing/2010/main" val="0"/>
-              </a:ext>
-            </a:extLst>
-          </a:blip>
-          <a:srcRect l="69227" t="33418" r="20112" b="50548"/>
-          <a:stretch/>
-        </p:blipFill>
-        <p:spPr>
-          <a:xfrm>
-            <a:off x="10386349" y="5029795"/>
-            <a:ext cx="1805651" cy="1991719"/>
-          </a:xfrm>
-          <a:prstGeom prst="rect">
-            <a:avLst/>
-          </a:prstGeom>
-        </p:spPr>
-      </p:pic>
-      <p:sp>
-        <p:nvSpPr>
-          <p:cNvPr id="3" name="TextBox 2"/>
-          <p:cNvSpPr txBox="1"/>
-          <p:nvPr/>
-        </p:nvSpPr>
-        <p:spPr>
-          <a:xfrm>
-            <a:off x="173620" y="219919"/>
-            <a:ext cx="6084567" cy="5262979"/>
-          </a:xfrm>
-          <a:prstGeom prst="rect">
-            <a:avLst/>
-          </a:prstGeom>
-          <a:noFill/>
-        </p:spPr>
-        <p:txBody>
-          <a:bodyPr wrap="square" rtlCol="0">
-            <a:spAutoFit/>
-          </a:bodyPr>
-          <a:lstStyle/>
-          <a:p>
-            <a:r>
-              <a:rPr lang="en-US" sz="2800" b="1" dirty="0">
-                <a:solidFill>
-                  <a:srgbClr val="CF3338"/>
-                </a:solidFill>
-                <a:latin typeface="Pragmatica" pitchFamily="2" charset="0"/>
-              </a:rPr>
-              <a:t>Python for data analysis</a:t>
-            </a:r>
-          </a:p>
-          <a:p>
-            <a:endParaRPr lang="en-US" sz="2800" b="1" dirty="0">
-              <a:solidFill>
-                <a:srgbClr val="CF3338"/>
-              </a:solidFill>
-              <a:latin typeface="Pragmatica" pitchFamily="2" charset="0"/>
-            </a:endParaRPr>
-          </a:p>
-          <a:p>
-            <a:pPr marL="514350" indent="-514350">
-              <a:buFont typeface="+mj-lt"/>
-              <a:buAutoNum type="arabicPeriod"/>
-            </a:pPr>
-            <a:r>
-              <a:rPr lang="en-US" sz="2800" b="1" dirty="0">
-                <a:solidFill>
-                  <a:srgbClr val="CF3338"/>
-                </a:solidFill>
-                <a:latin typeface="Pragmatica" pitchFamily="2" charset="0"/>
-              </a:rPr>
-              <a:t>Working with modules (packages) in Python</a:t>
-            </a:r>
-          </a:p>
-          <a:p>
-            <a:pPr marL="514350" indent="-514350">
-              <a:buFont typeface="+mj-lt"/>
-              <a:buAutoNum type="arabicPeriod"/>
-            </a:pPr>
-            <a:r>
-              <a:rPr lang="en-US" sz="2800" b="1" dirty="0">
-                <a:solidFill>
-                  <a:srgbClr val="CF3338"/>
-                </a:solidFill>
-                <a:latin typeface="Pragmatica" pitchFamily="2" charset="0"/>
-              </a:rPr>
-              <a:t>Working with tabular data in Python with </a:t>
-            </a:r>
-            <a:r>
-              <a:rPr lang="en-US" sz="2800" b="1" dirty="0">
-                <a:solidFill>
-                  <a:srgbClr val="CF3338"/>
-                </a:solidFill>
-                <a:latin typeface="Consolas" panose="020B0609020204030204" pitchFamily="49" charset="0"/>
-              </a:rPr>
-              <a:t>pandas</a:t>
-            </a:r>
-          </a:p>
-          <a:p>
-            <a:pPr marL="514350" indent="-514350">
-              <a:buFont typeface="+mj-lt"/>
-              <a:buAutoNum type="arabicPeriod"/>
-            </a:pPr>
-            <a:r>
-              <a:rPr lang="en-US" sz="2800" b="1" dirty="0">
-                <a:solidFill>
-                  <a:srgbClr val="CF3338"/>
-                </a:solidFill>
-                <a:latin typeface="Pragmatica" pitchFamily="2" charset="0"/>
-              </a:rPr>
-              <a:t>Reading and writing Excel &lt;&gt; Python data</a:t>
-            </a:r>
-          </a:p>
-          <a:p>
-            <a:endParaRPr lang="en-US" sz="2800" b="1" dirty="0">
-              <a:solidFill>
-                <a:srgbClr val="CF3338"/>
-              </a:solidFill>
-              <a:latin typeface="Pragmatica" pitchFamily="2" charset="0"/>
-            </a:endParaRPr>
-          </a:p>
-          <a:p>
-            <a:endParaRPr lang="en-US" sz="2800" b="1" dirty="0">
-              <a:solidFill>
-                <a:srgbClr val="CF3338"/>
-              </a:solidFill>
-              <a:latin typeface="Pragmatica" pitchFamily="2" charset="0"/>
-            </a:endParaRPr>
-          </a:p>
-          <a:p>
-            <a:r>
-              <a:rPr lang="en-US" sz="2800" b="1" dirty="0">
-                <a:solidFill>
-                  <a:srgbClr val="CF3338"/>
-                </a:solidFill>
-                <a:latin typeface="Pragmatica" pitchFamily="2" charset="0"/>
-              </a:rPr>
-              <a:t>File: </a:t>
-            </a:r>
-            <a:r>
-              <a:rPr lang="en-US" sz="2800" b="1" dirty="0">
-                <a:solidFill>
-                  <a:srgbClr val="CF3338"/>
-                </a:solidFill>
-                <a:latin typeface="Consolas" panose="020B0609020204030204" pitchFamily="49" charset="0"/>
-              </a:rPr>
-              <a:t>python-for-data-</a:t>
-            </a:r>
-            <a:r>
-              <a:rPr lang="en-US" sz="2800" b="1" dirty="0" err="1">
-                <a:solidFill>
-                  <a:srgbClr val="CF3338"/>
-                </a:solidFill>
-                <a:latin typeface="Consolas" panose="020B0609020204030204" pitchFamily="49" charset="0"/>
-              </a:rPr>
-              <a:t>analysis.ipynb</a:t>
-            </a:r>
-            <a:endParaRPr lang="en-US" sz="2800" b="1" dirty="0">
-              <a:solidFill>
-                <a:srgbClr val="CF3338"/>
-              </a:solidFill>
-              <a:latin typeface="Consolas" panose="020B0609020204030204" pitchFamily="49" charset="0"/>
-            </a:endParaRPr>
-          </a:p>
-        </p:txBody>
-      </p:sp>
-    </p:spTree>
-    <p:extLst>
-      <p:ext uri="{BB962C8B-B14F-4D97-AF65-F5344CB8AC3E}">
-        <p14:creationId xmlns:p14="http://schemas.microsoft.com/office/powerpoint/2010/main" val="463841088"/>
-      </p:ext>
-    </p:extLst>
-  </p:cSld>
-  <p:clrMapOvr>
-    <a:masterClrMapping/>
-  </p:clrMapOvr>
-</p:sld>
-</file>
-
-<file path=ppt/slides/slide21.xml><?xml version="1.0" encoding="utf-8"?>
-<p:sld xmlns:a="http://schemas.openxmlformats.org/drawingml/2006/main" xmlns:r="http://schemas.openxmlformats.org/officeDocument/2006/relationships" xmlns:p="http://schemas.openxmlformats.org/presentationml/2006/main">
-  <p:cSld>
-    <p:spTree>
-      <p:nvGrpSpPr>
-        <p:cNvPr id="1" name=""/>
-        <p:cNvGrpSpPr/>
-        <p:nvPr/>
-      </p:nvGrpSpPr>
-      <p:grpSpPr>
-        <a:xfrm>
-          <a:off x="0" y="0"/>
-          <a:ext cx="0" cy="0"/>
-          <a:chOff x="0" y="0"/>
-          <a:chExt cx="0" cy="0"/>
-        </a:xfrm>
-      </p:grpSpPr>
-      <p:pic>
-        <p:nvPicPr>
-          <p:cNvPr id="10" name="Picture 9"/>
-          <p:cNvPicPr>
-            <a:picLocks noChangeAspect="1"/>
-          </p:cNvPicPr>
-          <p:nvPr/>
-        </p:nvPicPr>
-        <p:blipFill rotWithShape="1">
-          <a:blip r:embed="rId3">
-            <a:extLst>
-              <a:ext uri="{28A0092B-C50C-407E-A947-70E740481C1C}">
-                <a14:useLocalDpi xmlns:a14="http://schemas.microsoft.com/office/drawing/2010/main" val="0"/>
-              </a:ext>
-            </a:extLst>
-          </a:blip>
-          <a:srcRect l="50728" t="56371"/>
-          <a:stretch/>
-        </p:blipFill>
-        <p:spPr>
-          <a:xfrm>
-            <a:off x="10894024" y="5370653"/>
-            <a:ext cx="1297975" cy="1487348"/>
-          </a:xfrm>
-          <a:prstGeom prst="rect">
-            <a:avLst/>
-          </a:prstGeom>
-        </p:spPr>
-      </p:pic>
-      <p:sp>
-        <p:nvSpPr>
-          <p:cNvPr id="11" name="TextBox 10"/>
-          <p:cNvSpPr txBox="1"/>
-          <p:nvPr/>
-        </p:nvSpPr>
-        <p:spPr>
-          <a:xfrm>
-            <a:off x="347240" y="113388"/>
-            <a:ext cx="9799937" cy="1015663"/>
-          </a:xfrm>
-          <a:prstGeom prst="rect">
-            <a:avLst/>
-          </a:prstGeom>
-          <a:noFill/>
-        </p:spPr>
-        <p:txBody>
-          <a:bodyPr wrap="square" rtlCol="0">
-            <a:spAutoFit/>
-          </a:bodyPr>
-          <a:lstStyle/>
-          <a:p>
-            <a:r>
-              <a:rPr lang="en-US" sz="6000" dirty="0">
-                <a:latin typeface="Aliens &amp; cows" panose="00000500000000000000" pitchFamily="2" charset="0"/>
-              </a:rPr>
-              <a:t>Python for Excel</a:t>
-            </a:r>
-          </a:p>
-        </p:txBody>
-      </p:sp>
-      <p:sp>
-        <p:nvSpPr>
-          <p:cNvPr id="3" name="TextBox 2"/>
-          <p:cNvSpPr txBox="1"/>
-          <p:nvPr/>
-        </p:nvSpPr>
-        <p:spPr>
-          <a:xfrm>
-            <a:off x="0" y="6334780"/>
-            <a:ext cx="7420966" cy="523220"/>
-          </a:xfrm>
-          <a:prstGeom prst="rect">
-            <a:avLst/>
-          </a:prstGeom>
-          <a:noFill/>
-        </p:spPr>
-        <p:txBody>
-          <a:bodyPr wrap="square" rtlCol="0">
-            <a:spAutoFit/>
-          </a:bodyPr>
-          <a:lstStyle/>
-          <a:p>
-            <a:r>
-              <a:rPr lang="en-US" sz="1400" dirty="0">
-                <a:solidFill>
-                  <a:srgbClr val="707070"/>
-                </a:solidFill>
-                <a:latin typeface="Pragmatica" panose="020B0403040502020204" pitchFamily="34" charset="0"/>
-              </a:rPr>
-              <a:t>https://excel.uservoice.com/forums/304921-excel-for-windows-desktop-application/suggestions/10549005-python-as-an-excel-scripting-language</a:t>
-            </a:r>
-          </a:p>
-        </p:txBody>
-      </p:sp>
-      <p:pic>
-        <p:nvPicPr>
-          <p:cNvPr id="6" name="Picture 5">
-            <a:extLst>
-              <a:ext uri="{FF2B5EF4-FFF2-40B4-BE49-F238E27FC236}">
-                <a16:creationId xmlns:a16="http://schemas.microsoft.com/office/drawing/2014/main" id="{AB9B98DE-851E-4DCE-A682-83C2082D863E}"/>
-              </a:ext>
-            </a:extLst>
-          </p:cNvPr>
-          <p:cNvPicPr>
-            <a:picLocks noChangeAspect="1"/>
-          </p:cNvPicPr>
-          <p:nvPr/>
-        </p:nvPicPr>
-        <p:blipFill>
-          <a:blip r:embed="rId4"/>
-          <a:stretch>
-            <a:fillRect/>
-          </a:stretch>
-        </p:blipFill>
-        <p:spPr>
-          <a:xfrm>
-            <a:off x="249829" y="1497416"/>
-            <a:ext cx="6777117" cy="3062800"/>
-          </a:xfrm>
-          <a:prstGeom prst="rect">
-            <a:avLst/>
-          </a:prstGeom>
-        </p:spPr>
-      </p:pic>
-      <p:pic>
-        <p:nvPicPr>
-          <p:cNvPr id="1026" name="Picture 2" descr="Logo">
-            <a:extLst>
-              <a:ext uri="{FF2B5EF4-FFF2-40B4-BE49-F238E27FC236}">
-                <a16:creationId xmlns:a16="http://schemas.microsoft.com/office/drawing/2014/main" id="{DFA31B08-9729-493E-ACD6-0C1ED2EDA81F}"/>
-              </a:ext>
-            </a:extLst>
-          </p:cNvPr>
-          <p:cNvPicPr>
-            <a:picLocks noChangeAspect="1" noChangeArrowheads="1"/>
-          </p:cNvPicPr>
-          <p:nvPr/>
-        </p:nvPicPr>
-        <p:blipFill>
-          <a:blip r:embed="rId5">
-            <a:extLst>
-              <a:ext uri="{28A0092B-C50C-407E-A947-70E740481C1C}">
-                <a14:useLocalDpi xmlns:a14="http://schemas.microsoft.com/office/drawing/2010/main" val="0"/>
-              </a:ext>
-            </a:extLst>
-          </a:blip>
-          <a:srcRect/>
-          <a:stretch>
-            <a:fillRect/>
-          </a:stretch>
-        </p:blipFill>
-        <p:spPr bwMode="auto">
-          <a:xfrm>
-            <a:off x="8447030" y="2858833"/>
-            <a:ext cx="3199732" cy="625646"/>
-          </a:xfrm>
-          <a:prstGeom prst="rect">
-            <a:avLst/>
-          </a:prstGeom>
-          <a:noFill/>
-          <a:extLst>
-            <a:ext uri="{909E8E84-426E-40DD-AFC4-6F175D3DCCD1}">
-              <a14:hiddenFill xmlns:a14="http://schemas.microsoft.com/office/drawing/2010/main">
-                <a:solidFill>
-                  <a:srgbClr val="FFFFFF"/>
-                </a:solidFill>
-              </a14:hiddenFill>
-            </a:ext>
-          </a:extLst>
-        </p:spPr>
-      </p:pic>
-      <p:pic>
-        <p:nvPicPr>
-          <p:cNvPr id="8" name="Picture 7">
-            <a:extLst>
-              <a:ext uri="{FF2B5EF4-FFF2-40B4-BE49-F238E27FC236}">
-                <a16:creationId xmlns:a16="http://schemas.microsoft.com/office/drawing/2014/main" id="{D3A04345-EA68-47E4-9BEA-A8B53EF2B21B}"/>
-              </a:ext>
-            </a:extLst>
-          </p:cNvPr>
-          <p:cNvPicPr>
-            <a:picLocks noChangeAspect="1"/>
-          </p:cNvPicPr>
-          <p:nvPr/>
-        </p:nvPicPr>
-        <p:blipFill>
-          <a:blip r:embed="rId6"/>
-          <a:stretch>
-            <a:fillRect/>
-          </a:stretch>
-        </p:blipFill>
-        <p:spPr>
-          <a:xfrm>
-            <a:off x="7026946" y="3484479"/>
-            <a:ext cx="2840168" cy="842688"/>
-          </a:xfrm>
-          <a:prstGeom prst="rect">
-            <a:avLst/>
-          </a:prstGeom>
-        </p:spPr>
-      </p:pic>
-      <p:sp>
-        <p:nvSpPr>
-          <p:cNvPr id="13" name="TextBox 12">
-            <a:extLst>
-              <a:ext uri="{FF2B5EF4-FFF2-40B4-BE49-F238E27FC236}">
-                <a16:creationId xmlns:a16="http://schemas.microsoft.com/office/drawing/2014/main" id="{D76C3081-EF88-4D32-9F9A-7B0E3EAEB568}"/>
-              </a:ext>
-            </a:extLst>
-          </p:cNvPr>
-          <p:cNvSpPr txBox="1"/>
-          <p:nvPr/>
-        </p:nvSpPr>
-        <p:spPr>
-          <a:xfrm>
-            <a:off x="7167868" y="5596729"/>
-            <a:ext cx="4628435" cy="369332"/>
-          </a:xfrm>
-          <a:prstGeom prst="rect">
-            <a:avLst/>
-          </a:prstGeom>
-          <a:noFill/>
-        </p:spPr>
-        <p:txBody>
-          <a:bodyPr wrap="square" rtlCol="0">
-            <a:spAutoFit/>
-          </a:bodyPr>
-          <a:lstStyle/>
-          <a:p>
-            <a:r>
-              <a:rPr lang="en-US" b="1" dirty="0">
-                <a:latin typeface="Pragmatica" pitchFamily="2" charset="0"/>
-              </a:rPr>
-              <a:t>More: http://www.python-excel.org</a:t>
-            </a:r>
-          </a:p>
-        </p:txBody>
-      </p:sp>
-      <p:pic>
-        <p:nvPicPr>
-          <p:cNvPr id="1028" name="Picture 4">
-            <a:extLst>
-              <a:ext uri="{FF2B5EF4-FFF2-40B4-BE49-F238E27FC236}">
-                <a16:creationId xmlns:a16="http://schemas.microsoft.com/office/drawing/2014/main" id="{3C329EA7-0AC7-4A26-A24D-2507FC7AAAB6}"/>
-              </a:ext>
-            </a:extLst>
-          </p:cNvPr>
-          <p:cNvPicPr>
-            <a:picLocks noChangeAspect="1" noChangeArrowheads="1"/>
-          </p:cNvPicPr>
-          <p:nvPr/>
-        </p:nvPicPr>
-        <p:blipFill>
-          <a:blip r:embed="rId7">
-            <a:extLst>
-              <a:ext uri="{28A0092B-C50C-407E-A947-70E740481C1C}">
-                <a14:useLocalDpi xmlns:a14="http://schemas.microsoft.com/office/drawing/2010/main" val="0"/>
-              </a:ext>
-            </a:extLst>
-          </a:blip>
-          <a:srcRect/>
-          <a:stretch>
-            <a:fillRect/>
-          </a:stretch>
-        </p:blipFill>
-        <p:spPr bwMode="auto">
-          <a:xfrm>
-            <a:off x="7783672" y="4327167"/>
-            <a:ext cx="3933825" cy="1095375"/>
-          </a:xfrm>
-          <a:prstGeom prst="rect">
-            <a:avLst/>
-          </a:prstGeom>
-          <a:noFill/>
-          <a:extLst>
-            <a:ext uri="{909E8E84-426E-40DD-AFC4-6F175D3DCCD1}">
-              <a14:hiddenFill xmlns:a14="http://schemas.microsoft.com/office/drawing/2010/main">
-                <a:solidFill>
-                  <a:srgbClr val="FFFFFF"/>
-                </a:solidFill>
-              </a14:hiddenFill>
-            </a:ext>
-          </a:extLst>
-        </p:spPr>
-      </p:pic>
-    </p:spTree>
-    <p:extLst>
-      <p:ext uri="{BB962C8B-B14F-4D97-AF65-F5344CB8AC3E}">
-        <p14:creationId xmlns:p14="http://schemas.microsoft.com/office/powerpoint/2010/main" val="3281768856"/>
-      </p:ext>
-    </p:extLst>
-  </p:cSld>
-  <p:clrMapOvr>
-    <a:masterClrMapping/>
-  </p:clrMapOvr>
-</p:sld>
-</file>
-
-<file path=ppt/slides/slide22.xml><?xml version="1.0" encoding="utf-8"?>
-<p:sld xmlns:a="http://schemas.openxmlformats.org/drawingml/2006/main" xmlns:r="http://schemas.openxmlformats.org/officeDocument/2006/relationships" xmlns:p="http://schemas.openxmlformats.org/presentationml/2006/main">
-  <p:cSld>
-    <p:spTree>
-      <p:nvGrpSpPr>
-        <p:cNvPr id="1" name=""/>
-        <p:cNvGrpSpPr/>
-        <p:nvPr/>
-      </p:nvGrpSpPr>
-      <p:grpSpPr>
-        <a:xfrm>
-          <a:off x="0" y="0"/>
-          <a:ext cx="0" cy="0"/>
-          <a:chOff x="0" y="0"/>
-          <a:chExt cx="0" cy="0"/>
-        </a:xfrm>
-      </p:grpSpPr>
-      <p:sp>
-        <p:nvSpPr>
-          <p:cNvPr id="4" name="Rectangle 3"/>
-          <p:cNvSpPr/>
-          <p:nvPr/>
-        </p:nvSpPr>
-        <p:spPr>
-          <a:xfrm>
-            <a:off x="6574420" y="0"/>
-            <a:ext cx="5617580" cy="6858000"/>
-          </a:xfrm>
-          <a:prstGeom prst="rect">
-            <a:avLst/>
-          </a:prstGeom>
-          <a:solidFill>
-            <a:srgbClr val="CF3338"/>
-          </a:solidFill>
-        </p:spPr>
-        <p:style>
-          <a:lnRef idx="2">
-            <a:schemeClr val="accent1">
-              <a:shade val="50000"/>
-            </a:schemeClr>
-          </a:lnRef>
-          <a:fillRef idx="1">
-            <a:schemeClr val="accent1"/>
-          </a:fillRef>
-          <a:effectRef idx="0">
-            <a:schemeClr val="accent1"/>
-          </a:effectRef>
-          <a:fontRef idx="minor">
-            <a:schemeClr val="lt1"/>
-          </a:fontRef>
-        </p:style>
-        <p:txBody>
-          <a:bodyPr rtlCol="0" anchor="ctr"/>
-          <a:lstStyle/>
-          <a:p>
-            <a:pPr algn="ctr"/>
-            <a:endParaRPr lang="en-US"/>
-          </a:p>
-        </p:txBody>
-      </p:sp>
-      <p:sp>
-        <p:nvSpPr>
-          <p:cNvPr id="5" name="TextBox 4"/>
-          <p:cNvSpPr txBox="1"/>
-          <p:nvPr/>
-        </p:nvSpPr>
-        <p:spPr>
-          <a:xfrm>
-            <a:off x="6817489" y="0"/>
-            <a:ext cx="4120587" cy="1446550"/>
-          </a:xfrm>
-          <a:prstGeom prst="rect">
-            <a:avLst/>
-          </a:prstGeom>
-          <a:noFill/>
-        </p:spPr>
-        <p:txBody>
-          <a:bodyPr wrap="square" rtlCol="0">
-            <a:spAutoFit/>
-          </a:bodyPr>
-          <a:lstStyle/>
-          <a:p>
-            <a:r>
-              <a:rPr lang="en-US" sz="8800" dirty="0">
-                <a:solidFill>
-                  <a:schemeClr val="bg1"/>
-                </a:solidFill>
-                <a:latin typeface="Aliens &amp; cows" panose="00000500000000000000" pitchFamily="2" charset="0"/>
-              </a:rPr>
-              <a:t>Demo</a:t>
-            </a:r>
-          </a:p>
-        </p:txBody>
-      </p:sp>
-      <p:pic>
-        <p:nvPicPr>
-          <p:cNvPr id="2" name="Picture 1"/>
-          <p:cNvPicPr>
-            <a:picLocks noChangeAspect="1"/>
-          </p:cNvPicPr>
-          <p:nvPr/>
-        </p:nvPicPr>
-        <p:blipFill rotWithShape="1">
-          <a:blip r:embed="rId3">
-            <a:extLst>
-              <a:ext uri="{28A0092B-C50C-407E-A947-70E740481C1C}">
-                <a14:useLocalDpi xmlns:a14="http://schemas.microsoft.com/office/drawing/2010/main" val="0"/>
-              </a:ext>
-            </a:extLst>
-          </a:blip>
-          <a:srcRect l="69227" t="33418" r="20112" b="50548"/>
-          <a:stretch/>
-        </p:blipFill>
-        <p:spPr>
-          <a:xfrm>
-            <a:off x="10386349" y="5029795"/>
-            <a:ext cx="1805651" cy="1991719"/>
-          </a:xfrm>
-          <a:prstGeom prst="rect">
-            <a:avLst/>
-          </a:prstGeom>
-        </p:spPr>
-      </p:pic>
-      <p:sp>
-        <p:nvSpPr>
-          <p:cNvPr id="3" name="TextBox 2"/>
-          <p:cNvSpPr txBox="1"/>
-          <p:nvPr/>
-        </p:nvSpPr>
-        <p:spPr>
-          <a:xfrm>
-            <a:off x="173620" y="219919"/>
-            <a:ext cx="6084567" cy="3970318"/>
-          </a:xfrm>
-          <a:prstGeom prst="rect">
-            <a:avLst/>
-          </a:prstGeom>
-          <a:noFill/>
-        </p:spPr>
-        <p:txBody>
-          <a:bodyPr wrap="square" rtlCol="0">
-            <a:spAutoFit/>
-          </a:bodyPr>
-          <a:lstStyle/>
-          <a:p>
-            <a:r>
-              <a:rPr lang="en-US" sz="2800" b="1" dirty="0">
-                <a:solidFill>
-                  <a:srgbClr val="CF3338"/>
-                </a:solidFill>
-                <a:latin typeface="Consolas" panose="020B0609020204030204" pitchFamily="49" charset="0"/>
-              </a:rPr>
-              <a:t>pandas </a:t>
-            </a:r>
-            <a:r>
-              <a:rPr lang="en-US" sz="2800" b="1" dirty="0">
-                <a:solidFill>
-                  <a:srgbClr val="CF3338"/>
-                </a:solidFill>
-                <a:latin typeface="Pragmatica" pitchFamily="2" charset="0"/>
-              </a:rPr>
-              <a:t>+ </a:t>
-            </a:r>
-            <a:r>
-              <a:rPr lang="en-US" sz="2800" b="1" dirty="0" err="1">
-                <a:solidFill>
-                  <a:srgbClr val="CF3338"/>
-                </a:solidFill>
-                <a:latin typeface="Consolas" panose="020B0609020204030204" pitchFamily="49" charset="0"/>
-              </a:rPr>
-              <a:t>xlsxwriter</a:t>
-            </a:r>
-            <a:r>
-              <a:rPr lang="en-US" sz="2800" b="1" dirty="0">
-                <a:solidFill>
-                  <a:srgbClr val="CF3338"/>
-                </a:solidFill>
-                <a:latin typeface="Consolas" panose="020B0609020204030204" pitchFamily="49" charset="0"/>
-              </a:rPr>
-              <a:t> </a:t>
-            </a:r>
-            <a:r>
-              <a:rPr lang="en-US" sz="2800" b="1" dirty="0">
-                <a:solidFill>
-                  <a:srgbClr val="CF3338"/>
-                </a:solidFill>
-                <a:latin typeface="Pragmatica" pitchFamily="2" charset="0"/>
-              </a:rPr>
-              <a:t>=</a:t>
-            </a:r>
-          </a:p>
-          <a:p>
-            <a:r>
-              <a:rPr lang="en-US" sz="2800" b="1" dirty="0">
-                <a:solidFill>
-                  <a:srgbClr val="CF3338"/>
-                </a:solidFill>
-                <a:latin typeface="Pragmatica" pitchFamily="2" charset="0"/>
-              </a:rPr>
-              <a:t>Python-Powered Excel</a:t>
-            </a:r>
-          </a:p>
-          <a:p>
-            <a:endParaRPr lang="en-US" sz="2800" b="1" dirty="0">
-              <a:solidFill>
-                <a:srgbClr val="CF3338"/>
-              </a:solidFill>
-              <a:latin typeface="Pragmatica" pitchFamily="2" charset="0"/>
-            </a:endParaRPr>
-          </a:p>
-          <a:p>
-            <a:pPr marL="514350" indent="-514350">
-              <a:buFont typeface="+mj-lt"/>
-              <a:buAutoNum type="arabicPeriod"/>
-            </a:pPr>
-            <a:r>
-              <a:rPr lang="en-US" sz="2800" b="1" dirty="0">
-                <a:solidFill>
-                  <a:srgbClr val="CF3338"/>
-                </a:solidFill>
-                <a:latin typeface="Pragmatica" pitchFamily="2" charset="0"/>
-              </a:rPr>
-              <a:t>Add custom cell formats</a:t>
-            </a:r>
-          </a:p>
-          <a:p>
-            <a:pPr marL="514350" indent="-514350">
-              <a:buFont typeface="+mj-lt"/>
-              <a:buAutoNum type="arabicPeriod"/>
-            </a:pPr>
-            <a:r>
-              <a:rPr lang="en-US" sz="2800" b="1" dirty="0">
-                <a:solidFill>
-                  <a:srgbClr val="CF3338"/>
-                </a:solidFill>
-                <a:latin typeface="Pragmatica" pitchFamily="2" charset="0"/>
-              </a:rPr>
-              <a:t>Re-size column widths</a:t>
-            </a:r>
-          </a:p>
-          <a:p>
-            <a:pPr marL="514350" indent="-514350">
-              <a:buFont typeface="+mj-lt"/>
-              <a:buAutoNum type="arabicPeriod"/>
-            </a:pPr>
-            <a:r>
-              <a:rPr lang="en-US" sz="2800" b="1" dirty="0">
-                <a:solidFill>
-                  <a:srgbClr val="CF3338"/>
-                </a:solidFill>
-                <a:latin typeface="Pragmatica" pitchFamily="2" charset="0"/>
-              </a:rPr>
-              <a:t>Add charts (from Excel or Python)</a:t>
-            </a:r>
-          </a:p>
-          <a:p>
-            <a:endParaRPr lang="en-US" sz="2800" b="1" dirty="0">
-              <a:solidFill>
-                <a:srgbClr val="CF3338"/>
-              </a:solidFill>
-              <a:latin typeface="Pragmatica" pitchFamily="2" charset="0"/>
-            </a:endParaRPr>
-          </a:p>
-          <a:p>
-            <a:endParaRPr lang="en-US" sz="2800" b="1" dirty="0">
-              <a:solidFill>
-                <a:srgbClr val="CF3338"/>
-              </a:solidFill>
-              <a:latin typeface="Pragmatica" pitchFamily="2" charset="0"/>
-            </a:endParaRPr>
-          </a:p>
-          <a:p>
-            <a:r>
-              <a:rPr lang="en-US" sz="2800" b="1" dirty="0">
-                <a:solidFill>
-                  <a:srgbClr val="CF3338"/>
-                </a:solidFill>
-                <a:latin typeface="Pragmatica" pitchFamily="2" charset="0"/>
-              </a:rPr>
-              <a:t>File: </a:t>
-            </a:r>
-            <a:r>
-              <a:rPr lang="en-US" sz="2800" b="1" dirty="0">
-                <a:solidFill>
-                  <a:srgbClr val="CF3338"/>
-                </a:solidFill>
-                <a:latin typeface="Consolas" panose="020B0609020204030204" pitchFamily="49" charset="0"/>
-              </a:rPr>
-              <a:t>python-powered-</a:t>
-            </a:r>
-            <a:r>
-              <a:rPr lang="en-US" sz="2800" b="1" dirty="0" err="1">
-                <a:solidFill>
-                  <a:srgbClr val="CF3338"/>
-                </a:solidFill>
-                <a:latin typeface="Consolas" panose="020B0609020204030204" pitchFamily="49" charset="0"/>
-              </a:rPr>
-              <a:t>excel.ipynb</a:t>
-            </a:r>
-            <a:endParaRPr lang="en-US" sz="2800" b="1" dirty="0">
-              <a:solidFill>
-                <a:srgbClr val="CF3338"/>
-              </a:solidFill>
-              <a:latin typeface="Consolas" panose="020B0609020204030204" pitchFamily="49" charset="0"/>
-            </a:endParaRPr>
-          </a:p>
-        </p:txBody>
-      </p:sp>
-    </p:spTree>
-    <p:extLst>
-      <p:ext uri="{BB962C8B-B14F-4D97-AF65-F5344CB8AC3E}">
-        <p14:creationId xmlns:p14="http://schemas.microsoft.com/office/powerpoint/2010/main" val="2816513050"/>
-      </p:ext>
-    </p:extLst>
-  </p:cSld>
-  <p:clrMapOvr>
-    <a:masterClrMapping/>
-  </p:clrMapOvr>
-</p:sld>
-</file>
-
-<file path=ppt/slides/slide23.xml><?xml version="1.0" encoding="utf-8"?>
-<p:sld xmlns:a="http://schemas.openxmlformats.org/drawingml/2006/main" xmlns:r="http://schemas.openxmlformats.org/officeDocument/2006/relationships" xmlns:p="http://schemas.openxmlformats.org/presentationml/2006/main">
-  <p:cSld>
-    <p:spTree>
-      <p:nvGrpSpPr>
-        <p:cNvPr id="1" name=""/>
-        <p:cNvGrpSpPr/>
-        <p:nvPr/>
-      </p:nvGrpSpPr>
-      <p:grpSpPr>
-        <a:xfrm>
-          <a:off x="0" y="0"/>
-          <a:ext cx="0" cy="0"/>
-          <a:chOff x="0" y="0"/>
-          <a:chExt cx="0" cy="0"/>
-        </a:xfrm>
-      </p:grpSpPr>
-      <p:pic>
-        <p:nvPicPr>
-          <p:cNvPr id="10" name="Picture 9"/>
-          <p:cNvPicPr>
-            <a:picLocks noChangeAspect="1"/>
-          </p:cNvPicPr>
-          <p:nvPr/>
-        </p:nvPicPr>
-        <p:blipFill rotWithShape="1">
-          <a:blip r:embed="rId3">
-            <a:extLst>
-              <a:ext uri="{28A0092B-C50C-407E-A947-70E740481C1C}">
-                <a14:useLocalDpi xmlns:a14="http://schemas.microsoft.com/office/drawing/2010/main" val="0"/>
-              </a:ext>
-            </a:extLst>
-          </a:blip>
-          <a:srcRect l="50728" t="56371"/>
-          <a:stretch/>
-        </p:blipFill>
-        <p:spPr>
-          <a:xfrm>
-            <a:off x="8136460" y="2210765"/>
-            <a:ext cx="4055539" cy="4647236"/>
-          </a:xfrm>
-          <a:prstGeom prst="rect">
-            <a:avLst/>
-          </a:prstGeom>
-        </p:spPr>
-      </p:pic>
-      <p:pic>
-        <p:nvPicPr>
-          <p:cNvPr id="4" name="Picture 3"/>
-          <p:cNvPicPr>
-            <a:picLocks noChangeAspect="1"/>
-          </p:cNvPicPr>
-          <p:nvPr/>
-        </p:nvPicPr>
-        <p:blipFill>
-          <a:blip r:embed="rId4">
-            <a:extLst>
-              <a:ext uri="{28A0092B-C50C-407E-A947-70E740481C1C}">
-                <a14:useLocalDpi xmlns:a14="http://schemas.microsoft.com/office/drawing/2010/main" val="0"/>
-              </a:ext>
-            </a:extLst>
-          </a:blip>
-          <a:stretch>
-            <a:fillRect/>
-          </a:stretch>
-        </p:blipFill>
-        <p:spPr>
-          <a:xfrm>
-            <a:off x="-538496" y="-2482770"/>
-            <a:ext cx="10171472" cy="7459883"/>
-          </a:xfrm>
-          <a:prstGeom prst="rect">
-            <a:avLst/>
-          </a:prstGeom>
-        </p:spPr>
-      </p:pic>
-      <p:sp>
-        <p:nvSpPr>
-          <p:cNvPr id="11" name="TextBox 10"/>
-          <p:cNvSpPr txBox="1"/>
-          <p:nvPr/>
-        </p:nvSpPr>
-        <p:spPr>
-          <a:xfrm>
-            <a:off x="324091" y="1687545"/>
-            <a:ext cx="7986531" cy="523220"/>
-          </a:xfrm>
-          <a:prstGeom prst="rect">
-            <a:avLst/>
-          </a:prstGeom>
-          <a:noFill/>
-        </p:spPr>
-        <p:txBody>
-          <a:bodyPr wrap="square" rtlCol="0">
-            <a:spAutoFit/>
-          </a:bodyPr>
-          <a:lstStyle/>
-          <a:p>
-            <a:r>
-              <a:rPr lang="en-US" sz="2800" b="1" dirty="0">
-                <a:solidFill>
-                  <a:srgbClr val="707070"/>
-                </a:solidFill>
-                <a:latin typeface="Pragmatica" panose="020B0403040502020204" pitchFamily="34" charset="0"/>
-              </a:rPr>
-              <a:t>Questions?</a:t>
-            </a:r>
-          </a:p>
-        </p:txBody>
-      </p:sp>
-    </p:spTree>
-    <p:extLst>
-      <p:ext uri="{BB962C8B-B14F-4D97-AF65-F5344CB8AC3E}">
-        <p14:creationId xmlns:p14="http://schemas.microsoft.com/office/powerpoint/2010/main" val="3672653518"/>
-      </p:ext>
-    </p:extLst>
-  </p:cSld>
-  <p:clrMapOvr>
-    <a:masterClrMapping/>
-  </p:clrMapOvr>
-</p:sld>
-</file>
-
-<file path=ppt/slides/slide24.xml><?xml version="1.0" encoding="utf-8"?>
-<p:sld xmlns:a="http://schemas.openxmlformats.org/drawingml/2006/main" xmlns:r="http://schemas.openxmlformats.org/officeDocument/2006/relationships" xmlns:p="http://schemas.openxmlformats.org/presentationml/2006/main">
-  <p:cSld>
-    <p:spTree>
-      <p:nvGrpSpPr>
-        <p:cNvPr id="1" name=""/>
-        <p:cNvGrpSpPr/>
-        <p:nvPr/>
-      </p:nvGrpSpPr>
-      <p:grpSpPr>
-        <a:xfrm>
-          <a:off x="0" y="0"/>
-          <a:ext cx="0" cy="0"/>
-          <a:chOff x="0" y="0"/>
-          <a:chExt cx="0" cy="0"/>
-        </a:xfrm>
-      </p:grpSpPr>
-      <p:sp>
-        <p:nvSpPr>
-          <p:cNvPr id="4" name="Rectangle 3"/>
-          <p:cNvSpPr/>
-          <p:nvPr/>
-        </p:nvSpPr>
-        <p:spPr>
-          <a:xfrm>
-            <a:off x="0" y="0"/>
-            <a:ext cx="12192000" cy="6858000"/>
-          </a:xfrm>
-          <a:prstGeom prst="rect">
-            <a:avLst/>
-          </a:prstGeom>
-          <a:solidFill>
-            <a:srgbClr val="CF3338"/>
-          </a:solidFill>
-        </p:spPr>
-        <p:style>
-          <a:lnRef idx="2">
-            <a:schemeClr val="accent1">
-              <a:shade val="50000"/>
-            </a:schemeClr>
-          </a:lnRef>
-          <a:fillRef idx="1">
-            <a:schemeClr val="accent1"/>
-          </a:fillRef>
-          <a:effectRef idx="0">
-            <a:schemeClr val="accent1"/>
-          </a:effectRef>
-          <a:fontRef idx="minor">
-            <a:schemeClr val="lt1"/>
-          </a:fontRef>
-        </p:style>
-        <p:txBody>
-          <a:bodyPr rtlCol="0" anchor="ctr"/>
-          <a:lstStyle/>
-          <a:p>
-            <a:pPr algn="ctr"/>
-            <a:endParaRPr lang="en-US"/>
-          </a:p>
-        </p:txBody>
-      </p:sp>
-      <p:sp>
-        <p:nvSpPr>
-          <p:cNvPr id="5" name="TextBox 4"/>
-          <p:cNvSpPr txBox="1"/>
-          <p:nvPr/>
-        </p:nvSpPr>
-        <p:spPr>
-          <a:xfrm>
-            <a:off x="520861" y="393539"/>
-            <a:ext cx="10324617" cy="2123658"/>
-          </a:xfrm>
-          <a:prstGeom prst="rect">
-            <a:avLst/>
-          </a:prstGeom>
-          <a:noFill/>
-        </p:spPr>
-        <p:txBody>
-          <a:bodyPr wrap="square" rtlCol="0">
-            <a:spAutoFit/>
-          </a:bodyPr>
-          <a:lstStyle/>
-          <a:p>
-            <a:r>
-              <a:rPr lang="en-US" sz="6600" b="1" dirty="0">
-                <a:solidFill>
-                  <a:schemeClr val="bg1"/>
-                </a:solidFill>
-                <a:latin typeface="Pragmatica" pitchFamily="2" charset="0"/>
-              </a:rPr>
-              <a:t>The data world is your oyster shell</a:t>
-            </a:r>
-          </a:p>
-        </p:txBody>
-      </p:sp>
-    </p:spTree>
-    <p:extLst>
-      <p:ext uri="{BB962C8B-B14F-4D97-AF65-F5344CB8AC3E}">
-        <p14:creationId xmlns:p14="http://schemas.microsoft.com/office/powerpoint/2010/main" val="3553521403"/>
-      </p:ext>
-    </p:extLst>
-  </p:cSld>
-  <p:clrMapOvr>
-    <a:masterClrMapping/>
-  </p:clrMapOvr>
-</p:sld>
-</file>
-
-<file path=ppt/slides/slide25.xml><?xml version="1.0" encoding="utf-8"?>
-<p:sld xmlns:a="http://schemas.openxmlformats.org/drawingml/2006/main" xmlns:r="http://schemas.openxmlformats.org/officeDocument/2006/relationships" xmlns:p="http://schemas.openxmlformats.org/presentationml/2006/main">
-  <p:cSld>
-    <p:spTree>
-      <p:nvGrpSpPr>
-        <p:cNvPr id="1" name=""/>
-        <p:cNvGrpSpPr/>
-        <p:nvPr/>
-      </p:nvGrpSpPr>
-      <p:grpSpPr>
-        <a:xfrm>
-          <a:off x="0" y="0"/>
-          <a:ext cx="0" cy="0"/>
-          <a:chOff x="0" y="0"/>
-          <a:chExt cx="0" cy="0"/>
-        </a:xfrm>
-      </p:grpSpPr>
-      <p:sp>
-        <p:nvSpPr>
-          <p:cNvPr id="4" name="Rectangle 3"/>
-          <p:cNvSpPr/>
-          <p:nvPr/>
-        </p:nvSpPr>
-        <p:spPr>
-          <a:xfrm>
-            <a:off x="6574420" y="0"/>
-            <a:ext cx="5617580" cy="6858000"/>
-          </a:xfrm>
-          <a:prstGeom prst="rect">
-            <a:avLst/>
-          </a:prstGeom>
-          <a:solidFill>
-            <a:srgbClr val="CF3338"/>
-          </a:solidFill>
-        </p:spPr>
-        <p:style>
-          <a:lnRef idx="2">
-            <a:schemeClr val="accent1">
-              <a:shade val="50000"/>
-            </a:schemeClr>
-          </a:lnRef>
-          <a:fillRef idx="1">
-            <a:schemeClr val="accent1"/>
-          </a:fillRef>
-          <a:effectRef idx="0">
-            <a:schemeClr val="accent1"/>
-          </a:effectRef>
-          <a:fontRef idx="minor">
-            <a:schemeClr val="lt1"/>
-          </a:fontRef>
-        </p:style>
-        <p:txBody>
-          <a:bodyPr rtlCol="0" anchor="ctr"/>
-          <a:lstStyle/>
-          <a:p>
-            <a:pPr algn="ctr"/>
-            <a:endParaRPr lang="en-US"/>
-          </a:p>
-        </p:txBody>
-      </p:sp>
-      <p:sp>
-        <p:nvSpPr>
-          <p:cNvPr id="5" name="TextBox 4"/>
-          <p:cNvSpPr txBox="1"/>
-          <p:nvPr/>
-        </p:nvSpPr>
-        <p:spPr>
-          <a:xfrm>
-            <a:off x="6817489" y="0"/>
-            <a:ext cx="4120587" cy="1446550"/>
-          </a:xfrm>
-          <a:prstGeom prst="rect">
-            <a:avLst/>
-          </a:prstGeom>
-          <a:noFill/>
-        </p:spPr>
-        <p:txBody>
-          <a:bodyPr wrap="square" rtlCol="0">
-            <a:spAutoFit/>
-          </a:bodyPr>
-          <a:lstStyle/>
-          <a:p>
-            <a:r>
-              <a:rPr lang="en-US" sz="8800" dirty="0">
-                <a:solidFill>
-                  <a:schemeClr val="bg1"/>
-                </a:solidFill>
-                <a:latin typeface="Aliens &amp; cows" panose="00000500000000000000" pitchFamily="2" charset="0"/>
-              </a:rPr>
-              <a:t>Demo</a:t>
-            </a:r>
-          </a:p>
-        </p:txBody>
-      </p:sp>
-      <p:pic>
-        <p:nvPicPr>
-          <p:cNvPr id="2" name="Picture 1"/>
-          <p:cNvPicPr>
-            <a:picLocks noChangeAspect="1"/>
-          </p:cNvPicPr>
-          <p:nvPr/>
-        </p:nvPicPr>
-        <p:blipFill rotWithShape="1">
-          <a:blip r:embed="rId3">
-            <a:extLst>
-              <a:ext uri="{28A0092B-C50C-407E-A947-70E740481C1C}">
-                <a14:useLocalDpi xmlns:a14="http://schemas.microsoft.com/office/drawing/2010/main" val="0"/>
-              </a:ext>
-            </a:extLst>
-          </a:blip>
-          <a:srcRect l="69227" t="33418" r="20112" b="50548"/>
-          <a:stretch/>
-        </p:blipFill>
-        <p:spPr>
-          <a:xfrm>
-            <a:off x="10386349" y="5029795"/>
-            <a:ext cx="1805651" cy="1991719"/>
-          </a:xfrm>
-          <a:prstGeom prst="rect">
-            <a:avLst/>
-          </a:prstGeom>
-        </p:spPr>
-      </p:pic>
-      <p:sp>
-        <p:nvSpPr>
-          <p:cNvPr id="3" name="TextBox 2"/>
-          <p:cNvSpPr txBox="1"/>
-          <p:nvPr/>
-        </p:nvSpPr>
-        <p:spPr>
-          <a:xfrm>
-            <a:off x="173620" y="219919"/>
-            <a:ext cx="5937813" cy="3539430"/>
-          </a:xfrm>
-          <a:prstGeom prst="rect">
-            <a:avLst/>
-          </a:prstGeom>
-          <a:noFill/>
-        </p:spPr>
-        <p:txBody>
-          <a:bodyPr wrap="square" rtlCol="0">
-            <a:spAutoFit/>
-          </a:bodyPr>
-          <a:lstStyle/>
-          <a:p>
-            <a:r>
-              <a:rPr lang="en-US" sz="2800" b="1" dirty="0">
-                <a:solidFill>
-                  <a:srgbClr val="CF3338"/>
-                </a:solidFill>
-                <a:latin typeface="Pragmatica" pitchFamily="2" charset="0"/>
-              </a:rPr>
-              <a:t>Export an R regression to Excel</a:t>
-            </a:r>
-          </a:p>
-          <a:p>
-            <a:endParaRPr lang="en-US" sz="2800" b="1" dirty="0">
-              <a:solidFill>
-                <a:srgbClr val="CF3338"/>
-              </a:solidFill>
-              <a:latin typeface="Pragmatica" pitchFamily="2" charset="0"/>
-            </a:endParaRPr>
-          </a:p>
-          <a:p>
-            <a:pPr marL="514350" indent="-514350">
-              <a:buFont typeface="+mj-lt"/>
-              <a:buAutoNum type="arabicPeriod"/>
-            </a:pPr>
-            <a:r>
-              <a:rPr lang="en-US" sz="2800" b="1" dirty="0" err="1">
-                <a:solidFill>
-                  <a:srgbClr val="CF3338"/>
-                </a:solidFill>
-                <a:latin typeface="Pragmatica" pitchFamily="2" charset="0"/>
-              </a:rPr>
-              <a:t>Jupyte”R</a:t>
-            </a:r>
-            <a:r>
-              <a:rPr lang="en-US" sz="2800" b="1" dirty="0">
-                <a:solidFill>
-                  <a:srgbClr val="CF3338"/>
-                </a:solidFill>
-                <a:latin typeface="Pragmatica" pitchFamily="2" charset="0"/>
-              </a:rPr>
-              <a:t>”</a:t>
-            </a:r>
-          </a:p>
-          <a:p>
-            <a:pPr marL="514350" indent="-514350">
-              <a:buFont typeface="+mj-lt"/>
-              <a:buAutoNum type="arabicPeriod"/>
-            </a:pPr>
-            <a:r>
-              <a:rPr lang="en-US" sz="2800" b="1" dirty="0">
-                <a:solidFill>
-                  <a:srgbClr val="CF3338"/>
-                </a:solidFill>
-                <a:latin typeface="Pragmatica" pitchFamily="2" charset="0"/>
-              </a:rPr>
-              <a:t>“R-powered Excel” with </a:t>
-            </a:r>
-            <a:r>
-              <a:rPr lang="en-US" sz="2800" b="1" dirty="0" err="1">
-                <a:solidFill>
-                  <a:srgbClr val="CF3338"/>
-                </a:solidFill>
-                <a:latin typeface="Consolas" panose="020B0609020204030204" pitchFamily="49" charset="0"/>
-              </a:rPr>
-              <a:t>openxlsx</a:t>
-            </a:r>
-            <a:endParaRPr lang="en-US" sz="2800" b="1" dirty="0">
-              <a:solidFill>
-                <a:srgbClr val="CF3338"/>
-              </a:solidFill>
-              <a:latin typeface="Consolas" panose="020B0609020204030204" pitchFamily="49" charset="0"/>
-            </a:endParaRPr>
-          </a:p>
-          <a:p>
-            <a:pPr marL="514350" indent="-514350">
-              <a:buFont typeface="+mj-lt"/>
-              <a:buAutoNum type="arabicPeriod"/>
-            </a:pPr>
-            <a:r>
-              <a:rPr lang="en-US" sz="2800" b="1" dirty="0">
-                <a:solidFill>
-                  <a:srgbClr val="CF3338"/>
-                </a:solidFill>
-                <a:latin typeface="Pragmatica" pitchFamily="2" charset="0"/>
-              </a:rPr>
-              <a:t>The magic of </a:t>
-            </a:r>
-            <a:r>
-              <a:rPr lang="en-US" sz="2800" b="1" dirty="0">
-                <a:solidFill>
-                  <a:srgbClr val="CF3338"/>
-                </a:solidFill>
-                <a:latin typeface="Consolas" panose="020B0609020204030204" pitchFamily="49" charset="0"/>
-              </a:rPr>
-              <a:t>ggplot2</a:t>
-            </a:r>
-            <a:r>
-              <a:rPr lang="en-US" sz="2800" b="1" dirty="0">
-                <a:solidFill>
-                  <a:srgbClr val="CF3338"/>
-                </a:solidFill>
-                <a:latin typeface="Pragmatica" pitchFamily="2" charset="0"/>
-              </a:rPr>
-              <a:t> visualizations</a:t>
-            </a:r>
-          </a:p>
-          <a:p>
-            <a:pPr marL="514350" indent="-514350">
-              <a:buFont typeface="+mj-lt"/>
-              <a:buAutoNum type="arabicPeriod"/>
-            </a:pPr>
-            <a:endParaRPr lang="en-US" sz="2800" b="1" dirty="0">
-              <a:solidFill>
-                <a:srgbClr val="CF3338"/>
-              </a:solidFill>
-              <a:latin typeface="Pragmatica" pitchFamily="2" charset="0"/>
-            </a:endParaRPr>
-          </a:p>
-          <a:p>
-            <a:r>
-              <a:rPr lang="en-US" sz="2800" b="1" dirty="0">
-                <a:solidFill>
-                  <a:srgbClr val="CF3338"/>
-                </a:solidFill>
-                <a:latin typeface="Pragmatica" pitchFamily="2" charset="0"/>
-              </a:rPr>
-              <a:t>File: </a:t>
-            </a:r>
-            <a:r>
-              <a:rPr lang="en-US" sz="2800" b="1" dirty="0">
-                <a:solidFill>
-                  <a:srgbClr val="CF3338"/>
-                </a:solidFill>
-                <a:latin typeface="Consolas" panose="020B0609020204030204" pitchFamily="49" charset="0"/>
-              </a:rPr>
-              <a:t>r-powered-</a:t>
-            </a:r>
-            <a:r>
-              <a:rPr lang="en-US" sz="2800" b="1" dirty="0" err="1">
-                <a:solidFill>
-                  <a:srgbClr val="CF3338"/>
-                </a:solidFill>
-                <a:latin typeface="Consolas" panose="020B0609020204030204" pitchFamily="49" charset="0"/>
-              </a:rPr>
-              <a:t>excel.ipynb</a:t>
-            </a:r>
-            <a:endParaRPr lang="en-US" sz="2800" b="1" dirty="0">
-              <a:solidFill>
-                <a:srgbClr val="CF3338"/>
-              </a:solidFill>
-              <a:latin typeface="Consolas" panose="020B0609020204030204" pitchFamily="49" charset="0"/>
-            </a:endParaRPr>
-          </a:p>
-        </p:txBody>
-      </p:sp>
-    </p:spTree>
-    <p:extLst>
-      <p:ext uri="{BB962C8B-B14F-4D97-AF65-F5344CB8AC3E}">
-        <p14:creationId xmlns:p14="http://schemas.microsoft.com/office/powerpoint/2010/main" val="2347368189"/>
-      </p:ext>
-    </p:extLst>
-  </p:cSld>
-  <p:clrMapOvr>
-    <a:masterClrMapping/>
-  </p:clrMapOvr>
-</p:sld>
-</file>
-
-<file path=ppt/slides/slide26.xml><?xml version="1.0" encoding="utf-8"?>
+<file path=ppt/slides/slide19.xml><?xml version="1.0" encoding="utf-8"?>
 <p:sld xmlns:a="http://schemas.openxmlformats.org/drawingml/2006/main" xmlns:r="http://schemas.openxmlformats.org/officeDocument/2006/relationships" xmlns:p="http://schemas.openxmlformats.org/presentationml/2006/main">
   <p:cSld>
     <p:spTree>
@@ -12138,7 +8672,7 @@
         <p:spPr>
           <a:xfrm>
             <a:off x="324091" y="1687545"/>
-            <a:ext cx="7986531" cy="523220"/>
+            <a:ext cx="7986531" cy="1384995"/>
           </a:xfrm>
           <a:prstGeom prst="rect">
             <a:avLst/>
@@ -12161,12 +8695,31 @@
               <a:t>Questions?</a:t>
             </a:r>
           </a:p>
+          <a:p>
+            <a:endParaRPr lang="en-US" sz="2800" b="1" dirty="0">
+              <a:solidFill>
+                <a:srgbClr val="707070"/>
+              </a:solidFill>
+              <a:latin typeface="Pragmatica" panose="020B0403040502020204" pitchFamily="34" charset="0"/>
+            </a:endParaRPr>
+          </a:p>
+          <a:p>
+            <a:r>
+              <a:rPr lang="en-US" sz="2800" b="1" i="1" dirty="0">
+                <a:solidFill>
+                  <a:srgbClr val="707070"/>
+                </a:solidFill>
+                <a:latin typeface="Pragmatica" panose="020B0403040502020204" pitchFamily="34" charset="0"/>
+              </a:rPr>
+              <a:t>Who wants to win a book?</a:t>
+            </a:r>
+          </a:p>
         </p:txBody>
       </p:sp>
     </p:spTree>
     <p:extLst>
       <p:ext uri="{BB962C8B-B14F-4D97-AF65-F5344CB8AC3E}">
-        <p14:creationId xmlns:p14="http://schemas.microsoft.com/office/powerpoint/2010/main" val="2191243340"/>
+        <p14:creationId xmlns:p14="http://schemas.microsoft.com/office/powerpoint/2010/main" val="2312071835"/>
       </p:ext>
     </p:extLst>
   </p:cSld>
@@ -12176,114 +8729,7 @@
 </p:sld>
 </file>
 
-<file path=ppt/slides/slide27.xml><?xml version="1.0" encoding="utf-8"?>
-<p:sld xmlns:a="http://schemas.openxmlformats.org/drawingml/2006/main" xmlns:r="http://schemas.openxmlformats.org/officeDocument/2006/relationships" xmlns:p="http://schemas.openxmlformats.org/presentationml/2006/main">
-  <p:cSld>
-    <p:spTree>
-      <p:nvGrpSpPr>
-        <p:cNvPr id="1" name=""/>
-        <p:cNvGrpSpPr/>
-        <p:nvPr/>
-      </p:nvGrpSpPr>
-      <p:grpSpPr>
-        <a:xfrm>
-          <a:off x="0" y="0"/>
-          <a:ext cx="0" cy="0"/>
-          <a:chOff x="0" y="0"/>
-          <a:chExt cx="0" cy="0"/>
-        </a:xfrm>
-      </p:grpSpPr>
-      <p:sp>
-        <p:nvSpPr>
-          <p:cNvPr id="4" name="Rectangle 3"/>
-          <p:cNvSpPr/>
-          <p:nvPr/>
-        </p:nvSpPr>
-        <p:spPr>
-          <a:xfrm>
-            <a:off x="0" y="0"/>
-            <a:ext cx="12192000" cy="6858000"/>
-          </a:xfrm>
-          <a:prstGeom prst="rect">
-            <a:avLst/>
-          </a:prstGeom>
-          <a:solidFill>
-            <a:srgbClr val="CF3338"/>
-          </a:solidFill>
-        </p:spPr>
-        <p:style>
-          <a:lnRef idx="2">
-            <a:schemeClr val="accent1">
-              <a:shade val="50000"/>
-            </a:schemeClr>
-          </a:lnRef>
-          <a:fillRef idx="1">
-            <a:schemeClr val="accent1"/>
-          </a:fillRef>
-          <a:effectRef idx="0">
-            <a:schemeClr val="accent1"/>
-          </a:effectRef>
-          <a:fontRef idx="minor">
-            <a:schemeClr val="lt1"/>
-          </a:fontRef>
-        </p:style>
-        <p:txBody>
-          <a:bodyPr rtlCol="0" anchor="ctr"/>
-          <a:lstStyle/>
-          <a:p>
-            <a:pPr algn="ctr"/>
-            <a:endParaRPr lang="en-US"/>
-          </a:p>
-        </p:txBody>
-      </p:sp>
-      <p:sp>
-        <p:nvSpPr>
-          <p:cNvPr id="5" name="TextBox 4"/>
-          <p:cNvSpPr txBox="1"/>
-          <p:nvPr/>
-        </p:nvSpPr>
-        <p:spPr>
-          <a:xfrm>
-            <a:off x="520861" y="393539"/>
-            <a:ext cx="10324617" cy="1107996"/>
-          </a:xfrm>
-          <a:prstGeom prst="rect">
-            <a:avLst/>
-          </a:prstGeom>
-          <a:noFill/>
-        </p:spPr>
-        <p:txBody>
-          <a:bodyPr wrap="square" rtlCol="0">
-            <a:spAutoFit/>
-          </a:bodyPr>
-          <a:lstStyle/>
-          <a:p>
-            <a:r>
-              <a:rPr lang="en-US" sz="6600" b="1" dirty="0">
-                <a:solidFill>
-                  <a:schemeClr val="bg1"/>
-                </a:solidFill>
-                <a:latin typeface="Pragmatica" pitchFamily="2" charset="0"/>
-              </a:rPr>
-              <a:t>Conclusion/Resources</a:t>
-            </a:r>
-          </a:p>
-        </p:txBody>
-      </p:sp>
-    </p:spTree>
-    <p:extLst>
-      <p:ext uri="{BB962C8B-B14F-4D97-AF65-F5344CB8AC3E}">
-        <p14:creationId xmlns:p14="http://schemas.microsoft.com/office/powerpoint/2010/main" val="2952985971"/>
-      </p:ext>
-    </p:extLst>
-  </p:cSld>
-  <p:clrMapOvr>
-    <a:masterClrMapping/>
-  </p:clrMapOvr>
-</p:sld>
-</file>
-
-<file path=ppt/slides/slide28.xml><?xml version="1.0" encoding="utf-8"?>
+<file path=ppt/slides/slide2.xml><?xml version="1.0" encoding="utf-8"?>
 <p:sld xmlns:a="http://schemas.openxmlformats.org/drawingml/2006/main" xmlns:r="http://schemas.openxmlformats.org/officeDocument/2006/relationships" xmlns:p="http://schemas.openxmlformats.org/presentationml/2006/main">
   <p:cSld>
     <p:spTree>
@@ -12338,7 +8784,7 @@
         <p:spPr>
           <a:xfrm>
             <a:off x="347240" y="113388"/>
-            <a:ext cx="10861534" cy="1015663"/>
+            <a:ext cx="9799937" cy="1015663"/>
           </a:xfrm>
           <a:prstGeom prst="rect">
             <a:avLst/>
@@ -12355,27 +8801,21 @@
               <a:rPr lang="en-US" sz="6000" dirty="0">
                 <a:latin typeface="Aliens &amp; cows" panose="00000500000000000000" pitchFamily="2" charset="0"/>
               </a:rPr>
-              <a:t>Recommended reading</a:t>
-            </a:r>
-          </a:p>
-        </p:txBody>
-      </p:sp>
-      <p:sp>
-        <p:nvSpPr>
-          <p:cNvPr id="4" name="TextBox 3">
-            <a:extLst>
-              <a:ext uri="{FF2B5EF4-FFF2-40B4-BE49-F238E27FC236}">
-                <a16:creationId xmlns:a16="http://schemas.microsoft.com/office/drawing/2014/main" id="{5A4F6C64-3E8D-4255-95B8-CF64265213DA}"/>
-              </a:ext>
-            </a:extLst>
-          </p:cNvPr>
+              <a:t>Learning objectives</a:t>
+            </a:r>
+          </a:p>
+        </p:txBody>
+      </p:sp>
+      <p:sp>
+        <p:nvSpPr>
+          <p:cNvPr id="3" name="TextBox 2"/>
           <p:cNvSpPr txBox="1"/>
           <p:nvPr/>
         </p:nvSpPr>
         <p:spPr>
           <a:xfrm>
-            <a:off x="347240" y="1465093"/>
-            <a:ext cx="8255987" cy="954107"/>
+            <a:off x="462987" y="1365813"/>
+            <a:ext cx="9595413" cy="1384995"/>
           </a:xfrm>
           <a:prstGeom prst="rect">
             <a:avLst/>
@@ -12388,22 +8828,10 @@
           </a:bodyPr>
           <a:lstStyle/>
           <a:p>
-            <a:pPr marL="457200" indent="-457200">
-              <a:buClr>
-                <a:srgbClr val="CF3338"/>
-              </a:buClr>
+            <a:pPr marL="285750" indent="-285750">
               <a:buFont typeface="Arial" panose="020B0604020202020204" pitchFamily="34" charset="0"/>
               <a:buChar char="•"/>
             </a:pPr>
-            <a:r>
-              <a:rPr lang="en-US" sz="2800" i="1" dirty="0">
-                <a:solidFill>
-                  <a:srgbClr val="707070"/>
-                </a:solidFill>
-                <a:latin typeface="Pragmatica" panose="020B0403040502020204" pitchFamily="34" charset="0"/>
-              </a:rPr>
-              <a:t>Advancing into Analytics </a:t>
-            </a:r>
             <a:r>
               <a:rPr lang="en-US" sz="2800" dirty="0">
                 <a:solidFill>
@@ -12411,27 +8839,14 @@
                 </a:solidFill>
                 <a:latin typeface="Pragmatica" panose="020B0403040502020204" pitchFamily="34" charset="0"/>
               </a:rPr>
-              <a:t>by George Mount</a:t>
-            </a:r>
-          </a:p>
-          <a:p>
-            <a:pPr marL="914400" lvl="1" indent="-457200">
-              <a:buClr>
-                <a:srgbClr val="CF3338"/>
-              </a:buClr>
+              <a:t>What is the analytics stack? </a:t>
+            </a:r>
+          </a:p>
+          <a:p>
+            <a:pPr marL="285750" indent="-285750">
               <a:buFont typeface="Arial" panose="020B0604020202020204" pitchFamily="34" charset="0"/>
               <a:buChar char="•"/>
             </a:pPr>
-            <a:r>
-              <a:rPr lang="en-US" sz="2800" dirty="0">
-                <a:solidFill>
-                  <a:srgbClr val="707070"/>
-                </a:solidFill>
-                <a:latin typeface="Pragmatica" panose="020B0403040502020204" pitchFamily="34" charset="0"/>
-                <a:hlinkClick r:id="rId4"/>
-              </a:rPr>
-              <a:t>georgejmount.com/book</a:t>
-            </a:r>
             <a:r>
               <a:rPr lang="en-US" sz="2800" dirty="0">
                 <a:solidFill>
@@ -12439,270 +8854,14 @@
                 </a:solidFill>
                 <a:latin typeface="Pragmatica" panose="020B0403040502020204" pitchFamily="34" charset="0"/>
               </a:rPr>
-              <a:t>    </a:t>
-            </a:r>
-          </a:p>
-        </p:txBody>
-      </p:sp>
-      <p:pic>
-        <p:nvPicPr>
-          <p:cNvPr id="4098" name="Picture 2" descr="Advancing into Analytics Cover Image">
-            <a:extLst>
-              <a:ext uri="{FF2B5EF4-FFF2-40B4-BE49-F238E27FC236}">
-                <a16:creationId xmlns:a16="http://schemas.microsoft.com/office/drawing/2014/main" id="{58958D3C-C4DB-4EBB-9EE6-AA9672AA9979}"/>
-              </a:ext>
-            </a:extLst>
-          </p:cNvPr>
-          <p:cNvPicPr>
-            <a:picLocks noChangeAspect="1" noChangeArrowheads="1"/>
-          </p:cNvPicPr>
-          <p:nvPr/>
-        </p:nvPicPr>
-        <p:blipFill>
-          <a:blip r:embed="rId5">
-            <a:extLst>
-              <a:ext uri="{28A0092B-C50C-407E-A947-70E740481C1C}">
-                <a14:useLocalDpi xmlns:a14="http://schemas.microsoft.com/office/drawing/2010/main" val="0"/>
-              </a:ext>
-            </a:extLst>
-          </a:blip>
-          <a:srcRect/>
-          <a:stretch>
-            <a:fillRect/>
-          </a:stretch>
-        </p:blipFill>
-        <p:spPr bwMode="auto">
-          <a:xfrm>
-            <a:off x="8322631" y="1804894"/>
-            <a:ext cx="3869369" cy="5053106"/>
-          </a:xfrm>
-          <a:prstGeom prst="rect">
-            <a:avLst/>
-          </a:prstGeom>
-          <a:noFill/>
-          <a:extLst>
-            <a:ext uri="{909E8E84-426E-40DD-AFC4-6F175D3DCCD1}">
-              <a14:hiddenFill xmlns:a14="http://schemas.microsoft.com/office/drawing/2010/main">
-                <a:solidFill>
-                  <a:srgbClr val="FFFFFF"/>
-                </a:solidFill>
-              </a14:hiddenFill>
-            </a:ext>
-          </a:extLst>
-        </p:spPr>
-      </p:pic>
-      <p:sp>
-        <p:nvSpPr>
-          <p:cNvPr id="2" name="Rectangle 1">
-            <a:extLst>
-              <a:ext uri="{FF2B5EF4-FFF2-40B4-BE49-F238E27FC236}">
-                <a16:creationId xmlns:a16="http://schemas.microsoft.com/office/drawing/2014/main" id="{6681DC4C-77BB-4A7B-909D-F6A177016ADE}"/>
-              </a:ext>
-            </a:extLst>
-          </p:cNvPr>
-          <p:cNvSpPr/>
-          <p:nvPr/>
-        </p:nvSpPr>
-        <p:spPr>
-          <a:xfrm>
-            <a:off x="400424" y="3162573"/>
-            <a:ext cx="7697694" cy="2062103"/>
-          </a:xfrm>
-          <a:prstGeom prst="rect">
-            <a:avLst/>
-          </a:prstGeom>
-        </p:spPr>
-        <p:txBody>
-          <a:bodyPr wrap="square">
-            <a:spAutoFit/>
-          </a:bodyPr>
-          <a:lstStyle/>
-          <a:p>
-            <a:pPr>
-              <a:buClr>
-                <a:srgbClr val="CF3338"/>
-              </a:buClr>
-            </a:pPr>
-            <a:r>
-              <a:rPr lang="en-US" sz="3200" i="1" dirty="0">
-                <a:solidFill>
-                  <a:srgbClr val="707070"/>
-                </a:solidFill>
-                <a:latin typeface="Pragmatica" panose="020B0403040502020204" pitchFamily="34" charset="0"/>
-              </a:rPr>
-              <a:t>By the end of this book, you should be able to conduct exploratory data analysis and</a:t>
-            </a:r>
-          </a:p>
-          <a:p>
-            <a:pPr>
-              <a:buClr>
-                <a:srgbClr val="CF3338"/>
-              </a:buClr>
-            </a:pPr>
-            <a:r>
-              <a:rPr lang="en-US" sz="3200" i="1" dirty="0">
-                <a:solidFill>
-                  <a:srgbClr val="707070"/>
-                </a:solidFill>
-                <a:latin typeface="Pragmatica" panose="020B0403040502020204" pitchFamily="34" charset="0"/>
-              </a:rPr>
-              <a:t>hypothesis testing using a programming language.</a:t>
-            </a:r>
-          </a:p>
-        </p:txBody>
-      </p:sp>
-    </p:spTree>
-    <p:extLst>
-      <p:ext uri="{BB962C8B-B14F-4D97-AF65-F5344CB8AC3E}">
-        <p14:creationId xmlns:p14="http://schemas.microsoft.com/office/powerpoint/2010/main" val="3327978876"/>
-      </p:ext>
-    </p:extLst>
-  </p:cSld>
-  <p:clrMapOvr>
-    <a:masterClrMapping/>
-  </p:clrMapOvr>
-</p:sld>
-</file>
-
-<file path=ppt/slides/slide29.xml><?xml version="1.0" encoding="utf-8"?>
-<p:sld xmlns:a="http://schemas.openxmlformats.org/drawingml/2006/main" xmlns:r="http://schemas.openxmlformats.org/officeDocument/2006/relationships" xmlns:p="http://schemas.openxmlformats.org/presentationml/2006/main">
-  <p:cSld>
-    <p:spTree>
-      <p:nvGrpSpPr>
-        <p:cNvPr id="1" name=""/>
-        <p:cNvGrpSpPr/>
-        <p:nvPr/>
-      </p:nvGrpSpPr>
-      <p:grpSpPr>
-        <a:xfrm>
-          <a:off x="0" y="0"/>
-          <a:ext cx="0" cy="0"/>
-          <a:chOff x="0" y="0"/>
-          <a:chExt cx="0" cy="0"/>
-        </a:xfrm>
-      </p:grpSpPr>
-      <p:pic>
-        <p:nvPicPr>
-          <p:cNvPr id="10" name="Picture 9"/>
-          <p:cNvPicPr>
-            <a:picLocks noChangeAspect="1"/>
-          </p:cNvPicPr>
-          <p:nvPr/>
-        </p:nvPicPr>
-        <p:blipFill rotWithShape="1">
-          <a:blip r:embed="rId2">
-            <a:extLst>
-              <a:ext uri="{28A0092B-C50C-407E-A947-70E740481C1C}">
-                <a14:useLocalDpi xmlns:a14="http://schemas.microsoft.com/office/drawing/2010/main" val="0"/>
-              </a:ext>
-            </a:extLst>
-          </a:blip>
-          <a:srcRect l="50728" t="56371"/>
-          <a:stretch/>
-        </p:blipFill>
-        <p:spPr>
-          <a:xfrm>
-            <a:off x="10894024" y="5370653"/>
-            <a:ext cx="1297975" cy="1487348"/>
-          </a:xfrm>
-          <a:prstGeom prst="rect">
-            <a:avLst/>
-          </a:prstGeom>
-        </p:spPr>
-      </p:pic>
-      <p:sp>
-        <p:nvSpPr>
-          <p:cNvPr id="11" name="TextBox 10"/>
-          <p:cNvSpPr txBox="1"/>
-          <p:nvPr/>
-        </p:nvSpPr>
-        <p:spPr>
-          <a:xfrm>
-            <a:off x="347240" y="113388"/>
-            <a:ext cx="10861534" cy="1015663"/>
-          </a:xfrm>
-          <a:prstGeom prst="rect">
-            <a:avLst/>
-          </a:prstGeom>
-          <a:noFill/>
-        </p:spPr>
-        <p:txBody>
-          <a:bodyPr wrap="square" rtlCol="0">
-            <a:spAutoFit/>
-          </a:bodyPr>
-          <a:lstStyle/>
-          <a:p>
-            <a:r>
-              <a:rPr lang="en-US" sz="6000" dirty="0">
-                <a:latin typeface="Aliens &amp; cows" panose="00000500000000000000" pitchFamily="2" charset="0"/>
-              </a:rPr>
-              <a:t>After that…</a:t>
-            </a:r>
-          </a:p>
-        </p:txBody>
-      </p:sp>
-      <p:sp>
-        <p:nvSpPr>
-          <p:cNvPr id="4" name="TextBox 3">
-            <a:extLst>
-              <a:ext uri="{FF2B5EF4-FFF2-40B4-BE49-F238E27FC236}">
-                <a16:creationId xmlns:a16="http://schemas.microsoft.com/office/drawing/2014/main" id="{5A4F6C64-3E8D-4255-95B8-CF64265213DA}"/>
-              </a:ext>
-            </a:extLst>
-          </p:cNvPr>
-          <p:cNvSpPr txBox="1"/>
-          <p:nvPr/>
-        </p:nvSpPr>
-        <p:spPr>
-          <a:xfrm>
-            <a:off x="347240" y="1465093"/>
-            <a:ext cx="8255987" cy="2246769"/>
-          </a:xfrm>
-          <a:prstGeom prst="rect">
-            <a:avLst/>
-          </a:prstGeom>
-          <a:noFill/>
-        </p:spPr>
-        <p:txBody>
-          <a:bodyPr wrap="square" rtlCol="0">
-            <a:spAutoFit/>
-          </a:bodyPr>
-          <a:lstStyle/>
-          <a:p>
-            <a:pPr marL="457200" indent="-457200">
-              <a:buClr>
-                <a:srgbClr val="CF3338"/>
-              </a:buClr>
+              <a:t>How does Python fit into Microsoft’s? </a:t>
+            </a:r>
+          </a:p>
+          <a:p>
+            <a:pPr marL="285750" indent="-285750">
               <a:buFont typeface="Arial" panose="020B0604020202020204" pitchFamily="34" charset="0"/>
               <a:buChar char="•"/>
             </a:pPr>
-            <a:r>
-              <a:rPr lang="en-US" sz="2800" i="1" dirty="0">
-                <a:solidFill>
-                  <a:srgbClr val="707070"/>
-                </a:solidFill>
-                <a:latin typeface="Pragmatica" panose="020B0403040502020204" pitchFamily="34" charset="0"/>
-              </a:rPr>
-              <a:t>R for Data Science </a:t>
-            </a:r>
-            <a:r>
-              <a:rPr lang="en-US" sz="2800" dirty="0">
-                <a:solidFill>
-                  <a:srgbClr val="707070"/>
-                </a:solidFill>
-                <a:latin typeface="Pragmatica" panose="020B0403040502020204" pitchFamily="34" charset="0"/>
-              </a:rPr>
-              <a:t>by Hadley Wickham and Garrett </a:t>
-            </a:r>
-            <a:r>
-              <a:rPr lang="en-US" sz="2800" dirty="0" err="1">
-                <a:solidFill>
-                  <a:srgbClr val="707070"/>
-                </a:solidFill>
-                <a:latin typeface="Pragmatica" panose="020B0403040502020204" pitchFamily="34" charset="0"/>
-              </a:rPr>
-              <a:t>Grolemund</a:t>
-            </a:r>
             <a:endParaRPr lang="en-US" sz="2800" dirty="0">
               <a:solidFill>
                 <a:srgbClr val="707070"/>
@@ -12710,102 +8869,12 @@
               <a:latin typeface="Pragmatica" panose="020B0403040502020204" pitchFamily="34" charset="0"/>
             </a:endParaRPr>
           </a:p>
-          <a:p>
-            <a:pPr marL="457200" indent="-457200">
-              <a:buClr>
-                <a:srgbClr val="CF3338"/>
-              </a:buClr>
-              <a:buFont typeface="Arial" panose="020B0604020202020204" pitchFamily="34" charset="0"/>
-              <a:buChar char="•"/>
-            </a:pPr>
-            <a:r>
-              <a:rPr lang="en-US" sz="2800" i="1" dirty="0">
-                <a:solidFill>
-                  <a:srgbClr val="707070"/>
-                </a:solidFill>
-                <a:latin typeface="Pragmatica" panose="020B0403040502020204" pitchFamily="34" charset="0"/>
-              </a:rPr>
-              <a:t>Python for Data Analysis</a:t>
-            </a:r>
-            <a:r>
-              <a:rPr lang="en-US" sz="2800" dirty="0">
-                <a:solidFill>
-                  <a:srgbClr val="707070"/>
-                </a:solidFill>
-                <a:latin typeface="Pragmatica" panose="020B0403040502020204" pitchFamily="34" charset="0"/>
-              </a:rPr>
-              <a:t>, 2</a:t>
-            </a:r>
-            <a:r>
-              <a:rPr lang="en-US" sz="2800" baseline="30000" dirty="0">
-                <a:solidFill>
-                  <a:srgbClr val="707070"/>
-                </a:solidFill>
-                <a:latin typeface="Pragmatica" panose="020B0403040502020204" pitchFamily="34" charset="0"/>
-              </a:rPr>
-              <a:t>nd</a:t>
-            </a:r>
-            <a:r>
-              <a:rPr lang="en-US" sz="2800" dirty="0">
-                <a:solidFill>
-                  <a:srgbClr val="707070"/>
-                </a:solidFill>
-                <a:latin typeface="Pragmatica" panose="020B0403040502020204" pitchFamily="34" charset="0"/>
-              </a:rPr>
-              <a:t> Edition by Wes McKinney</a:t>
-            </a:r>
-          </a:p>
-          <a:p>
-            <a:pPr marL="457200" indent="-457200">
-              <a:buClr>
-                <a:srgbClr val="CF3338"/>
-              </a:buClr>
-              <a:buFont typeface="Arial" panose="020B0604020202020204" pitchFamily="34" charset="0"/>
-              <a:buChar char="•"/>
-            </a:pPr>
-            <a:r>
-              <a:rPr lang="en-US" sz="2800" i="1" dirty="0">
-                <a:solidFill>
-                  <a:srgbClr val="707070"/>
-                </a:solidFill>
-                <a:latin typeface="Pragmatica" panose="020B0403040502020204" pitchFamily="34" charset="0"/>
-              </a:rPr>
-              <a:t>Python for Excel </a:t>
-            </a:r>
-            <a:r>
-              <a:rPr lang="en-US" sz="2800" dirty="0">
-                <a:solidFill>
-                  <a:srgbClr val="707070"/>
-                </a:solidFill>
-                <a:latin typeface="Pragmatica" panose="020B0403040502020204" pitchFamily="34" charset="0"/>
-              </a:rPr>
-              <a:t>by Felix </a:t>
-            </a:r>
-            <a:r>
-              <a:rPr lang="en-US" sz="2800" dirty="0" err="1">
-                <a:solidFill>
-                  <a:srgbClr val="707070"/>
-                </a:solidFill>
-                <a:latin typeface="Pragmatica" panose="020B0403040502020204" pitchFamily="34" charset="0"/>
-              </a:rPr>
-              <a:t>Zumstein</a:t>
-            </a:r>
-            <a:r>
-              <a:rPr lang="en-US" sz="2800" dirty="0">
-                <a:solidFill>
-                  <a:srgbClr val="707070"/>
-                </a:solidFill>
-                <a:latin typeface="Pragmatica" panose="020B0403040502020204" pitchFamily="34" charset="0"/>
-              </a:rPr>
-              <a:t> </a:t>
-            </a:r>
-          </a:p>
         </p:txBody>
       </p:sp>
     </p:spTree>
     <p:extLst>
       <p:ext uri="{BB962C8B-B14F-4D97-AF65-F5344CB8AC3E}">
-        <p14:creationId xmlns:p14="http://schemas.microsoft.com/office/powerpoint/2010/main" val="2249534705"/>
+        <p14:creationId xmlns:p14="http://schemas.microsoft.com/office/powerpoint/2010/main" val="1144046251"/>
       </p:ext>
     </p:extLst>
   </p:cSld>
@@ -12887,21 +8956,63 @@
               <a:rPr lang="en-US" sz="6000" dirty="0">
                 <a:latin typeface="Aliens &amp; cows" panose="00000500000000000000" pitchFamily="2" charset="0"/>
               </a:rPr>
-              <a:t>Learning objectives</a:t>
-            </a:r>
-          </a:p>
-        </p:txBody>
-      </p:sp>
-      <p:sp>
-        <p:nvSpPr>
-          <p:cNvPr id="3" name="TextBox 2"/>
+              <a:t>The data analytics stack</a:t>
+            </a:r>
+          </a:p>
+        </p:txBody>
+      </p:sp>
+      <p:pic>
+        <p:nvPicPr>
+          <p:cNvPr id="4" name="Picture 3" descr="Diagram, text&#10;&#10;Description automatically generated">
+            <a:extLst>
+              <a:ext uri="{FF2B5EF4-FFF2-40B4-BE49-F238E27FC236}">
+                <a16:creationId xmlns:a16="http://schemas.microsoft.com/office/drawing/2014/main" id="{69888AE4-E6A5-42EE-8C41-9647CFF76E35}"/>
+              </a:ext>
+            </a:extLst>
+          </p:cNvPr>
+          <p:cNvPicPr>
+            <a:picLocks noChangeAspect="1"/>
+          </p:cNvPicPr>
+          <p:nvPr/>
+        </p:nvPicPr>
+        <p:blipFill>
+          <a:blip r:embed="rId4">
+            <a:extLst>
+              <a:ext uri="{28A0092B-C50C-407E-A947-70E740481C1C}">
+                <a14:useLocalDpi xmlns:a14="http://schemas.microsoft.com/office/drawing/2010/main" val="0"/>
+              </a:ext>
+            </a:extLst>
+          </a:blip>
+          <a:stretch>
+            <a:fillRect/>
+          </a:stretch>
+        </p:blipFill>
+        <p:spPr>
+          <a:xfrm>
+            <a:off x="1929935" y="1777154"/>
+            <a:ext cx="8555449" cy="4024138"/>
+          </a:xfrm>
+          <a:prstGeom prst="rect">
+            <a:avLst/>
+          </a:prstGeom>
+        </p:spPr>
+      </p:pic>
+      <p:sp>
+        <p:nvSpPr>
+          <p:cNvPr id="7" name="TextBox 6">
+            <a:extLst>
+              <a:ext uri="{FF2B5EF4-FFF2-40B4-BE49-F238E27FC236}">
+                <a16:creationId xmlns:a16="http://schemas.microsoft.com/office/drawing/2014/main" id="{CFAB272F-EC83-45BA-935F-DFBF5407D2B6}"/>
+              </a:ext>
+            </a:extLst>
+          </p:cNvPr>
           <p:cNvSpPr txBox="1"/>
           <p:nvPr/>
         </p:nvSpPr>
         <p:spPr>
           <a:xfrm>
-            <a:off x="462987" y="1365813"/>
-            <a:ext cx="9595413" cy="1815882"/>
+            <a:off x="261704" y="6114327"/>
+            <a:ext cx="9493446" cy="369332"/>
           </a:xfrm>
           <a:prstGeom prst="rect">
             <a:avLst/>
@@ -12914,60 +9025,46 @@
           </a:bodyPr>
           <a:lstStyle/>
           <a:p>
-            <a:pPr marL="285750" indent="-285750">
-              <a:buFont typeface="Arial" panose="020B0604020202020204" pitchFamily="34" charset="0"/>
-              <a:buChar char="•"/>
-            </a:pPr>
-            <a:r>
-              <a:rPr lang="en-US" sz="2800" dirty="0">
+            <a:r>
+              <a:rPr lang="en-US" dirty="0">
                 <a:solidFill>
-                  <a:srgbClr val="707070"/>
+                  <a:schemeClr val="bg1">
+                    <a:lumMod val="50000"/>
+                  </a:schemeClr>
                 </a:solidFill>
-                <a:latin typeface="Pragmatica" panose="020B0403040502020204" pitchFamily="34" charset="0"/>
+                <a:latin typeface="Pragmatica" pitchFamily="2" charset="0"/>
               </a:rPr>
-              <a:t>Situate Excel in the data analytics stack</a:t>
-            </a:r>
-          </a:p>
-          <a:p>
-            <a:pPr marL="285750" indent="-285750">
-              <a:buFont typeface="Arial" panose="020B0604020202020204" pitchFamily="34" charset="0"/>
-              <a:buChar char="•"/>
-            </a:pPr>
-            <a:r>
-              <a:rPr lang="en-US" sz="2800" dirty="0">
+              <a:t>Mount, George. </a:t>
+            </a:r>
+            <a:r>
+              <a:rPr lang="en-US" i="1" dirty="0">
                 <a:solidFill>
-                  <a:srgbClr val="707070"/>
+                  <a:schemeClr val="bg1">
+                    <a:lumMod val="50000"/>
+                  </a:schemeClr>
                 </a:solidFill>
-                <a:latin typeface="Pragmatica" panose="020B0403040502020204" pitchFamily="34" charset="0"/>
+                <a:latin typeface="Pragmatica" pitchFamily="2" charset="0"/>
               </a:rPr>
-              <a:t>Chart a clear learning path from Excel to R and Python</a:t>
-            </a:r>
-          </a:p>
-          <a:p>
-            <a:pPr marL="285750" indent="-285750">
-              <a:buFont typeface="Arial" panose="020B0604020202020204" pitchFamily="34" charset="0"/>
-              <a:buChar char="•"/>
-            </a:pPr>
-            <a:r>
-              <a:rPr lang="en-US" sz="2800" dirty="0">
+              <a:t>Advancing into Analytics: From Excel to Python and R</a:t>
+            </a:r>
+            <a:r>
+              <a:rPr lang="en-US" dirty="0">
                 <a:solidFill>
-                  <a:srgbClr val="707070"/>
+                  <a:schemeClr val="bg1">
+                    <a:lumMod val="50000"/>
+                  </a:schemeClr>
                 </a:solidFill>
-                <a:latin typeface="Pragmatica" panose="020B0403040502020204" pitchFamily="34" charset="0"/>
+                <a:latin typeface="Pragmatica" pitchFamily="2" charset="0"/>
               </a:rPr>
-              <a:t>Demonstrate tangible use cases for combining these tools</a:t>
-            </a:r>
-          </a:p>
-          <a:p>
-            <a:pPr marL="285750" indent="-285750">
-              <a:buFont typeface="Arial" panose="020B0604020202020204" pitchFamily="34" charset="0"/>
-              <a:buChar char="•"/>
-            </a:pPr>
-            <a:endParaRPr lang="en-US" sz="2800" dirty="0">
+              <a:t>. O’Reilly Media, 2021</a:t>
+            </a:r>
+            <a:endParaRPr lang="en-US" i="1" dirty="0">
               <a:solidFill>
-                <a:srgbClr val="707070"/>
+                <a:schemeClr val="bg1">
+                  <a:lumMod val="50000"/>
+                </a:schemeClr>
               </a:solidFill>
-              <a:latin typeface="Pragmatica" panose="020B0403040502020204" pitchFamily="34" charset="0"/>
+              <a:latin typeface="Pragmatica" pitchFamily="2" charset="0"/>
             </a:endParaRPr>
           </a:p>
         </p:txBody>
@@ -12975,7 +9072,7 @@
     </p:spTree>
     <p:extLst>
       <p:ext uri="{BB962C8B-B14F-4D97-AF65-F5344CB8AC3E}">
-        <p14:creationId xmlns:p14="http://schemas.microsoft.com/office/powerpoint/2010/main" val="1144046251"/>
+        <p14:creationId xmlns:p14="http://schemas.microsoft.com/office/powerpoint/2010/main" val="3729633991"/>
       </p:ext>
     </p:extLst>
   </p:cSld>
@@ -12985,7 +9082,7 @@
 </p:sld>
 </file>
 
-<file path=ppt/slides/slide30.xml><?xml version="1.0" encoding="utf-8"?>
+<file path=ppt/slides/slide4.xml><?xml version="1.0" encoding="utf-8"?>
 <p:sld xmlns:a="http://schemas.openxmlformats.org/drawingml/2006/main" xmlns:r="http://schemas.openxmlformats.org/officeDocument/2006/relationships" xmlns:p="http://schemas.openxmlformats.org/presentationml/2006/main">
   <p:cSld>
     <p:spTree>
@@ -13002,45 +9099,59 @@
           <a:chExt cx="0" cy="0"/>
         </a:xfrm>
       </p:grpSpPr>
-      <p:pic>
-        <p:nvPicPr>
-          <p:cNvPr id="10" name="Picture 9"/>
-          <p:cNvPicPr>
-            <a:picLocks noChangeAspect="1"/>
-          </p:cNvPicPr>
+      <p:sp>
+        <p:nvSpPr>
+          <p:cNvPr id="4" name="Rectangle 3"/>
+          <p:cNvSpPr/>
           <p:nvPr/>
-        </p:nvPicPr>
-        <p:blipFill rotWithShape="1">
-          <a:blip r:embed="rId2">
-            <a:extLst>
-              <a:ext uri="{28A0092B-C50C-407E-A947-70E740481C1C}">
-                <a14:useLocalDpi xmlns:a14="http://schemas.microsoft.com/office/drawing/2010/main" val="0"/>
-              </a:ext>
-            </a:extLst>
-          </a:blip>
-          <a:srcRect l="50728" t="56371"/>
-          <a:stretch/>
-        </p:blipFill>
+        </p:nvSpPr>
         <p:spPr>
           <a:xfrm>
-            <a:off x="10894024" y="5370653"/>
-            <a:ext cx="1297975" cy="1487348"/>
+            <a:off x="0" y="0"/>
+            <a:ext cx="12192000" cy="6858000"/>
           </a:xfrm>
           <a:prstGeom prst="rect">
             <a:avLst/>
           </a:prstGeom>
+          <a:solidFill>
+            <a:srgbClr val="CF3338"/>
+          </a:solidFill>
         </p:spPr>
-      </p:pic>
-      <p:sp>
-        <p:nvSpPr>
-          <p:cNvPr id="11" name="TextBox 10"/>
+        <p:style>
+          <a:lnRef idx="2">
+            <a:schemeClr val="accent1">
+              <a:shade val="50000"/>
+            </a:schemeClr>
+          </a:lnRef>
+          <a:fillRef idx="1">
+            <a:schemeClr val="accent1"/>
+          </a:fillRef>
+          <a:effectRef idx="0">
+            <a:schemeClr val="accent1"/>
+          </a:effectRef>
+          <a:fontRef idx="minor">
+            <a:schemeClr val="lt1"/>
+          </a:fontRef>
+        </p:style>
+        <p:txBody>
+          <a:bodyPr rtlCol="0" anchor="ctr"/>
+          <a:lstStyle/>
+          <a:p>
+            <a:pPr algn="ctr"/>
+            <a:endParaRPr lang="en-US"/>
+          </a:p>
+        </p:txBody>
+      </p:sp>
+      <p:sp>
+        <p:nvSpPr>
+          <p:cNvPr id="5" name="TextBox 4"/>
           <p:cNvSpPr txBox="1"/>
           <p:nvPr/>
         </p:nvSpPr>
         <p:spPr>
           <a:xfrm>
-            <a:off x="347240" y="113388"/>
-            <a:ext cx="10861534" cy="1015663"/>
+            <a:off x="520861" y="393539"/>
+            <a:ext cx="10324617" cy="1107996"/>
           </a:xfrm>
           <a:prstGeom prst="rect">
             <a:avLst/>
@@ -13054,93 +9165,13 @@
           <a:lstStyle/>
           <a:p>
             <a:r>
-              <a:rPr lang="en-US" sz="6000" dirty="0">
-                <a:latin typeface="Aliens &amp; cows" panose="00000500000000000000" pitchFamily="2" charset="0"/>
+              <a:rPr lang="en-US" sz="6600" b="1" dirty="0">
+                <a:solidFill>
+                  <a:schemeClr val="bg1"/>
+                </a:solidFill>
+                <a:latin typeface="Pragmatica" pitchFamily="2" charset="0"/>
               </a:rPr>
-              <a:t>Get in touch</a:t>
-            </a:r>
-          </a:p>
-        </p:txBody>
-      </p:sp>
-      <p:sp>
-        <p:nvSpPr>
-          <p:cNvPr id="4" name="TextBox 3">
-            <a:extLst>
-              <a:ext uri="{FF2B5EF4-FFF2-40B4-BE49-F238E27FC236}">
-                <a16:creationId xmlns:a16="http://schemas.microsoft.com/office/drawing/2014/main" id="{5A4F6C64-3E8D-4255-95B8-CF64265213DA}"/>
-              </a:ext>
-            </a:extLst>
-          </p:cNvPr>
-          <p:cNvSpPr txBox="1"/>
-          <p:nvPr/>
-        </p:nvSpPr>
-        <p:spPr>
-          <a:xfrm>
-            <a:off x="347239" y="1424949"/>
-            <a:ext cx="6352413" cy="1384995"/>
-          </a:xfrm>
-          <a:prstGeom prst="rect">
-            <a:avLst/>
-          </a:prstGeom>
-          <a:noFill/>
-        </p:spPr>
-        <p:txBody>
-          <a:bodyPr wrap="square" rtlCol="0">
-            <a:spAutoFit/>
-          </a:bodyPr>
-          <a:lstStyle/>
-          <a:p>
-            <a:pPr marL="514350" indent="-514350">
-              <a:buClr>
-                <a:srgbClr val="CF3338"/>
-              </a:buClr>
-              <a:buFont typeface="Arial" panose="020B0604020202020204" pitchFamily="34" charset="0"/>
-              <a:buChar char="•"/>
-            </a:pPr>
-            <a:r>
-              <a:rPr lang="en-US" sz="2800" dirty="0">
-                <a:solidFill>
-                  <a:srgbClr val="707070"/>
-                </a:solidFill>
-                <a:latin typeface="Pragmatica" panose="020B0403040502020204" pitchFamily="34" charset="0"/>
-              </a:rPr>
-              <a:t>george@stringfestanalytics.com</a:t>
-            </a:r>
-          </a:p>
-          <a:p>
-            <a:pPr marL="514350" indent="-514350">
-              <a:buClr>
-                <a:srgbClr val="CF3338"/>
-              </a:buClr>
-              <a:buFont typeface="Arial" panose="020B0604020202020204" pitchFamily="34" charset="0"/>
-              <a:buChar char="•"/>
-            </a:pPr>
-            <a:r>
-              <a:rPr lang="en-US" sz="2800" dirty="0">
-                <a:solidFill>
-                  <a:srgbClr val="707070"/>
-                </a:solidFill>
-                <a:latin typeface="Pragmatica" panose="020B0403040502020204" pitchFamily="34" charset="0"/>
-              </a:rPr>
-              <a:t>stringfestanalytics.com/book</a:t>
-            </a:r>
-          </a:p>
-          <a:p>
-            <a:pPr marL="514350" indent="-514350">
-              <a:buClr>
-                <a:srgbClr val="CF3338"/>
-              </a:buClr>
-              <a:buFont typeface="Arial" panose="020B0604020202020204" pitchFamily="34" charset="0"/>
-              <a:buChar char="•"/>
-            </a:pPr>
-            <a:r>
-              <a:rPr lang="en-US" sz="2800" dirty="0">
-                <a:solidFill>
-                  <a:srgbClr val="707070"/>
-                </a:solidFill>
-                <a:latin typeface="Pragmatica" panose="020B0403040502020204" pitchFamily="34" charset="0"/>
-              </a:rPr>
-              <a:t>linkedin.com/in/gjmount  </a:t>
+              <a:t>Python-Powered Excel</a:t>
             </a:r>
           </a:p>
         </p:txBody>
@@ -13148,7 +9179,7 @@
     </p:spTree>
     <p:extLst>
       <p:ext uri="{BB962C8B-B14F-4D97-AF65-F5344CB8AC3E}">
-        <p14:creationId xmlns:p14="http://schemas.microsoft.com/office/powerpoint/2010/main" val="1370879176"/>
+        <p14:creationId xmlns:p14="http://schemas.microsoft.com/office/powerpoint/2010/main" val="2798999609"/>
       </p:ext>
     </p:extLst>
   </p:cSld>
@@ -13158,149 +9189,7 @@
 </p:sld>
 </file>
 
-<file path=ppt/slides/slide31.xml><?xml version="1.0" encoding="utf-8"?>
-<p:sld xmlns:a="http://schemas.openxmlformats.org/drawingml/2006/main" xmlns:r="http://schemas.openxmlformats.org/officeDocument/2006/relationships" xmlns:p="http://schemas.openxmlformats.org/presentationml/2006/main">
-  <p:cSld>
-    <p:spTree>
-      <p:nvGrpSpPr>
-        <p:cNvPr id="1" name=""/>
-        <p:cNvGrpSpPr/>
-        <p:nvPr/>
-      </p:nvGrpSpPr>
-      <p:grpSpPr>
-        <a:xfrm>
-          <a:off x="0" y="0"/>
-          <a:ext cx="0" cy="0"/>
-          <a:chOff x="0" y="0"/>
-          <a:chExt cx="0" cy="0"/>
-        </a:xfrm>
-      </p:grpSpPr>
-      <p:pic>
-        <p:nvPicPr>
-          <p:cNvPr id="10" name="Picture 9"/>
-          <p:cNvPicPr>
-            <a:picLocks noChangeAspect="1"/>
-          </p:cNvPicPr>
-          <p:nvPr/>
-        </p:nvPicPr>
-        <p:blipFill rotWithShape="1">
-          <a:blip r:embed="rId2">
-            <a:extLst>
-              <a:ext uri="{28A0092B-C50C-407E-A947-70E740481C1C}">
-                <a14:useLocalDpi xmlns:a14="http://schemas.microsoft.com/office/drawing/2010/main" val="0"/>
-              </a:ext>
-            </a:extLst>
-          </a:blip>
-          <a:srcRect l="50728" t="56371"/>
-          <a:stretch/>
-        </p:blipFill>
-        <p:spPr>
-          <a:xfrm>
-            <a:off x="8136460" y="2210765"/>
-            <a:ext cx="4055539" cy="4647236"/>
-          </a:xfrm>
-          <a:prstGeom prst="rect">
-            <a:avLst/>
-          </a:prstGeom>
-        </p:spPr>
-      </p:pic>
-      <p:pic>
-        <p:nvPicPr>
-          <p:cNvPr id="4" name="Picture 3"/>
-          <p:cNvPicPr>
-            <a:picLocks noChangeAspect="1"/>
-          </p:cNvPicPr>
-          <p:nvPr/>
-        </p:nvPicPr>
-        <p:blipFill>
-          <a:blip r:embed="rId3">
-            <a:extLst>
-              <a:ext uri="{28A0092B-C50C-407E-A947-70E740481C1C}">
-                <a14:useLocalDpi xmlns:a14="http://schemas.microsoft.com/office/drawing/2010/main" val="0"/>
-              </a:ext>
-            </a:extLst>
-          </a:blip>
-          <a:stretch>
-            <a:fillRect/>
-          </a:stretch>
-        </p:blipFill>
-        <p:spPr>
-          <a:xfrm>
-            <a:off x="-538496" y="-2482770"/>
-            <a:ext cx="10171472" cy="7459883"/>
-          </a:xfrm>
-          <a:prstGeom prst="rect">
-            <a:avLst/>
-          </a:prstGeom>
-        </p:spPr>
-      </p:pic>
-      <p:sp>
-        <p:nvSpPr>
-          <p:cNvPr id="11" name="TextBox 10"/>
-          <p:cNvSpPr txBox="1"/>
-          <p:nvPr/>
-        </p:nvSpPr>
-        <p:spPr>
-          <a:xfrm>
-            <a:off x="324091" y="1687545"/>
-            <a:ext cx="7986531" cy="1384995"/>
-          </a:xfrm>
-          <a:prstGeom prst="rect">
-            <a:avLst/>
-          </a:prstGeom>
-          <a:noFill/>
-        </p:spPr>
-        <p:txBody>
-          <a:bodyPr wrap="square" rtlCol="0">
-            <a:spAutoFit/>
-          </a:bodyPr>
-          <a:lstStyle/>
-          <a:p>
-            <a:r>
-              <a:rPr lang="en-US" sz="2800" b="1" dirty="0">
-                <a:solidFill>
-                  <a:srgbClr val="707070"/>
-                </a:solidFill>
-                <a:latin typeface="Pragmatica" panose="020B0403040502020204" pitchFamily="34" charset="0"/>
-              </a:rPr>
-              <a:t>Questions?</a:t>
-            </a:r>
-          </a:p>
-          <a:p>
-            <a:endParaRPr lang="en-US" sz="2800" b="1" dirty="0">
-              <a:solidFill>
-                <a:srgbClr val="707070"/>
-              </a:solidFill>
-              <a:latin typeface="Pragmatica" panose="020B0403040502020204" pitchFamily="34" charset="0"/>
-            </a:endParaRPr>
-          </a:p>
-          <a:p>
-            <a:r>
-              <a:rPr lang="en-US" sz="2800" b="1" i="1" dirty="0">
-                <a:solidFill>
-                  <a:srgbClr val="707070"/>
-                </a:solidFill>
-                <a:latin typeface="Pragmatica" panose="020B0403040502020204" pitchFamily="34" charset="0"/>
-              </a:rPr>
-              <a:t>Who wants to win a book?</a:t>
-            </a:r>
-          </a:p>
-        </p:txBody>
-      </p:sp>
-    </p:spTree>
-    <p:extLst>
-      <p:ext uri="{BB962C8B-B14F-4D97-AF65-F5344CB8AC3E}">
-        <p14:creationId xmlns:p14="http://schemas.microsoft.com/office/powerpoint/2010/main" val="2312071835"/>
-      </p:ext>
-    </p:extLst>
-  </p:cSld>
-  <p:clrMapOvr>
-    <a:masterClrMapping/>
-  </p:clrMapOvr>
-</p:sld>
-</file>
-
-<file path=ppt/slides/slide4.xml><?xml version="1.0" encoding="utf-8"?>
+<file path=ppt/slides/slide5.xml><?xml version="1.0" encoding="utf-8"?>
 <p:sld xmlns:a="http://schemas.openxmlformats.org/drawingml/2006/main" xmlns:r="http://schemas.openxmlformats.org/officeDocument/2006/relationships" xmlns:p="http://schemas.openxmlformats.org/presentationml/2006/main">
   <p:cSld>
     <p:spTree>
@@ -13355,7 +9244,7 @@
         <p:spPr>
           <a:xfrm>
             <a:off x="347240" y="113388"/>
-            <a:ext cx="9799937" cy="1015663"/>
+            <a:ext cx="9799937" cy="1938992"/>
           </a:xfrm>
           <a:prstGeom prst="rect">
             <a:avLst/>
@@ -13372,21 +9261,63 @@
               <a:rPr lang="en-US" sz="6000" dirty="0">
                 <a:latin typeface="Aliens &amp; cows" panose="00000500000000000000" pitchFamily="2" charset="0"/>
               </a:rPr>
-              <a:t>Unofficial learning objective</a:t>
-            </a:r>
-          </a:p>
-        </p:txBody>
-      </p:sp>
-      <p:sp>
-        <p:nvSpPr>
-          <p:cNvPr id="3" name="TextBox 2"/>
+              <a:t>Python for Excel is coming (probably)…</a:t>
+            </a:r>
+          </a:p>
+        </p:txBody>
+      </p:sp>
+      <p:pic>
+        <p:nvPicPr>
+          <p:cNvPr id="4" name="Picture 3" descr="Graphical user interface, application&#10;&#10;Description automatically generated">
+            <a:extLst>
+              <a:ext uri="{FF2B5EF4-FFF2-40B4-BE49-F238E27FC236}">
+                <a16:creationId xmlns:a16="http://schemas.microsoft.com/office/drawing/2014/main" id="{2973FBE5-46F2-4258-9960-62FC0F0E6BA0}"/>
+              </a:ext>
+            </a:extLst>
+          </p:cNvPr>
+          <p:cNvPicPr>
+            <a:picLocks noChangeAspect="1"/>
+          </p:cNvPicPr>
+          <p:nvPr/>
+        </p:nvPicPr>
+        <p:blipFill>
+          <a:blip r:embed="rId4">
+            <a:extLst>
+              <a:ext uri="{28A0092B-C50C-407E-A947-70E740481C1C}">
+                <a14:useLocalDpi xmlns:a14="http://schemas.microsoft.com/office/drawing/2010/main" val="0"/>
+              </a:ext>
+            </a:extLst>
+          </a:blip>
+          <a:stretch>
+            <a:fillRect/>
+          </a:stretch>
+        </p:blipFill>
+        <p:spPr>
+          <a:xfrm>
+            <a:off x="133628" y="2500511"/>
+            <a:ext cx="11924743" cy="3005362"/>
+          </a:xfrm>
+          <a:prstGeom prst="rect">
+            <a:avLst/>
+          </a:prstGeom>
+        </p:spPr>
+      </p:pic>
+      <p:sp>
+        <p:nvSpPr>
+          <p:cNvPr id="12" name="TextBox 11">
+            <a:extLst>
+              <a:ext uri="{FF2B5EF4-FFF2-40B4-BE49-F238E27FC236}">
+                <a16:creationId xmlns:a16="http://schemas.microsoft.com/office/drawing/2014/main" id="{A902CE9F-5F21-480F-B737-C41CE85DE77D}"/>
+              </a:ext>
+            </a:extLst>
+          </p:cNvPr>
           <p:cNvSpPr txBox="1"/>
           <p:nvPr/>
         </p:nvSpPr>
         <p:spPr>
           <a:xfrm>
-            <a:off x="462987" y="1365813"/>
-            <a:ext cx="9595413" cy="1384995"/>
+            <a:off x="133628" y="6114327"/>
+            <a:ext cx="8144933" cy="646331"/>
           </a:xfrm>
           <a:prstGeom prst="rect">
             <a:avLst/>
@@ -13394,51 +9325,15 @@
           <a:noFill/>
         </p:spPr>
         <p:txBody>
-          <a:bodyPr wrap="square" rtlCol="0">
+          <a:bodyPr wrap="square">
             <a:spAutoFit/>
           </a:bodyPr>
           <a:lstStyle/>
           <a:p>
-            <a:pPr marL="285750" indent="-285750">
-              <a:buFont typeface="Arial" panose="020B0604020202020204" pitchFamily="34" charset="0"/>
-              <a:buChar char="•"/>
-            </a:pPr>
-            <a:r>
-              <a:rPr lang="en-US" sz="2800" dirty="0">
-                <a:solidFill>
-                  <a:srgbClr val="707070"/>
-                </a:solidFill>
-                <a:latin typeface="Pragmatica" panose="020B0403040502020204" pitchFamily="34" charset="0"/>
-              </a:rPr>
-              <a:t>Having fun with data &amp; computers</a:t>
-            </a:r>
-          </a:p>
-          <a:p>
-            <a:pPr marL="285750" indent="-285750">
-              <a:buFont typeface="Arial" panose="020B0604020202020204" pitchFamily="34" charset="0"/>
-              <a:buChar char="•"/>
-            </a:pPr>
-            <a:r>
-              <a:rPr lang="en-US" sz="2800" dirty="0">
-                <a:solidFill>
-                  <a:srgbClr val="707070"/>
-                </a:solidFill>
-                <a:latin typeface="Pragmatica" panose="020B0403040502020204" pitchFamily="34" charset="0"/>
-              </a:rPr>
-              <a:t>Win a book… maybe?</a:t>
-            </a:r>
-          </a:p>
-          <a:p>
-            <a:pPr marL="285750" indent="-285750">
-              <a:buFont typeface="Arial" panose="020B0604020202020204" pitchFamily="34" charset="0"/>
-              <a:buChar char="•"/>
-            </a:pPr>
-            <a:endParaRPr lang="en-US" sz="2800" dirty="0">
-              <a:solidFill>
-                <a:srgbClr val="707070"/>
-              </a:solidFill>
-              <a:latin typeface="Pragmatica" panose="020B0403040502020204" pitchFamily="34" charset="0"/>
-            </a:endParaRPr>
+            <a:r>
+              <a:rPr lang="en-US" dirty="0"/>
+              <a:t>Page has been deleted: https://support.microsoft.com/en-us/office/uservoice-pages-430e1a78-e016-472a-a10f-dc2a3df3450a</a:t>
+            </a:r>
           </a:p>
         </p:txBody>
       </p:sp>
@@ -13446,113 +9341,6 @@
     <p:extLst>
       <p:ext uri="{BB962C8B-B14F-4D97-AF65-F5344CB8AC3E}">
         <p14:creationId xmlns:p14="http://schemas.microsoft.com/office/powerpoint/2010/main" val="3088404701"/>
-      </p:ext>
-    </p:extLst>
-  </p:cSld>
-  <p:clrMapOvr>
-    <a:masterClrMapping/>
-  </p:clrMapOvr>
-</p:sld>
-</file>
-
-<file path=ppt/slides/slide5.xml><?xml version="1.0" encoding="utf-8"?>
-<p:sld xmlns:a="http://schemas.openxmlformats.org/drawingml/2006/main" xmlns:r="http://schemas.openxmlformats.org/officeDocument/2006/relationships" xmlns:p="http://schemas.openxmlformats.org/presentationml/2006/main">
-  <p:cSld>
-    <p:spTree>
-      <p:nvGrpSpPr>
-        <p:cNvPr id="1" name=""/>
-        <p:cNvGrpSpPr/>
-        <p:nvPr/>
-      </p:nvGrpSpPr>
-      <p:grpSpPr>
-        <a:xfrm>
-          <a:off x="0" y="0"/>
-          <a:ext cx="0" cy="0"/>
-          <a:chOff x="0" y="0"/>
-          <a:chExt cx="0" cy="0"/>
-        </a:xfrm>
-      </p:grpSpPr>
-      <p:sp>
-        <p:nvSpPr>
-          <p:cNvPr id="4" name="Rectangle 3"/>
-          <p:cNvSpPr/>
-          <p:nvPr/>
-        </p:nvSpPr>
-        <p:spPr>
-          <a:xfrm>
-            <a:off x="0" y="0"/>
-            <a:ext cx="12192000" cy="6858000"/>
-          </a:xfrm>
-          <a:prstGeom prst="rect">
-            <a:avLst/>
-          </a:prstGeom>
-          <a:solidFill>
-            <a:srgbClr val="CF3338"/>
-          </a:solidFill>
-        </p:spPr>
-        <p:style>
-          <a:lnRef idx="2">
-            <a:schemeClr val="accent1">
-              <a:shade val="50000"/>
-            </a:schemeClr>
-          </a:lnRef>
-          <a:fillRef idx="1">
-            <a:schemeClr val="accent1"/>
-          </a:fillRef>
-          <a:effectRef idx="0">
-            <a:schemeClr val="accent1"/>
-          </a:effectRef>
-          <a:fontRef idx="minor">
-            <a:schemeClr val="lt1"/>
-          </a:fontRef>
-        </p:style>
-        <p:txBody>
-          <a:bodyPr rtlCol="0" anchor="ctr"/>
-          <a:lstStyle/>
-          <a:p>
-            <a:pPr algn="ctr"/>
-            <a:endParaRPr lang="en-US"/>
-          </a:p>
-        </p:txBody>
-      </p:sp>
-      <p:sp>
-        <p:nvSpPr>
-          <p:cNvPr id="5" name="TextBox 4"/>
-          <p:cNvSpPr txBox="1"/>
-          <p:nvPr/>
-        </p:nvSpPr>
-        <p:spPr>
-          <a:xfrm>
-            <a:off x="520861" y="393539"/>
-            <a:ext cx="10324617" cy="2123658"/>
-          </a:xfrm>
-          <a:prstGeom prst="rect">
-            <a:avLst/>
-          </a:prstGeom>
-          <a:noFill/>
-        </p:spPr>
-        <p:txBody>
-          <a:bodyPr wrap="square" rtlCol="0">
-            <a:spAutoFit/>
-          </a:bodyPr>
-          <a:lstStyle/>
-          <a:p>
-            <a:r>
-              <a:rPr lang="en-US" sz="6600" b="1" dirty="0">
-                <a:solidFill>
-                  <a:schemeClr val="bg1"/>
-                </a:solidFill>
-                <a:latin typeface="Pragmatica" pitchFamily="2" charset="0"/>
-              </a:rPr>
-              <a:t>Excel and the analytics stack</a:t>
-            </a:r>
-          </a:p>
-        </p:txBody>
-      </p:sp>
-    </p:spTree>
-    <p:extLst>
-      <p:ext uri="{BB962C8B-B14F-4D97-AF65-F5344CB8AC3E}">
-        <p14:creationId xmlns:p14="http://schemas.microsoft.com/office/powerpoint/2010/main" val="2967702006"/>
       </p:ext>
     </p:extLst>
   </p:cSld>
@@ -13610,14 +9398,20 @@
       </p:pic>
       <p:sp>
         <p:nvSpPr>
-          <p:cNvPr id="11" name="TextBox 10"/>
+          <p:cNvPr id="12" name="TextBox 11">
+            <a:extLst>
+              <a:ext uri="{FF2B5EF4-FFF2-40B4-BE49-F238E27FC236}">
+                <a16:creationId xmlns:a16="http://schemas.microsoft.com/office/drawing/2014/main" id="{A902CE9F-5F21-480F-B737-C41CE85DE77D}"/>
+              </a:ext>
+            </a:extLst>
+          </p:cNvPr>
           <p:cNvSpPr txBox="1"/>
           <p:nvPr/>
         </p:nvSpPr>
         <p:spPr>
           <a:xfrm>
-            <a:off x="347240" y="113388"/>
-            <a:ext cx="9799937" cy="1015663"/>
+            <a:off x="235228" y="6185410"/>
+            <a:ext cx="8144933" cy="369332"/>
           </a:xfrm>
           <a:prstGeom prst="rect">
             <a:avLst/>
@@ -13625,35 +9419,33 @@
           <a:noFill/>
         </p:spPr>
         <p:txBody>
-          <a:bodyPr wrap="square" rtlCol="0">
+          <a:bodyPr wrap="square">
             <a:spAutoFit/>
           </a:bodyPr>
           <a:lstStyle/>
           <a:p>
             <a:r>
-              <a:rPr lang="en-US" sz="6000" dirty="0">
-                <a:latin typeface="Aliens &amp; cows" panose="00000500000000000000" pitchFamily="2" charset="0"/>
-              </a:rPr>
-              <a:t>Spare no tools… </a:t>
+              <a:rPr lang="en-US" dirty="0"/>
+              <a:t>https://stringfestanalytics.com/basic-python-excel-workflow/</a:t>
             </a:r>
           </a:p>
         </p:txBody>
       </p:sp>
       <p:pic>
         <p:nvPicPr>
-          <p:cNvPr id="4" name="Picture 3" descr="Diagram, text&#10;&#10;Description automatically generated">
+          <p:cNvPr id="2050" name="Picture 2" descr="Python &lt;&gt; Excel workflow ">
             <a:extLst>
               <a:ext uri="{FF2B5EF4-FFF2-40B4-BE49-F238E27FC236}">
-                <a16:creationId xmlns:a16="http://schemas.microsoft.com/office/drawing/2014/main" id="{69888AE4-E6A5-42EE-8C41-9647CFF76E35}"/>
+                <a16:creationId xmlns:a16="http://schemas.microsoft.com/office/drawing/2014/main" id="{85BBB638-3000-491D-B350-5BC84FC8BDF6}"/>
               </a:ext>
             </a:extLst>
           </p:cNvPr>
           <p:cNvPicPr>
-            <a:picLocks noChangeAspect="1"/>
+            <a:picLocks noChangeAspect="1" noChangeArrowheads="1"/>
           </p:cNvPicPr>
           <p:nvPr/>
         </p:nvPicPr>
-        <p:blipFill>
+        <p:blipFill rotWithShape="1">
           <a:blip r:embed="rId4">
             <a:extLst>
               <a:ext uri="{28A0092B-C50C-407E-A947-70E740481C1C}">
@@ -13661,96 +9453,33 @@
               </a:ext>
             </a:extLst>
           </a:blip>
-          <a:stretch>
-            <a:fillRect/>
-          </a:stretch>
+          <a:srcRect b="19666"/>
+          <a:stretch/>
         </p:blipFill>
-        <p:spPr>
+        <p:spPr bwMode="auto">
           <a:xfrm>
-            <a:off x="1929935" y="1777154"/>
-            <a:ext cx="8555449" cy="4024138"/>
-          </a:xfrm>
-          <a:prstGeom prst="rect">
-            <a:avLst/>
-          </a:prstGeom>
-        </p:spPr>
-      </p:pic>
-      <p:sp>
-        <p:nvSpPr>
-          <p:cNvPr id="7" name="TextBox 6">
-            <a:extLst>
-              <a:ext uri="{FF2B5EF4-FFF2-40B4-BE49-F238E27FC236}">
-                <a16:creationId xmlns:a16="http://schemas.microsoft.com/office/drawing/2014/main" id="{CFAB272F-EC83-45BA-935F-DFBF5407D2B6}"/>
-              </a:ext>
-            </a:extLst>
-          </p:cNvPr>
-          <p:cNvSpPr txBox="1"/>
-          <p:nvPr/>
-        </p:nvSpPr>
-        <p:spPr>
-          <a:xfrm>
-            <a:off x="261704" y="6114327"/>
-            <a:ext cx="9493446" cy="369332"/>
+            <a:off x="728133" y="97342"/>
+            <a:ext cx="10972799" cy="5784809"/>
           </a:xfrm>
           <a:prstGeom prst="rect">
             <a:avLst/>
           </a:prstGeom>
           <a:noFill/>
+          <a:extLst>
+            <a:ext uri="{909E8E84-426E-40DD-AFC4-6F175D3DCCD1}">
+              <a14:hiddenFill xmlns:a14="http://schemas.microsoft.com/office/drawing/2010/main">
+                <a:solidFill>
+                  <a:srgbClr val="FFFFFF"/>
+                </a:solidFill>
+              </a14:hiddenFill>
+            </a:ext>
+          </a:extLst>
         </p:spPr>
-        <p:txBody>
-          <a:bodyPr wrap="square" rtlCol="0">
-            <a:spAutoFit/>
-          </a:bodyPr>
-          <a:lstStyle/>
-          <a:p>
-            <a:r>
-              <a:rPr lang="en-US" dirty="0">
-                <a:solidFill>
-                  <a:schemeClr val="bg1">
-                    <a:lumMod val="50000"/>
-                  </a:schemeClr>
-                </a:solidFill>
-                <a:latin typeface="Pragmatica" pitchFamily="2" charset="0"/>
-              </a:rPr>
-              <a:t>Mount, George. </a:t>
-            </a:r>
-            <a:r>
-              <a:rPr lang="en-US" i="1" dirty="0">
-                <a:solidFill>
-                  <a:schemeClr val="bg1">
-                    <a:lumMod val="50000"/>
-                  </a:schemeClr>
-                </a:solidFill>
-                <a:latin typeface="Pragmatica" pitchFamily="2" charset="0"/>
-              </a:rPr>
-              <a:t>Advancing into Analytics: From Excel to Python and R</a:t>
-            </a:r>
-            <a:r>
-              <a:rPr lang="en-US" dirty="0">
-                <a:solidFill>
-                  <a:schemeClr val="bg1">
-                    <a:lumMod val="50000"/>
-                  </a:schemeClr>
-                </a:solidFill>
-                <a:latin typeface="Pragmatica" pitchFamily="2" charset="0"/>
-              </a:rPr>
-              <a:t>. O’Reilly Media, 2021</a:t>
-            </a:r>
-            <a:endParaRPr lang="en-US" i="1" dirty="0">
-              <a:solidFill>
-                <a:schemeClr val="bg1">
-                  <a:lumMod val="50000"/>
-                </a:schemeClr>
-              </a:solidFill>
-              <a:latin typeface="Pragmatica" pitchFamily="2" charset="0"/>
-            </a:endParaRPr>
-          </a:p>
-        </p:txBody>
-      </p:sp>
+      </p:pic>
     </p:spTree>
     <p:extLst>
       <p:ext uri="{BB962C8B-B14F-4D97-AF65-F5344CB8AC3E}">
-        <p14:creationId xmlns:p14="http://schemas.microsoft.com/office/powerpoint/2010/main" val="3729633991"/>
+        <p14:creationId xmlns:p14="http://schemas.microsoft.com/office/powerpoint/2010/main" val="3209227180"/>
       </p:ext>
     </p:extLst>
   </p:cSld>
@@ -13761,7 +9490,7 @@
 </file>
 
 <file path=ppt/slides/slide7.xml><?xml version="1.0" encoding="utf-8"?>
-<p:sld xmlns:a="http://schemas.openxmlformats.org/drawingml/2006/main" xmlns:r="http://schemas.openxmlformats.org/officeDocument/2006/relationships" xmlns:p="http://schemas.openxmlformats.org/presentationml/2006/main" show="0">
+<p:sld xmlns:a="http://schemas.openxmlformats.org/drawingml/2006/main" xmlns:r="http://schemas.openxmlformats.org/officeDocument/2006/relationships" xmlns:p="http://schemas.openxmlformats.org/presentationml/2006/main">
   <p:cSld>
     <p:spTree>
       <p:nvGrpSpPr>
@@ -13777,9 +9506,86 @@
           <a:chExt cx="0" cy="0"/>
         </a:xfrm>
       </p:grpSpPr>
+      <p:sp>
+        <p:nvSpPr>
+          <p:cNvPr id="4" name="Rectangle 3"/>
+          <p:cNvSpPr/>
+          <p:nvPr/>
+        </p:nvSpPr>
+        <p:spPr>
+          <a:xfrm>
+            <a:off x="6574420" y="0"/>
+            <a:ext cx="5617580" cy="6858000"/>
+          </a:xfrm>
+          <a:prstGeom prst="rect">
+            <a:avLst/>
+          </a:prstGeom>
+          <a:solidFill>
+            <a:srgbClr val="CF3338"/>
+          </a:solidFill>
+        </p:spPr>
+        <p:style>
+          <a:lnRef idx="2">
+            <a:schemeClr val="accent1">
+              <a:shade val="50000"/>
+            </a:schemeClr>
+          </a:lnRef>
+          <a:fillRef idx="1">
+            <a:schemeClr val="accent1"/>
+          </a:fillRef>
+          <a:effectRef idx="0">
+            <a:schemeClr val="accent1"/>
+          </a:effectRef>
+          <a:fontRef idx="minor">
+            <a:schemeClr val="lt1"/>
+          </a:fontRef>
+        </p:style>
+        <p:txBody>
+          <a:bodyPr rtlCol="0" anchor="ctr"/>
+          <a:lstStyle/>
+          <a:p>
+            <a:pPr algn="ctr"/>
+            <a:endParaRPr lang="en-US"/>
+          </a:p>
+        </p:txBody>
+      </p:sp>
+      <p:sp>
+        <p:nvSpPr>
+          <p:cNvPr id="5" name="TextBox 4"/>
+          <p:cNvSpPr txBox="1"/>
+          <p:nvPr/>
+        </p:nvSpPr>
+        <p:spPr>
+          <a:xfrm>
+            <a:off x="6817489" y="0"/>
+            <a:ext cx="4120587" cy="1446550"/>
+          </a:xfrm>
+          <a:prstGeom prst="rect">
+            <a:avLst/>
+          </a:prstGeom>
+          <a:noFill/>
+        </p:spPr>
+        <p:txBody>
+          <a:bodyPr wrap="square" rtlCol="0">
+            <a:spAutoFit/>
+          </a:bodyPr>
+          <a:lstStyle/>
+          <a:p>
+            <a:r>
+              <a:rPr lang="en-US" sz="8800" dirty="0">
+                <a:solidFill>
+                  <a:schemeClr val="bg1"/>
+                </a:solidFill>
+                <a:latin typeface="Aliens &amp; cows" panose="00000500000000000000" pitchFamily="2" charset="0"/>
+              </a:rPr>
+              <a:t>Demo</a:t>
+            </a:r>
+          </a:p>
+        </p:txBody>
+      </p:sp>
       <p:pic>
         <p:nvPicPr>
-          <p:cNvPr id="10" name="Picture 9"/>
+          <p:cNvPr id="2" name="Picture 1"/>
           <p:cNvPicPr>
             <a:picLocks noChangeAspect="1"/>
           </p:cNvPicPr>
@@ -13793,13 +9599,13 @@
               </a:ext>
             </a:extLst>
           </a:blip>
-          <a:srcRect l="50728" t="56371"/>
+          <a:srcRect l="69227" t="33418" r="20112" b="50548"/>
           <a:stretch/>
         </p:blipFill>
         <p:spPr>
           <a:xfrm>
-            <a:off x="10894024" y="5370653"/>
-            <a:ext cx="1297975" cy="1487348"/>
+            <a:off x="10386349" y="5029795"/>
+            <a:ext cx="1805651" cy="1991719"/>
           </a:xfrm>
           <a:prstGeom prst="rect">
             <a:avLst/>
@@ -13808,14 +9614,14 @@
       </p:pic>
       <p:sp>
         <p:nvSpPr>
-          <p:cNvPr id="11" name="TextBox 10"/>
+          <p:cNvPr id="3" name="TextBox 2"/>
           <p:cNvSpPr txBox="1"/>
           <p:nvPr/>
         </p:nvSpPr>
         <p:spPr>
           <a:xfrm>
-            <a:off x="347240" y="113388"/>
-            <a:ext cx="11447363" cy="923330"/>
+            <a:off x="173620" y="219919"/>
+            <a:ext cx="5937813" cy="954107"/>
           </a:xfrm>
           <a:prstGeom prst="rect">
             <a:avLst/>
@@ -13829,24 +9635,47 @@
           <a:lstStyle/>
           <a:p>
             <a:r>
-              <a:rPr lang="en-US" sz="5400" dirty="0">
-                <a:latin typeface="Aliens &amp; cows" panose="00000500000000000000" pitchFamily="2" charset="0"/>
+              <a:rPr lang="en-US" sz="2800" b="1" dirty="0">
+                <a:solidFill>
+                  <a:srgbClr val="CF3338"/>
+                </a:solidFill>
+                <a:latin typeface="Pragmatica" pitchFamily="2" charset="0"/>
               </a:rPr>
-              <a:t>What is Excel good for? </a:t>
-            </a:r>
-          </a:p>
-        </p:txBody>
-      </p:sp>
-      <p:sp>
-        <p:nvSpPr>
-          <p:cNvPr id="3" name="TextBox 2"/>
+              <a:t>Python-Powered Excel</a:t>
+            </a:r>
+            <a:endParaRPr lang="en-US" sz="2800" b="1" dirty="0">
+              <a:solidFill>
+                <a:srgbClr val="CF3338"/>
+              </a:solidFill>
+              <a:latin typeface="Consolas" panose="020B0609020204030204" pitchFamily="49" charset="0"/>
+            </a:endParaRPr>
+          </a:p>
+          <a:p>
+            <a:endParaRPr lang="en-US" sz="2800" b="1" dirty="0">
+              <a:solidFill>
+                <a:srgbClr val="CF3338"/>
+              </a:solidFill>
+              <a:latin typeface="Consolas" panose="020B0609020204030204" pitchFamily="49" charset="0"/>
+            </a:endParaRPr>
+          </a:p>
+        </p:txBody>
+      </p:sp>
+      <p:sp>
+        <p:nvSpPr>
+          <p:cNvPr id="7" name="TextBox 6">
+            <a:extLst>
+              <a:ext uri="{FF2B5EF4-FFF2-40B4-BE49-F238E27FC236}">
+                <a16:creationId xmlns:a16="http://schemas.microsoft.com/office/drawing/2014/main" id="{855BC584-A237-4C91-9DAB-ADA80256CAC8}"/>
+              </a:ext>
+            </a:extLst>
+          </p:cNvPr>
           <p:cNvSpPr txBox="1"/>
           <p:nvPr/>
         </p:nvSpPr>
         <p:spPr>
           <a:xfrm>
-            <a:off x="347241" y="2280355"/>
-            <a:ext cx="5164238" cy="2800767"/>
+            <a:off x="158187" y="1446550"/>
+            <a:ext cx="5937813" cy="2800767"/>
           </a:xfrm>
           <a:prstGeom prst="rect">
             <a:avLst/>
@@ -13859,229 +9688,123 @@
           </a:bodyPr>
           <a:lstStyle/>
           <a:p>
-            <a:pPr>
-              <a:buClr>
+            <a:r>
+              <a:rPr lang="en-US" sz="2600" dirty="0">
+                <a:solidFill>
+                  <a:srgbClr val="CF3338"/>
+                </a:solidFill>
+                <a:latin typeface="Pragmatica" pitchFamily="2" charset="0"/>
+              </a:rPr>
+              <a:t>File: </a:t>
+            </a:r>
+            <a:r>
+              <a:rPr lang="en-US" sz="2600" dirty="0">
+                <a:solidFill>
+                  <a:srgbClr val="CF3338"/>
+                </a:solidFill>
+                <a:latin typeface="Consolas" panose="020B0609020204030204" pitchFamily="49" charset="0"/>
+              </a:rPr>
+              <a:t>python-powered-</a:t>
+            </a:r>
+            <a:r>
+              <a:rPr lang="en-US" sz="2600" dirty="0" err="1">
+                <a:solidFill>
+                  <a:srgbClr val="CF3338"/>
+                </a:solidFill>
+                <a:latin typeface="Consolas" panose="020B0609020204030204" pitchFamily="49" charset="0"/>
+              </a:rPr>
+              <a:t>excel.ipynb</a:t>
+            </a:r>
+            <a:endParaRPr lang="en-US" sz="2600" dirty="0">
+              <a:solidFill>
                 <a:srgbClr val="CF3338"/>
-              </a:buClr>
-            </a:pPr>
-            <a:r>
-              <a:rPr lang="en-US" sz="3600" b="1" dirty="0">
-                <a:solidFill>
-                  <a:srgbClr val="707070"/>
-                </a:solidFill>
-                <a:latin typeface="Normafixed Tryout" panose="00000409000000000000" pitchFamily="49" charset="0"/>
-              </a:rPr>
-              <a:t>Good at… </a:t>
-            </a:r>
-            <a:endParaRPr lang="en-US" sz="3600" dirty="0">
+              </a:solidFill>
+              <a:latin typeface="Consolas" panose="020B0609020204030204" pitchFamily="49" charset="0"/>
+            </a:endParaRPr>
+          </a:p>
+          <a:p>
+            <a:endParaRPr lang="en-US" sz="2600" dirty="0">
               <a:solidFill>
-                <a:srgbClr val="707070"/>
+                <a:srgbClr val="CF3338"/>
               </a:solidFill>
-              <a:latin typeface="Normafixed Tryout" panose="00000409000000000000" pitchFamily="49" charset="0"/>
+              <a:latin typeface="Consolas" panose="020B0609020204030204" pitchFamily="49" charset="0"/>
             </a:endParaRPr>
           </a:p>
           <a:p>
-            <a:pPr marL="457200" indent="-457200">
-              <a:buClr>
-                <a:srgbClr val="CF3338"/>
-              </a:buClr>
+            <a:pPr marL="514350" indent="-514350">
               <a:buFont typeface="Arial" panose="020B0604020202020204" pitchFamily="34" charset="0"/>
               <a:buChar char="•"/>
             </a:pPr>
-            <a:endParaRPr lang="en-US" sz="2800" dirty="0">
-              <a:solidFill>
-                <a:srgbClr val="707070"/>
-              </a:solidFill>
-              <a:latin typeface="Pragmatica" panose="020B0403040502020204" pitchFamily="34" charset="0"/>
-            </a:endParaRPr>
-          </a:p>
-          <a:p>
-            <a:pPr marL="457200" indent="-457200">
-              <a:buClr>
-                <a:srgbClr val="CF3338"/>
-              </a:buClr>
+            <a:r>
+              <a:rPr lang="en-US" sz="2400" b="1" dirty="0">
+                <a:solidFill>
+                  <a:srgbClr val="CF3338"/>
+                </a:solidFill>
+                <a:latin typeface="Pragmatica" pitchFamily="2" charset="0"/>
+              </a:rPr>
+              <a:t>Add custom cell formats</a:t>
+            </a:r>
+          </a:p>
+          <a:p>
+            <a:pPr marL="514350" indent="-514350">
               <a:buFont typeface="Arial" panose="020B0604020202020204" pitchFamily="34" charset="0"/>
               <a:buChar char="•"/>
             </a:pPr>
             <a:r>
-              <a:rPr lang="en-US" sz="2800" dirty="0">
+              <a:rPr lang="en-US" sz="2400" b="1" dirty="0">
                 <a:solidFill>
-                  <a:srgbClr val="707070"/>
+                  <a:srgbClr val="CF3338"/>
                 </a:solidFill>
-                <a:latin typeface="Pragmatica" panose="020B0403040502020204" pitchFamily="34" charset="0"/>
+                <a:latin typeface="Pragmatica" pitchFamily="2" charset="0"/>
               </a:rPr>
-              <a:t>Visual calculations</a:t>
-            </a:r>
-          </a:p>
-          <a:p>
-            <a:pPr marL="457200" indent="-457200">
-              <a:buClr>
-                <a:srgbClr val="CF3338"/>
-              </a:buClr>
+              <a:t>Re-size column widths</a:t>
+            </a:r>
+          </a:p>
+          <a:p>
+            <a:pPr marL="514350" indent="-514350">
               <a:buFont typeface="Arial" panose="020B0604020202020204" pitchFamily="34" charset="0"/>
               <a:buChar char="•"/>
             </a:pPr>
             <a:r>
-              <a:rPr lang="en-US" sz="2800" dirty="0">
+              <a:rPr lang="en-US" sz="2400" b="1" dirty="0">
                 <a:solidFill>
-                  <a:srgbClr val="707070"/>
+                  <a:srgbClr val="CF3338"/>
                 </a:solidFill>
-                <a:latin typeface="Pragmatica" panose="020B0403040502020204" pitchFamily="34" charset="0"/>
+                <a:latin typeface="Pragmatica" pitchFamily="2" charset="0"/>
               </a:rPr>
-              <a:t>End-user interactivity</a:t>
+              <a:t>Add charts (from Excel or Python)</a:t>
             </a:r>
           </a:p>
           <a:p>
             <a:pPr marL="457200" indent="-457200">
-              <a:buClr>
-                <a:srgbClr val="CF3338"/>
-              </a:buClr>
               <a:buFont typeface="Arial" panose="020B0604020202020204" pitchFamily="34" charset="0"/>
               <a:buChar char="•"/>
             </a:pPr>
-            <a:r>
-              <a:rPr lang="en-US" sz="2800" dirty="0">
-                <a:solidFill>
-                  <a:srgbClr val="707070"/>
-                </a:solidFill>
-                <a:latin typeface="Pragmatica" panose="020B0403040502020204" pitchFamily="34" charset="0"/>
-              </a:rPr>
-              <a:t>Rapid prototyping</a:t>
-            </a:r>
-          </a:p>
-          <a:p>
-            <a:pPr>
-              <a:buClr>
+            <a:endParaRPr lang="en-US" sz="2600" b="1" dirty="0">
+              <a:solidFill>
                 <a:srgbClr val="CF3338"/>
-              </a:buClr>
-            </a:pPr>
-            <a:endParaRPr lang="en-US" sz="2800" dirty="0">
-              <a:solidFill>
-                <a:srgbClr val="707070"/>
               </a:solidFill>
-              <a:latin typeface="Pragmatica" panose="020B0403040502020204" pitchFamily="34" charset="0"/>
+              <a:latin typeface="Consolas" panose="020B0609020204030204" pitchFamily="49" charset="0"/>
             </a:endParaRPr>
           </a:p>
-        </p:txBody>
-      </p:sp>
-      <p:sp>
-        <p:nvSpPr>
-          <p:cNvPr id="5" name="TextBox 4"/>
-          <p:cNvSpPr txBox="1"/>
-          <p:nvPr/>
-        </p:nvSpPr>
-        <p:spPr>
-          <a:xfrm>
-            <a:off x="5511478" y="2218800"/>
-            <a:ext cx="6539697" cy="2369880"/>
-          </a:xfrm>
-          <a:prstGeom prst="rect">
-            <a:avLst/>
-          </a:prstGeom>
-          <a:noFill/>
-        </p:spPr>
-        <p:txBody>
-          <a:bodyPr wrap="square" rtlCol="0">
-            <a:spAutoFit/>
-          </a:bodyPr>
-          <a:lstStyle/>
-          <a:p>
-            <a:pPr>
-              <a:buClr>
-                <a:srgbClr val="CF3338"/>
-              </a:buClr>
-            </a:pPr>
-            <a:r>
-              <a:rPr lang="en-US" sz="3600" b="1" dirty="0">
-                <a:solidFill>
-                  <a:srgbClr val="707070"/>
-                </a:solidFill>
-                <a:latin typeface="Normafixed Tryout" panose="00000409000000000000" pitchFamily="49" charset="0"/>
-              </a:rPr>
-              <a:t>Not so much… </a:t>
-            </a:r>
-            <a:endParaRPr lang="en-US" sz="3600" dirty="0">
-              <a:solidFill>
-                <a:srgbClr val="707070"/>
-              </a:solidFill>
-              <a:latin typeface="Normafixed Tryout" panose="00000409000000000000" pitchFamily="49" charset="0"/>
-            </a:endParaRPr>
-          </a:p>
-          <a:p>
-            <a:pPr marL="457200" indent="-457200">
-              <a:buClr>
-                <a:srgbClr val="CF3338"/>
-              </a:buClr>
+          <a:p>
+            <a:pPr marL="514350" indent="-514350">
               <a:buFont typeface="Arial" panose="020B0604020202020204" pitchFamily="34" charset="0"/>
               <a:buChar char="•"/>
             </a:pPr>
-            <a:endParaRPr lang="en-US" sz="2800" dirty="0">
+            <a:endParaRPr lang="en-US" sz="2600" b="1" dirty="0">
               <a:solidFill>
-                <a:srgbClr val="707070"/>
+                <a:srgbClr val="CF3338"/>
               </a:solidFill>
-              <a:latin typeface="Pragmatica" panose="020B0403040502020204" pitchFamily="34" charset="0"/>
+              <a:latin typeface="Pragmatica" pitchFamily="2" charset="0"/>
             </a:endParaRPr>
-          </a:p>
-          <a:p>
-            <a:pPr marL="457200" indent="-457200">
-              <a:buClr>
-                <a:srgbClr val="CF3338"/>
-              </a:buClr>
-              <a:buFont typeface="Arial" panose="020B0604020202020204" pitchFamily="34" charset="0"/>
-              <a:buChar char="•"/>
-            </a:pPr>
-            <a:r>
-              <a:rPr lang="en-US" sz="2800" dirty="0">
-                <a:solidFill>
-                  <a:srgbClr val="707070"/>
-                </a:solidFill>
-                <a:latin typeface="Pragmatica" panose="020B0403040502020204" pitchFamily="34" charset="0"/>
-              </a:rPr>
-              <a:t>Storing data</a:t>
-            </a:r>
-          </a:p>
-          <a:p>
-            <a:pPr marL="457200" indent="-457200">
-              <a:buClr>
-                <a:srgbClr val="CF3338"/>
-              </a:buClr>
-              <a:buFont typeface="Arial" panose="020B0604020202020204" pitchFamily="34" charset="0"/>
-              <a:buChar char="•"/>
-            </a:pPr>
-            <a:r>
-              <a:rPr lang="en-US" sz="2800" dirty="0">
-                <a:solidFill>
-                  <a:srgbClr val="707070"/>
-                </a:solidFill>
-                <a:latin typeface="Pragmatica" panose="020B0403040502020204" pitchFamily="34" charset="0"/>
-              </a:rPr>
-              <a:t>Mobilizing data</a:t>
-            </a:r>
-          </a:p>
-          <a:p>
-            <a:pPr marL="457200" indent="-457200">
-              <a:buClr>
-                <a:srgbClr val="CF3338"/>
-              </a:buClr>
-              <a:buFont typeface="Arial" panose="020B0604020202020204" pitchFamily="34" charset="0"/>
-              <a:buChar char="•"/>
-            </a:pPr>
-            <a:r>
-              <a:rPr lang="en-US" sz="2800" dirty="0">
-                <a:solidFill>
-                  <a:srgbClr val="707070"/>
-                </a:solidFill>
-                <a:latin typeface="Pragmatica" panose="020B0403040502020204" pitchFamily="34" charset="0"/>
-              </a:rPr>
-              <a:t>Implementing advanced analytics</a:t>
-            </a:r>
           </a:p>
         </p:txBody>
       </p:sp>
     </p:spTree>
     <p:extLst>
       <p:ext uri="{BB962C8B-B14F-4D97-AF65-F5344CB8AC3E}">
-        <p14:creationId xmlns:p14="http://schemas.microsoft.com/office/powerpoint/2010/main" val="3138290190"/>
+        <p14:creationId xmlns:p14="http://schemas.microsoft.com/office/powerpoint/2010/main" val="1098024601"/>
       </p:ext>
     </p:extLst>
   </p:cSld>
@@ -14108,341 +9831,23 @@
           <a:chExt cx="0" cy="0"/>
         </a:xfrm>
       </p:grpSpPr>
-      <p:pic>
-        <p:nvPicPr>
-          <p:cNvPr id="10" name="Picture 9"/>
-          <p:cNvPicPr>
-            <a:picLocks noChangeAspect="1"/>
-          </p:cNvPicPr>
+      <p:sp>
+        <p:nvSpPr>
+          <p:cNvPr id="4" name="Rectangle 3"/>
+          <p:cNvSpPr/>
           <p:nvPr/>
-        </p:nvPicPr>
-        <p:blipFill rotWithShape="1">
-          <a:blip r:embed="rId3">
-            <a:extLst>
-              <a:ext uri="{28A0092B-C50C-407E-A947-70E740481C1C}">
-                <a14:useLocalDpi xmlns:a14="http://schemas.microsoft.com/office/drawing/2010/main" val="0"/>
-              </a:ext>
-            </a:extLst>
-          </a:blip>
-          <a:srcRect l="50728" t="56371"/>
-          <a:stretch/>
-        </p:blipFill>
+        </p:nvSpPr>
         <p:spPr>
           <a:xfrm>
-            <a:off x="10894024" y="5370653"/>
-            <a:ext cx="1297975" cy="1487348"/>
+            <a:off x="0" y="0"/>
+            <a:ext cx="12192000" cy="6858000"/>
           </a:xfrm>
           <a:prstGeom prst="rect">
             <a:avLst/>
           </a:prstGeom>
-        </p:spPr>
-      </p:pic>
-      <p:sp>
-        <p:nvSpPr>
-          <p:cNvPr id="11" name="TextBox 10"/>
-          <p:cNvSpPr txBox="1"/>
-          <p:nvPr/>
-        </p:nvSpPr>
-        <p:spPr>
-          <a:xfrm>
-            <a:off x="347240" y="113388"/>
-            <a:ext cx="11447363" cy="923330"/>
-          </a:xfrm>
-          <a:prstGeom prst="rect">
-            <a:avLst/>
-          </a:prstGeom>
-          <a:noFill/>
-        </p:spPr>
-        <p:txBody>
-          <a:bodyPr wrap="square" rtlCol="0">
-            <a:spAutoFit/>
-          </a:bodyPr>
-          <a:lstStyle/>
-          <a:p>
-            <a:r>
-              <a:rPr lang="en-US" sz="5400" dirty="0">
-                <a:latin typeface="Aliens &amp; cows" panose="00000500000000000000" pitchFamily="2" charset="0"/>
-              </a:rPr>
-              <a:t>Don’t take my word for it… </a:t>
-            </a:r>
-          </a:p>
-        </p:txBody>
-      </p:sp>
-      <p:pic>
-        <p:nvPicPr>
-          <p:cNvPr id="1026" name="Picture 2" descr="microsoft-loves-open-source">
-            <a:extLst>
-              <a:ext uri="{FF2B5EF4-FFF2-40B4-BE49-F238E27FC236}">
-                <a16:creationId xmlns:a16="http://schemas.microsoft.com/office/drawing/2014/main" id="{A931006F-21EE-492D-84E9-846695305C53}"/>
-              </a:ext>
-            </a:extLst>
-          </p:cNvPr>
-          <p:cNvPicPr>
-            <a:picLocks noChangeAspect="1" noChangeArrowheads="1"/>
-          </p:cNvPicPr>
-          <p:nvPr/>
-        </p:nvPicPr>
-        <p:blipFill>
-          <a:blip r:embed="rId4">
-            <a:extLst>
-              <a:ext uri="{28A0092B-C50C-407E-A947-70E740481C1C}">
-                <a14:useLocalDpi xmlns:a14="http://schemas.microsoft.com/office/drawing/2010/main" val="0"/>
-              </a:ext>
-            </a:extLst>
-          </a:blip>
-          <a:srcRect/>
-          <a:stretch>
-            <a:fillRect/>
-          </a:stretch>
-        </p:blipFill>
-        <p:spPr bwMode="auto">
-          <a:xfrm>
-            <a:off x="684888" y="1312010"/>
-            <a:ext cx="5074015" cy="947149"/>
-          </a:xfrm>
-          <a:prstGeom prst="rect">
-            <a:avLst/>
-          </a:prstGeom>
-          <a:noFill/>
-          <a:extLst>
-            <a:ext uri="{909E8E84-426E-40DD-AFC4-6F175D3DCCD1}">
-              <a14:hiddenFill xmlns:a14="http://schemas.microsoft.com/office/drawing/2010/main">
-                <a:solidFill>
-                  <a:srgbClr val="FFFFFF"/>
-                </a:solidFill>
-              </a14:hiddenFill>
-            </a:ext>
-          </a:extLst>
-        </p:spPr>
-      </p:pic>
-      <p:sp>
-        <p:nvSpPr>
-          <p:cNvPr id="3" name="TextBox 2">
-            <a:extLst>
-              <a:ext uri="{FF2B5EF4-FFF2-40B4-BE49-F238E27FC236}">
-                <a16:creationId xmlns:a16="http://schemas.microsoft.com/office/drawing/2014/main" id="{BA82E761-61F9-49F1-A2FF-47B99AA5E20E}"/>
-              </a:ext>
-            </a:extLst>
-          </p:cNvPr>
-          <p:cNvSpPr txBox="1"/>
-          <p:nvPr/>
-        </p:nvSpPr>
-        <p:spPr>
-          <a:xfrm>
-            <a:off x="347240" y="6098281"/>
-            <a:ext cx="9493446" cy="646331"/>
-          </a:xfrm>
-          <a:prstGeom prst="rect">
-            <a:avLst/>
-          </a:prstGeom>
-          <a:noFill/>
-        </p:spPr>
-        <p:txBody>
-          <a:bodyPr wrap="square" rtlCol="0">
-            <a:spAutoFit/>
-          </a:bodyPr>
-          <a:lstStyle/>
-          <a:p>
-            <a:r>
-              <a:rPr lang="en-US" dirty="0">
-                <a:solidFill>
-                  <a:schemeClr val="bg1">
-                    <a:lumMod val="50000"/>
-                  </a:schemeClr>
-                </a:solidFill>
-                <a:latin typeface="Pragmatica" pitchFamily="2" charset="0"/>
-              </a:rPr>
-              <a:t>https://docs.microsoft.com/en-us/archive/blogs/wikininjas/tnwiki-article-spotlight-consuming-azure-storages-python-sdk-using-ptvs</a:t>
-            </a:r>
-          </a:p>
-        </p:txBody>
-      </p:sp>
-      <p:sp>
-        <p:nvSpPr>
-          <p:cNvPr id="2" name="TextBox 1">
-            <a:extLst>
-              <a:ext uri="{FF2B5EF4-FFF2-40B4-BE49-F238E27FC236}">
-                <a16:creationId xmlns:a16="http://schemas.microsoft.com/office/drawing/2014/main" id="{F3C27099-A60E-45D4-A935-9582286243BF}"/>
-              </a:ext>
-            </a:extLst>
-          </p:cNvPr>
-          <p:cNvSpPr txBox="1"/>
-          <p:nvPr/>
-        </p:nvSpPr>
-        <p:spPr>
-          <a:xfrm>
-            <a:off x="8723136" y="827998"/>
-            <a:ext cx="3121624" cy="2862322"/>
-          </a:xfrm>
-          <a:prstGeom prst="rect">
-            <a:avLst/>
-          </a:prstGeom>
-          <a:noFill/>
-        </p:spPr>
-        <p:txBody>
-          <a:bodyPr wrap="square" rtlCol="0">
-            <a:spAutoFit/>
-          </a:bodyPr>
-          <a:lstStyle/>
-          <a:p>
-            <a:r>
-              <a:rPr lang="en-US" sz="3600" dirty="0">
-                <a:solidFill>
-                  <a:srgbClr val="707070"/>
-                </a:solidFill>
-                <a:latin typeface="Pragmatica" panose="020B7200000000000000" pitchFamily="34" charset="0"/>
-              </a:rPr>
-              <a:t>Free to</a:t>
-            </a:r>
-          </a:p>
-          <a:p>
-            <a:pPr marL="285750" indent="-285750">
-              <a:buFontTx/>
-              <a:buChar char="-"/>
-            </a:pPr>
-            <a:r>
-              <a:rPr lang="en-US" sz="3600" dirty="0">
-                <a:solidFill>
-                  <a:srgbClr val="707070"/>
-                </a:solidFill>
-                <a:latin typeface="Pragmatica" panose="020B7200000000000000" pitchFamily="34" charset="0"/>
-              </a:rPr>
-              <a:t>Use</a:t>
-            </a:r>
-          </a:p>
-          <a:p>
-            <a:pPr marL="285750" indent="-285750">
-              <a:buFontTx/>
-              <a:buChar char="-"/>
-            </a:pPr>
-            <a:r>
-              <a:rPr lang="en-US" sz="3600" dirty="0">
-                <a:solidFill>
-                  <a:srgbClr val="707070"/>
-                </a:solidFill>
-                <a:latin typeface="Pragmatica" panose="020B7200000000000000" pitchFamily="34" charset="0"/>
-              </a:rPr>
-              <a:t>Build on</a:t>
-            </a:r>
-          </a:p>
-          <a:p>
-            <a:pPr marL="285750" indent="-285750">
-              <a:buFontTx/>
-              <a:buChar char="-"/>
-            </a:pPr>
-            <a:r>
-              <a:rPr lang="en-US" sz="3600" dirty="0">
-                <a:solidFill>
-                  <a:srgbClr val="707070"/>
-                </a:solidFill>
-                <a:latin typeface="Pragmatica" panose="020B7200000000000000" pitchFamily="34" charset="0"/>
-              </a:rPr>
-              <a:t>Repurpose</a:t>
-            </a:r>
-          </a:p>
-          <a:p>
-            <a:pPr marL="285750" indent="-285750">
-              <a:buFontTx/>
-              <a:buChar char="-"/>
-            </a:pPr>
-            <a:r>
-              <a:rPr lang="en-US" sz="3600" dirty="0">
-                <a:solidFill>
-                  <a:srgbClr val="707070"/>
-                </a:solidFill>
-                <a:latin typeface="Pragmatica" panose="020B7200000000000000" pitchFamily="34" charset="0"/>
-              </a:rPr>
-              <a:t>Redistribute</a:t>
-            </a:r>
-          </a:p>
-        </p:txBody>
-      </p:sp>
-      <p:pic>
-        <p:nvPicPr>
-          <p:cNvPr id="7" name="Picture 6">
-            <a:extLst>
-              <a:ext uri="{FF2B5EF4-FFF2-40B4-BE49-F238E27FC236}">
-                <a16:creationId xmlns:a16="http://schemas.microsoft.com/office/drawing/2014/main" id="{4920552E-A6F1-442A-80A4-B59141A0871E}"/>
-              </a:ext>
-            </a:extLst>
-          </p:cNvPr>
-          <p:cNvPicPr>
-            <a:picLocks noChangeAspect="1"/>
-          </p:cNvPicPr>
-          <p:nvPr/>
-        </p:nvPicPr>
-        <p:blipFill>
-          <a:blip r:embed="rId5"/>
-          <a:stretch>
-            <a:fillRect/>
-          </a:stretch>
-        </p:blipFill>
-        <p:spPr>
-          <a:xfrm>
-            <a:off x="274588" y="2775420"/>
-            <a:ext cx="4991792" cy="2806600"/>
-          </a:xfrm>
-          <a:prstGeom prst="rect">
-            <a:avLst/>
-          </a:prstGeom>
-        </p:spPr>
-      </p:pic>
-      <p:pic>
-        <p:nvPicPr>
-          <p:cNvPr id="8" name="Picture 7">
-            <a:extLst>
-              <a:ext uri="{FF2B5EF4-FFF2-40B4-BE49-F238E27FC236}">
-                <a16:creationId xmlns:a16="http://schemas.microsoft.com/office/drawing/2014/main" id="{F7E2D9E8-C60B-45C7-983F-680E54250661}"/>
-              </a:ext>
-            </a:extLst>
-          </p:cNvPr>
-          <p:cNvPicPr>
-            <a:picLocks noChangeAspect="1"/>
-          </p:cNvPicPr>
-          <p:nvPr/>
-        </p:nvPicPr>
-        <p:blipFill>
-          <a:blip r:embed="rId6"/>
-          <a:stretch>
-            <a:fillRect/>
-          </a:stretch>
-        </p:blipFill>
-        <p:spPr>
-          <a:xfrm>
-            <a:off x="5842689" y="3807803"/>
-            <a:ext cx="3997997" cy="2136073"/>
-          </a:xfrm>
-          <a:prstGeom prst="rect">
-            <a:avLst/>
-          </a:prstGeom>
-        </p:spPr>
-      </p:pic>
-      <p:sp>
-        <p:nvSpPr>
-          <p:cNvPr id="4" name="Rectangle 3">
-            <a:extLst>
-              <a:ext uri="{FF2B5EF4-FFF2-40B4-BE49-F238E27FC236}">
-                <a16:creationId xmlns:a16="http://schemas.microsoft.com/office/drawing/2014/main" id="{59889E5F-8C2F-4391-A49E-D05F27FB4984}"/>
-              </a:ext>
-            </a:extLst>
-          </p:cNvPr>
-          <p:cNvSpPr/>
-          <p:nvPr/>
-        </p:nvSpPr>
-        <p:spPr>
-          <a:xfrm>
-            <a:off x="5909301" y="5582020"/>
-            <a:ext cx="923455" cy="302677"/>
-          </a:xfrm>
-          <a:prstGeom prst="rect">
-            <a:avLst/>
-          </a:prstGeom>
-          <a:noFill/>
-          <a:ln w="28575">
-            <a:solidFill>
-              <a:srgbClr val="CF3338"/>
-            </a:solidFill>
-          </a:ln>
+          <a:solidFill>
+            <a:srgbClr val="CF3338"/>
+          </a:solidFill>
         </p:spPr>
         <p:style>
           <a:lnRef idx="2">
@@ -14469,10 +9874,44 @@
           </a:p>
         </p:txBody>
       </p:sp>
+      <p:sp>
+        <p:nvSpPr>
+          <p:cNvPr id="5" name="TextBox 4"/>
+          <p:cNvSpPr txBox="1"/>
+          <p:nvPr/>
+        </p:nvSpPr>
+        <p:spPr>
+          <a:xfrm>
+            <a:off x="520861" y="393539"/>
+            <a:ext cx="10324617" cy="2123658"/>
+          </a:xfrm>
+          <a:prstGeom prst="rect">
+            <a:avLst/>
+          </a:prstGeom>
+          <a:noFill/>
+        </p:spPr>
+        <p:txBody>
+          <a:bodyPr wrap="square" rtlCol="0">
+            <a:spAutoFit/>
+          </a:bodyPr>
+          <a:lstStyle/>
+          <a:p>
+            <a:r>
+              <a:rPr lang="en-US" sz="6600" b="1" dirty="0">
+                <a:solidFill>
+                  <a:schemeClr val="bg1"/>
+                </a:solidFill>
+                <a:latin typeface="Pragmatica" pitchFamily="2" charset="0"/>
+              </a:rPr>
+              <a:t>Python-Powered Power BI</a:t>
+            </a:r>
+          </a:p>
+        </p:txBody>
+      </p:sp>
     </p:spTree>
     <p:extLst>
       <p:ext uri="{BB962C8B-B14F-4D97-AF65-F5344CB8AC3E}">
-        <p14:creationId xmlns:p14="http://schemas.microsoft.com/office/powerpoint/2010/main" val="755510153"/>
+        <p14:creationId xmlns:p14="http://schemas.microsoft.com/office/powerpoint/2010/main" val="1632532600"/>
       </p:ext>
     </p:extLst>
   </p:cSld>
@@ -14537,7 +9976,7 @@
         <p:spPr>
           <a:xfrm>
             <a:off x="347240" y="113388"/>
-            <a:ext cx="9799937" cy="1015663"/>
+            <a:ext cx="11447363" cy="923330"/>
           </a:xfrm>
           <a:prstGeom prst="rect">
             <a:avLst/>
@@ -14551,24 +9990,142 @@
           <a:lstStyle/>
           <a:p>
             <a:r>
-              <a:rPr lang="en-US" sz="6000" dirty="0">
+              <a:rPr lang="en-US" sz="5400" dirty="0">
                 <a:latin typeface="Aliens &amp; cows" panose="00000500000000000000" pitchFamily="2" charset="0"/>
               </a:rPr>
-              <a:t>The dialects of data</a:t>
-            </a:r>
-          </a:p>
-        </p:txBody>
-      </p:sp>
-      <p:sp>
-        <p:nvSpPr>
-          <p:cNvPr id="3" name="TextBox 2"/>
+              <a:t>Python for Power BI is here already…</a:t>
+            </a:r>
+          </a:p>
+        </p:txBody>
+      </p:sp>
+      <p:pic>
+        <p:nvPicPr>
+          <p:cNvPr id="7" name="Picture 6">
+            <a:extLst>
+              <a:ext uri="{FF2B5EF4-FFF2-40B4-BE49-F238E27FC236}">
+                <a16:creationId xmlns:a16="http://schemas.microsoft.com/office/drawing/2014/main" id="{4920552E-A6F1-442A-80A4-B59141A0871E}"/>
+              </a:ext>
+            </a:extLst>
+          </p:cNvPr>
+          <p:cNvPicPr>
+            <a:picLocks noChangeAspect="1"/>
+          </p:cNvPicPr>
+          <p:nvPr/>
+        </p:nvPicPr>
+        <p:blipFill>
+          <a:blip r:embed="rId4"/>
+          <a:stretch>
+            <a:fillRect/>
+          </a:stretch>
+        </p:blipFill>
+        <p:spPr>
+          <a:xfrm>
+            <a:off x="562455" y="1410919"/>
+            <a:ext cx="4991792" cy="2806600"/>
+          </a:xfrm>
+          <a:prstGeom prst="rect">
+            <a:avLst/>
+          </a:prstGeom>
+        </p:spPr>
+      </p:pic>
+      <p:pic>
+        <p:nvPicPr>
+          <p:cNvPr id="8" name="Picture 7">
+            <a:extLst>
+              <a:ext uri="{FF2B5EF4-FFF2-40B4-BE49-F238E27FC236}">
+                <a16:creationId xmlns:a16="http://schemas.microsoft.com/office/drawing/2014/main" id="{F7E2D9E8-C60B-45C7-983F-680E54250661}"/>
+              </a:ext>
+            </a:extLst>
+          </p:cNvPr>
+          <p:cNvPicPr>
+            <a:picLocks noChangeAspect="1"/>
+          </p:cNvPicPr>
+          <p:nvPr/>
+        </p:nvPicPr>
+        <p:blipFill>
+          <a:blip r:embed="rId5"/>
+          <a:stretch>
+            <a:fillRect/>
+          </a:stretch>
+        </p:blipFill>
+        <p:spPr>
+          <a:xfrm>
+            <a:off x="562455" y="4591720"/>
+            <a:ext cx="3997997" cy="2136073"/>
+          </a:xfrm>
+          <a:prstGeom prst="rect">
+            <a:avLst/>
+          </a:prstGeom>
+        </p:spPr>
+      </p:pic>
+      <p:sp>
+        <p:nvSpPr>
+          <p:cNvPr id="4" name="Rectangle 3">
+            <a:extLst>
+              <a:ext uri="{FF2B5EF4-FFF2-40B4-BE49-F238E27FC236}">
+                <a16:creationId xmlns:a16="http://schemas.microsoft.com/office/drawing/2014/main" id="{59889E5F-8C2F-4391-A49E-D05F27FB4984}"/>
+              </a:ext>
+            </a:extLst>
+          </p:cNvPr>
+          <p:cNvSpPr/>
+          <p:nvPr/>
+        </p:nvSpPr>
+        <p:spPr>
+          <a:xfrm>
+            <a:off x="711201" y="6347379"/>
+            <a:ext cx="774710" cy="380414"/>
+          </a:xfrm>
+          <a:prstGeom prst="rect">
+            <a:avLst/>
+          </a:prstGeom>
+          <a:noFill/>
+          <a:ln w="28575">
+            <a:solidFill>
+              <a:srgbClr val="CF3338"/>
+            </a:solidFill>
+          </a:ln>
+        </p:spPr>
+        <p:style>
+          <a:lnRef idx="2">
+            <a:schemeClr val="accent1">
+              <a:shade val="50000"/>
+            </a:schemeClr>
+          </a:lnRef>
+          <a:fillRef idx="1">
+            <a:schemeClr val="accent1"/>
+          </a:fillRef>
+          <a:effectRef idx="0">
+            <a:schemeClr val="accent1"/>
+          </a:effectRef>
+          <a:fontRef idx="minor">
+            <a:schemeClr val="lt1"/>
+          </a:fontRef>
+        </p:style>
+        <p:txBody>
+          <a:bodyPr rtlCol="0" anchor="ctr"/>
+          <a:lstStyle/>
+          <a:p>
+            <a:pPr algn="ctr"/>
+            <a:endParaRPr lang="en-US"/>
+          </a:p>
+        </p:txBody>
+      </p:sp>
+      <p:sp>
+        <p:nvSpPr>
+          <p:cNvPr id="12" name="TextBox 11">
+            <a:extLst>
+              <a:ext uri="{FF2B5EF4-FFF2-40B4-BE49-F238E27FC236}">
+                <a16:creationId xmlns:a16="http://schemas.microsoft.com/office/drawing/2014/main" id="{09FC8A81-5E93-4286-A4C8-9890763FBE22}"/>
+              </a:ext>
+            </a:extLst>
+          </p:cNvPr>
           <p:cNvSpPr txBox="1"/>
           <p:nvPr/>
         </p:nvSpPr>
         <p:spPr>
           <a:xfrm>
-            <a:off x="449501" y="1377924"/>
-            <a:ext cx="9595413" cy="2677656"/>
+            <a:off x="6283510" y="2449546"/>
+            <a:ext cx="5511093" cy="2677656"/>
           </a:xfrm>
           <a:prstGeom prst="rect">
             <a:avLst/>
@@ -14581,7 +10138,7 @@
           </a:bodyPr>
           <a:lstStyle/>
           <a:p>
-            <a:pPr marL="457200" indent="-457200">
+            <a:pPr marL="285750" indent="-285750">
               <a:buFont typeface="Arial" panose="020B0604020202020204" pitchFamily="34" charset="0"/>
               <a:buChar char="•"/>
             </a:pPr>
@@ -14592,11 +10149,11 @@
                 </a:solidFill>
                 <a:latin typeface="Pragmatica" panose="020B0403040502020204" pitchFamily="34" charset="0"/>
               </a:rPr>
-              <a:t>Column-wise operations (Adding, dropping, calculating fields)</a:t>
-            </a:r>
-          </a:p>
-          <a:p>
-            <a:pPr marL="457200" indent="-457200">
+              <a:t>Remote or unstructured data sources</a:t>
+            </a:r>
+          </a:p>
+          <a:p>
+            <a:pPr marL="285750" indent="-285750">
               <a:buFont typeface="Arial" panose="020B0604020202020204" pitchFamily="34" charset="0"/>
               <a:buChar char="•"/>
             </a:pPr>
@@ -14607,11 +10164,11 @@
                 </a:solidFill>
                 <a:latin typeface="Pragmatica" panose="020B0403040502020204" pitchFamily="34" charset="0"/>
               </a:rPr>
-              <a:t>Row-wise operations (Sorting, filtering)</a:t>
-            </a:r>
-          </a:p>
-          <a:p>
-            <a:pPr marL="457200" indent="-457200">
+              <a:t>Feature engineering (missing values, PCA)</a:t>
+            </a:r>
+          </a:p>
+          <a:p>
+            <a:pPr marL="285750" indent="-285750">
               <a:buFont typeface="Arial" panose="020B0604020202020204" pitchFamily="34" charset="0"/>
               <a:buChar char="•"/>
             </a:pPr>
@@ -14622,11 +10179,11 @@
                 </a:solidFill>
                 <a:latin typeface="Pragmatica" panose="020B0403040502020204" pitchFamily="34" charset="0"/>
               </a:rPr>
-              <a:t>Aggregations (Grouping by, summarizing by)</a:t>
-            </a:r>
-          </a:p>
-          <a:p>
-            <a:pPr marL="457200" indent="-457200">
+              <a:t>Regular expressions</a:t>
+            </a:r>
+          </a:p>
+          <a:p>
+            <a:pPr marL="285750" indent="-285750">
               <a:buFont typeface="Arial" panose="020B0604020202020204" pitchFamily="34" charset="0"/>
               <a:buChar char="•"/>
             </a:pPr>
@@ -14637,42 +10194,15 @@
                 </a:solidFill>
                 <a:latin typeface="Pragmatica" panose="020B0403040502020204" pitchFamily="34" charset="0"/>
               </a:rPr>
-              <a:t>Joining and merging</a:t>
-            </a:r>
-          </a:p>
-          <a:p>
-            <a:pPr marL="457200" indent="-457200">
-              <a:buFont typeface="Arial" panose="020B0604020202020204" pitchFamily="34" charset="0"/>
-              <a:buChar char="•"/>
-            </a:pPr>
-            <a:r>
-              <a:rPr lang="en-US" sz="2800" dirty="0">
-                <a:solidFill>
-                  <a:srgbClr val="707070"/>
-                </a:solidFill>
-                <a:latin typeface="Pragmatica" panose="020B0403040502020204" pitchFamily="34" charset="0"/>
-              </a:rPr>
-              <a:t>Re-shaping (pivoting and unpivoting)  </a:t>
-            </a:r>
-          </a:p>
-          <a:p>
-            <a:pPr marL="457200" indent="-457200">
-              <a:buFont typeface="Arial" panose="020B0604020202020204" pitchFamily="34" charset="0"/>
-              <a:buChar char="•"/>
-            </a:pPr>
-            <a:endParaRPr lang="en-US" sz="2800" dirty="0">
-              <a:solidFill>
-                <a:srgbClr val="707070"/>
-              </a:solidFill>
-              <a:latin typeface="Pragmatica" panose="020B0403040502020204" pitchFamily="34" charset="0"/>
-            </a:endParaRPr>
+              <a:t>Visualizations</a:t>
+            </a:r>
           </a:p>
         </p:txBody>
       </p:sp>
     </p:spTree>
     <p:extLst>
       <p:ext uri="{BB962C8B-B14F-4D97-AF65-F5344CB8AC3E}">
-        <p14:creationId xmlns:p14="http://schemas.microsoft.com/office/powerpoint/2010/main" val="1088710593"/>
+        <p14:creationId xmlns:p14="http://schemas.microsoft.com/office/powerpoint/2010/main" val="755510153"/>
       </p:ext>
     </p:extLst>
   </p:cSld>

--- a/rmb-aina-meetup.pptx
+++ b/rmb-aina-meetup.pptx
@@ -1845,7 +1845,7 @@
           <a:p>
             <a:fld id="{4A469429-6ED5-4301-866D-519E2D1EB5BF}" type="datetimeFigureOut">
               <a:rPr lang="en-US" smtClean="0"/>
-              <a:t>9/2/2021</a:t>
+              <a:t>9/6/2021</a:t>
             </a:fld>
             <a:endParaRPr lang="en-US"/>
           </a:p>
@@ -3782,7 +3782,7 @@
           <a:p>
             <a:fld id="{0138B082-EFC2-46C1-B47C-51736C670379}" type="datetimeFigureOut">
               <a:rPr lang="en-US" smtClean="0"/>
-              <a:t>9/2/2021</a:t>
+              <a:t>9/6/2021</a:t>
             </a:fld>
             <a:endParaRPr lang="en-US"/>
           </a:p>
@@ -3950,7 +3950,7 @@
           <a:p>
             <a:fld id="{0138B082-EFC2-46C1-B47C-51736C670379}" type="datetimeFigureOut">
               <a:rPr lang="en-US" smtClean="0"/>
-              <a:t>9/2/2021</a:t>
+              <a:t>9/6/2021</a:t>
             </a:fld>
             <a:endParaRPr lang="en-US"/>
           </a:p>
@@ -4128,7 +4128,7 @@
           <a:p>
             <a:fld id="{0138B082-EFC2-46C1-B47C-51736C670379}" type="datetimeFigureOut">
               <a:rPr lang="en-US" smtClean="0"/>
-              <a:t>9/2/2021</a:t>
+              <a:t>9/6/2021</a:t>
             </a:fld>
             <a:endParaRPr lang="en-US"/>
           </a:p>
@@ -4296,7 +4296,7 @@
           <a:p>
             <a:fld id="{0138B082-EFC2-46C1-B47C-51736C670379}" type="datetimeFigureOut">
               <a:rPr lang="en-US" smtClean="0"/>
-              <a:t>9/2/2021</a:t>
+              <a:t>9/6/2021</a:t>
             </a:fld>
             <a:endParaRPr lang="en-US"/>
           </a:p>
@@ -4541,7 +4541,7 @@
           <a:p>
             <a:fld id="{0138B082-EFC2-46C1-B47C-51736C670379}" type="datetimeFigureOut">
               <a:rPr lang="en-US" smtClean="0"/>
-              <a:t>9/2/2021</a:t>
+              <a:t>9/6/2021</a:t>
             </a:fld>
             <a:endParaRPr lang="en-US"/>
           </a:p>
@@ -4770,7 +4770,7 @@
           <a:p>
             <a:fld id="{0138B082-EFC2-46C1-B47C-51736C670379}" type="datetimeFigureOut">
               <a:rPr lang="en-US" smtClean="0"/>
-              <a:t>9/2/2021</a:t>
+              <a:t>9/6/2021</a:t>
             </a:fld>
             <a:endParaRPr lang="en-US"/>
           </a:p>
@@ -5134,7 +5134,7 @@
           <a:p>
             <a:fld id="{0138B082-EFC2-46C1-B47C-51736C670379}" type="datetimeFigureOut">
               <a:rPr lang="en-US" smtClean="0"/>
-              <a:t>9/2/2021</a:t>
+              <a:t>9/6/2021</a:t>
             </a:fld>
             <a:endParaRPr lang="en-US"/>
           </a:p>
@@ -5251,7 +5251,7 @@
           <a:p>
             <a:fld id="{0138B082-EFC2-46C1-B47C-51736C670379}" type="datetimeFigureOut">
               <a:rPr lang="en-US" smtClean="0"/>
-              <a:t>9/2/2021</a:t>
+              <a:t>9/6/2021</a:t>
             </a:fld>
             <a:endParaRPr lang="en-US"/>
           </a:p>
@@ -5346,7 +5346,7 @@
           <a:p>
             <a:fld id="{0138B082-EFC2-46C1-B47C-51736C670379}" type="datetimeFigureOut">
               <a:rPr lang="en-US" smtClean="0"/>
-              <a:t>9/2/2021</a:t>
+              <a:t>9/6/2021</a:t>
             </a:fld>
             <a:endParaRPr lang="en-US"/>
           </a:p>
@@ -5621,7 +5621,7 @@
           <a:p>
             <a:fld id="{0138B082-EFC2-46C1-B47C-51736C670379}" type="datetimeFigureOut">
               <a:rPr lang="en-US" smtClean="0"/>
-              <a:t>9/2/2021</a:t>
+              <a:t>9/6/2021</a:t>
             </a:fld>
             <a:endParaRPr lang="en-US"/>
           </a:p>
@@ -5873,7 +5873,7 @@
           <a:p>
             <a:fld id="{0138B082-EFC2-46C1-B47C-51736C670379}" type="datetimeFigureOut">
               <a:rPr lang="en-US" smtClean="0"/>
-              <a:t>9/2/2021</a:t>
+              <a:t>9/6/2021</a:t>
             </a:fld>
             <a:endParaRPr lang="en-US"/>
           </a:p>
@@ -6084,7 +6084,7 @@
           <a:p>
             <a:fld id="{0138B082-EFC2-46C1-B47C-51736C670379}" type="datetimeFigureOut">
               <a:rPr lang="en-US" smtClean="0"/>
-              <a:t>9/2/2021</a:t>
+              <a:t>9/6/2021</a:t>
             </a:fld>
             <a:endParaRPr lang="en-US"/>
           </a:p>
@@ -6491,35 +6491,6 @@
       </p:grpSpPr>
       <p:pic>
         <p:nvPicPr>
-          <p:cNvPr id="10" name="Picture 9"/>
-          <p:cNvPicPr>
-            <a:picLocks noChangeAspect="1"/>
-          </p:cNvPicPr>
-          <p:nvPr/>
-        </p:nvPicPr>
-        <p:blipFill rotWithShape="1">
-          <a:blip r:embed="rId3">
-            <a:extLst>
-              <a:ext uri="{28A0092B-C50C-407E-A947-70E740481C1C}">
-                <a14:useLocalDpi xmlns:a14="http://schemas.microsoft.com/office/drawing/2010/main" val="0"/>
-              </a:ext>
-            </a:extLst>
-          </a:blip>
-          <a:srcRect l="50728" t="56371"/>
-          <a:stretch/>
-        </p:blipFill>
-        <p:spPr>
-          <a:xfrm>
-            <a:off x="8136460" y="2210765"/>
-            <a:ext cx="4055539" cy="4647236"/>
-          </a:xfrm>
-          <a:prstGeom prst="rect">
-            <a:avLst/>
-          </a:prstGeom>
-        </p:spPr>
-      </p:pic>
-      <p:pic>
-        <p:nvPicPr>
           <p:cNvPr id="4" name="Picture 3"/>
           <p:cNvPicPr>
             <a:picLocks noChangeAspect="1"/>
@@ -6527,7 +6498,7 @@
           <p:nvPr/>
         </p:nvPicPr>
         <p:blipFill>
-          <a:blip r:embed="rId4">
+          <a:blip r:embed="rId3">
             <a:extLst>
               <a:ext uri="{28A0092B-C50C-407E-A947-70E740481C1C}">
                 <a14:useLocalDpi xmlns:a14="http://schemas.microsoft.com/office/drawing/2010/main" val="0"/>
@@ -6571,7 +6542,7 @@
           <a:lstStyle/>
           <a:p>
             <a:r>
-              <a:rPr lang="en-US" sz="2800" b="1" i="1" dirty="0">
+              <a:rPr lang="en-US" sz="2800" b="1" i="1">
                 <a:solidFill>
                   <a:srgbClr val="707070"/>
                 </a:solidFill>
@@ -6579,15 +6550,21 @@
               </a:rPr>
               <a:t>Advancing into Analytics: From Excel to R and Python</a:t>
             </a:r>
+            <a:endParaRPr lang="en-US" sz="2800" b="1" i="1" dirty="0">
+              <a:solidFill>
+                <a:srgbClr val="707070"/>
+              </a:solidFill>
+              <a:latin typeface="Pragmatica" panose="020B0403040502020204" pitchFamily="34" charset="0"/>
+            </a:endParaRPr>
           </a:p>
         </p:txBody>
       </p:sp>
       <p:pic>
         <p:nvPicPr>
-          <p:cNvPr id="3" name="Picture 2" descr="Calendar&#10;&#10;Description automatically generated with medium confidence">
+          <p:cNvPr id="5" name="Picture 4">
             <a:extLst>
               <a:ext uri="{FF2B5EF4-FFF2-40B4-BE49-F238E27FC236}">
-                <a16:creationId xmlns:a16="http://schemas.microsoft.com/office/drawing/2014/main" id="{3F0684C3-8F29-487C-A4C5-CCEEA0308491}"/>
+                <a16:creationId xmlns:a16="http://schemas.microsoft.com/office/drawing/2014/main" id="{08966398-ED81-48CD-B2AA-AF6C7C3B1FB8}"/>
               </a:ext>
             </a:extLst>
           </p:cNvPr>
@@ -6597,7 +6574,7 @@
           <p:nvPr/>
         </p:nvPicPr>
         <p:blipFill>
-          <a:blip r:embed="rId5">
+          <a:blip r:embed="rId4">
             <a:extLst>
               <a:ext uri="{28A0092B-C50C-407E-A947-70E740481C1C}">
                 <a14:useLocalDpi xmlns:a14="http://schemas.microsoft.com/office/drawing/2010/main" val="0"/>

--- a/rmb-aina-meetup.pptx
+++ b/rmb-aina-meetup.pptx
@@ -5,7 +5,7 @@
     <p:sldMasterId id="2147483648" r:id="rId1"/>
   </p:sldMasterIdLst>
   <p:notesMasterIdLst>
-    <p:notesMasterId r:id="rId21"/>
+    <p:notesMasterId r:id="rId16"/>
   </p:notesMasterIdLst>
   <p:sldIdLst>
     <p:sldId id="256" r:id="rId2"/>
@@ -18,15 +18,10 @@
     <p:sldId id="342" r:id="rId9"/>
     <p:sldId id="320" r:id="rId10"/>
     <p:sldId id="343" r:id="rId11"/>
-    <p:sldId id="269" r:id="rId12"/>
-    <p:sldId id="273" r:id="rId13"/>
-    <p:sldId id="275" r:id="rId14"/>
-    <p:sldId id="322" r:id="rId15"/>
-    <p:sldId id="261" r:id="rId16"/>
-    <p:sldId id="318" r:id="rId17"/>
-    <p:sldId id="338" r:id="rId18"/>
-    <p:sldId id="316" r:id="rId19"/>
-    <p:sldId id="336" r:id="rId20"/>
+    <p:sldId id="318" r:id="rId12"/>
+    <p:sldId id="338" r:id="rId13"/>
+    <p:sldId id="316" r:id="rId14"/>
+    <p:sldId id="336" r:id="rId15"/>
   </p:sldIdLst>
   <p:sldSz cx="12192000" cy="6858000"/>
   <p:notesSz cx="6858000" cy="9144000"/>
@@ -1845,7 +1840,7 @@
           <a:p>
             <a:fld id="{4A469429-6ED5-4301-866D-519E2D1EB5BF}" type="datetimeFigureOut">
               <a:rPr lang="en-US" smtClean="0"/>
-              <a:t>9/6/2021</a:t>
+              <a:t>9/11/2021</a:t>
             </a:fld>
             <a:endParaRPr lang="en-US"/>
           </a:p>
@@ -2340,14 +2335,13 @@
           <a:p>
             <a:r>
               <a:rPr lang="en-US" dirty="0"/>
-              <a:t>So this seems patronizing</a:t>
-            </a:r>
-          </a:p>
-          <a:p>
-            <a:r>
-              <a:rPr lang="en-US" dirty="0"/>
-              <a:t>How about add a slide defining what analytics is. </a:t>
-            </a:r>
+              <a:t>OK now for one last demo. I want to show you an example of “remixing” some of these different tools and really using each resource to its full potential. And the pun here is “shell” as in </a:t>
+            </a:r>
+            <a:r>
+              <a:rPr lang="en-US"/>
+              <a:t>a programming shell. </a:t>
+            </a:r>
+            <a:endParaRPr lang="en-US" dirty="0"/>
           </a:p>
         </p:txBody>
       </p:sp>
@@ -2377,7 +2371,7 @@
     </p:spTree>
     <p:extLst>
       <p:ext uri="{BB962C8B-B14F-4D97-AF65-F5344CB8AC3E}">
-        <p14:creationId xmlns:p14="http://schemas.microsoft.com/office/powerpoint/2010/main" val="2503047166"/>
+        <p14:creationId xmlns:p14="http://schemas.microsoft.com/office/powerpoint/2010/main" val="2993127751"/>
       </p:ext>
     </p:extLst>
   </p:cSld>
@@ -2431,10 +2425,7 @@
           <a:bodyPr/>
           <a:lstStyle/>
           <a:p>
-            <a:r>
-              <a:rPr lang="en-US" dirty="0"/>
-              <a:t>OK, first let’s start with R, and yes its full name is the R Project for Statistical Computing. </a:t>
-            </a:r>
+            <a:endParaRPr lang="en-US" dirty="0"/>
           </a:p>
         </p:txBody>
       </p:sp>
@@ -2456,451 +2447,6 @@
             <a:fld id="{3BB66621-ADCC-4EF8-8003-B9D3E881DCD2}" type="slidenum">
               <a:rPr lang="en-US" smtClean="0"/>
               <a:t>12</a:t>
-            </a:fld>
-            <a:endParaRPr lang="en-US"/>
-          </a:p>
-        </p:txBody>
-      </p:sp>
-    </p:spTree>
-    <p:extLst>
-      <p:ext uri="{BB962C8B-B14F-4D97-AF65-F5344CB8AC3E}">
-        <p14:creationId xmlns:p14="http://schemas.microsoft.com/office/powerpoint/2010/main" val="2308189684"/>
-      </p:ext>
-    </p:extLst>
-  </p:cSld>
-  <p:clrMapOvr>
-    <a:masterClrMapping/>
-  </p:clrMapOvr>
-</p:notes>
-</file>
-
-<file path=ppt/notesSlides/notesSlide13.xml><?xml version="1.0" encoding="utf-8"?>
-<p:notes xmlns:a="http://schemas.openxmlformats.org/drawingml/2006/main" xmlns:r="http://schemas.openxmlformats.org/officeDocument/2006/relationships" xmlns:p="http://schemas.openxmlformats.org/presentationml/2006/main">
-  <p:cSld>
-    <p:spTree>
-      <p:nvGrpSpPr>
-        <p:cNvPr id="1" name=""/>
-        <p:cNvGrpSpPr/>
-        <p:nvPr/>
-      </p:nvGrpSpPr>
-      <p:grpSpPr>
-        <a:xfrm>
-          <a:off x="0" y="0"/>
-          <a:ext cx="0" cy="0"/>
-          <a:chOff x="0" y="0"/>
-          <a:chExt cx="0" cy="0"/>
-        </a:xfrm>
-      </p:grpSpPr>
-      <p:sp>
-        <p:nvSpPr>
-          <p:cNvPr id="2" name="Slide Image Placeholder 1"/>
-          <p:cNvSpPr>
-            <a:spLocks noGrp="1" noRot="1" noChangeAspect="1"/>
-          </p:cNvSpPr>
-          <p:nvPr>
-            <p:ph type="sldImg"/>
-          </p:nvPr>
-        </p:nvSpPr>
-        <p:spPr/>
-      </p:sp>
-      <p:sp>
-        <p:nvSpPr>
-          <p:cNvPr id="3" name="Notes Placeholder 2"/>
-          <p:cNvSpPr>
-            <a:spLocks noGrp="1"/>
-          </p:cNvSpPr>
-          <p:nvPr>
-            <p:ph type="body" idx="1"/>
-          </p:nvPr>
-        </p:nvSpPr>
-        <p:spPr/>
-        <p:txBody>
-          <a:bodyPr/>
-          <a:lstStyle/>
-          <a:p>
-            <a:r>
-              <a:rPr lang="en-US" dirty="0"/>
-              <a:t>Now another thing unique to open source programs is this idea of packages. You can kind of think of this as like add-ins for Excel – the analogy I like to use is as apps on a phone. </a:t>
-            </a:r>
-          </a:p>
-        </p:txBody>
-      </p:sp>
-      <p:sp>
-        <p:nvSpPr>
-          <p:cNvPr id="4" name="Slide Number Placeholder 3"/>
-          <p:cNvSpPr>
-            <a:spLocks noGrp="1"/>
-          </p:cNvSpPr>
-          <p:nvPr>
-            <p:ph type="sldNum" sz="quarter" idx="5"/>
-          </p:nvPr>
-        </p:nvSpPr>
-        <p:spPr/>
-        <p:txBody>
-          <a:bodyPr/>
-          <a:lstStyle/>
-          <a:p>
-            <a:fld id="{3BB66621-ADCC-4EF8-8003-B9D3E881DCD2}" type="slidenum">
-              <a:rPr lang="en-US" smtClean="0"/>
-              <a:t>13</a:t>
-            </a:fld>
-            <a:endParaRPr lang="en-US"/>
-          </a:p>
-        </p:txBody>
-      </p:sp>
-    </p:spTree>
-    <p:extLst>
-      <p:ext uri="{BB962C8B-B14F-4D97-AF65-F5344CB8AC3E}">
-        <p14:creationId xmlns:p14="http://schemas.microsoft.com/office/powerpoint/2010/main" val="4093464438"/>
-      </p:ext>
-    </p:extLst>
-  </p:cSld>
-  <p:clrMapOvr>
-    <a:masterClrMapping/>
-  </p:clrMapOvr>
-</p:notes>
-</file>
-
-<file path=ppt/notesSlides/notesSlide14.xml><?xml version="1.0" encoding="utf-8"?>
-<p:notes xmlns:a="http://schemas.openxmlformats.org/drawingml/2006/main" xmlns:r="http://schemas.openxmlformats.org/officeDocument/2006/relationships" xmlns:p="http://schemas.openxmlformats.org/presentationml/2006/main">
-  <p:cSld>
-    <p:spTree>
-      <p:nvGrpSpPr>
-        <p:cNvPr id="1" name=""/>
-        <p:cNvGrpSpPr/>
-        <p:nvPr/>
-      </p:nvGrpSpPr>
-      <p:grpSpPr>
-        <a:xfrm>
-          <a:off x="0" y="0"/>
-          <a:ext cx="0" cy="0"/>
-          <a:chOff x="0" y="0"/>
-          <a:chExt cx="0" cy="0"/>
-        </a:xfrm>
-      </p:grpSpPr>
-      <p:sp>
-        <p:nvSpPr>
-          <p:cNvPr id="2" name="Slide Image Placeholder 1"/>
-          <p:cNvSpPr>
-            <a:spLocks noGrp="1" noRot="1" noChangeAspect="1"/>
-          </p:cNvSpPr>
-          <p:nvPr>
-            <p:ph type="sldImg"/>
-          </p:nvPr>
-        </p:nvSpPr>
-        <p:spPr/>
-      </p:sp>
-      <p:sp>
-        <p:nvSpPr>
-          <p:cNvPr id="3" name="Notes Placeholder 2"/>
-          <p:cNvSpPr>
-            <a:spLocks noGrp="1"/>
-          </p:cNvSpPr>
-          <p:nvPr>
-            <p:ph type="body" idx="1"/>
-          </p:nvPr>
-        </p:nvSpPr>
-        <p:spPr/>
-        <p:txBody>
-          <a:bodyPr/>
-          <a:lstStyle/>
-          <a:p>
-            <a:r>
-              <a:rPr lang="en-US" dirty="0"/>
-              <a:t>OK so what we are going to do here is go back to your session or open a new one. Go to the </a:t>
-            </a:r>
-            <a:r>
-              <a:rPr lang="en-US" dirty="0" err="1"/>
-              <a:t>diamonds.r</a:t>
-            </a:r>
-            <a:r>
-              <a:rPr lang="en-US" dirty="0"/>
-              <a:t> dataset. And let’s actually conduct the analysis that was hinted at earlier. </a:t>
-            </a:r>
-          </a:p>
-        </p:txBody>
-      </p:sp>
-      <p:sp>
-        <p:nvSpPr>
-          <p:cNvPr id="4" name="Slide Number Placeholder 3"/>
-          <p:cNvSpPr>
-            <a:spLocks noGrp="1"/>
-          </p:cNvSpPr>
-          <p:nvPr>
-            <p:ph type="sldNum" sz="quarter" idx="5"/>
-          </p:nvPr>
-        </p:nvSpPr>
-        <p:spPr/>
-        <p:txBody>
-          <a:bodyPr/>
-          <a:lstStyle/>
-          <a:p>
-            <a:fld id="{3BB66621-ADCC-4EF8-8003-B9D3E881DCD2}" type="slidenum">
-              <a:rPr lang="en-US" smtClean="0"/>
-              <a:t>14</a:t>
-            </a:fld>
-            <a:endParaRPr lang="en-US"/>
-          </a:p>
-        </p:txBody>
-      </p:sp>
-    </p:spTree>
-    <p:extLst>
-      <p:ext uri="{BB962C8B-B14F-4D97-AF65-F5344CB8AC3E}">
-        <p14:creationId xmlns:p14="http://schemas.microsoft.com/office/powerpoint/2010/main" val="886286121"/>
-      </p:ext>
-    </p:extLst>
-  </p:cSld>
-  <p:clrMapOvr>
-    <a:masterClrMapping/>
-  </p:clrMapOvr>
-</p:notes>
-</file>
-
-<file path=ppt/notesSlides/notesSlide15.xml><?xml version="1.0" encoding="utf-8"?>
-<p:notes xmlns:a="http://schemas.openxmlformats.org/drawingml/2006/main" xmlns:r="http://schemas.openxmlformats.org/officeDocument/2006/relationships" xmlns:p="http://schemas.openxmlformats.org/presentationml/2006/main">
-  <p:cSld>
-    <p:spTree>
-      <p:nvGrpSpPr>
-        <p:cNvPr id="1" name=""/>
-        <p:cNvGrpSpPr/>
-        <p:nvPr/>
-      </p:nvGrpSpPr>
-      <p:grpSpPr>
-        <a:xfrm>
-          <a:off x="0" y="0"/>
-          <a:ext cx="0" cy="0"/>
-          <a:chOff x="0" y="0"/>
-          <a:chExt cx="0" cy="0"/>
-        </a:xfrm>
-      </p:grpSpPr>
-      <p:sp>
-        <p:nvSpPr>
-          <p:cNvPr id="2" name="Slide Image Placeholder 1"/>
-          <p:cNvSpPr>
-            <a:spLocks noGrp="1" noRot="1" noChangeAspect="1"/>
-          </p:cNvSpPr>
-          <p:nvPr>
-            <p:ph type="sldImg"/>
-          </p:nvPr>
-        </p:nvSpPr>
-        <p:spPr/>
-      </p:sp>
-      <p:sp>
-        <p:nvSpPr>
-          <p:cNvPr id="3" name="Notes Placeholder 2"/>
-          <p:cNvSpPr>
-            <a:spLocks noGrp="1"/>
-          </p:cNvSpPr>
-          <p:nvPr>
-            <p:ph type="body" idx="1"/>
-          </p:nvPr>
-        </p:nvSpPr>
-        <p:spPr/>
-        <p:txBody>
-          <a:bodyPr/>
-          <a:lstStyle/>
-          <a:p>
-            <a:r>
-              <a:rPr lang="en-US" dirty="0"/>
-              <a:t>Any questions about Python? </a:t>
-            </a:r>
-          </a:p>
-        </p:txBody>
-      </p:sp>
-      <p:sp>
-        <p:nvSpPr>
-          <p:cNvPr id="4" name="Slide Number Placeholder 3"/>
-          <p:cNvSpPr>
-            <a:spLocks noGrp="1"/>
-          </p:cNvSpPr>
-          <p:nvPr>
-            <p:ph type="sldNum" sz="quarter" idx="5"/>
-          </p:nvPr>
-        </p:nvSpPr>
-        <p:spPr/>
-        <p:txBody>
-          <a:bodyPr/>
-          <a:lstStyle/>
-          <a:p>
-            <a:fld id="{3BB66621-ADCC-4EF8-8003-B9D3E881DCD2}" type="slidenum">
-              <a:rPr lang="en-US" smtClean="0"/>
-              <a:t>15</a:t>
-            </a:fld>
-            <a:endParaRPr lang="en-US"/>
-          </a:p>
-        </p:txBody>
-      </p:sp>
-    </p:spTree>
-    <p:extLst>
-      <p:ext uri="{BB962C8B-B14F-4D97-AF65-F5344CB8AC3E}">
-        <p14:creationId xmlns:p14="http://schemas.microsoft.com/office/powerpoint/2010/main" val="1621402403"/>
-      </p:ext>
-    </p:extLst>
-  </p:cSld>
-  <p:clrMapOvr>
-    <a:masterClrMapping/>
-  </p:clrMapOvr>
-</p:notes>
-</file>
-
-<file path=ppt/notesSlides/notesSlide16.xml><?xml version="1.0" encoding="utf-8"?>
-<p:notes xmlns:a="http://schemas.openxmlformats.org/drawingml/2006/main" xmlns:r="http://schemas.openxmlformats.org/officeDocument/2006/relationships" xmlns:p="http://schemas.openxmlformats.org/presentationml/2006/main">
-  <p:cSld>
-    <p:spTree>
-      <p:nvGrpSpPr>
-        <p:cNvPr id="1" name=""/>
-        <p:cNvGrpSpPr/>
-        <p:nvPr/>
-      </p:nvGrpSpPr>
-      <p:grpSpPr>
-        <a:xfrm>
-          <a:off x="0" y="0"/>
-          <a:ext cx="0" cy="0"/>
-          <a:chOff x="0" y="0"/>
-          <a:chExt cx="0" cy="0"/>
-        </a:xfrm>
-      </p:grpSpPr>
-      <p:sp>
-        <p:nvSpPr>
-          <p:cNvPr id="2" name="Slide Image Placeholder 1"/>
-          <p:cNvSpPr>
-            <a:spLocks noGrp="1" noRot="1" noChangeAspect="1"/>
-          </p:cNvSpPr>
-          <p:nvPr>
-            <p:ph type="sldImg"/>
-          </p:nvPr>
-        </p:nvSpPr>
-        <p:spPr/>
-      </p:sp>
-      <p:sp>
-        <p:nvSpPr>
-          <p:cNvPr id="3" name="Notes Placeholder 2"/>
-          <p:cNvSpPr>
-            <a:spLocks noGrp="1"/>
-          </p:cNvSpPr>
-          <p:nvPr>
-            <p:ph type="body" idx="1"/>
-          </p:nvPr>
-        </p:nvSpPr>
-        <p:spPr/>
-        <p:txBody>
-          <a:bodyPr/>
-          <a:lstStyle/>
-          <a:p>
-            <a:r>
-              <a:rPr lang="en-US" dirty="0"/>
-              <a:t>OK now for one last demo. I want to show you an example of “remixing” some of these different tools and really using each resource to its full potential. And the pun here is “shell” as in </a:t>
-            </a:r>
-            <a:r>
-              <a:rPr lang="en-US"/>
-              <a:t>a programming shell. </a:t>
-            </a:r>
-            <a:endParaRPr lang="en-US" dirty="0"/>
-          </a:p>
-        </p:txBody>
-      </p:sp>
-      <p:sp>
-        <p:nvSpPr>
-          <p:cNvPr id="4" name="Slide Number Placeholder 3"/>
-          <p:cNvSpPr>
-            <a:spLocks noGrp="1"/>
-          </p:cNvSpPr>
-          <p:nvPr>
-            <p:ph type="sldNum" sz="quarter" idx="5"/>
-          </p:nvPr>
-        </p:nvSpPr>
-        <p:spPr/>
-        <p:txBody>
-          <a:bodyPr/>
-          <a:lstStyle/>
-          <a:p>
-            <a:fld id="{3BB66621-ADCC-4EF8-8003-B9D3E881DCD2}" type="slidenum">
-              <a:rPr lang="en-US" smtClean="0"/>
-              <a:t>16</a:t>
-            </a:fld>
-            <a:endParaRPr lang="en-US"/>
-          </a:p>
-        </p:txBody>
-      </p:sp>
-    </p:spTree>
-    <p:extLst>
-      <p:ext uri="{BB962C8B-B14F-4D97-AF65-F5344CB8AC3E}">
-        <p14:creationId xmlns:p14="http://schemas.microsoft.com/office/powerpoint/2010/main" val="2993127751"/>
-      </p:ext>
-    </p:extLst>
-  </p:cSld>
-  <p:clrMapOvr>
-    <a:masterClrMapping/>
-  </p:clrMapOvr>
-</p:notes>
-</file>
-
-<file path=ppt/notesSlides/notesSlide17.xml><?xml version="1.0" encoding="utf-8"?>
-<p:notes xmlns:a="http://schemas.openxmlformats.org/drawingml/2006/main" xmlns:r="http://schemas.openxmlformats.org/officeDocument/2006/relationships" xmlns:p="http://schemas.openxmlformats.org/presentationml/2006/main">
-  <p:cSld>
-    <p:spTree>
-      <p:nvGrpSpPr>
-        <p:cNvPr id="1" name=""/>
-        <p:cNvGrpSpPr/>
-        <p:nvPr/>
-      </p:nvGrpSpPr>
-      <p:grpSpPr>
-        <a:xfrm>
-          <a:off x="0" y="0"/>
-          <a:ext cx="0" cy="0"/>
-          <a:chOff x="0" y="0"/>
-          <a:chExt cx="0" cy="0"/>
-        </a:xfrm>
-      </p:grpSpPr>
-      <p:sp>
-        <p:nvSpPr>
-          <p:cNvPr id="2" name="Slide Image Placeholder 1"/>
-          <p:cNvSpPr>
-            <a:spLocks noGrp="1" noRot="1" noChangeAspect="1"/>
-          </p:cNvSpPr>
-          <p:nvPr>
-            <p:ph type="sldImg"/>
-          </p:nvPr>
-        </p:nvSpPr>
-        <p:spPr/>
-      </p:sp>
-      <p:sp>
-        <p:nvSpPr>
-          <p:cNvPr id="3" name="Notes Placeholder 2"/>
-          <p:cNvSpPr>
-            <a:spLocks noGrp="1"/>
-          </p:cNvSpPr>
-          <p:nvPr>
-            <p:ph type="body" idx="1"/>
-          </p:nvPr>
-        </p:nvSpPr>
-        <p:spPr/>
-        <p:txBody>
-          <a:bodyPr/>
-          <a:lstStyle/>
-          <a:p>
-            <a:endParaRPr lang="en-US" dirty="0"/>
-          </a:p>
-        </p:txBody>
-      </p:sp>
-      <p:sp>
-        <p:nvSpPr>
-          <p:cNvPr id="4" name="Slide Number Placeholder 3"/>
-          <p:cNvSpPr>
-            <a:spLocks noGrp="1"/>
-          </p:cNvSpPr>
-          <p:nvPr>
-            <p:ph type="sldNum" sz="quarter" idx="5"/>
-          </p:nvPr>
-        </p:nvSpPr>
-        <p:spPr/>
-        <p:txBody>
-          <a:bodyPr/>
-          <a:lstStyle/>
-          <a:p>
-            <a:fld id="{3BB66621-ADCC-4EF8-8003-B9D3E881DCD2}" type="slidenum">
-              <a:rPr lang="en-US" smtClean="0"/>
-              <a:t>17</a:t>
             </a:fld>
             <a:endParaRPr lang="en-US"/>
           </a:p>
@@ -2965,34 +2511,7 @@
           <a:p>
             <a:r>
               <a:rPr lang="en-US" dirty="0"/>
-              <a:t>So what do we want to do today – well this is an Excel meetup, so this would be a weird meetup for me to be trashing Excel as an inherently inferior tool. I love Excel and it’s my home base for working with data, and I’ve found for some tasks that R and Python are just better fits. I want to contextualize R and Python as complementary resources. </a:t>
-            </a:r>
-          </a:p>
-          <a:p>
-            <a:endParaRPr lang="en-US" dirty="0"/>
-          </a:p>
-          <a:p>
-            <a:r>
-              <a:rPr lang="en-US" dirty="0"/>
-              <a:t>So if you are interested in learning these tools as an Excel user, I want to give you a clear learning path and provide you an overview here. Now it probably seems really intimidating to go anywhere near R or Python but by the end of this hour you’ll have a good lay of the land – I’ll have some demos here where you can use the industry standard software for these languages without having to download anything. </a:t>
-            </a:r>
-          </a:p>
-          <a:p>
-            <a:endParaRPr lang="en-US" dirty="0"/>
-          </a:p>
-          <a:p>
-            <a:r>
-              <a:rPr lang="en-US" dirty="0"/>
-              <a:t>I also want to go a bit further than I necessarily do in the book and show some tangible demos for combining these two tools – again I want to show that you should think of these tools as complements and not substitutes. </a:t>
-            </a:r>
-          </a:p>
-          <a:p>
-            <a:endParaRPr lang="en-US" dirty="0"/>
-          </a:p>
-          <a:p>
-            <a:r>
-              <a:rPr lang="en-US" dirty="0"/>
-              <a:t>So those are the official learning objectives. </a:t>
+              <a:t>What I want to do today is give a broad overview of what I call the data analytics stack, with particular emphasis on Microsoft’s and where Python can fit in. So I’ll give you a few use cases of automating spreadsheets and then using it inside of Power BI, how does that sound? </a:t>
             </a:r>
           </a:p>
         </p:txBody>
@@ -3172,7 +2691,7 @@
           <a:p>
             <a:r>
               <a:rPr lang="en-US" dirty="0"/>
-              <a:t>OK, first let’s start with R, and yes its full name is the R Project for Statistical Computing. </a:t>
+              <a:t>OK, let’s start with Excel – there is always a need to get data there. I think of Excel as our prototyping tool. </a:t>
             </a:r>
           </a:p>
         </p:txBody>
@@ -3526,10 +3045,7 @@
           <a:bodyPr/>
           <a:lstStyle/>
           <a:p>
-            <a:r>
-              <a:rPr lang="en-US" dirty="0"/>
-              <a:t>OK, first let’s start with R, and yes its full name is the R Project for Statistical Computing. </a:t>
-            </a:r>
+            <a:endParaRPr lang="en-US" dirty="0"/>
           </a:p>
         </p:txBody>
       </p:sp>
@@ -3782,7 +3298,7 @@
           <a:p>
             <a:fld id="{0138B082-EFC2-46C1-B47C-51736C670379}" type="datetimeFigureOut">
               <a:rPr lang="en-US" smtClean="0"/>
-              <a:t>9/6/2021</a:t>
+              <a:t>9/11/2021</a:t>
             </a:fld>
             <a:endParaRPr lang="en-US"/>
           </a:p>
@@ -3950,7 +3466,7 @@
           <a:p>
             <a:fld id="{0138B082-EFC2-46C1-B47C-51736C670379}" type="datetimeFigureOut">
               <a:rPr lang="en-US" smtClean="0"/>
-              <a:t>9/6/2021</a:t>
+              <a:t>9/11/2021</a:t>
             </a:fld>
             <a:endParaRPr lang="en-US"/>
           </a:p>
@@ -4128,7 +3644,7 @@
           <a:p>
             <a:fld id="{0138B082-EFC2-46C1-B47C-51736C670379}" type="datetimeFigureOut">
               <a:rPr lang="en-US" smtClean="0"/>
-              <a:t>9/6/2021</a:t>
+              <a:t>9/11/2021</a:t>
             </a:fld>
             <a:endParaRPr lang="en-US"/>
           </a:p>
@@ -4296,7 +3812,7 @@
           <a:p>
             <a:fld id="{0138B082-EFC2-46C1-B47C-51736C670379}" type="datetimeFigureOut">
               <a:rPr lang="en-US" smtClean="0"/>
-              <a:t>9/6/2021</a:t>
+              <a:t>9/11/2021</a:t>
             </a:fld>
             <a:endParaRPr lang="en-US"/>
           </a:p>
@@ -4541,7 +4057,7 @@
           <a:p>
             <a:fld id="{0138B082-EFC2-46C1-B47C-51736C670379}" type="datetimeFigureOut">
               <a:rPr lang="en-US" smtClean="0"/>
-              <a:t>9/6/2021</a:t>
+              <a:t>9/11/2021</a:t>
             </a:fld>
             <a:endParaRPr lang="en-US"/>
           </a:p>
@@ -4770,7 +4286,7 @@
           <a:p>
             <a:fld id="{0138B082-EFC2-46C1-B47C-51736C670379}" type="datetimeFigureOut">
               <a:rPr lang="en-US" smtClean="0"/>
-              <a:t>9/6/2021</a:t>
+              <a:t>9/11/2021</a:t>
             </a:fld>
             <a:endParaRPr lang="en-US"/>
           </a:p>
@@ -5134,7 +4650,7 @@
           <a:p>
             <a:fld id="{0138B082-EFC2-46C1-B47C-51736C670379}" type="datetimeFigureOut">
               <a:rPr lang="en-US" smtClean="0"/>
-              <a:t>9/6/2021</a:t>
+              <a:t>9/11/2021</a:t>
             </a:fld>
             <a:endParaRPr lang="en-US"/>
           </a:p>
@@ -5251,7 +4767,7 @@
           <a:p>
             <a:fld id="{0138B082-EFC2-46C1-B47C-51736C670379}" type="datetimeFigureOut">
               <a:rPr lang="en-US" smtClean="0"/>
-              <a:t>9/6/2021</a:t>
+              <a:t>9/11/2021</a:t>
             </a:fld>
             <a:endParaRPr lang="en-US"/>
           </a:p>
@@ -5346,7 +4862,7 @@
           <a:p>
             <a:fld id="{0138B082-EFC2-46C1-B47C-51736C670379}" type="datetimeFigureOut">
               <a:rPr lang="en-US" smtClean="0"/>
-              <a:t>9/6/2021</a:t>
+              <a:t>9/11/2021</a:t>
             </a:fld>
             <a:endParaRPr lang="en-US"/>
           </a:p>
@@ -5621,7 +5137,7 @@
           <a:p>
             <a:fld id="{0138B082-EFC2-46C1-B47C-51736C670379}" type="datetimeFigureOut">
               <a:rPr lang="en-US" smtClean="0"/>
-              <a:t>9/6/2021</a:t>
+              <a:t>9/11/2021</a:t>
             </a:fld>
             <a:endParaRPr lang="en-US"/>
           </a:p>
@@ -5873,7 +5389,7 @@
           <a:p>
             <a:fld id="{0138B082-EFC2-46C1-B47C-51736C670379}" type="datetimeFigureOut">
               <a:rPr lang="en-US" smtClean="0"/>
-              <a:t>9/6/2021</a:t>
+              <a:t>9/11/2021</a:t>
             </a:fld>
             <a:endParaRPr lang="en-US"/>
           </a:p>
@@ -6084,7 +5600,7 @@
           <a:p>
             <a:fld id="{0138B082-EFC2-46C1-B47C-51736C670379}" type="datetimeFigureOut">
               <a:rPr lang="en-US" smtClean="0"/>
-              <a:t>9/6/2021</a:t>
+              <a:t>9/11/2021</a:t>
             </a:fld>
             <a:endParaRPr lang="en-US"/>
           </a:p>
@@ -6911,337 +6427,6 @@
           <a:chExt cx="0" cy="0"/>
         </a:xfrm>
       </p:grpSpPr>
-      <p:pic>
-        <p:nvPicPr>
-          <p:cNvPr id="10" name="Picture 9"/>
-          <p:cNvPicPr>
-            <a:picLocks noChangeAspect="1"/>
-          </p:cNvPicPr>
-          <p:nvPr/>
-        </p:nvPicPr>
-        <p:blipFill rotWithShape="1">
-          <a:blip r:embed="rId3">
-            <a:extLst>
-              <a:ext uri="{28A0092B-C50C-407E-A947-70E740481C1C}">
-                <a14:useLocalDpi xmlns:a14="http://schemas.microsoft.com/office/drawing/2010/main" val="0"/>
-              </a:ext>
-            </a:extLst>
-          </a:blip>
-          <a:srcRect l="50728" t="56371"/>
-          <a:stretch/>
-        </p:blipFill>
-        <p:spPr>
-          <a:xfrm>
-            <a:off x="10894024" y="5370653"/>
-            <a:ext cx="1297975" cy="1487348"/>
-          </a:xfrm>
-          <a:prstGeom prst="rect">
-            <a:avLst/>
-          </a:prstGeom>
-        </p:spPr>
-      </p:pic>
-      <p:sp>
-        <p:nvSpPr>
-          <p:cNvPr id="11" name="TextBox 10"/>
-          <p:cNvSpPr txBox="1"/>
-          <p:nvPr/>
-        </p:nvSpPr>
-        <p:spPr>
-          <a:xfrm>
-            <a:off x="347240" y="113388"/>
-            <a:ext cx="11447363" cy="923330"/>
-          </a:xfrm>
-          <a:prstGeom prst="rect">
-            <a:avLst/>
-          </a:prstGeom>
-          <a:noFill/>
-        </p:spPr>
-        <p:txBody>
-          <a:bodyPr wrap="square" rtlCol="0">
-            <a:spAutoFit/>
-          </a:bodyPr>
-          <a:lstStyle/>
-          <a:p>
-            <a:r>
-              <a:rPr lang="en-US" sz="5400" dirty="0">
-                <a:latin typeface="Aliens &amp; cows" panose="00000500000000000000" pitchFamily="2" charset="0"/>
-              </a:rPr>
-              <a:t>What is Excel good for? </a:t>
-            </a:r>
-          </a:p>
-        </p:txBody>
-      </p:sp>
-      <p:sp>
-        <p:nvSpPr>
-          <p:cNvPr id="3" name="TextBox 2"/>
-          <p:cNvSpPr txBox="1"/>
-          <p:nvPr/>
-        </p:nvSpPr>
-        <p:spPr>
-          <a:xfrm>
-            <a:off x="347241" y="2280355"/>
-            <a:ext cx="5164238" cy="2800767"/>
-          </a:xfrm>
-          <a:prstGeom prst="rect">
-            <a:avLst/>
-          </a:prstGeom>
-          <a:noFill/>
-        </p:spPr>
-        <p:txBody>
-          <a:bodyPr wrap="square" rtlCol="0">
-            <a:spAutoFit/>
-          </a:bodyPr>
-          <a:lstStyle/>
-          <a:p>
-            <a:pPr>
-              <a:buClr>
-                <a:srgbClr val="CF3338"/>
-              </a:buClr>
-            </a:pPr>
-            <a:r>
-              <a:rPr lang="en-US" sz="3600" b="1" dirty="0">
-                <a:solidFill>
-                  <a:srgbClr val="707070"/>
-                </a:solidFill>
-                <a:latin typeface="Normafixed Tryout" panose="00000409000000000000" pitchFamily="49" charset="0"/>
-              </a:rPr>
-              <a:t>Good at… </a:t>
-            </a:r>
-            <a:endParaRPr lang="en-US" sz="3600" dirty="0">
-              <a:solidFill>
-                <a:srgbClr val="707070"/>
-              </a:solidFill>
-              <a:latin typeface="Normafixed Tryout" panose="00000409000000000000" pitchFamily="49" charset="0"/>
-            </a:endParaRPr>
-          </a:p>
-          <a:p>
-            <a:pPr marL="457200" indent="-457200">
-              <a:buClr>
-                <a:srgbClr val="CF3338"/>
-              </a:buClr>
-              <a:buFont typeface="Arial" panose="020B0604020202020204" pitchFamily="34" charset="0"/>
-              <a:buChar char="•"/>
-            </a:pPr>
-            <a:endParaRPr lang="en-US" sz="2800" dirty="0">
-              <a:solidFill>
-                <a:srgbClr val="707070"/>
-              </a:solidFill>
-              <a:latin typeface="Pragmatica" panose="020B0403040502020204" pitchFamily="34" charset="0"/>
-            </a:endParaRPr>
-          </a:p>
-          <a:p>
-            <a:pPr marL="457200" indent="-457200">
-              <a:buClr>
-                <a:srgbClr val="CF3338"/>
-              </a:buClr>
-              <a:buFont typeface="Arial" panose="020B0604020202020204" pitchFamily="34" charset="0"/>
-              <a:buChar char="•"/>
-            </a:pPr>
-            <a:r>
-              <a:rPr lang="en-US" sz="2800" dirty="0">
-                <a:solidFill>
-                  <a:srgbClr val="707070"/>
-                </a:solidFill>
-                <a:latin typeface="Pragmatica" panose="020B0403040502020204" pitchFamily="34" charset="0"/>
-              </a:rPr>
-              <a:t>Visual calculations</a:t>
-            </a:r>
-          </a:p>
-          <a:p>
-            <a:pPr marL="457200" indent="-457200">
-              <a:buClr>
-                <a:srgbClr val="CF3338"/>
-              </a:buClr>
-              <a:buFont typeface="Arial" panose="020B0604020202020204" pitchFamily="34" charset="0"/>
-              <a:buChar char="•"/>
-            </a:pPr>
-            <a:r>
-              <a:rPr lang="en-US" sz="2800" dirty="0">
-                <a:solidFill>
-                  <a:srgbClr val="707070"/>
-                </a:solidFill>
-                <a:latin typeface="Pragmatica" panose="020B0403040502020204" pitchFamily="34" charset="0"/>
-              </a:rPr>
-              <a:t>End-user interactivity</a:t>
-            </a:r>
-          </a:p>
-          <a:p>
-            <a:pPr marL="457200" indent="-457200">
-              <a:buClr>
-                <a:srgbClr val="CF3338"/>
-              </a:buClr>
-              <a:buFont typeface="Arial" panose="020B0604020202020204" pitchFamily="34" charset="0"/>
-              <a:buChar char="•"/>
-            </a:pPr>
-            <a:r>
-              <a:rPr lang="en-US" sz="2800" dirty="0">
-                <a:solidFill>
-                  <a:srgbClr val="707070"/>
-                </a:solidFill>
-                <a:latin typeface="Pragmatica" panose="020B0403040502020204" pitchFamily="34" charset="0"/>
-              </a:rPr>
-              <a:t>Rapid prototyping</a:t>
-            </a:r>
-          </a:p>
-          <a:p>
-            <a:pPr>
-              <a:buClr>
-                <a:srgbClr val="CF3338"/>
-              </a:buClr>
-            </a:pPr>
-            <a:endParaRPr lang="en-US" sz="2800" dirty="0">
-              <a:solidFill>
-                <a:srgbClr val="707070"/>
-              </a:solidFill>
-              <a:latin typeface="Pragmatica" panose="020B0403040502020204" pitchFamily="34" charset="0"/>
-            </a:endParaRPr>
-          </a:p>
-        </p:txBody>
-      </p:sp>
-      <p:sp>
-        <p:nvSpPr>
-          <p:cNvPr id="5" name="TextBox 4"/>
-          <p:cNvSpPr txBox="1"/>
-          <p:nvPr/>
-        </p:nvSpPr>
-        <p:spPr>
-          <a:xfrm>
-            <a:off x="5511478" y="2218800"/>
-            <a:ext cx="6539697" cy="2369880"/>
-          </a:xfrm>
-          <a:prstGeom prst="rect">
-            <a:avLst/>
-          </a:prstGeom>
-          <a:noFill/>
-        </p:spPr>
-        <p:txBody>
-          <a:bodyPr wrap="square" rtlCol="0">
-            <a:spAutoFit/>
-          </a:bodyPr>
-          <a:lstStyle/>
-          <a:p>
-            <a:pPr>
-              <a:buClr>
-                <a:srgbClr val="CF3338"/>
-              </a:buClr>
-            </a:pPr>
-            <a:r>
-              <a:rPr lang="en-US" sz="3600" b="1" dirty="0">
-                <a:solidFill>
-                  <a:srgbClr val="707070"/>
-                </a:solidFill>
-                <a:latin typeface="Normafixed Tryout" panose="00000409000000000000" pitchFamily="49" charset="0"/>
-              </a:rPr>
-              <a:t>Not so much… </a:t>
-            </a:r>
-            <a:endParaRPr lang="en-US" sz="3600" dirty="0">
-              <a:solidFill>
-                <a:srgbClr val="707070"/>
-              </a:solidFill>
-              <a:latin typeface="Normafixed Tryout" panose="00000409000000000000" pitchFamily="49" charset="0"/>
-            </a:endParaRPr>
-          </a:p>
-          <a:p>
-            <a:pPr marL="457200" indent="-457200">
-              <a:buClr>
-                <a:srgbClr val="CF3338"/>
-              </a:buClr>
-              <a:buFont typeface="Arial" panose="020B0604020202020204" pitchFamily="34" charset="0"/>
-              <a:buChar char="•"/>
-            </a:pPr>
-            <a:endParaRPr lang="en-US" sz="2800" dirty="0">
-              <a:solidFill>
-                <a:srgbClr val="707070"/>
-              </a:solidFill>
-              <a:latin typeface="Pragmatica" panose="020B0403040502020204" pitchFamily="34" charset="0"/>
-            </a:endParaRPr>
-          </a:p>
-          <a:p>
-            <a:pPr marL="457200" indent="-457200">
-              <a:buClr>
-                <a:srgbClr val="CF3338"/>
-              </a:buClr>
-              <a:buFont typeface="Arial" panose="020B0604020202020204" pitchFamily="34" charset="0"/>
-              <a:buChar char="•"/>
-            </a:pPr>
-            <a:r>
-              <a:rPr lang="en-US" sz="2800" dirty="0">
-                <a:solidFill>
-                  <a:srgbClr val="707070"/>
-                </a:solidFill>
-                <a:latin typeface="Pragmatica" panose="020B0403040502020204" pitchFamily="34" charset="0"/>
-              </a:rPr>
-              <a:t>Storing data</a:t>
-            </a:r>
-          </a:p>
-          <a:p>
-            <a:pPr marL="457200" indent="-457200">
-              <a:buClr>
-                <a:srgbClr val="CF3338"/>
-              </a:buClr>
-              <a:buFont typeface="Arial" panose="020B0604020202020204" pitchFamily="34" charset="0"/>
-              <a:buChar char="•"/>
-            </a:pPr>
-            <a:r>
-              <a:rPr lang="en-US" sz="2800" dirty="0">
-                <a:solidFill>
-                  <a:srgbClr val="707070"/>
-                </a:solidFill>
-                <a:latin typeface="Pragmatica" panose="020B0403040502020204" pitchFamily="34" charset="0"/>
-              </a:rPr>
-              <a:t>Mobilizing data</a:t>
-            </a:r>
-          </a:p>
-          <a:p>
-            <a:pPr marL="457200" indent="-457200">
-              <a:buClr>
-                <a:srgbClr val="CF3338"/>
-              </a:buClr>
-              <a:buFont typeface="Arial" panose="020B0604020202020204" pitchFamily="34" charset="0"/>
-              <a:buChar char="•"/>
-            </a:pPr>
-            <a:r>
-              <a:rPr lang="en-US" sz="2800" dirty="0">
-                <a:solidFill>
-                  <a:srgbClr val="707070"/>
-                </a:solidFill>
-                <a:latin typeface="Pragmatica" panose="020B0403040502020204" pitchFamily="34" charset="0"/>
-              </a:rPr>
-              <a:t>Implementing advanced analytics</a:t>
-            </a:r>
-          </a:p>
-        </p:txBody>
-      </p:sp>
-    </p:spTree>
-    <p:extLst>
-      <p:ext uri="{BB962C8B-B14F-4D97-AF65-F5344CB8AC3E}">
-        <p14:creationId xmlns:p14="http://schemas.microsoft.com/office/powerpoint/2010/main" val="3138290190"/>
-      </p:ext>
-    </p:extLst>
-  </p:cSld>
-  <p:clrMapOvr>
-    <a:masterClrMapping/>
-  </p:clrMapOvr>
-</p:sld>
-</file>
-
-<file path=ppt/slides/slide12.xml><?xml version="1.0" encoding="utf-8"?>
-<p:sld xmlns:a="http://schemas.openxmlformats.org/drawingml/2006/main" xmlns:r="http://schemas.openxmlformats.org/officeDocument/2006/relationships" xmlns:p="http://schemas.openxmlformats.org/presentationml/2006/main">
-  <p:cSld>
-    <p:spTree>
-      <p:nvGrpSpPr>
-        <p:cNvPr id="1" name=""/>
-        <p:cNvGrpSpPr/>
-        <p:nvPr/>
-      </p:nvGrpSpPr>
-      <p:grpSpPr>
-        <a:xfrm>
-          <a:off x="0" y="0"/>
-          <a:ext cx="0" cy="0"/>
-          <a:chOff x="0" y="0"/>
-          <a:chExt cx="0" cy="0"/>
-        </a:xfrm>
-      </p:grpSpPr>
       <p:sp>
         <p:nvSpPr>
           <p:cNvPr id="4" name="Rectangle 3"/>
@@ -7294,834 +6479,6 @@
         <p:spPr>
           <a:xfrm>
             <a:off x="520861" y="393539"/>
-            <a:ext cx="10324617" cy="3139321"/>
-          </a:xfrm>
-          <a:prstGeom prst="rect">
-            <a:avLst/>
-          </a:prstGeom>
-          <a:noFill/>
-        </p:spPr>
-        <p:txBody>
-          <a:bodyPr wrap="square" rtlCol="0">
-            <a:spAutoFit/>
-          </a:bodyPr>
-          <a:lstStyle/>
-          <a:p>
-            <a:r>
-              <a:rPr lang="en-US" sz="6600" b="1" dirty="0">
-                <a:solidFill>
-                  <a:schemeClr val="bg1"/>
-                </a:solidFill>
-                <a:latin typeface="Pragmatica" pitchFamily="2" charset="0"/>
-              </a:rPr>
-              <a:t>Welcome to the R Project for Statistical Computing</a:t>
-            </a:r>
-          </a:p>
-        </p:txBody>
-      </p:sp>
-    </p:spTree>
-    <p:extLst>
-      <p:ext uri="{BB962C8B-B14F-4D97-AF65-F5344CB8AC3E}">
-        <p14:creationId xmlns:p14="http://schemas.microsoft.com/office/powerpoint/2010/main" val="3466469417"/>
-      </p:ext>
-    </p:extLst>
-  </p:cSld>
-  <p:clrMapOvr>
-    <a:masterClrMapping/>
-  </p:clrMapOvr>
-</p:sld>
-</file>
-
-<file path=ppt/slides/slide13.xml><?xml version="1.0" encoding="utf-8"?>
-<p:sld xmlns:a="http://schemas.openxmlformats.org/drawingml/2006/main" xmlns:r="http://schemas.openxmlformats.org/officeDocument/2006/relationships" xmlns:p="http://schemas.openxmlformats.org/presentationml/2006/main">
-  <p:cSld>
-    <p:spTree>
-      <p:nvGrpSpPr>
-        <p:cNvPr id="1" name=""/>
-        <p:cNvGrpSpPr/>
-        <p:nvPr/>
-      </p:nvGrpSpPr>
-      <p:grpSpPr>
-        <a:xfrm>
-          <a:off x="0" y="0"/>
-          <a:ext cx="0" cy="0"/>
-          <a:chOff x="0" y="0"/>
-          <a:chExt cx="0" cy="0"/>
-        </a:xfrm>
-      </p:grpSpPr>
-      <p:pic>
-        <p:nvPicPr>
-          <p:cNvPr id="10" name="Picture 9"/>
-          <p:cNvPicPr>
-            <a:picLocks noChangeAspect="1"/>
-          </p:cNvPicPr>
-          <p:nvPr/>
-        </p:nvPicPr>
-        <p:blipFill rotWithShape="1">
-          <a:blip r:embed="rId3">
-            <a:extLst>
-              <a:ext uri="{28A0092B-C50C-407E-A947-70E740481C1C}">
-                <a14:useLocalDpi xmlns:a14="http://schemas.microsoft.com/office/drawing/2010/main" val="0"/>
-              </a:ext>
-            </a:extLst>
-          </a:blip>
-          <a:srcRect l="50728" t="56371"/>
-          <a:stretch/>
-        </p:blipFill>
-        <p:spPr>
-          <a:xfrm>
-            <a:off x="10894024" y="5370653"/>
-            <a:ext cx="1297975" cy="1487348"/>
-          </a:xfrm>
-          <a:prstGeom prst="rect">
-            <a:avLst/>
-          </a:prstGeom>
-        </p:spPr>
-      </p:pic>
-      <p:sp>
-        <p:nvSpPr>
-          <p:cNvPr id="11" name="TextBox 10"/>
-          <p:cNvSpPr txBox="1"/>
-          <p:nvPr/>
-        </p:nvSpPr>
-        <p:spPr>
-          <a:xfrm>
-            <a:off x="347240" y="113388"/>
-            <a:ext cx="9799937" cy="1938992"/>
-          </a:xfrm>
-          <a:prstGeom prst="rect">
-            <a:avLst/>
-          </a:prstGeom>
-          <a:noFill/>
-        </p:spPr>
-        <p:txBody>
-          <a:bodyPr wrap="square" rtlCol="0">
-            <a:spAutoFit/>
-          </a:bodyPr>
-          <a:lstStyle/>
-          <a:p>
-            <a:r>
-              <a:rPr lang="en-US" sz="6000" dirty="0">
-                <a:latin typeface="Aliens &amp; cows" panose="00000500000000000000" pitchFamily="2" charset="0"/>
-              </a:rPr>
-              <a:t>Packages: “There’s an App for that!”</a:t>
-            </a:r>
-          </a:p>
-        </p:txBody>
-      </p:sp>
-      <p:sp>
-        <p:nvSpPr>
-          <p:cNvPr id="3" name="TextBox 2"/>
-          <p:cNvSpPr txBox="1"/>
-          <p:nvPr/>
-        </p:nvSpPr>
-        <p:spPr>
-          <a:xfrm>
-            <a:off x="454109" y="2297968"/>
-            <a:ext cx="5414785" cy="1384995"/>
-          </a:xfrm>
-          <a:prstGeom prst="rect">
-            <a:avLst/>
-          </a:prstGeom>
-          <a:noFill/>
-        </p:spPr>
-        <p:txBody>
-          <a:bodyPr wrap="square" rtlCol="0">
-            <a:spAutoFit/>
-          </a:bodyPr>
-          <a:lstStyle/>
-          <a:p>
-            <a:pPr marL="514350" indent="-514350">
-              <a:buAutoNum type="arabicPeriod"/>
-            </a:pPr>
-            <a:r>
-              <a:rPr lang="en-US" sz="2800" dirty="0">
-                <a:solidFill>
-                  <a:srgbClr val="707070"/>
-                </a:solidFill>
-                <a:latin typeface="Pragmatica" panose="020B0403040502020204" pitchFamily="34" charset="0"/>
-              </a:rPr>
-              <a:t>Install the package (usually from CRAN)</a:t>
-            </a:r>
-          </a:p>
-          <a:p>
-            <a:pPr marL="514350" indent="-514350">
-              <a:buAutoNum type="arabicPeriod"/>
-            </a:pPr>
-            <a:r>
-              <a:rPr lang="en-US" sz="2800" dirty="0">
-                <a:solidFill>
-                  <a:srgbClr val="707070"/>
-                </a:solidFill>
-                <a:latin typeface="Pragmatica" panose="020B0403040502020204" pitchFamily="34" charset="0"/>
-              </a:rPr>
-              <a:t>Open the package</a:t>
-            </a:r>
-          </a:p>
-        </p:txBody>
-      </p:sp>
-      <p:pic>
-        <p:nvPicPr>
-          <p:cNvPr id="8194" name="Picture 2">
-            <a:extLst>
-              <a:ext uri="{FF2B5EF4-FFF2-40B4-BE49-F238E27FC236}">
-                <a16:creationId xmlns:a16="http://schemas.microsoft.com/office/drawing/2014/main" id="{93A3D79E-EFB5-4C74-925C-52E65CFB9662}"/>
-              </a:ext>
-            </a:extLst>
-          </p:cNvPr>
-          <p:cNvPicPr>
-            <a:picLocks noChangeAspect="1" noChangeArrowheads="1"/>
-          </p:cNvPicPr>
-          <p:nvPr/>
-        </p:nvPicPr>
-        <p:blipFill>
-          <a:blip r:embed="rId4" cstate="print">
-            <a:extLst>
-              <a:ext uri="{28A0092B-C50C-407E-A947-70E740481C1C}">
-                <a14:useLocalDpi xmlns:a14="http://schemas.microsoft.com/office/drawing/2010/main" val="0"/>
-              </a:ext>
-            </a:extLst>
-          </a:blip>
-          <a:srcRect/>
-          <a:stretch>
-            <a:fillRect/>
-          </a:stretch>
-        </p:blipFill>
-        <p:spPr bwMode="auto">
-          <a:xfrm rot="16200000">
-            <a:off x="4795276" y="1137677"/>
-            <a:ext cx="5720323" cy="5720323"/>
-          </a:xfrm>
-          <a:prstGeom prst="rect">
-            <a:avLst/>
-          </a:prstGeom>
-          <a:noFill/>
-          <a:extLst>
-            <a:ext uri="{909E8E84-426E-40DD-AFC4-6F175D3DCCD1}">
-              <a14:hiddenFill xmlns:a14="http://schemas.microsoft.com/office/drawing/2010/main">
-                <a:solidFill>
-                  <a:srgbClr val="FFFFFF"/>
-                </a:solidFill>
-              </a14:hiddenFill>
-            </a:ext>
-          </a:extLst>
-        </p:spPr>
-      </p:pic>
-    </p:spTree>
-    <p:extLst>
-      <p:ext uri="{BB962C8B-B14F-4D97-AF65-F5344CB8AC3E}">
-        <p14:creationId xmlns:p14="http://schemas.microsoft.com/office/powerpoint/2010/main" val="1008184787"/>
-      </p:ext>
-    </p:extLst>
-  </p:cSld>
-  <p:clrMapOvr>
-    <a:masterClrMapping/>
-  </p:clrMapOvr>
-</p:sld>
-</file>
-
-<file path=ppt/slides/slide14.xml><?xml version="1.0" encoding="utf-8"?>
-<p:sld xmlns:a="http://schemas.openxmlformats.org/drawingml/2006/main" xmlns:r="http://schemas.openxmlformats.org/officeDocument/2006/relationships" xmlns:p="http://schemas.openxmlformats.org/presentationml/2006/main">
-  <p:cSld>
-    <p:spTree>
-      <p:nvGrpSpPr>
-        <p:cNvPr id="1" name=""/>
-        <p:cNvGrpSpPr/>
-        <p:nvPr/>
-      </p:nvGrpSpPr>
-      <p:grpSpPr>
-        <a:xfrm>
-          <a:off x="0" y="0"/>
-          <a:ext cx="0" cy="0"/>
-          <a:chOff x="0" y="0"/>
-          <a:chExt cx="0" cy="0"/>
-        </a:xfrm>
-      </p:grpSpPr>
-      <p:sp>
-        <p:nvSpPr>
-          <p:cNvPr id="4" name="Rectangle 3"/>
-          <p:cNvSpPr/>
-          <p:nvPr/>
-        </p:nvSpPr>
-        <p:spPr>
-          <a:xfrm>
-            <a:off x="6574420" y="0"/>
-            <a:ext cx="5617580" cy="6858000"/>
-          </a:xfrm>
-          <a:prstGeom prst="rect">
-            <a:avLst/>
-          </a:prstGeom>
-          <a:solidFill>
-            <a:srgbClr val="CF3338"/>
-          </a:solidFill>
-        </p:spPr>
-        <p:style>
-          <a:lnRef idx="2">
-            <a:schemeClr val="accent1">
-              <a:shade val="50000"/>
-            </a:schemeClr>
-          </a:lnRef>
-          <a:fillRef idx="1">
-            <a:schemeClr val="accent1"/>
-          </a:fillRef>
-          <a:effectRef idx="0">
-            <a:schemeClr val="accent1"/>
-          </a:effectRef>
-          <a:fontRef idx="minor">
-            <a:schemeClr val="lt1"/>
-          </a:fontRef>
-        </p:style>
-        <p:txBody>
-          <a:bodyPr rtlCol="0" anchor="ctr"/>
-          <a:lstStyle/>
-          <a:p>
-            <a:pPr algn="ctr"/>
-            <a:endParaRPr lang="en-US"/>
-          </a:p>
-        </p:txBody>
-      </p:sp>
-      <p:sp>
-        <p:nvSpPr>
-          <p:cNvPr id="5" name="TextBox 4"/>
-          <p:cNvSpPr txBox="1"/>
-          <p:nvPr/>
-        </p:nvSpPr>
-        <p:spPr>
-          <a:xfrm>
-            <a:off x="6817489" y="0"/>
-            <a:ext cx="4120587" cy="1446550"/>
-          </a:xfrm>
-          <a:prstGeom prst="rect">
-            <a:avLst/>
-          </a:prstGeom>
-          <a:noFill/>
-        </p:spPr>
-        <p:txBody>
-          <a:bodyPr wrap="square" rtlCol="0">
-            <a:spAutoFit/>
-          </a:bodyPr>
-          <a:lstStyle/>
-          <a:p>
-            <a:r>
-              <a:rPr lang="en-US" sz="8800" dirty="0">
-                <a:solidFill>
-                  <a:schemeClr val="bg1"/>
-                </a:solidFill>
-                <a:latin typeface="Aliens &amp; cows" panose="00000500000000000000" pitchFamily="2" charset="0"/>
-              </a:rPr>
-              <a:t>Demo</a:t>
-            </a:r>
-          </a:p>
-        </p:txBody>
-      </p:sp>
-      <p:pic>
-        <p:nvPicPr>
-          <p:cNvPr id="2" name="Picture 1"/>
-          <p:cNvPicPr>
-            <a:picLocks noChangeAspect="1"/>
-          </p:cNvPicPr>
-          <p:nvPr/>
-        </p:nvPicPr>
-        <p:blipFill rotWithShape="1">
-          <a:blip r:embed="rId3">
-            <a:extLst>
-              <a:ext uri="{28A0092B-C50C-407E-A947-70E740481C1C}">
-                <a14:useLocalDpi xmlns:a14="http://schemas.microsoft.com/office/drawing/2010/main" val="0"/>
-              </a:ext>
-            </a:extLst>
-          </a:blip>
-          <a:srcRect l="69227" t="33418" r="20112" b="50548"/>
-          <a:stretch/>
-        </p:blipFill>
-        <p:spPr>
-          <a:xfrm>
-            <a:off x="10386349" y="5029795"/>
-            <a:ext cx="1805651" cy="1991719"/>
-          </a:xfrm>
-          <a:prstGeom prst="rect">
-            <a:avLst/>
-          </a:prstGeom>
-        </p:spPr>
-      </p:pic>
-      <p:sp>
-        <p:nvSpPr>
-          <p:cNvPr id="3" name="TextBox 2"/>
-          <p:cNvSpPr txBox="1"/>
-          <p:nvPr/>
-        </p:nvSpPr>
-        <p:spPr>
-          <a:xfrm>
-            <a:off x="173620" y="219919"/>
-            <a:ext cx="5937813" cy="1384995"/>
-          </a:xfrm>
-          <a:prstGeom prst="rect">
-            <a:avLst/>
-          </a:prstGeom>
-          <a:noFill/>
-        </p:spPr>
-        <p:txBody>
-          <a:bodyPr wrap="square" rtlCol="0">
-            <a:spAutoFit/>
-          </a:bodyPr>
-          <a:lstStyle/>
-          <a:p>
-            <a:r>
-              <a:rPr lang="en-US" sz="2800" b="1" dirty="0">
-                <a:solidFill>
-                  <a:srgbClr val="CF3338"/>
-                </a:solidFill>
-                <a:latin typeface="Pragmatica" pitchFamily="2" charset="0"/>
-              </a:rPr>
-              <a:t>Speaking the language of data with the </a:t>
-            </a:r>
-            <a:r>
-              <a:rPr lang="en-US" sz="2800" b="1" dirty="0" err="1">
-                <a:solidFill>
-                  <a:srgbClr val="CF3338"/>
-                </a:solidFill>
-                <a:latin typeface="Consolas" panose="020B0609020204030204" pitchFamily="49" charset="0"/>
-              </a:rPr>
-              <a:t>tidyverse</a:t>
-            </a:r>
-            <a:endParaRPr lang="en-US" sz="2800" b="1" dirty="0">
-              <a:solidFill>
-                <a:srgbClr val="CF3338"/>
-              </a:solidFill>
-              <a:latin typeface="Consolas" panose="020B0609020204030204" pitchFamily="49" charset="0"/>
-            </a:endParaRPr>
-          </a:p>
-          <a:p>
-            <a:endParaRPr lang="en-US" sz="2800" b="1" dirty="0">
-              <a:solidFill>
-                <a:srgbClr val="CF3338"/>
-              </a:solidFill>
-              <a:latin typeface="Consolas" panose="020B0609020204030204" pitchFamily="49" charset="0"/>
-            </a:endParaRPr>
-          </a:p>
-        </p:txBody>
-      </p:sp>
-      <p:sp>
-        <p:nvSpPr>
-          <p:cNvPr id="7" name="TextBox 6">
-            <a:extLst>
-              <a:ext uri="{FF2B5EF4-FFF2-40B4-BE49-F238E27FC236}">
-                <a16:creationId xmlns:a16="http://schemas.microsoft.com/office/drawing/2014/main" id="{855BC584-A237-4C91-9DAB-ADA80256CAC8}"/>
-              </a:ext>
-            </a:extLst>
-          </p:cNvPr>
-          <p:cNvSpPr txBox="1"/>
-          <p:nvPr/>
-        </p:nvSpPr>
-        <p:spPr>
-          <a:xfrm>
-            <a:off x="158187" y="1446550"/>
-            <a:ext cx="5937813" cy="5693866"/>
-          </a:xfrm>
-          <a:prstGeom prst="rect">
-            <a:avLst/>
-          </a:prstGeom>
-          <a:noFill/>
-        </p:spPr>
-        <p:txBody>
-          <a:bodyPr wrap="square" rtlCol="0">
-            <a:spAutoFit/>
-          </a:bodyPr>
-          <a:lstStyle/>
-          <a:p>
-            <a:pPr marL="514350" indent="-514350">
-              <a:buFont typeface="+mj-lt"/>
-              <a:buAutoNum type="arabicPeriod"/>
-            </a:pPr>
-            <a:r>
-              <a:rPr lang="en-US" sz="2600" b="1" dirty="0">
-                <a:solidFill>
-                  <a:srgbClr val="CF3338"/>
-                </a:solidFill>
-                <a:latin typeface="Pragmatica" pitchFamily="2" charset="0"/>
-              </a:rPr>
-              <a:t>Load and explore </a:t>
-            </a:r>
-            <a:r>
-              <a:rPr lang="en-US" sz="2600" b="1" dirty="0">
-                <a:solidFill>
-                  <a:srgbClr val="CF3338"/>
-                </a:solidFill>
-                <a:latin typeface="Consolas" panose="020B0609020204030204" pitchFamily="49" charset="0"/>
-              </a:rPr>
-              <a:t>diamonds</a:t>
-            </a:r>
-            <a:r>
-              <a:rPr lang="en-US" sz="2600" b="1" dirty="0">
-                <a:solidFill>
-                  <a:srgbClr val="CF3338"/>
-                </a:solidFill>
-                <a:latin typeface="Pragmatica" pitchFamily="2" charset="0"/>
-              </a:rPr>
-              <a:t> dataset</a:t>
-            </a:r>
-            <a:endParaRPr lang="en-US" sz="2600" b="1" dirty="0">
-              <a:solidFill>
-                <a:srgbClr val="CF3338"/>
-              </a:solidFill>
-              <a:latin typeface="Consolas" panose="020B0609020204030204" pitchFamily="49" charset="0"/>
-            </a:endParaRPr>
-          </a:p>
-          <a:p>
-            <a:pPr marL="514350" indent="-514350">
-              <a:buFont typeface="+mj-lt"/>
-              <a:buAutoNum type="arabicPeriod"/>
-            </a:pPr>
-            <a:r>
-              <a:rPr lang="en-US" sz="2600" b="1" dirty="0">
-                <a:solidFill>
-                  <a:srgbClr val="CF3338"/>
-                </a:solidFill>
-                <a:latin typeface="Pragmatica" pitchFamily="2" charset="0"/>
-              </a:rPr>
-              <a:t>Write a “sentence” in </a:t>
-            </a:r>
-            <a:r>
-              <a:rPr lang="en-US" sz="2600" b="1" dirty="0" err="1">
-                <a:solidFill>
-                  <a:srgbClr val="CF3338"/>
-                </a:solidFill>
-                <a:latin typeface="Consolas" panose="020B0609020204030204" pitchFamily="49" charset="0"/>
-              </a:rPr>
-              <a:t>dplyr</a:t>
-            </a:r>
-            <a:r>
-              <a:rPr lang="en-US" sz="2600" b="1" dirty="0">
-                <a:solidFill>
-                  <a:srgbClr val="CF3338"/>
-                </a:solidFill>
-                <a:latin typeface="Pragmatica" pitchFamily="2" charset="0"/>
-              </a:rPr>
-              <a:t>:</a:t>
-            </a:r>
-          </a:p>
-          <a:p>
-            <a:pPr lvl="1"/>
-            <a:r>
-              <a:rPr lang="en-US" sz="2600" i="1" dirty="0">
-                <a:solidFill>
-                  <a:srgbClr val="CF3338"/>
-                </a:solidFill>
-                <a:latin typeface="Pragmatica" panose="020B0403040502020204" pitchFamily="34" charset="0"/>
-              </a:rPr>
-              <a:t>“Get me the average price for each cut, sorted from high to low.”</a:t>
-            </a:r>
-          </a:p>
-          <a:p>
-            <a:pPr lvl="1"/>
-            <a:r>
-              <a:rPr lang="en-US" sz="2600" dirty="0">
-                <a:solidFill>
-                  <a:srgbClr val="CF3338"/>
-                </a:solidFill>
-                <a:latin typeface="Pragmatica" panose="020B0403040502020204" pitchFamily="34" charset="0"/>
-              </a:rPr>
-              <a:t>How would you pseudo-code this?</a:t>
-            </a:r>
-          </a:p>
-          <a:p>
-            <a:pPr marL="914400" lvl="1" indent="-457200">
-              <a:buFont typeface="Arial" panose="020B0604020202020204" pitchFamily="34" charset="0"/>
-              <a:buChar char="•"/>
-            </a:pPr>
-            <a:r>
-              <a:rPr lang="en-US" sz="2600" dirty="0">
-                <a:solidFill>
-                  <a:srgbClr val="CF3338"/>
-                </a:solidFill>
-                <a:latin typeface="Pragmatica" panose="020B0403040502020204" pitchFamily="34" charset="0"/>
-              </a:rPr>
-              <a:t>Group by cut</a:t>
-            </a:r>
-          </a:p>
-          <a:p>
-            <a:pPr marL="914400" lvl="1" indent="-457200">
-              <a:buFont typeface="Arial" panose="020B0604020202020204" pitchFamily="34" charset="0"/>
-              <a:buChar char="•"/>
-            </a:pPr>
-            <a:r>
-              <a:rPr lang="en-US" sz="2600" dirty="0">
-                <a:solidFill>
-                  <a:srgbClr val="CF3338"/>
-                </a:solidFill>
-                <a:latin typeface="Pragmatica" panose="020B0403040502020204" pitchFamily="34" charset="0"/>
-              </a:rPr>
-              <a:t>Find average for each group</a:t>
-            </a:r>
-          </a:p>
-          <a:p>
-            <a:pPr marL="914400" lvl="1" indent="-457200">
-              <a:buFont typeface="Arial" panose="020B0604020202020204" pitchFamily="34" charset="0"/>
-              <a:buChar char="•"/>
-            </a:pPr>
-            <a:r>
-              <a:rPr lang="en-US" sz="2600" dirty="0">
-                <a:solidFill>
-                  <a:srgbClr val="CF3338"/>
-                </a:solidFill>
-                <a:latin typeface="Pragmatica" panose="020B0403040502020204" pitchFamily="34" charset="0"/>
-              </a:rPr>
-              <a:t>Sort the results</a:t>
-            </a:r>
-          </a:p>
-          <a:p>
-            <a:pPr lvl="1"/>
-            <a:endParaRPr lang="en-US" sz="2600" i="1" dirty="0">
-              <a:solidFill>
-                <a:srgbClr val="CF3338"/>
-              </a:solidFill>
-              <a:latin typeface="Pragmatica" panose="020B0403040502020204" pitchFamily="34" charset="0"/>
-            </a:endParaRPr>
-          </a:p>
-          <a:p>
-            <a:r>
-              <a:rPr lang="en-US" sz="2600" b="1" dirty="0">
-                <a:solidFill>
-                  <a:srgbClr val="CF3338"/>
-                </a:solidFill>
-                <a:latin typeface="Pragmatica" pitchFamily="2" charset="0"/>
-              </a:rPr>
-              <a:t>File: </a:t>
-            </a:r>
-            <a:r>
-              <a:rPr lang="en-US" sz="2600" b="1" dirty="0" err="1">
-                <a:solidFill>
-                  <a:srgbClr val="CF3338"/>
-                </a:solidFill>
-                <a:latin typeface="Consolas" panose="020B0609020204030204" pitchFamily="49" charset="0"/>
-              </a:rPr>
-              <a:t>diamonds.r</a:t>
-            </a:r>
-            <a:endParaRPr lang="en-US" sz="2600" b="1" dirty="0">
-              <a:solidFill>
-                <a:srgbClr val="CF3338"/>
-              </a:solidFill>
-              <a:latin typeface="Consolas" panose="020B0609020204030204" pitchFamily="49" charset="0"/>
-            </a:endParaRPr>
-          </a:p>
-          <a:p>
-            <a:pPr marL="514350" indent="-514350">
-              <a:buFont typeface="+mj-lt"/>
-              <a:buAutoNum type="arabicPeriod"/>
-            </a:pPr>
-            <a:endParaRPr lang="en-US" sz="2600" b="1" dirty="0">
-              <a:solidFill>
-                <a:srgbClr val="CF3338"/>
-              </a:solidFill>
-              <a:latin typeface="Pragmatica" pitchFamily="2" charset="0"/>
-            </a:endParaRPr>
-          </a:p>
-        </p:txBody>
-      </p:sp>
-    </p:spTree>
-    <p:extLst>
-      <p:ext uri="{BB962C8B-B14F-4D97-AF65-F5344CB8AC3E}">
-        <p14:creationId xmlns:p14="http://schemas.microsoft.com/office/powerpoint/2010/main" val="1917160677"/>
-      </p:ext>
-    </p:extLst>
-  </p:cSld>
-  <p:clrMapOvr>
-    <a:masterClrMapping/>
-  </p:clrMapOvr>
-</p:sld>
-</file>
-
-<file path=ppt/slides/slide15.xml><?xml version="1.0" encoding="utf-8"?>
-<p:sld xmlns:a="http://schemas.openxmlformats.org/drawingml/2006/main" xmlns:r="http://schemas.openxmlformats.org/officeDocument/2006/relationships" xmlns:p="http://schemas.openxmlformats.org/presentationml/2006/main">
-  <p:cSld>
-    <p:spTree>
-      <p:nvGrpSpPr>
-        <p:cNvPr id="1" name=""/>
-        <p:cNvGrpSpPr/>
-        <p:nvPr/>
-      </p:nvGrpSpPr>
-      <p:grpSpPr>
-        <a:xfrm>
-          <a:off x="0" y="0"/>
-          <a:ext cx="0" cy="0"/>
-          <a:chOff x="0" y="0"/>
-          <a:chExt cx="0" cy="0"/>
-        </a:xfrm>
-      </p:grpSpPr>
-      <p:pic>
-        <p:nvPicPr>
-          <p:cNvPr id="10" name="Picture 9"/>
-          <p:cNvPicPr>
-            <a:picLocks noChangeAspect="1"/>
-          </p:cNvPicPr>
-          <p:nvPr/>
-        </p:nvPicPr>
-        <p:blipFill rotWithShape="1">
-          <a:blip r:embed="rId3">
-            <a:extLst>
-              <a:ext uri="{28A0092B-C50C-407E-A947-70E740481C1C}">
-                <a14:useLocalDpi xmlns:a14="http://schemas.microsoft.com/office/drawing/2010/main" val="0"/>
-              </a:ext>
-            </a:extLst>
-          </a:blip>
-          <a:srcRect l="50728" t="56371"/>
-          <a:stretch/>
-        </p:blipFill>
-        <p:spPr>
-          <a:xfrm>
-            <a:off x="8136460" y="2210765"/>
-            <a:ext cx="4055539" cy="4647236"/>
-          </a:xfrm>
-          <a:prstGeom prst="rect">
-            <a:avLst/>
-          </a:prstGeom>
-        </p:spPr>
-      </p:pic>
-      <p:pic>
-        <p:nvPicPr>
-          <p:cNvPr id="4" name="Picture 3"/>
-          <p:cNvPicPr>
-            <a:picLocks noChangeAspect="1"/>
-          </p:cNvPicPr>
-          <p:nvPr/>
-        </p:nvPicPr>
-        <p:blipFill>
-          <a:blip r:embed="rId4">
-            <a:extLst>
-              <a:ext uri="{28A0092B-C50C-407E-A947-70E740481C1C}">
-                <a14:useLocalDpi xmlns:a14="http://schemas.microsoft.com/office/drawing/2010/main" val="0"/>
-              </a:ext>
-            </a:extLst>
-          </a:blip>
-          <a:stretch>
-            <a:fillRect/>
-          </a:stretch>
-        </p:blipFill>
-        <p:spPr>
-          <a:xfrm>
-            <a:off x="-538496" y="-2482770"/>
-            <a:ext cx="10171472" cy="7459883"/>
-          </a:xfrm>
-          <a:prstGeom prst="rect">
-            <a:avLst/>
-          </a:prstGeom>
-        </p:spPr>
-      </p:pic>
-      <p:sp>
-        <p:nvSpPr>
-          <p:cNvPr id="11" name="TextBox 10"/>
-          <p:cNvSpPr txBox="1"/>
-          <p:nvPr/>
-        </p:nvSpPr>
-        <p:spPr>
-          <a:xfrm>
-            <a:off x="324091" y="1687545"/>
-            <a:ext cx="7986531" cy="523220"/>
-          </a:xfrm>
-          <a:prstGeom prst="rect">
-            <a:avLst/>
-          </a:prstGeom>
-          <a:noFill/>
-        </p:spPr>
-        <p:txBody>
-          <a:bodyPr wrap="square" rtlCol="0">
-            <a:spAutoFit/>
-          </a:bodyPr>
-          <a:lstStyle/>
-          <a:p>
-            <a:r>
-              <a:rPr lang="en-US" sz="2800" b="1" dirty="0">
-                <a:solidFill>
-                  <a:srgbClr val="707070"/>
-                </a:solidFill>
-                <a:latin typeface="Pragmatica" panose="020B0403040502020204" pitchFamily="34" charset="0"/>
-              </a:rPr>
-              <a:t>Questions?</a:t>
-            </a:r>
-          </a:p>
-        </p:txBody>
-      </p:sp>
-    </p:spTree>
-    <p:extLst>
-      <p:ext uri="{BB962C8B-B14F-4D97-AF65-F5344CB8AC3E}">
-        <p14:creationId xmlns:p14="http://schemas.microsoft.com/office/powerpoint/2010/main" val="3672653518"/>
-      </p:ext>
-    </p:extLst>
-  </p:cSld>
-  <p:clrMapOvr>
-    <a:masterClrMapping/>
-  </p:clrMapOvr>
-</p:sld>
-</file>
-
-<file path=ppt/slides/slide16.xml><?xml version="1.0" encoding="utf-8"?>
-<p:sld xmlns:a="http://schemas.openxmlformats.org/drawingml/2006/main" xmlns:r="http://schemas.openxmlformats.org/officeDocument/2006/relationships" xmlns:p="http://schemas.openxmlformats.org/presentationml/2006/main">
-  <p:cSld>
-    <p:spTree>
-      <p:nvGrpSpPr>
-        <p:cNvPr id="1" name=""/>
-        <p:cNvGrpSpPr/>
-        <p:nvPr/>
-      </p:nvGrpSpPr>
-      <p:grpSpPr>
-        <a:xfrm>
-          <a:off x="0" y="0"/>
-          <a:ext cx="0" cy="0"/>
-          <a:chOff x="0" y="0"/>
-          <a:chExt cx="0" cy="0"/>
-        </a:xfrm>
-      </p:grpSpPr>
-      <p:sp>
-        <p:nvSpPr>
-          <p:cNvPr id="4" name="Rectangle 3"/>
-          <p:cNvSpPr/>
-          <p:nvPr/>
-        </p:nvSpPr>
-        <p:spPr>
-          <a:xfrm>
-            <a:off x="0" y="0"/>
-            <a:ext cx="12192000" cy="6858000"/>
-          </a:xfrm>
-          <a:prstGeom prst="rect">
-            <a:avLst/>
-          </a:prstGeom>
-          <a:solidFill>
-            <a:srgbClr val="CF3338"/>
-          </a:solidFill>
-        </p:spPr>
-        <p:style>
-          <a:lnRef idx="2">
-            <a:schemeClr val="accent1">
-              <a:shade val="50000"/>
-            </a:schemeClr>
-          </a:lnRef>
-          <a:fillRef idx="1">
-            <a:schemeClr val="accent1"/>
-          </a:fillRef>
-          <a:effectRef idx="0">
-            <a:schemeClr val="accent1"/>
-          </a:effectRef>
-          <a:fontRef idx="minor">
-            <a:schemeClr val="lt1"/>
-          </a:fontRef>
-        </p:style>
-        <p:txBody>
-          <a:bodyPr rtlCol="0" anchor="ctr"/>
-          <a:lstStyle/>
-          <a:p>
-            <a:pPr algn="ctr"/>
-            <a:endParaRPr lang="en-US"/>
-          </a:p>
-        </p:txBody>
-      </p:sp>
-      <p:sp>
-        <p:nvSpPr>
-          <p:cNvPr id="5" name="TextBox 4"/>
-          <p:cNvSpPr txBox="1"/>
-          <p:nvPr/>
-        </p:nvSpPr>
-        <p:spPr>
-          <a:xfrm>
-            <a:off x="520861" y="393539"/>
             <a:ext cx="10324617" cy="1107996"/>
           </a:xfrm>
           <a:prstGeom prst="rect">
@@ -8160,7 +6517,7 @@
 </p:sld>
 </file>
 
-<file path=ppt/slides/slide17.xml><?xml version="1.0" encoding="utf-8"?>
+<file path=ppt/slides/slide12.xml><?xml version="1.0" encoding="utf-8"?>
 <p:sld xmlns:a="http://schemas.openxmlformats.org/drawingml/2006/main" xmlns:r="http://schemas.openxmlformats.org/officeDocument/2006/relationships" xmlns:p="http://schemas.openxmlformats.org/presentationml/2006/main">
   <p:cSld>
     <p:spTree>
@@ -8391,7 +6748,7 @@
 </p:sld>
 </file>
 
-<file path=ppt/slides/slide18.xml><?xml version="1.0" encoding="utf-8"?>
+<file path=ppt/slides/slide13.xml><?xml version="1.0" encoding="utf-8"?>
 <p:sld xmlns:a="http://schemas.openxmlformats.org/drawingml/2006/main" xmlns:r="http://schemas.openxmlformats.org/officeDocument/2006/relationships" xmlns:p="http://schemas.openxmlformats.org/presentationml/2006/main">
   <p:cSld>
     <p:spTree>
@@ -8564,7 +6921,7 @@
 </p:sld>
 </file>
 
-<file path=ppt/slides/slide19.xml><?xml version="1.0" encoding="utf-8"?>
+<file path=ppt/slides/slide14.xml><?xml version="1.0" encoding="utf-8"?>
 <p:sld xmlns:a="http://schemas.openxmlformats.org/drawingml/2006/main" xmlns:r="http://schemas.openxmlformats.org/officeDocument/2006/relationships" xmlns:p="http://schemas.openxmlformats.org/presentationml/2006/main">
   <p:cSld>
     <p:spTree>
@@ -8792,7 +7149,7 @@
         <p:spPr>
           <a:xfrm>
             <a:off x="462987" y="1365813"/>
-            <a:ext cx="9595413" cy="1384995"/>
+            <a:ext cx="9595413" cy="2246769"/>
           </a:xfrm>
           <a:prstGeom prst="rect">
             <a:avLst/>
@@ -8831,7 +7188,37 @@
                 </a:solidFill>
                 <a:latin typeface="Pragmatica" panose="020B0403040502020204" pitchFamily="34" charset="0"/>
               </a:rPr>
-              <a:t>How does Python fit into Microsoft’s? </a:t>
+              <a:t>How does Python fit into Microsoft’s?</a:t>
+            </a:r>
+          </a:p>
+          <a:p>
+            <a:pPr marL="742950" lvl="1" indent="-285750">
+              <a:buFont typeface="Arial" panose="020B0604020202020204" pitchFamily="34" charset="0"/>
+              <a:buChar char="•"/>
+            </a:pPr>
+            <a:r>
+              <a:rPr lang="en-US" sz="2800" dirty="0">
+                <a:solidFill>
+                  <a:srgbClr val="707070"/>
+                </a:solidFill>
+                <a:latin typeface="Pragmatica" panose="020B0403040502020204" pitchFamily="34" charset="0"/>
+              </a:rPr>
+              <a:t>Excel</a:t>
+            </a:r>
+          </a:p>
+          <a:p>
+            <a:pPr marL="742950" lvl="1" indent="-285750">
+              <a:buFont typeface="Arial" panose="020B0604020202020204" pitchFamily="34" charset="0"/>
+              <a:buChar char="•"/>
+            </a:pPr>
+            <a:r>
+              <a:rPr lang="en-US" sz="2800" dirty="0">
+                <a:solidFill>
+                  <a:srgbClr val="707070"/>
+                </a:solidFill>
+                <a:latin typeface="Pragmatica" panose="020B0403040502020204" pitchFamily="34" charset="0"/>
+              </a:rPr>
+              <a:t>Power BI </a:t>
             </a:r>
           </a:p>
           <a:p>
@@ -10102,7 +8489,7 @@
         <p:spPr>
           <a:xfrm>
             <a:off x="6283510" y="2449546"/>
-            <a:ext cx="5511093" cy="2677656"/>
+            <a:ext cx="5511093" cy="3108543"/>
           </a:xfrm>
           <a:prstGeom prst="rect">
             <a:avLst/>
@@ -10126,7 +8513,7 @@
                 </a:solidFill>
                 <a:latin typeface="Pragmatica" panose="020B0403040502020204" pitchFamily="34" charset="0"/>
               </a:rPr>
-              <a:t>Remote or unstructured data sources</a:t>
+              <a:t>Remote or unstructured data sources (APIs, images, audio)</a:t>
             </a:r>
           </a:p>
           <a:p>
@@ -10172,6 +8559,21 @@
                 <a:latin typeface="Pragmatica" panose="020B0403040502020204" pitchFamily="34" charset="0"/>
               </a:rPr>
               <a:t>Visualizations</a:t>
+            </a:r>
+          </a:p>
+          <a:p>
+            <a:pPr marL="285750" indent="-285750">
+              <a:buFont typeface="Arial" panose="020B0604020202020204" pitchFamily="34" charset="0"/>
+              <a:buChar char="•"/>
+            </a:pPr>
+            <a:r>
+              <a:rPr lang="en-US" sz="2800" dirty="0">
+                <a:solidFill>
+                  <a:srgbClr val="707070"/>
+                </a:solidFill>
+                <a:latin typeface="Pragmatica" panose="020B0403040502020204" pitchFamily="34" charset="0"/>
+              </a:rPr>
+              <a:t>Machine learning</a:t>
             </a:r>
           </a:p>
         </p:txBody>
